--- a/Etudiants/Corentin/RDP n°1.pptx
+++ b/Etudiants/Corentin/RDP n°1.pptx
@@ -6,10 +6,11 @@
   </p:sldMasterIdLst>
   <p:sldIdLst>
     <p:sldId id="261" r:id="rId2"/>
-    <p:sldId id="259" r:id="rId3"/>
+    <p:sldId id="263" r:id="rId3"/>
     <p:sldId id="260" r:id="rId4"/>
     <p:sldId id="257" r:id="rId5"/>
-    <p:sldId id="258" r:id="rId6"/>
+    <p:sldId id="262" r:id="rId6"/>
+    <p:sldId id="264" r:id="rId7"/>
   </p:sldIdLst>
   <p:sldSz cx="12192000" cy="6858000"/>
   <p:notesSz cx="6858000" cy="9144000"/>
@@ -108,6 +109,11 @@
       </a:defRPr>
     </a:lvl9pPr>
   </p:defaultTextStyle>
+  <p:extLst>
+    <p:ext uri="{EFAFB233-063F-42B5-8137-9DF3F51BA10A}">
+      <p15:sldGuideLst xmlns:p15="http://schemas.microsoft.com/office/powerpoint/2012/main"/>
+    </p:ext>
+  </p:extLst>
 </p:presentation>
 </file>
 
@@ -258,7 +264,7 @@
           <a:p>
             <a:fld id="{AA92B0C3-5411-4C12-BD91-D4B590CCAF40}" type="datetimeFigureOut">
               <a:rPr lang="fr-FR" smtClean="0"/>
-              <a:t>28/01/2020</a:t>
+              <a:t>29/01/2020</a:t>
             </a:fld>
             <a:endParaRPr lang="fr-FR"/>
           </a:p>
@@ -456,7 +462,7 @@
           <a:p>
             <a:fld id="{AA92B0C3-5411-4C12-BD91-D4B590CCAF40}" type="datetimeFigureOut">
               <a:rPr lang="fr-FR" smtClean="0"/>
-              <a:t>28/01/2020</a:t>
+              <a:t>29/01/2020</a:t>
             </a:fld>
             <a:endParaRPr lang="fr-FR"/>
           </a:p>
@@ -664,7 +670,7 @@
           <a:p>
             <a:fld id="{AA92B0C3-5411-4C12-BD91-D4B590CCAF40}" type="datetimeFigureOut">
               <a:rPr lang="fr-FR" smtClean="0"/>
-              <a:t>28/01/2020</a:t>
+              <a:t>29/01/2020</a:t>
             </a:fld>
             <a:endParaRPr lang="fr-FR"/>
           </a:p>
@@ -862,7 +868,7 @@
           <a:p>
             <a:fld id="{AA92B0C3-5411-4C12-BD91-D4B590CCAF40}" type="datetimeFigureOut">
               <a:rPr lang="fr-FR" smtClean="0"/>
-              <a:t>28/01/2020</a:t>
+              <a:t>29/01/2020</a:t>
             </a:fld>
             <a:endParaRPr lang="fr-FR"/>
           </a:p>
@@ -1137,7 +1143,7 @@
           <a:p>
             <a:fld id="{AA92B0C3-5411-4C12-BD91-D4B590CCAF40}" type="datetimeFigureOut">
               <a:rPr lang="fr-FR" smtClean="0"/>
-              <a:t>28/01/2020</a:t>
+              <a:t>29/01/2020</a:t>
             </a:fld>
             <a:endParaRPr lang="fr-FR"/>
           </a:p>
@@ -1402,7 +1408,7 @@
           <a:p>
             <a:fld id="{AA92B0C3-5411-4C12-BD91-D4B590CCAF40}" type="datetimeFigureOut">
               <a:rPr lang="fr-FR" smtClean="0"/>
-              <a:t>28/01/2020</a:t>
+              <a:t>29/01/2020</a:t>
             </a:fld>
             <a:endParaRPr lang="fr-FR"/>
           </a:p>
@@ -1814,7 +1820,7 @@
           <a:p>
             <a:fld id="{AA92B0C3-5411-4C12-BD91-D4B590CCAF40}" type="datetimeFigureOut">
               <a:rPr lang="fr-FR" smtClean="0"/>
-              <a:t>28/01/2020</a:t>
+              <a:t>29/01/2020</a:t>
             </a:fld>
             <a:endParaRPr lang="fr-FR"/>
           </a:p>
@@ -1955,7 +1961,7 @@
           <a:p>
             <a:fld id="{AA92B0C3-5411-4C12-BD91-D4B590CCAF40}" type="datetimeFigureOut">
               <a:rPr lang="fr-FR" smtClean="0"/>
-              <a:t>28/01/2020</a:t>
+              <a:t>29/01/2020</a:t>
             </a:fld>
             <a:endParaRPr lang="fr-FR"/>
           </a:p>
@@ -2068,7 +2074,7 @@
           <a:p>
             <a:fld id="{AA92B0C3-5411-4C12-BD91-D4B590CCAF40}" type="datetimeFigureOut">
               <a:rPr lang="fr-FR" smtClean="0"/>
-              <a:t>28/01/2020</a:t>
+              <a:t>29/01/2020</a:t>
             </a:fld>
             <a:endParaRPr lang="fr-FR"/>
           </a:p>
@@ -2379,7 +2385,7 @@
           <a:p>
             <a:fld id="{AA92B0C3-5411-4C12-BD91-D4B590CCAF40}" type="datetimeFigureOut">
               <a:rPr lang="fr-FR" smtClean="0"/>
-              <a:t>28/01/2020</a:t>
+              <a:t>29/01/2020</a:t>
             </a:fld>
             <a:endParaRPr lang="fr-FR"/>
           </a:p>
@@ -2667,7 +2673,7 @@
           <a:p>
             <a:fld id="{AA92B0C3-5411-4C12-BD91-D4B590CCAF40}" type="datetimeFigureOut">
               <a:rPr lang="fr-FR" smtClean="0"/>
-              <a:t>28/01/2020</a:t>
+              <a:t>29/01/2020</a:t>
             </a:fld>
             <a:endParaRPr lang="fr-FR"/>
           </a:p>
@@ -2908,7 +2914,7 @@
           <a:p>
             <a:fld id="{AA92B0C3-5411-4C12-BD91-D4B590CCAF40}" type="datetimeFigureOut">
               <a:rPr lang="fr-FR" smtClean="0"/>
-              <a:t>28/01/2020</a:t>
+              <a:t>29/01/2020</a:t>
             </a:fld>
             <a:endParaRPr lang="fr-FR"/>
           </a:p>
@@ -3371,6 +3377,14 @@
 <file path=ppt/slides/slide2.xml><?xml version="1.0" encoding="utf-8"?>
 <p:sld xmlns:a="http://schemas.openxmlformats.org/drawingml/2006/main" xmlns:r="http://schemas.openxmlformats.org/officeDocument/2006/relationships" xmlns:p="http://schemas.openxmlformats.org/presentationml/2006/main">
   <p:cSld>
+    <p:bg>
+      <p:bgPr>
+        <a:solidFill>
+          <a:schemeClr val="bg1"/>
+        </a:solidFill>
+        <a:effectLst/>
+      </p:bgPr>
+    </p:bg>
     <p:spTree>
       <p:nvGrpSpPr>
         <p:cNvPr id="1" name=""/>
@@ -3385,169 +3399,507 @@
           <a:chExt cx="0" cy="0"/>
         </a:xfrm>
       </p:grpSpPr>
-      <p:sp>
-        <p:nvSpPr>
-          <p:cNvPr id="2" name="Titre 1">
-            <a:extLst>
-              <a:ext uri="{FF2B5EF4-FFF2-40B4-BE49-F238E27FC236}">
-                <a16:creationId xmlns:a16="http://schemas.microsoft.com/office/drawing/2014/main" id="{7EB3D892-8104-4174-AB8A-1E0F840AF168}"/>
-              </a:ext>
-            </a:extLst>
-          </p:cNvPr>
-          <p:cNvSpPr>
-            <a:spLocks noGrp="1"/>
-          </p:cNvSpPr>
-          <p:nvPr>
-            <p:ph type="ctrTitle"/>
-          </p:nvPr>
-        </p:nvSpPr>
+      <p:pic>
+        <p:nvPicPr>
+          <p:cNvPr id="4" name="Espace réservé du contenu 3" descr="Une image contenant table, paire&#10;&#10;Description générée automatiquement">
+            <a:extLst>
+              <a:ext uri="{FF2B5EF4-FFF2-40B4-BE49-F238E27FC236}">
+                <a16:creationId xmlns:a16="http://schemas.microsoft.com/office/drawing/2014/main" id="{1A19FD35-A489-4DC8-937C-BF65968057C7}"/>
+              </a:ext>
+            </a:extLst>
+          </p:cNvPr>
+          <p:cNvPicPr>
+            <a:picLocks noGrp="1" noChangeAspect="1"/>
+          </p:cNvPicPr>
+          <p:nvPr>
+            <p:ph idx="1"/>
+          </p:nvPr>
+        </p:nvPicPr>
+        <p:blipFill rotWithShape="1">
+          <a:blip r:embed="rId2">
+            <a:extLst>
+              <a:ext uri="{28A0092B-C50C-407E-A947-70E740481C1C}">
+                <a14:useLocalDpi xmlns:a14="http://schemas.microsoft.com/office/drawing/2010/main" val="0"/>
+              </a:ext>
+            </a:extLst>
+          </a:blip>
+          <a:srcRect t="6250"/>
+          <a:stretch/>
+        </p:blipFill>
         <p:spPr>
           <a:xfrm>
-            <a:off x="1524000" y="0"/>
-            <a:ext cx="9144000" cy="2048256"/>
+            <a:off x="0" y="-44910"/>
+            <a:ext cx="12192000" cy="6855958"/>
+          </a:xfrm>
+          <a:prstGeom prst="rect">
+            <a:avLst/>
+          </a:prstGeom>
+        </p:spPr>
+      </p:pic>
+      <p:sp>
+        <p:nvSpPr>
+          <p:cNvPr id="27" name="Freeform 5">
+            <a:extLst>
+              <a:ext uri="{FF2B5EF4-FFF2-40B4-BE49-F238E27FC236}">
+                <a16:creationId xmlns:a16="http://schemas.microsoft.com/office/drawing/2014/main" id="{3CD9DF72-87A3-404E-A828-84CBF11A8303}"/>
+              </a:ext>
+              <a:ext uri="{C183D7F6-B498-43B3-948B-1728B52AA6E4}">
+                <adec:decorative xmlns:adec="http://schemas.microsoft.com/office/drawing/2017/decorative" val="1"/>
+              </a:ext>
+            </a:extLst>
+          </p:cNvPr>
+          <p:cNvSpPr>
+            <a:spLocks noGrp="1" noRot="1" noChangeAspect="1" noMove="1" noResize="1" noEditPoints="1" noAdjustHandles="1" noChangeArrowheads="1" noChangeShapeType="1" noTextEdit="1"/>
+          </p:cNvSpPr>
+          <p:nvPr>
+            <p:extLst>
+              <p:ext uri="{386F3935-93C4-4BCD-93E2-E3B085C9AB24}">
+                <p16:designElem xmlns:p16="http://schemas.microsoft.com/office/powerpoint/2015/main" val="1"/>
+              </p:ext>
+            </p:extLst>
+          </p:nvPr>
+        </p:nvSpPr>
+        <p:spPr bwMode="grayWhite">
+          <a:xfrm flipH="1">
+            <a:off x="0" y="998175"/>
+            <a:ext cx="6017172" cy="5859825"/>
+          </a:xfrm>
+          <a:custGeom>
+            <a:avLst/>
+            <a:gdLst>
+              <a:gd name="T0" fmla="*/ 1333 w 1333"/>
+              <a:gd name="T1" fmla="*/ 1031 h 1298"/>
+              <a:gd name="T2" fmla="*/ 1333 w 1333"/>
+              <a:gd name="T3" fmla="*/ 380 h 1298"/>
+              <a:gd name="T4" fmla="*/ 706 w 1333"/>
+              <a:gd name="T5" fmla="*/ 0 h 1298"/>
+              <a:gd name="T6" fmla="*/ 0 w 1333"/>
+              <a:gd name="T7" fmla="*/ 706 h 1298"/>
+              <a:gd name="T8" fmla="*/ 323 w 1333"/>
+              <a:gd name="T9" fmla="*/ 1298 h 1298"/>
+              <a:gd name="T10" fmla="*/ 1090 w 1333"/>
+              <a:gd name="T11" fmla="*/ 1298 h 1298"/>
+              <a:gd name="T12" fmla="*/ 1333 w 1333"/>
+              <a:gd name="T13" fmla="*/ 1031 h 1298"/>
+            </a:gdLst>
+            <a:ahLst/>
+            <a:cxnLst>
+              <a:cxn ang="0">
+                <a:pos x="T0" y="T1"/>
+              </a:cxn>
+              <a:cxn ang="0">
+                <a:pos x="T2" y="T3"/>
+              </a:cxn>
+              <a:cxn ang="0">
+                <a:pos x="T4" y="T5"/>
+              </a:cxn>
+              <a:cxn ang="0">
+                <a:pos x="T6" y="T7"/>
+              </a:cxn>
+              <a:cxn ang="0">
+                <a:pos x="T8" y="T9"/>
+              </a:cxn>
+              <a:cxn ang="0">
+                <a:pos x="T10" y="T11"/>
+              </a:cxn>
+              <a:cxn ang="0">
+                <a:pos x="T12" y="T13"/>
+              </a:cxn>
+            </a:cxnLst>
+            <a:rect l="0" t="0" r="r" b="b"/>
+            <a:pathLst>
+              <a:path w="1333" h="1298">
+                <a:moveTo>
+                  <a:pt x="1333" y="1031"/>
+                </a:moveTo>
+                <a:cubicBezTo>
+                  <a:pt x="1333" y="380"/>
+                  <a:pt x="1333" y="380"/>
+                  <a:pt x="1333" y="380"/>
+                </a:cubicBezTo>
+                <a:cubicBezTo>
+                  <a:pt x="1215" y="154"/>
+                  <a:pt x="979" y="0"/>
+                  <a:pt x="706" y="0"/>
+                </a:cubicBezTo>
+                <a:cubicBezTo>
+                  <a:pt x="317" y="0"/>
+                  <a:pt x="0" y="316"/>
+                  <a:pt x="0" y="706"/>
+                </a:cubicBezTo>
+                <a:cubicBezTo>
+                  <a:pt x="0" y="954"/>
+                  <a:pt x="129" y="1172"/>
+                  <a:pt x="323" y="1298"/>
+                </a:cubicBezTo>
+                <a:cubicBezTo>
+                  <a:pt x="1090" y="1298"/>
+                  <a:pt x="1090" y="1298"/>
+                  <a:pt x="1090" y="1298"/>
+                </a:cubicBezTo>
+                <a:cubicBezTo>
+                  <a:pt x="1193" y="1232"/>
+                  <a:pt x="1276" y="1140"/>
+                  <a:pt x="1333" y="1031"/>
+                </a:cubicBezTo>
+                <a:close/>
+              </a:path>
+            </a:pathLst>
+          </a:custGeom>
+          <a:solidFill>
+            <a:schemeClr val="bg1">
+              <a:alpha val="75000"/>
+            </a:schemeClr>
+          </a:solidFill>
+          <a:ln w="50800" cap="sq" cmpd="dbl">
+            <a:noFill/>
+            <a:miter lim="800000"/>
+          </a:ln>
+          <a:effectLst/>
+        </p:spPr>
+        <p:txBody>
+          <a:bodyPr vert="horz" lIns="91440" tIns="45720" rIns="91440" bIns="45720" rtlCol="0" anchor="t">
+            <a:normAutofit/>
+          </a:bodyPr>
+          <a:lstStyle/>
+          <a:p>
+            <a:pPr algn="ctr">
+              <a:spcAft>
+                <a:spcPts val="1000"/>
+              </a:spcAft>
+              <a:buClr>
+                <a:schemeClr val="tx1"/>
+              </a:buClr>
+              <a:buSzPct val="100000"/>
+              <a:buFont typeface="Arial"/>
+              <a:buNone/>
+            </a:pPr>
+            <a:endParaRPr lang="en-US" sz="1600" cap="all"/>
+          </a:p>
+        </p:txBody>
+      </p:sp>
+      <p:sp>
+        <p:nvSpPr>
+          <p:cNvPr id="2" name="Titre 1">
+            <a:extLst>
+              <a:ext uri="{FF2B5EF4-FFF2-40B4-BE49-F238E27FC236}">
+                <a16:creationId xmlns:a16="http://schemas.microsoft.com/office/drawing/2014/main" id="{F0FFC3D5-D02E-4246-A076-5A8E3A3F3F12}"/>
+              </a:ext>
+            </a:extLst>
+          </p:cNvPr>
+          <p:cNvSpPr>
+            <a:spLocks noGrp="1"/>
+          </p:cNvSpPr>
+          <p:nvPr>
+            <p:ph type="title"/>
+          </p:nvPr>
+        </p:nvSpPr>
+        <p:spPr>
+          <a:xfrm>
+            <a:off x="652692" y="2086246"/>
+            <a:ext cx="4385652" cy="1342754"/>
           </a:xfrm>
         </p:spPr>
         <p:txBody>
-          <a:bodyPr/>
-          <a:lstStyle/>
-          <a:p>
-            <a:r>
-              <a:rPr lang="fr-FR" dirty="0">
+          <a:bodyPr vert="horz" lIns="91440" tIns="45720" rIns="91440" bIns="45720" rtlCol="0" anchor="ctr">
+            <a:normAutofit/>
+          </a:bodyPr>
+          <a:lstStyle/>
+          <a:p>
+            <a:pPr algn="ctr"/>
+            <a:r>
+              <a:rPr lang="en-US" sz="3600" b="1" dirty="0">
                 <a:solidFill>
                   <a:srgbClr val="FF0000"/>
                 </a:solidFill>
               </a:rPr>
-              <a:t>Dates importantes !</a:t>
-            </a:r>
-            <a:br>
-              <a:rPr lang="fr-FR" dirty="0">
-                <a:solidFill>
-                  <a:srgbClr val="FF0000"/>
-                </a:solidFill>
-              </a:rPr>
-            </a:br>
-            <a:endParaRPr lang="fr-FR" dirty="0">
-              <a:solidFill>
-                <a:srgbClr val="FF0000"/>
-              </a:solidFill>
-            </a:endParaRPr>
-          </a:p>
-        </p:txBody>
-      </p:sp>
-      <p:sp>
-        <p:nvSpPr>
-          <p:cNvPr id="3" name="Sous-titre 2">
-            <a:extLst>
-              <a:ext uri="{FF2B5EF4-FFF2-40B4-BE49-F238E27FC236}">
-                <a16:creationId xmlns:a16="http://schemas.microsoft.com/office/drawing/2014/main" id="{A21FDAF8-EBA0-4490-875C-935375E5E535}"/>
-              </a:ext>
-            </a:extLst>
-          </p:cNvPr>
-          <p:cNvSpPr>
-            <a:spLocks noGrp="1"/>
-          </p:cNvSpPr>
-          <p:nvPr>
-            <p:ph type="subTitle" idx="1"/>
-          </p:nvPr>
-        </p:nvSpPr>
+              <a:t>Les dates importantes:</a:t>
+            </a:r>
+          </a:p>
+        </p:txBody>
+      </p:sp>
+      <p:cxnSp>
+        <p:nvCxnSpPr>
+          <p:cNvPr id="29" name="Straight Connector 28">
+            <a:extLst>
+              <a:ext uri="{FF2B5EF4-FFF2-40B4-BE49-F238E27FC236}">
+                <a16:creationId xmlns:a16="http://schemas.microsoft.com/office/drawing/2014/main" id="{20E3A342-4D61-4E3F-AF90-1AB42AEB96CC}"/>
+              </a:ext>
+              <a:ext uri="{C183D7F6-B498-43B3-948B-1728B52AA6E4}">
+                <adec:decorative xmlns:adec="http://schemas.microsoft.com/office/drawing/2017/decorative" val="1"/>
+              </a:ext>
+            </a:extLst>
+          </p:cNvPr>
+          <p:cNvCxnSpPr>
+            <a:cxnSpLocks noGrp="1" noRot="1" noChangeAspect="1" noMove="1" noResize="1" noEditPoints="1" noAdjustHandles="1" noChangeArrowheads="1" noChangeShapeType="1"/>
+          </p:cNvCxnSpPr>
+          <p:nvPr>
+            <p:extLst>
+              <p:ext uri="{386F3935-93C4-4BCD-93E2-E3B085C9AB24}">
+                <p16:designElem xmlns:p16="http://schemas.microsoft.com/office/powerpoint/2015/main" val="1"/>
+              </p:ext>
+            </p:extLst>
+          </p:nvPr>
+        </p:nvCxnSpPr>
         <p:spPr>
           <a:xfrm>
-            <a:off x="0" y="1828800"/>
-            <a:ext cx="10668000" cy="5029200"/>
+            <a:off x="2287051" y="3337139"/>
+            <a:ext cx="935420" cy="0"/>
           </a:xfrm>
+          <a:prstGeom prst="line">
+            <a:avLst/>
+          </a:prstGeom>
+          <a:ln w="25400" cap="sq">
+            <a:solidFill>
+              <a:schemeClr val="tx1">
+                <a:lumMod val="85000"/>
+                <a:lumOff val="15000"/>
+              </a:schemeClr>
+            </a:solidFill>
+            <a:bevel/>
+          </a:ln>
         </p:spPr>
-        <p:txBody>
-          <a:bodyPr>
-            <a:normAutofit fontScale="92500" lnSpcReduction="20000"/>
+        <p:style>
+          <a:lnRef idx="1">
+            <a:schemeClr val="accent1"/>
+          </a:lnRef>
+          <a:fillRef idx="0">
+            <a:schemeClr val="accent1"/>
+          </a:fillRef>
+          <a:effectRef idx="0">
+            <a:schemeClr val="accent1"/>
+          </a:effectRef>
+          <a:fontRef idx="minor">
+            <a:schemeClr val="tx1"/>
+          </a:fontRef>
+        </p:style>
+      </p:cxnSp>
+      <p:sp>
+        <p:nvSpPr>
+          <p:cNvPr id="6" name="ZoneTexte 5">
+            <a:extLst>
+              <a:ext uri="{FF2B5EF4-FFF2-40B4-BE49-F238E27FC236}">
+                <a16:creationId xmlns:a16="http://schemas.microsoft.com/office/drawing/2014/main" id="{4026A262-B04C-4766-8579-8035D4E2CB09}"/>
+              </a:ext>
+            </a:extLst>
+          </p:cNvPr>
+          <p:cNvSpPr txBox="1"/>
+          <p:nvPr/>
+        </p:nvSpPr>
+        <p:spPr>
+          <a:xfrm>
+            <a:off x="652692" y="3428998"/>
+            <a:ext cx="4458804" cy="3530197"/>
+          </a:xfrm>
+          <a:prstGeom prst="rect">
+            <a:avLst/>
+          </a:prstGeom>
+          <a:noFill/>
+        </p:spPr>
+        <p:txBody>
+          <a:bodyPr wrap="square" rtlCol="0">
+            <a:spAutoFit/>
           </a:bodyPr>
           <a:lstStyle/>
           <a:p>
-            <a:pPr algn="l"/>
-            <a:r>
-              <a:rPr lang="fr-FR" dirty="0"/>
-              <a:t>	-Début du projet : semaine 3 (14 janvier 2020) </a:t>
-            </a:r>
-          </a:p>
-          <a:p>
-            <a:pPr algn="l"/>
+            <a:pPr indent="-228600">
+              <a:lnSpc>
+                <a:spcPct val="90000"/>
+              </a:lnSpc>
+              <a:spcAft>
+                <a:spcPts val="600"/>
+              </a:spcAft>
+              <a:buFont typeface="Arial" panose="020B0604020202020204" pitchFamily="34" charset="0"/>
+              <a:buChar char="•"/>
+            </a:pPr>
+            <a:r>
+              <a:rPr lang="en-US" sz="1200" b="1" dirty="0"/>
+              <a:t>Début du projet : semaine 3 (14 janvier 2020) </a:t>
+            </a:r>
+          </a:p>
+          <a:p>
+            <a:pPr indent="-228600">
+              <a:lnSpc>
+                <a:spcPct val="90000"/>
+              </a:lnSpc>
+              <a:spcAft>
+                <a:spcPts val="600"/>
+              </a:spcAft>
+              <a:buFont typeface="Arial" panose="020B0604020202020204" pitchFamily="34" charset="0"/>
+              <a:buChar char="•"/>
+            </a:pPr>
+            <a:endParaRPr lang="en-US" sz="1200" b="1" dirty="0"/>
+          </a:p>
+          <a:p>
+            <a:pPr indent="-228600">
+              <a:lnSpc>
+                <a:spcPct val="90000"/>
+              </a:lnSpc>
+              <a:spcAft>
+                <a:spcPts val="600"/>
+              </a:spcAft>
+              <a:buFont typeface="Arial" panose="020B0604020202020204" pitchFamily="34" charset="0"/>
+              <a:buChar char="•"/>
+            </a:pPr>
+            <a:r>
+              <a:rPr lang="en-US" sz="1200" b="1" dirty="0"/>
+              <a:t>Revue 1 (R1) : semaine 6 (3 février 2020)  </a:t>
+            </a:r>
+          </a:p>
+          <a:p>
+            <a:pPr indent="-228600">
+              <a:lnSpc>
+                <a:spcPct val="90000"/>
+              </a:lnSpc>
+              <a:spcAft>
+                <a:spcPts val="600"/>
+              </a:spcAft>
+              <a:buFont typeface="Arial" panose="020B0604020202020204" pitchFamily="34" charset="0"/>
+              <a:buChar char="•"/>
+            </a:pPr>
+            <a:endParaRPr lang="en-US" sz="1200" b="1" dirty="0"/>
+          </a:p>
+          <a:p>
+            <a:pPr indent="-228600">
+              <a:lnSpc>
+                <a:spcPct val="90000"/>
+              </a:lnSpc>
+              <a:spcAft>
+                <a:spcPts val="600"/>
+              </a:spcAft>
+              <a:buFont typeface="Arial" panose="020B0604020202020204" pitchFamily="34" charset="0"/>
+              <a:buChar char="•"/>
+            </a:pPr>
+            <a:r>
+              <a:rPr lang="en-US" sz="1200" b="1" dirty="0"/>
+              <a:t>Revue 2 (R2) : semaine 12 (16 mars 2020) </a:t>
+            </a:r>
+          </a:p>
+          <a:p>
+            <a:pPr indent="-228600">
+              <a:lnSpc>
+                <a:spcPct val="90000"/>
+              </a:lnSpc>
+              <a:spcAft>
+                <a:spcPts val="600"/>
+              </a:spcAft>
+              <a:buFont typeface="Arial" panose="020B0604020202020204" pitchFamily="34" charset="0"/>
+              <a:buChar char="•"/>
+            </a:pPr>
+            <a:endParaRPr lang="en-US" sz="1200" b="1" dirty="0"/>
+          </a:p>
+          <a:p>
+            <a:pPr indent="-228600">
+              <a:lnSpc>
+                <a:spcPct val="90000"/>
+              </a:lnSpc>
+              <a:spcAft>
+                <a:spcPts val="600"/>
+              </a:spcAft>
+              <a:buFont typeface="Arial" panose="020B0604020202020204" pitchFamily="34" charset="0"/>
+              <a:buChar char="•"/>
+            </a:pPr>
+            <a:r>
+              <a:rPr lang="en-US" sz="1200" b="1" dirty="0"/>
+              <a:t>Revue 3 (R3) : semaine 20 (11 mai 2020) </a:t>
+            </a:r>
+          </a:p>
+          <a:p>
+            <a:pPr indent="-228600">
+              <a:lnSpc>
+                <a:spcPct val="90000"/>
+              </a:lnSpc>
+              <a:spcAft>
+                <a:spcPts val="600"/>
+              </a:spcAft>
+              <a:buFont typeface="Arial" panose="020B0604020202020204" pitchFamily="34" charset="0"/>
+              <a:buChar char="•"/>
+            </a:pPr>
+            <a:endParaRPr lang="en-US" sz="1200" b="1" dirty="0"/>
+          </a:p>
+          <a:p>
+            <a:pPr indent="-228600">
+              <a:lnSpc>
+                <a:spcPct val="90000"/>
+              </a:lnSpc>
+              <a:spcAft>
+                <a:spcPts val="600"/>
+              </a:spcAft>
+              <a:buFont typeface="Arial" panose="020B0604020202020204" pitchFamily="34" charset="0"/>
+              <a:buChar char="•"/>
+            </a:pPr>
+            <a:r>
+              <a:rPr lang="en-US" sz="1200" b="1" dirty="0"/>
+              <a:t>Remise du projet (Re) : selon dates officielles </a:t>
+            </a:r>
+          </a:p>
+          <a:p>
+            <a:pPr indent="-228600">
+              <a:lnSpc>
+                <a:spcPct val="90000"/>
+              </a:lnSpc>
+              <a:spcAft>
+                <a:spcPts val="600"/>
+              </a:spcAft>
+              <a:buFont typeface="Arial" panose="020B0604020202020204" pitchFamily="34" charset="0"/>
+              <a:buChar char="•"/>
+            </a:pPr>
+            <a:endParaRPr lang="en-US" sz="1200" b="1" dirty="0"/>
+          </a:p>
+          <a:p>
+            <a:pPr indent="-228600">
+              <a:lnSpc>
+                <a:spcPct val="90000"/>
+              </a:lnSpc>
+              <a:spcAft>
+                <a:spcPts val="600"/>
+              </a:spcAft>
+              <a:buFont typeface="Arial" panose="020B0604020202020204" pitchFamily="34" charset="0"/>
+              <a:buChar char="•"/>
+            </a:pPr>
+            <a:r>
+              <a:rPr lang="en-US" sz="1200" b="1" dirty="0"/>
+              <a:t>Soutenance finale (Sf) : selon dates officielles </a:t>
+            </a:r>
+          </a:p>
+          <a:p>
+            <a:pPr indent="-228600">
+              <a:lnSpc>
+                <a:spcPct val="90000"/>
+              </a:lnSpc>
+              <a:spcAft>
+                <a:spcPts val="600"/>
+              </a:spcAft>
+              <a:buFont typeface="Arial" panose="020B0604020202020204" pitchFamily="34" charset="0"/>
+              <a:buChar char="•"/>
+            </a:pPr>
+            <a:endParaRPr lang="en-US" sz="1200" b="1" dirty="0"/>
+          </a:p>
+          <a:p>
+            <a:pPr indent="-228600">
+              <a:lnSpc>
+                <a:spcPct val="90000"/>
+              </a:lnSpc>
+              <a:spcAft>
+                <a:spcPts val="600"/>
+              </a:spcAft>
+              <a:buFont typeface="Arial" panose="020B0604020202020204" pitchFamily="34" charset="0"/>
+              <a:buChar char="•"/>
+            </a:pPr>
+            <a:r>
+              <a:rPr lang="en-US" sz="1200" b="1" dirty="0"/>
+              <a:t>Livraison (Li) : Semaine 26 (22 Juin 2020)</a:t>
+            </a:r>
+          </a:p>
+          <a:p>
             <a:endParaRPr lang="fr-FR" dirty="0"/>
-          </a:p>
-          <a:p>
-            <a:pPr algn="l"/>
-            <a:r>
-              <a:rPr lang="fr-FR" dirty="0"/>
-              <a:t>	-Revue 1 (R1) : semaine 6 (3 février 2020)  </a:t>
-            </a:r>
-          </a:p>
-          <a:p>
-            <a:pPr algn="l"/>
-            <a:endParaRPr lang="fr-FR" dirty="0"/>
-          </a:p>
-          <a:p>
-            <a:pPr algn="l"/>
-            <a:r>
-              <a:rPr lang="fr-FR" dirty="0"/>
-              <a:t>	-Revue 2 (R2) : semaine 12 (16 mars 2020) </a:t>
-            </a:r>
-          </a:p>
-          <a:p>
-            <a:pPr algn="l"/>
-            <a:endParaRPr lang="fr-FR" dirty="0"/>
-          </a:p>
-          <a:p>
-            <a:pPr algn="l"/>
-            <a:r>
-              <a:rPr lang="fr-FR" dirty="0"/>
-              <a:t>	-Revue 3 (R3) : semaine 20 (11 mai 2020) </a:t>
-            </a:r>
-          </a:p>
-          <a:p>
-            <a:pPr algn="l"/>
-            <a:endParaRPr lang="fr-FR" dirty="0"/>
-          </a:p>
-          <a:p>
-            <a:pPr algn="l"/>
-            <a:r>
-              <a:rPr lang="fr-FR" dirty="0"/>
-              <a:t>	-Remise du projet (Re) : selon dates officielles </a:t>
-            </a:r>
-          </a:p>
-          <a:p>
-            <a:pPr algn="l"/>
-            <a:endParaRPr lang="fr-FR" dirty="0"/>
-          </a:p>
-          <a:p>
-            <a:pPr algn="l"/>
-            <a:r>
-              <a:rPr lang="fr-FR" dirty="0"/>
-              <a:t>	-Soutenance finale (</a:t>
-            </a:r>
-            <a:r>
-              <a:rPr lang="fr-FR" dirty="0" err="1"/>
-              <a:t>Sf</a:t>
-            </a:r>
-            <a:r>
-              <a:rPr lang="fr-FR" dirty="0"/>
-              <a:t>) : selon dates officielles </a:t>
-            </a:r>
-          </a:p>
-          <a:p>
-            <a:pPr algn="l"/>
-            <a:endParaRPr lang="fr-FR" dirty="0"/>
-          </a:p>
-          <a:p>
-            <a:pPr algn="l"/>
-            <a:r>
-              <a:rPr lang="fr-FR" dirty="0"/>
-              <a:t>	-Livraison (Li) : semaine 26 (22 juin 2020) </a:t>
-            </a:r>
           </a:p>
         </p:txBody>
       </p:sp>
     </p:spTree>
     <p:extLst>
       <p:ext uri="{BB962C8B-B14F-4D97-AF65-F5344CB8AC3E}">
-        <p14:creationId xmlns:p14="http://schemas.microsoft.com/office/powerpoint/2010/main" val="4049965684"/>
+        <p14:creationId xmlns:p14="http://schemas.microsoft.com/office/powerpoint/2010/main" val="3480069414"/>
       </p:ext>
     </p:extLst>
   </p:cSld>
@@ -3560,6 +3912,14 @@
 <file path=ppt/slides/slide3.xml><?xml version="1.0" encoding="utf-8"?>
 <p:sld xmlns:a="http://schemas.openxmlformats.org/drawingml/2006/main" xmlns:r="http://schemas.openxmlformats.org/officeDocument/2006/relationships" xmlns:p="http://schemas.openxmlformats.org/presentationml/2006/main">
   <p:cSld>
+    <p:bg>
+      <p:bgPr>
+        <a:solidFill>
+          <a:schemeClr val="bg1"/>
+        </a:solidFill>
+        <a:effectLst/>
+      </p:bgPr>
+    </p:bg>
     <p:spTree>
       <p:nvGrpSpPr>
         <p:cNvPr id="1" name=""/>
@@ -3574,35 +3934,137 @@
           <a:chExt cx="0" cy="0"/>
         </a:xfrm>
       </p:grpSpPr>
-      <p:sp>
-        <p:nvSpPr>
-          <p:cNvPr id="2" name="Titre 1">
-            <a:extLst>
-              <a:ext uri="{FF2B5EF4-FFF2-40B4-BE49-F238E27FC236}">
-                <a16:creationId xmlns:a16="http://schemas.microsoft.com/office/drawing/2014/main" id="{ABD2C8C9-44E3-4877-A71D-9980B2E8E49F}"/>
-              </a:ext>
-            </a:extLst>
-          </p:cNvPr>
-          <p:cNvSpPr>
-            <a:spLocks noGrp="1"/>
-          </p:cNvSpPr>
-          <p:nvPr>
-            <p:ph type="title"/>
-          </p:nvPr>
-        </p:nvSpPr>
+      <p:pic>
+        <p:nvPicPr>
+          <p:cNvPr id="3" name="Image 2" descr="Une image contenant table, paire&#10;&#10;Description générée automatiquement">
+            <a:extLst>
+              <a:ext uri="{FF2B5EF4-FFF2-40B4-BE49-F238E27FC236}">
+                <a16:creationId xmlns:a16="http://schemas.microsoft.com/office/drawing/2014/main" id="{1A96343D-3960-4F53-BAC8-75213E370E9D}"/>
+              </a:ext>
+            </a:extLst>
+          </p:cNvPr>
+          <p:cNvPicPr>
+            <a:picLocks noChangeAspect="1"/>
+          </p:cNvPicPr>
+          <p:nvPr/>
+        </p:nvPicPr>
+        <p:blipFill rotWithShape="1">
+          <a:blip r:embed="rId2">
+            <a:extLst>
+              <a:ext uri="{28A0092B-C50C-407E-A947-70E740481C1C}">
+                <a14:useLocalDpi xmlns:a14="http://schemas.microsoft.com/office/drawing/2010/main" val="0"/>
+              </a:ext>
+            </a:extLst>
+          </a:blip>
+          <a:srcRect t="6250"/>
+          <a:stretch/>
+        </p:blipFill>
         <p:spPr>
           <a:xfrm>
-            <a:off x="838200" y="18255"/>
-            <a:ext cx="10515600" cy="1325563"/>
+            <a:off x="-2" y="-31"/>
+            <a:ext cx="12192001" cy="6855959"/>
+          </a:xfrm>
+          <a:prstGeom prst="rect">
+            <a:avLst/>
+          </a:prstGeom>
+        </p:spPr>
+      </p:pic>
+      <p:sp>
+        <p:nvSpPr>
+          <p:cNvPr id="8" name="Rectangle 7">
+            <a:extLst>
+              <a:ext uri="{FF2B5EF4-FFF2-40B4-BE49-F238E27FC236}">
+                <a16:creationId xmlns:a16="http://schemas.microsoft.com/office/drawing/2014/main" id="{37C89E4B-3C9F-44B9-8B86-D9E3D112D8EC}"/>
+              </a:ext>
+              <a:ext uri="{C183D7F6-B498-43B3-948B-1728B52AA6E4}">
+                <adec:decorative xmlns:adec="http://schemas.microsoft.com/office/drawing/2017/decorative" val="1"/>
+              </a:ext>
+            </a:extLst>
+          </p:cNvPr>
+          <p:cNvSpPr>
+            <a:spLocks noGrp="1" noRot="1" noChangeAspect="1" noMove="1" noResize="1" noEditPoints="1" noAdjustHandles="1" noChangeArrowheads="1" noChangeShapeType="1" noTextEdit="1"/>
+          </p:cNvSpPr>
+          <p:nvPr>
+            <p:extLst>
+              <p:ext uri="{386F3935-93C4-4BCD-93E2-E3B085C9AB24}">
+                <p16:designElem xmlns:p16="http://schemas.microsoft.com/office/powerpoint/2015/main" val="1"/>
+              </p:ext>
+            </p:extLst>
+          </p:nvPr>
+        </p:nvSpPr>
+        <p:spPr>
+          <a:xfrm>
+            <a:off x="0" y="428852"/>
+            <a:ext cx="12192000" cy="736551"/>
+          </a:xfrm>
+          <a:prstGeom prst="rect">
+            <a:avLst/>
+          </a:prstGeom>
+          <a:solidFill>
+            <a:schemeClr val="bg1">
+              <a:alpha val="93000"/>
+            </a:schemeClr>
+          </a:solidFill>
+          <a:ln>
+            <a:noFill/>
+          </a:ln>
+        </p:spPr>
+        <p:style>
+          <a:lnRef idx="2">
+            <a:schemeClr val="accent1">
+              <a:shade val="50000"/>
+            </a:schemeClr>
+          </a:lnRef>
+          <a:fillRef idx="1">
+            <a:schemeClr val="accent1"/>
+          </a:fillRef>
+          <a:effectRef idx="0">
+            <a:schemeClr val="accent1"/>
+          </a:effectRef>
+          <a:fontRef idx="minor">
+            <a:schemeClr val="lt1"/>
+          </a:fontRef>
+        </p:style>
+        <p:txBody>
+          <a:bodyPr rtlCol="0" anchor="ctr"/>
+          <a:lstStyle/>
+          <a:p>
+            <a:pPr algn="ctr"/>
+            <a:endParaRPr lang="en-US"/>
+          </a:p>
+        </p:txBody>
+      </p:sp>
+      <p:sp>
+        <p:nvSpPr>
+          <p:cNvPr id="2" name="Titre 1">
+            <a:extLst>
+              <a:ext uri="{FF2B5EF4-FFF2-40B4-BE49-F238E27FC236}">
+                <a16:creationId xmlns:a16="http://schemas.microsoft.com/office/drawing/2014/main" id="{ABD2C8C9-44E3-4877-A71D-9980B2E8E49F}"/>
+              </a:ext>
+            </a:extLst>
+          </p:cNvPr>
+          <p:cNvSpPr>
+            <a:spLocks noGrp="1"/>
+          </p:cNvSpPr>
+          <p:nvPr>
+            <p:ph type="title"/>
+          </p:nvPr>
+        </p:nvSpPr>
+        <p:spPr>
+          <a:xfrm>
+            <a:off x="523875" y="425950"/>
+            <a:ext cx="11210925" cy="744836"/>
           </a:xfrm>
         </p:spPr>
         <p:txBody>
-          <a:bodyPr/>
+          <a:bodyPr vert="horz" lIns="91440" tIns="45720" rIns="91440" bIns="45720" rtlCol="0" anchor="ctr">
+            <a:normAutofit/>
+          </a:bodyPr>
           <a:lstStyle/>
           <a:p>
             <a:pPr algn="ctr"/>
             <a:r>
-              <a:rPr lang="fr-FR" dirty="0">
+              <a:rPr lang="en-US" sz="3600" b="1" dirty="0">
                 <a:solidFill>
                   <a:srgbClr val="FF0000"/>
                 </a:solidFill>
@@ -3612,6 +4074,114 @@
           </a:p>
         </p:txBody>
       </p:sp>
+      <p:cxnSp>
+        <p:nvCxnSpPr>
+          <p:cNvPr id="10" name="Straight Connector 9">
+            <a:extLst>
+              <a:ext uri="{FF2B5EF4-FFF2-40B4-BE49-F238E27FC236}">
+                <a16:creationId xmlns:a16="http://schemas.microsoft.com/office/drawing/2014/main" id="{AA2EAA10-076F-46BD-8F0F-B9A2FB77A85C}"/>
+              </a:ext>
+              <a:ext uri="{C183D7F6-B498-43B3-948B-1728B52AA6E4}">
+                <adec:decorative xmlns:adec="http://schemas.microsoft.com/office/drawing/2017/decorative" val="1"/>
+              </a:ext>
+            </a:extLst>
+          </p:cNvPr>
+          <p:cNvCxnSpPr>
+            <a:cxnSpLocks noGrp="1" noRot="1" noChangeAspect="1" noMove="1" noResize="1" noEditPoints="1" noAdjustHandles="1" noChangeArrowheads="1" noChangeShapeType="1"/>
+          </p:cNvCxnSpPr>
+          <p:nvPr>
+            <p:extLst>
+              <p:ext uri="{386F3935-93C4-4BCD-93E2-E3B085C9AB24}">
+                <p16:designElem xmlns:p16="http://schemas.microsoft.com/office/powerpoint/2015/main" val="1"/>
+              </p:ext>
+            </p:extLst>
+          </p:nvPr>
+        </p:nvCxnSpPr>
+        <p:spPr>
+          <a:xfrm>
+            <a:off x="0" y="350693"/>
+            <a:ext cx="12192000" cy="0"/>
+          </a:xfrm>
+          <a:prstGeom prst="line">
+            <a:avLst/>
+          </a:prstGeom>
+          <a:ln w="41275">
+            <a:solidFill>
+              <a:schemeClr val="bg1">
+                <a:alpha val="90000"/>
+              </a:schemeClr>
+            </a:solidFill>
+          </a:ln>
+        </p:spPr>
+        <p:style>
+          <a:lnRef idx="1">
+            <a:schemeClr val="accent1"/>
+          </a:lnRef>
+          <a:fillRef idx="0">
+            <a:schemeClr val="accent1"/>
+          </a:fillRef>
+          <a:effectRef idx="0">
+            <a:schemeClr val="accent1"/>
+          </a:effectRef>
+          <a:fontRef idx="minor">
+            <a:schemeClr val="tx1"/>
+          </a:fontRef>
+        </p:style>
+      </p:cxnSp>
+      <p:cxnSp>
+        <p:nvCxnSpPr>
+          <p:cNvPr id="12" name="Straight Connector 11">
+            <a:extLst>
+              <a:ext uri="{FF2B5EF4-FFF2-40B4-BE49-F238E27FC236}">
+                <a16:creationId xmlns:a16="http://schemas.microsoft.com/office/drawing/2014/main" id="{D891E407-403B-4764-86C9-33A56D3BCAA3}"/>
+              </a:ext>
+              <a:ext uri="{C183D7F6-B498-43B3-948B-1728B52AA6E4}">
+                <adec:decorative xmlns:adec="http://schemas.microsoft.com/office/drawing/2017/decorative" val="1"/>
+              </a:ext>
+            </a:extLst>
+          </p:cNvPr>
+          <p:cNvCxnSpPr>
+            <a:cxnSpLocks noGrp="1" noRot="1" noChangeAspect="1" noMove="1" noResize="1" noEditPoints="1" noAdjustHandles="1" noChangeArrowheads="1" noChangeShapeType="1"/>
+          </p:cNvCxnSpPr>
+          <p:nvPr>
+            <p:extLst>
+              <p:ext uri="{386F3935-93C4-4BCD-93E2-E3B085C9AB24}">
+                <p16:designElem xmlns:p16="http://schemas.microsoft.com/office/powerpoint/2015/main" val="1"/>
+              </p:ext>
+            </p:extLst>
+          </p:nvPr>
+        </p:nvCxnSpPr>
+        <p:spPr>
+          <a:xfrm>
+            <a:off x="0" y="1243562"/>
+            <a:ext cx="12192000" cy="0"/>
+          </a:xfrm>
+          <a:prstGeom prst="line">
+            <a:avLst/>
+          </a:prstGeom>
+          <a:ln w="41275">
+            <a:solidFill>
+              <a:schemeClr val="bg1">
+                <a:alpha val="90000"/>
+              </a:schemeClr>
+            </a:solidFill>
+          </a:ln>
+        </p:spPr>
+        <p:style>
+          <a:lnRef idx="1">
+            <a:schemeClr val="accent1"/>
+          </a:lnRef>
+          <a:fillRef idx="0">
+            <a:schemeClr val="accent1"/>
+          </a:fillRef>
+          <a:effectRef idx="0">
+            <a:schemeClr val="accent1"/>
+          </a:effectRef>
+          <a:fontRef idx="minor">
+            <a:schemeClr val="tx1"/>
+          </a:fontRef>
+        </p:style>
+      </p:cxnSp>
     </p:spTree>
     <p:extLst>
       <p:ext uri="{BB962C8B-B14F-4D97-AF65-F5344CB8AC3E}">
@@ -3687,6 +4257,14 @@
 <file path=ppt/slides/slide5.xml><?xml version="1.0" encoding="utf-8"?>
 <p:sld xmlns:a="http://schemas.openxmlformats.org/drawingml/2006/main" xmlns:r="http://schemas.openxmlformats.org/officeDocument/2006/relationships" xmlns:p="http://schemas.openxmlformats.org/presentationml/2006/main">
   <p:cSld>
+    <p:bg>
+      <p:bgPr>
+        <a:solidFill>
+          <a:schemeClr val="bg1"/>
+        </a:solidFill>
+        <a:effectLst/>
+      </p:bgPr>
+    </p:bg>
     <p:spTree>
       <p:nvGrpSpPr>
         <p:cNvPr id="1" name=""/>
@@ -3703,10 +4281,10 @@
       </p:grpSpPr>
       <p:pic>
         <p:nvPicPr>
-          <p:cNvPr id="4" name="Image 3">
-            <a:extLst>
-              <a:ext uri="{FF2B5EF4-FFF2-40B4-BE49-F238E27FC236}">
-                <a16:creationId xmlns:a16="http://schemas.microsoft.com/office/drawing/2014/main" id="{30BCE9E4-0E21-4C50-A5E7-3A4CDFE585A8}"/>
+          <p:cNvPr id="4" name="Espace réservé du contenu 3" descr="Une image contenant table, paire&#10;&#10;Description générée automatiquement">
+            <a:extLst>
+              <a:ext uri="{FF2B5EF4-FFF2-40B4-BE49-F238E27FC236}">
+                <a16:creationId xmlns:a16="http://schemas.microsoft.com/office/drawing/2014/main" id="{1A19FD35-A489-4DC8-937C-BF65968057C7}"/>
               </a:ext>
             </a:extLst>
           </p:cNvPr>
@@ -3715,26 +4293,743 @@
           </p:cNvPicPr>
           <p:nvPr/>
         </p:nvPicPr>
-        <p:blipFill>
-          <a:blip r:embed="rId2"/>
-          <a:stretch>
-            <a:fillRect/>
-          </a:stretch>
+        <p:blipFill rotWithShape="1">
+          <a:blip r:embed="rId2">
+            <a:extLst>
+              <a:ext uri="{28A0092B-C50C-407E-A947-70E740481C1C}">
+                <a14:useLocalDpi xmlns:a14="http://schemas.microsoft.com/office/drawing/2010/main" val="0"/>
+              </a:ext>
+            </a:extLst>
+          </a:blip>
+          <a:srcRect t="6250"/>
+          <a:stretch/>
         </p:blipFill>
         <p:spPr>
           <a:xfrm>
-            <a:off x="662564" y="0"/>
-            <a:ext cx="10866871" cy="6858000"/>
+            <a:off x="-1" y="-30"/>
+            <a:ext cx="12192000" cy="6855958"/>
           </a:xfrm>
           <a:prstGeom prst="rect">
             <a:avLst/>
           </a:prstGeom>
         </p:spPr>
       </p:pic>
+      <p:sp>
+        <p:nvSpPr>
+          <p:cNvPr id="29" name="Freeform 5">
+            <a:extLst>
+              <a:ext uri="{FF2B5EF4-FFF2-40B4-BE49-F238E27FC236}">
+                <a16:creationId xmlns:a16="http://schemas.microsoft.com/office/drawing/2014/main" id="{3CD9DF72-87A3-404E-A828-84CBF11A8303}"/>
+              </a:ext>
+              <a:ext uri="{C183D7F6-B498-43B3-948B-1728B52AA6E4}">
+                <adec:decorative xmlns:adec="http://schemas.microsoft.com/office/drawing/2017/decorative" val="1"/>
+              </a:ext>
+            </a:extLst>
+          </p:cNvPr>
+          <p:cNvSpPr>
+            <a:spLocks noGrp="1" noRot="1" noChangeAspect="1" noMove="1" noResize="1" noEditPoints="1" noAdjustHandles="1" noChangeArrowheads="1" noChangeShapeType="1" noTextEdit="1"/>
+          </p:cNvSpPr>
+          <p:nvPr>
+            <p:extLst>
+              <p:ext uri="{386F3935-93C4-4BCD-93E2-E3B085C9AB24}">
+                <p16:designElem xmlns:p16="http://schemas.microsoft.com/office/powerpoint/2015/main" val="1"/>
+              </p:ext>
+            </p:extLst>
+          </p:nvPr>
+        </p:nvSpPr>
+        <p:spPr bwMode="grayWhite">
+          <a:xfrm flipH="1">
+            <a:off x="0" y="998175"/>
+            <a:ext cx="6017172" cy="5859825"/>
+          </a:xfrm>
+          <a:custGeom>
+            <a:avLst/>
+            <a:gdLst>
+              <a:gd name="T0" fmla="*/ 1333 w 1333"/>
+              <a:gd name="T1" fmla="*/ 1031 h 1298"/>
+              <a:gd name="T2" fmla="*/ 1333 w 1333"/>
+              <a:gd name="T3" fmla="*/ 380 h 1298"/>
+              <a:gd name="T4" fmla="*/ 706 w 1333"/>
+              <a:gd name="T5" fmla="*/ 0 h 1298"/>
+              <a:gd name="T6" fmla="*/ 0 w 1333"/>
+              <a:gd name="T7" fmla="*/ 706 h 1298"/>
+              <a:gd name="T8" fmla="*/ 323 w 1333"/>
+              <a:gd name="T9" fmla="*/ 1298 h 1298"/>
+              <a:gd name="T10" fmla="*/ 1090 w 1333"/>
+              <a:gd name="T11" fmla="*/ 1298 h 1298"/>
+              <a:gd name="T12" fmla="*/ 1333 w 1333"/>
+              <a:gd name="T13" fmla="*/ 1031 h 1298"/>
+            </a:gdLst>
+            <a:ahLst/>
+            <a:cxnLst>
+              <a:cxn ang="0">
+                <a:pos x="T0" y="T1"/>
+              </a:cxn>
+              <a:cxn ang="0">
+                <a:pos x="T2" y="T3"/>
+              </a:cxn>
+              <a:cxn ang="0">
+                <a:pos x="T4" y="T5"/>
+              </a:cxn>
+              <a:cxn ang="0">
+                <a:pos x="T6" y="T7"/>
+              </a:cxn>
+              <a:cxn ang="0">
+                <a:pos x="T8" y="T9"/>
+              </a:cxn>
+              <a:cxn ang="0">
+                <a:pos x="T10" y="T11"/>
+              </a:cxn>
+              <a:cxn ang="0">
+                <a:pos x="T12" y="T13"/>
+              </a:cxn>
+            </a:cxnLst>
+            <a:rect l="0" t="0" r="r" b="b"/>
+            <a:pathLst>
+              <a:path w="1333" h="1298">
+                <a:moveTo>
+                  <a:pt x="1333" y="1031"/>
+                </a:moveTo>
+                <a:cubicBezTo>
+                  <a:pt x="1333" y="380"/>
+                  <a:pt x="1333" y="380"/>
+                  <a:pt x="1333" y="380"/>
+                </a:cubicBezTo>
+                <a:cubicBezTo>
+                  <a:pt x="1215" y="154"/>
+                  <a:pt x="979" y="0"/>
+                  <a:pt x="706" y="0"/>
+                </a:cubicBezTo>
+                <a:cubicBezTo>
+                  <a:pt x="317" y="0"/>
+                  <a:pt x="0" y="316"/>
+                  <a:pt x="0" y="706"/>
+                </a:cubicBezTo>
+                <a:cubicBezTo>
+                  <a:pt x="0" y="954"/>
+                  <a:pt x="129" y="1172"/>
+                  <a:pt x="323" y="1298"/>
+                </a:cubicBezTo>
+                <a:cubicBezTo>
+                  <a:pt x="1090" y="1298"/>
+                  <a:pt x="1090" y="1298"/>
+                  <a:pt x="1090" y="1298"/>
+                </a:cubicBezTo>
+                <a:cubicBezTo>
+                  <a:pt x="1193" y="1232"/>
+                  <a:pt x="1276" y="1140"/>
+                  <a:pt x="1333" y="1031"/>
+                </a:cubicBezTo>
+                <a:close/>
+              </a:path>
+            </a:pathLst>
+          </a:custGeom>
+          <a:solidFill>
+            <a:schemeClr val="bg1">
+              <a:alpha val="75000"/>
+            </a:schemeClr>
+          </a:solidFill>
+          <a:ln w="50800" cap="sq" cmpd="dbl">
+            <a:noFill/>
+            <a:miter lim="800000"/>
+          </a:ln>
+          <a:effectLst/>
+        </p:spPr>
+        <p:txBody>
+          <a:bodyPr vert="horz" lIns="91440" tIns="45720" rIns="91440" bIns="45720" rtlCol="0" anchor="t">
+            <a:normAutofit/>
+          </a:bodyPr>
+          <a:lstStyle/>
+          <a:p>
+            <a:pPr algn="ctr">
+              <a:spcAft>
+                <a:spcPts val="1000"/>
+              </a:spcAft>
+              <a:buClr>
+                <a:schemeClr val="tx1"/>
+              </a:buClr>
+              <a:buSzPct val="100000"/>
+              <a:buFont typeface="Arial"/>
+              <a:buNone/>
+            </a:pPr>
+            <a:endParaRPr lang="en-US" sz="1600" cap="all"/>
+          </a:p>
+        </p:txBody>
+      </p:sp>
+      <p:sp>
+        <p:nvSpPr>
+          <p:cNvPr id="2" name="Titre 1">
+            <a:extLst>
+              <a:ext uri="{FF2B5EF4-FFF2-40B4-BE49-F238E27FC236}">
+                <a16:creationId xmlns:a16="http://schemas.microsoft.com/office/drawing/2014/main" id="{F0FFC3D5-D02E-4246-A076-5A8E3A3F3F12}"/>
+              </a:ext>
+            </a:extLst>
+          </p:cNvPr>
+          <p:cNvSpPr>
+            <a:spLocks noGrp="1"/>
+          </p:cNvSpPr>
+          <p:nvPr>
+            <p:ph type="title"/>
+          </p:nvPr>
+        </p:nvSpPr>
+        <p:spPr>
+          <a:xfrm>
+            <a:off x="709448" y="1913950"/>
+            <a:ext cx="4204137" cy="1342754"/>
+          </a:xfrm>
+        </p:spPr>
+        <p:txBody>
+          <a:bodyPr vert="horz" lIns="91440" tIns="45720" rIns="91440" bIns="45720" rtlCol="0">
+            <a:normAutofit/>
+          </a:bodyPr>
+          <a:lstStyle/>
+          <a:p>
+            <a:pPr algn="ctr"/>
+            <a:r>
+              <a:rPr lang="en-US" sz="3600" b="1" dirty="0">
+                <a:solidFill>
+                  <a:srgbClr val="FF0000"/>
+                </a:solidFill>
+              </a:rPr>
+              <a:t>Mes tâches</a:t>
+            </a:r>
+          </a:p>
+        </p:txBody>
+      </p:sp>
+      <p:cxnSp>
+        <p:nvCxnSpPr>
+          <p:cNvPr id="31" name="Straight Connector 30">
+            <a:extLst>
+              <a:ext uri="{FF2B5EF4-FFF2-40B4-BE49-F238E27FC236}">
+                <a16:creationId xmlns:a16="http://schemas.microsoft.com/office/drawing/2014/main" id="{20E3A342-4D61-4E3F-AF90-1AB42AEB96CC}"/>
+              </a:ext>
+              <a:ext uri="{C183D7F6-B498-43B3-948B-1728B52AA6E4}">
+                <adec:decorative xmlns:adec="http://schemas.microsoft.com/office/drawing/2017/decorative" val="1"/>
+              </a:ext>
+            </a:extLst>
+          </p:cNvPr>
+          <p:cNvCxnSpPr>
+            <a:cxnSpLocks noGrp="1" noRot="1" noChangeAspect="1" noMove="1" noResize="1" noEditPoints="1" noAdjustHandles="1" noChangeArrowheads="1" noChangeShapeType="1"/>
+          </p:cNvCxnSpPr>
+          <p:nvPr>
+            <p:extLst>
+              <p:ext uri="{386F3935-93C4-4BCD-93E2-E3B085C9AB24}">
+                <p16:designElem xmlns:p16="http://schemas.microsoft.com/office/powerpoint/2015/main" val="1"/>
+              </p:ext>
+            </p:extLst>
+          </p:nvPr>
+        </p:nvCxnSpPr>
+        <p:spPr>
+          <a:xfrm>
+            <a:off x="2287051" y="3337139"/>
+            <a:ext cx="935420" cy="0"/>
+          </a:xfrm>
+          <a:prstGeom prst="line">
+            <a:avLst/>
+          </a:prstGeom>
+          <a:ln w="25400" cap="sq">
+            <a:solidFill>
+              <a:schemeClr val="tx1">
+                <a:lumMod val="85000"/>
+                <a:lumOff val="15000"/>
+              </a:schemeClr>
+            </a:solidFill>
+            <a:bevel/>
+          </a:ln>
+        </p:spPr>
+        <p:style>
+          <a:lnRef idx="1">
+            <a:schemeClr val="accent1"/>
+          </a:lnRef>
+          <a:fillRef idx="0">
+            <a:schemeClr val="accent1"/>
+          </a:fillRef>
+          <a:effectRef idx="0">
+            <a:schemeClr val="accent1"/>
+          </a:effectRef>
+          <a:fontRef idx="minor">
+            <a:schemeClr val="tx1"/>
+          </a:fontRef>
+        </p:style>
+      </p:cxnSp>
+      <p:sp>
+        <p:nvSpPr>
+          <p:cNvPr id="26" name="Content Placeholder 25">
+            <a:extLst>
+              <a:ext uri="{FF2B5EF4-FFF2-40B4-BE49-F238E27FC236}">
+                <a16:creationId xmlns:a16="http://schemas.microsoft.com/office/drawing/2014/main" id="{4DE0A7AD-A6D1-46D0-B4DA-919790D73B6E}"/>
+              </a:ext>
+            </a:extLst>
+          </p:cNvPr>
+          <p:cNvSpPr>
+            <a:spLocks noGrp="1"/>
+          </p:cNvSpPr>
+          <p:nvPr>
+            <p:ph idx="1"/>
+          </p:nvPr>
+        </p:nvSpPr>
+        <p:spPr>
+          <a:xfrm>
+            <a:off x="525516" y="3417573"/>
+            <a:ext cx="5098044" cy="2619839"/>
+          </a:xfrm>
+        </p:spPr>
+        <p:txBody>
+          <a:bodyPr anchor="ctr">
+            <a:normAutofit/>
+          </a:bodyPr>
+          <a:lstStyle/>
+          <a:p>
+            <a:r>
+              <a:rPr lang="en-US" sz="1200" b="1" u="sng" dirty="0"/>
+              <a:t>Sur Arduino</a:t>
+            </a:r>
+            <a:r>
+              <a:rPr lang="en-US" sz="1200" b="1" dirty="0"/>
+              <a:t>:</a:t>
+            </a:r>
+          </a:p>
+          <a:p>
+            <a:pPr marL="0" indent="0">
+              <a:buNone/>
+            </a:pPr>
+            <a:r>
+              <a:rPr lang="en-US" sz="1200" b="1" dirty="0"/>
+              <a:t>	-Gérer le mécanisme n°6 (Air)</a:t>
+            </a:r>
+          </a:p>
+          <a:p>
+            <a:pPr marL="0" indent="0">
+              <a:buNone/>
+            </a:pPr>
+            <a:r>
+              <a:rPr lang="en-US" sz="1200" b="1" dirty="0"/>
+              <a:t>	-Gérer le mécanisme n°7 (Katana)</a:t>
+            </a:r>
+          </a:p>
+          <a:p>
+            <a:r>
+              <a:rPr lang="en-US" sz="1200" b="1" u="sng" dirty="0"/>
+              <a:t>Sur Raspberry</a:t>
+            </a:r>
+            <a:r>
+              <a:rPr lang="en-US" sz="1200" b="1" dirty="0"/>
+              <a:t>:</a:t>
+            </a:r>
+          </a:p>
+          <a:p>
+            <a:pPr marL="0" indent="0">
+              <a:buNone/>
+            </a:pPr>
+            <a:r>
+              <a:rPr lang="en-US" sz="1200" b="1" dirty="0"/>
+              <a:t>	-Mémoriser l’état des mécanismes (actionneurs + capteurs)</a:t>
+            </a:r>
+          </a:p>
+          <a:p>
+            <a:r>
+              <a:rPr lang="en-US" sz="1200" b="1" u="sng" dirty="0"/>
+              <a:t>Sur MySQL</a:t>
+            </a:r>
+            <a:r>
+              <a:rPr lang="en-US" sz="1200" b="1" dirty="0"/>
+              <a:t>:</a:t>
+            </a:r>
+          </a:p>
+          <a:p>
+            <a:pPr marL="0" indent="0">
+              <a:buNone/>
+            </a:pPr>
+            <a:r>
+              <a:rPr lang="en-US" sz="1200" b="1" dirty="0"/>
+              <a:t>	- Création d’une base de données</a:t>
+            </a:r>
+          </a:p>
+        </p:txBody>
+      </p:sp>
     </p:spTree>
     <p:extLst>
       <p:ext uri="{BB962C8B-B14F-4D97-AF65-F5344CB8AC3E}">
-        <p14:creationId xmlns:p14="http://schemas.microsoft.com/office/powerpoint/2010/main" val="3792921296"/>
+        <p14:creationId xmlns:p14="http://schemas.microsoft.com/office/powerpoint/2010/main" val="3613007509"/>
+      </p:ext>
+    </p:extLst>
+  </p:cSld>
+  <p:clrMapOvr>
+    <a:masterClrMapping/>
+  </p:clrMapOvr>
+</p:sld>
+</file>
+
+<file path=ppt/slides/slide6.xml><?xml version="1.0" encoding="utf-8"?>
+<p:sld xmlns:a="http://schemas.openxmlformats.org/drawingml/2006/main" xmlns:r="http://schemas.openxmlformats.org/officeDocument/2006/relationships" xmlns:p="http://schemas.openxmlformats.org/presentationml/2006/main">
+  <p:cSld>
+    <p:bg>
+      <p:bgPr>
+        <a:solidFill>
+          <a:schemeClr val="bg1"/>
+        </a:solidFill>
+        <a:effectLst/>
+      </p:bgPr>
+    </p:bg>
+    <p:spTree>
+      <p:nvGrpSpPr>
+        <p:cNvPr id="1" name=""/>
+        <p:cNvGrpSpPr/>
+        <p:nvPr/>
+      </p:nvGrpSpPr>
+      <p:grpSpPr>
+        <a:xfrm>
+          <a:off x="0" y="0"/>
+          <a:ext cx="0" cy="0"/>
+          <a:chOff x="0" y="0"/>
+          <a:chExt cx="0" cy="0"/>
+        </a:xfrm>
+      </p:grpSpPr>
+      <p:pic>
+        <p:nvPicPr>
+          <p:cNvPr id="4" name="Espace réservé du contenu 3" descr="Une image contenant table, paire&#10;&#10;Description générée automatiquement">
+            <a:extLst>
+              <a:ext uri="{FF2B5EF4-FFF2-40B4-BE49-F238E27FC236}">
+                <a16:creationId xmlns:a16="http://schemas.microsoft.com/office/drawing/2014/main" id="{1A19FD35-A489-4DC8-937C-BF65968057C7}"/>
+              </a:ext>
+            </a:extLst>
+          </p:cNvPr>
+          <p:cNvPicPr>
+            <a:picLocks noChangeAspect="1"/>
+          </p:cNvPicPr>
+          <p:nvPr/>
+        </p:nvPicPr>
+        <p:blipFill rotWithShape="1">
+          <a:blip r:embed="rId2">
+            <a:extLst>
+              <a:ext uri="{28A0092B-C50C-407E-A947-70E740481C1C}">
+                <a14:useLocalDpi xmlns:a14="http://schemas.microsoft.com/office/drawing/2010/main" val="0"/>
+              </a:ext>
+            </a:extLst>
+          </a:blip>
+          <a:srcRect t="6250"/>
+          <a:stretch/>
+        </p:blipFill>
+        <p:spPr>
+          <a:xfrm>
+            <a:off x="-1" y="-30"/>
+            <a:ext cx="12192000" cy="6855958"/>
+          </a:xfrm>
+          <a:prstGeom prst="rect">
+            <a:avLst/>
+          </a:prstGeom>
+        </p:spPr>
+      </p:pic>
+      <p:sp>
+        <p:nvSpPr>
+          <p:cNvPr id="29" name="Freeform 5">
+            <a:extLst>
+              <a:ext uri="{FF2B5EF4-FFF2-40B4-BE49-F238E27FC236}">
+                <a16:creationId xmlns:a16="http://schemas.microsoft.com/office/drawing/2014/main" id="{3CD9DF72-87A3-404E-A828-84CBF11A8303}"/>
+              </a:ext>
+              <a:ext uri="{C183D7F6-B498-43B3-948B-1728B52AA6E4}">
+                <adec:decorative xmlns:adec="http://schemas.microsoft.com/office/drawing/2017/decorative" val="1"/>
+              </a:ext>
+            </a:extLst>
+          </p:cNvPr>
+          <p:cNvSpPr>
+            <a:spLocks noGrp="1" noRot="1" noChangeAspect="1" noMove="1" noResize="1" noEditPoints="1" noAdjustHandles="1" noChangeArrowheads="1" noChangeShapeType="1" noTextEdit="1"/>
+          </p:cNvSpPr>
+          <p:nvPr>
+            <p:extLst>
+              <p:ext uri="{386F3935-93C4-4BCD-93E2-E3B085C9AB24}">
+                <p16:designElem xmlns:p16="http://schemas.microsoft.com/office/powerpoint/2015/main" val="1"/>
+              </p:ext>
+            </p:extLst>
+          </p:nvPr>
+        </p:nvSpPr>
+        <p:spPr bwMode="grayWhite">
+          <a:xfrm flipH="1">
+            <a:off x="0" y="998175"/>
+            <a:ext cx="6017172" cy="5859825"/>
+          </a:xfrm>
+          <a:custGeom>
+            <a:avLst/>
+            <a:gdLst>
+              <a:gd name="T0" fmla="*/ 1333 w 1333"/>
+              <a:gd name="T1" fmla="*/ 1031 h 1298"/>
+              <a:gd name="T2" fmla="*/ 1333 w 1333"/>
+              <a:gd name="T3" fmla="*/ 380 h 1298"/>
+              <a:gd name="T4" fmla="*/ 706 w 1333"/>
+              <a:gd name="T5" fmla="*/ 0 h 1298"/>
+              <a:gd name="T6" fmla="*/ 0 w 1333"/>
+              <a:gd name="T7" fmla="*/ 706 h 1298"/>
+              <a:gd name="T8" fmla="*/ 323 w 1333"/>
+              <a:gd name="T9" fmla="*/ 1298 h 1298"/>
+              <a:gd name="T10" fmla="*/ 1090 w 1333"/>
+              <a:gd name="T11" fmla="*/ 1298 h 1298"/>
+              <a:gd name="T12" fmla="*/ 1333 w 1333"/>
+              <a:gd name="T13" fmla="*/ 1031 h 1298"/>
+            </a:gdLst>
+            <a:ahLst/>
+            <a:cxnLst>
+              <a:cxn ang="0">
+                <a:pos x="T0" y="T1"/>
+              </a:cxn>
+              <a:cxn ang="0">
+                <a:pos x="T2" y="T3"/>
+              </a:cxn>
+              <a:cxn ang="0">
+                <a:pos x="T4" y="T5"/>
+              </a:cxn>
+              <a:cxn ang="0">
+                <a:pos x="T6" y="T7"/>
+              </a:cxn>
+              <a:cxn ang="0">
+                <a:pos x="T8" y="T9"/>
+              </a:cxn>
+              <a:cxn ang="0">
+                <a:pos x="T10" y="T11"/>
+              </a:cxn>
+              <a:cxn ang="0">
+                <a:pos x="T12" y="T13"/>
+              </a:cxn>
+            </a:cxnLst>
+            <a:rect l="0" t="0" r="r" b="b"/>
+            <a:pathLst>
+              <a:path w="1333" h="1298">
+                <a:moveTo>
+                  <a:pt x="1333" y="1031"/>
+                </a:moveTo>
+                <a:cubicBezTo>
+                  <a:pt x="1333" y="380"/>
+                  <a:pt x="1333" y="380"/>
+                  <a:pt x="1333" y="380"/>
+                </a:cubicBezTo>
+                <a:cubicBezTo>
+                  <a:pt x="1215" y="154"/>
+                  <a:pt x="979" y="0"/>
+                  <a:pt x="706" y="0"/>
+                </a:cubicBezTo>
+                <a:cubicBezTo>
+                  <a:pt x="317" y="0"/>
+                  <a:pt x="0" y="316"/>
+                  <a:pt x="0" y="706"/>
+                </a:cubicBezTo>
+                <a:cubicBezTo>
+                  <a:pt x="0" y="954"/>
+                  <a:pt x="129" y="1172"/>
+                  <a:pt x="323" y="1298"/>
+                </a:cubicBezTo>
+                <a:cubicBezTo>
+                  <a:pt x="1090" y="1298"/>
+                  <a:pt x="1090" y="1298"/>
+                  <a:pt x="1090" y="1298"/>
+                </a:cubicBezTo>
+                <a:cubicBezTo>
+                  <a:pt x="1193" y="1232"/>
+                  <a:pt x="1276" y="1140"/>
+                  <a:pt x="1333" y="1031"/>
+                </a:cubicBezTo>
+                <a:close/>
+              </a:path>
+            </a:pathLst>
+          </a:custGeom>
+          <a:solidFill>
+            <a:schemeClr val="bg1">
+              <a:alpha val="75000"/>
+            </a:schemeClr>
+          </a:solidFill>
+          <a:ln w="50800" cap="sq" cmpd="dbl">
+            <a:noFill/>
+            <a:miter lim="800000"/>
+          </a:ln>
+          <a:effectLst/>
+        </p:spPr>
+        <p:txBody>
+          <a:bodyPr vert="horz" lIns="91440" tIns="45720" rIns="91440" bIns="45720" rtlCol="0" anchor="t">
+            <a:normAutofit/>
+          </a:bodyPr>
+          <a:lstStyle/>
+          <a:p>
+            <a:pPr algn="ctr">
+              <a:spcAft>
+                <a:spcPts val="1000"/>
+              </a:spcAft>
+              <a:buClr>
+                <a:schemeClr val="tx1"/>
+              </a:buClr>
+              <a:buSzPct val="100000"/>
+              <a:buFont typeface="Arial"/>
+              <a:buNone/>
+            </a:pPr>
+            <a:endParaRPr lang="en-US" sz="1600" cap="all"/>
+          </a:p>
+        </p:txBody>
+      </p:sp>
+      <p:sp>
+        <p:nvSpPr>
+          <p:cNvPr id="2" name="Titre 1">
+            <a:extLst>
+              <a:ext uri="{FF2B5EF4-FFF2-40B4-BE49-F238E27FC236}">
+                <a16:creationId xmlns:a16="http://schemas.microsoft.com/office/drawing/2014/main" id="{F0FFC3D5-D02E-4246-A076-5A8E3A3F3F12}"/>
+              </a:ext>
+            </a:extLst>
+          </p:cNvPr>
+          <p:cNvSpPr>
+            <a:spLocks noGrp="1"/>
+          </p:cNvSpPr>
+          <p:nvPr>
+            <p:ph type="title"/>
+          </p:nvPr>
+        </p:nvSpPr>
+        <p:spPr>
+          <a:xfrm>
+            <a:off x="709448" y="1913950"/>
+            <a:ext cx="4204137" cy="1342754"/>
+          </a:xfrm>
+        </p:spPr>
+        <p:txBody>
+          <a:bodyPr vert="horz" lIns="91440" tIns="45720" rIns="91440" bIns="45720" rtlCol="0">
+            <a:normAutofit/>
+          </a:bodyPr>
+          <a:lstStyle/>
+          <a:p>
+            <a:pPr algn="ctr"/>
+            <a:r>
+              <a:rPr lang="en-US" sz="3600" b="1" dirty="0">
+                <a:solidFill>
+                  <a:srgbClr val="FF0000"/>
+                </a:solidFill>
+              </a:rPr>
+              <a:t>Mécanisme n°6</a:t>
+            </a:r>
+          </a:p>
+        </p:txBody>
+      </p:sp>
+      <p:cxnSp>
+        <p:nvCxnSpPr>
+          <p:cNvPr id="31" name="Straight Connector 30">
+            <a:extLst>
+              <a:ext uri="{FF2B5EF4-FFF2-40B4-BE49-F238E27FC236}">
+                <a16:creationId xmlns:a16="http://schemas.microsoft.com/office/drawing/2014/main" id="{20E3A342-4D61-4E3F-AF90-1AB42AEB96CC}"/>
+              </a:ext>
+              <a:ext uri="{C183D7F6-B498-43B3-948B-1728B52AA6E4}">
+                <adec:decorative xmlns:adec="http://schemas.microsoft.com/office/drawing/2017/decorative" val="1"/>
+              </a:ext>
+            </a:extLst>
+          </p:cNvPr>
+          <p:cNvCxnSpPr>
+            <a:cxnSpLocks noGrp="1" noRot="1" noChangeAspect="1" noMove="1" noResize="1" noEditPoints="1" noAdjustHandles="1" noChangeArrowheads="1" noChangeShapeType="1"/>
+          </p:cNvCxnSpPr>
+          <p:nvPr>
+            <p:extLst>
+              <p:ext uri="{386F3935-93C4-4BCD-93E2-E3B085C9AB24}">
+                <p16:designElem xmlns:p16="http://schemas.microsoft.com/office/powerpoint/2015/main" val="1"/>
+              </p:ext>
+            </p:extLst>
+          </p:nvPr>
+        </p:nvCxnSpPr>
+        <p:spPr>
+          <a:xfrm>
+            <a:off x="2287051" y="3337139"/>
+            <a:ext cx="935420" cy="0"/>
+          </a:xfrm>
+          <a:prstGeom prst="line">
+            <a:avLst/>
+          </a:prstGeom>
+          <a:ln w="25400" cap="sq">
+            <a:solidFill>
+              <a:schemeClr val="tx1">
+                <a:lumMod val="85000"/>
+                <a:lumOff val="15000"/>
+              </a:schemeClr>
+            </a:solidFill>
+            <a:bevel/>
+          </a:ln>
+        </p:spPr>
+        <p:style>
+          <a:lnRef idx="1">
+            <a:schemeClr val="accent1"/>
+          </a:lnRef>
+          <a:fillRef idx="0">
+            <a:schemeClr val="accent1"/>
+          </a:fillRef>
+          <a:effectRef idx="0">
+            <a:schemeClr val="accent1"/>
+          </a:effectRef>
+          <a:fontRef idx="minor">
+            <a:schemeClr val="tx1"/>
+          </a:fontRef>
+        </p:style>
+      </p:cxnSp>
+      <p:sp>
+        <p:nvSpPr>
+          <p:cNvPr id="9" name="ZoneTexte 8">
+            <a:extLst>
+              <a:ext uri="{FF2B5EF4-FFF2-40B4-BE49-F238E27FC236}">
+                <a16:creationId xmlns:a16="http://schemas.microsoft.com/office/drawing/2014/main" id="{DE0931E8-D98F-49EF-A2C3-9447BB71632C}"/>
+              </a:ext>
+            </a:extLst>
+          </p:cNvPr>
+          <p:cNvSpPr txBox="1"/>
+          <p:nvPr/>
+        </p:nvSpPr>
+        <p:spPr>
+          <a:xfrm>
+            <a:off x="118872" y="3584448"/>
+            <a:ext cx="5084064" cy="2031325"/>
+          </a:xfrm>
+          <a:prstGeom prst="rect">
+            <a:avLst/>
+          </a:prstGeom>
+          <a:noFill/>
+        </p:spPr>
+        <p:txBody>
+          <a:bodyPr wrap="square" rtlCol="0">
+            <a:spAutoFit/>
+          </a:bodyPr>
+          <a:lstStyle/>
+          <a:p>
+            <a:r>
+              <a:rPr lang="fr-FR" dirty="0"/>
+              <a:t>Les composants:</a:t>
+            </a:r>
+          </a:p>
+          <a:p>
+            <a:endParaRPr lang="fr-FR" dirty="0"/>
+          </a:p>
+          <a:p>
+            <a:r>
+              <a:rPr lang="fr-FR" dirty="0"/>
+              <a:t>-Une statue de chien</a:t>
+            </a:r>
+          </a:p>
+          <a:p>
+            <a:r>
+              <a:rPr lang="fr-FR" dirty="0"/>
+              <a:t>-Un bouton poussoir</a:t>
+            </a:r>
+          </a:p>
+          <a:p>
+            <a:r>
+              <a:rPr lang="fr-FR" dirty="0"/>
+              <a:t>-Deux leds (une rouge + une verte)</a:t>
+            </a:r>
+          </a:p>
+          <a:p>
+            <a:r>
+              <a:rPr lang="fr-FR" dirty="0"/>
+              <a:t>-Un tube avec une clef</a:t>
+            </a:r>
+          </a:p>
+          <a:p>
+            <a:r>
+              <a:rPr lang="fr-FR" dirty="0"/>
+              <a:t>-Sept vannes</a:t>
+            </a:r>
+          </a:p>
+        </p:txBody>
+      </p:sp>
+    </p:spTree>
+    <p:extLst>
+      <p:ext uri="{BB962C8B-B14F-4D97-AF65-F5344CB8AC3E}">
+        <p14:creationId xmlns:p14="http://schemas.microsoft.com/office/powerpoint/2010/main" val="2395788279"/>
       </p:ext>
     </p:extLst>
   </p:cSld>

--- a/Etudiants/Corentin/RDP n°1.pptx
+++ b/Etudiants/Corentin/RDP n°1.pptx
@@ -4,6 +4,9 @@
   <p:sldMasterIdLst>
     <p:sldMasterId id="2147483648" r:id="rId1"/>
   </p:sldMasterIdLst>
+  <p:notesMasterIdLst>
+    <p:notesMasterId r:id="rId11"/>
+  </p:notesMasterIdLst>
   <p:sldIdLst>
     <p:sldId id="261" r:id="rId2"/>
     <p:sldId id="263" r:id="rId3"/>
@@ -11,6 +14,9 @@
     <p:sldId id="257" r:id="rId5"/>
     <p:sldId id="262" r:id="rId6"/>
     <p:sldId id="264" r:id="rId7"/>
+    <p:sldId id="265" r:id="rId8"/>
+    <p:sldId id="267" r:id="rId9"/>
+    <p:sldId id="266" r:id="rId10"/>
   </p:sldIdLst>
   <p:sldSz cx="12192000" cy="6858000"/>
   <p:notesSz cx="6858000" cy="9144000"/>
@@ -117,6 +123,355 @@
 </p:presentation>
 </file>
 
+<file path=ppt/notesMasters/notesMaster1.xml><?xml version="1.0" encoding="utf-8"?>
+<p:notesMaster xmlns:a="http://schemas.openxmlformats.org/drawingml/2006/main" xmlns:r="http://schemas.openxmlformats.org/officeDocument/2006/relationships" xmlns:p="http://schemas.openxmlformats.org/presentationml/2006/main">
+  <p:cSld>
+    <p:bg>
+      <p:bgRef idx="1001">
+        <a:schemeClr val="bg1"/>
+      </p:bgRef>
+    </p:bg>
+    <p:spTree>
+      <p:nvGrpSpPr>
+        <p:cNvPr id="1" name=""/>
+        <p:cNvGrpSpPr/>
+        <p:nvPr/>
+      </p:nvGrpSpPr>
+      <p:grpSpPr>
+        <a:xfrm>
+          <a:off x="0" y="0"/>
+          <a:ext cx="0" cy="0"/>
+          <a:chOff x="0" y="0"/>
+          <a:chExt cx="0" cy="0"/>
+        </a:xfrm>
+      </p:grpSpPr>
+      <p:sp>
+        <p:nvSpPr>
+          <p:cNvPr id="2" name="Espace réservé de l'en-tête 1"/>
+          <p:cNvSpPr>
+            <a:spLocks noGrp="1"/>
+          </p:cNvSpPr>
+          <p:nvPr>
+            <p:ph type="hdr" sz="quarter"/>
+          </p:nvPr>
+        </p:nvSpPr>
+        <p:spPr>
+          <a:xfrm>
+            <a:off x="0" y="0"/>
+            <a:ext cx="2971800" cy="458788"/>
+          </a:xfrm>
+          <a:prstGeom prst="rect">
+            <a:avLst/>
+          </a:prstGeom>
+        </p:spPr>
+        <p:txBody>
+          <a:bodyPr vert="horz" lIns="91440" tIns="45720" rIns="91440" bIns="45720" rtlCol="0"/>
+          <a:lstStyle>
+            <a:lvl1pPr algn="l">
+              <a:defRPr sz="1200"/>
+            </a:lvl1pPr>
+          </a:lstStyle>
+          <a:p>
+            <a:endParaRPr lang="fr-FR"/>
+          </a:p>
+        </p:txBody>
+      </p:sp>
+      <p:sp>
+        <p:nvSpPr>
+          <p:cNvPr id="3" name="Espace réservé de la date 2"/>
+          <p:cNvSpPr>
+            <a:spLocks noGrp="1"/>
+          </p:cNvSpPr>
+          <p:nvPr>
+            <p:ph type="dt" idx="1"/>
+          </p:nvPr>
+        </p:nvSpPr>
+        <p:spPr>
+          <a:xfrm>
+            <a:off x="3884613" y="0"/>
+            <a:ext cx="2971800" cy="458788"/>
+          </a:xfrm>
+          <a:prstGeom prst="rect">
+            <a:avLst/>
+          </a:prstGeom>
+        </p:spPr>
+        <p:txBody>
+          <a:bodyPr vert="horz" lIns="91440" tIns="45720" rIns="91440" bIns="45720" rtlCol="0"/>
+          <a:lstStyle>
+            <a:lvl1pPr algn="r">
+              <a:defRPr sz="1200"/>
+            </a:lvl1pPr>
+          </a:lstStyle>
+          <a:p>
+            <a:fld id="{DF58694C-23AD-4650-B8D6-B1F91D7D05B1}" type="datetimeFigureOut">
+              <a:rPr lang="fr-FR" smtClean="0"/>
+              <a:t>31/01/2020</a:t>
+            </a:fld>
+            <a:endParaRPr lang="fr-FR"/>
+          </a:p>
+        </p:txBody>
+      </p:sp>
+      <p:sp>
+        <p:nvSpPr>
+          <p:cNvPr id="4" name="Espace réservé de l'image des diapositives 3"/>
+          <p:cNvSpPr>
+            <a:spLocks noGrp="1" noRot="1" noChangeAspect="1"/>
+          </p:cNvSpPr>
+          <p:nvPr>
+            <p:ph type="sldImg" idx="2"/>
+          </p:nvPr>
+        </p:nvSpPr>
+        <p:spPr>
+          <a:xfrm>
+            <a:off x="685800" y="1143000"/>
+            <a:ext cx="5486400" cy="3086100"/>
+          </a:xfrm>
+          <a:prstGeom prst="rect">
+            <a:avLst/>
+          </a:prstGeom>
+          <a:noFill/>
+          <a:ln w="12700">
+            <a:solidFill>
+              <a:prstClr val="black"/>
+            </a:solidFill>
+          </a:ln>
+        </p:spPr>
+        <p:txBody>
+          <a:bodyPr vert="horz" lIns="91440" tIns="45720" rIns="91440" bIns="45720" rtlCol="0" anchor="ctr"/>
+          <a:lstStyle/>
+          <a:p>
+            <a:endParaRPr lang="fr-FR"/>
+          </a:p>
+        </p:txBody>
+      </p:sp>
+      <p:sp>
+        <p:nvSpPr>
+          <p:cNvPr id="5" name="Espace réservé des notes 4"/>
+          <p:cNvSpPr>
+            <a:spLocks noGrp="1"/>
+          </p:cNvSpPr>
+          <p:nvPr>
+            <p:ph type="body" sz="quarter" idx="3"/>
+          </p:nvPr>
+        </p:nvSpPr>
+        <p:spPr>
+          <a:xfrm>
+            <a:off x="685800" y="4400550"/>
+            <a:ext cx="5486400" cy="3600450"/>
+          </a:xfrm>
+          <a:prstGeom prst="rect">
+            <a:avLst/>
+          </a:prstGeom>
+        </p:spPr>
+        <p:txBody>
+          <a:bodyPr vert="horz" lIns="91440" tIns="45720" rIns="91440" bIns="45720" rtlCol="0"/>
+          <a:lstStyle/>
+          <a:p>
+            <a:pPr lvl="0"/>
+            <a:r>
+              <a:rPr lang="fr-FR"/>
+              <a:t>Cliquez pour modifier les styles du texte du masque</a:t>
+            </a:r>
+          </a:p>
+          <a:p>
+            <a:pPr lvl="1"/>
+            <a:r>
+              <a:rPr lang="fr-FR"/>
+              <a:t>Deuxième niveau</a:t>
+            </a:r>
+          </a:p>
+          <a:p>
+            <a:pPr lvl="2"/>
+            <a:r>
+              <a:rPr lang="fr-FR"/>
+              <a:t>Troisième niveau</a:t>
+            </a:r>
+          </a:p>
+          <a:p>
+            <a:pPr lvl="3"/>
+            <a:r>
+              <a:rPr lang="fr-FR"/>
+              <a:t>Quatrième niveau</a:t>
+            </a:r>
+          </a:p>
+          <a:p>
+            <a:pPr lvl="4"/>
+            <a:r>
+              <a:rPr lang="fr-FR"/>
+              <a:t>Cinquième niveau</a:t>
+            </a:r>
+          </a:p>
+        </p:txBody>
+      </p:sp>
+      <p:sp>
+        <p:nvSpPr>
+          <p:cNvPr id="6" name="Espace réservé du pied de page 5"/>
+          <p:cNvSpPr>
+            <a:spLocks noGrp="1"/>
+          </p:cNvSpPr>
+          <p:nvPr>
+            <p:ph type="ftr" sz="quarter" idx="4"/>
+          </p:nvPr>
+        </p:nvSpPr>
+        <p:spPr>
+          <a:xfrm>
+            <a:off x="0" y="8685213"/>
+            <a:ext cx="2971800" cy="458787"/>
+          </a:xfrm>
+          <a:prstGeom prst="rect">
+            <a:avLst/>
+          </a:prstGeom>
+        </p:spPr>
+        <p:txBody>
+          <a:bodyPr vert="horz" lIns="91440" tIns="45720" rIns="91440" bIns="45720" rtlCol="0" anchor="b"/>
+          <a:lstStyle>
+            <a:lvl1pPr algn="l">
+              <a:defRPr sz="1200"/>
+            </a:lvl1pPr>
+          </a:lstStyle>
+          <a:p>
+            <a:endParaRPr lang="fr-FR"/>
+          </a:p>
+        </p:txBody>
+      </p:sp>
+      <p:sp>
+        <p:nvSpPr>
+          <p:cNvPr id="7" name="Espace réservé du numéro de diapositive 6"/>
+          <p:cNvSpPr>
+            <a:spLocks noGrp="1"/>
+          </p:cNvSpPr>
+          <p:nvPr>
+            <p:ph type="sldNum" sz="quarter" idx="5"/>
+          </p:nvPr>
+        </p:nvSpPr>
+        <p:spPr>
+          <a:xfrm>
+            <a:off x="3884613" y="8685213"/>
+            <a:ext cx="2971800" cy="458787"/>
+          </a:xfrm>
+          <a:prstGeom prst="rect">
+            <a:avLst/>
+          </a:prstGeom>
+        </p:spPr>
+        <p:txBody>
+          <a:bodyPr vert="horz" lIns="91440" tIns="45720" rIns="91440" bIns="45720" rtlCol="0" anchor="b"/>
+          <a:lstStyle>
+            <a:lvl1pPr algn="r">
+              <a:defRPr sz="1200"/>
+            </a:lvl1pPr>
+          </a:lstStyle>
+          <a:p>
+            <a:fld id="{724EDA98-4C55-49E2-ADB1-EE35D840C9A6}" type="slidenum">
+              <a:rPr lang="fr-FR" smtClean="0"/>
+              <a:t>‹N°›</a:t>
+            </a:fld>
+            <a:endParaRPr lang="fr-FR"/>
+          </a:p>
+        </p:txBody>
+      </p:sp>
+    </p:spTree>
+    <p:extLst>
+      <p:ext uri="{BB962C8B-B14F-4D97-AF65-F5344CB8AC3E}">
+        <p14:creationId xmlns:p14="http://schemas.microsoft.com/office/powerpoint/2010/main" val="2409979174"/>
+      </p:ext>
+    </p:extLst>
+  </p:cSld>
+  <p:clrMap bg1="lt1" tx1="dk1" bg2="lt2" tx2="dk2" accent1="accent1" accent2="accent2" accent3="accent3" accent4="accent4" accent5="accent5" accent6="accent6" hlink="hlink" folHlink="folHlink"/>
+  <p:notesStyle>
+    <a:lvl1pPr marL="0" algn="l" defTabSz="914400" rtl="0" eaLnBrk="1" latinLnBrk="0" hangingPunct="1">
+      <a:defRPr sz="1200" kern="1200">
+        <a:solidFill>
+          <a:schemeClr val="tx1"/>
+        </a:solidFill>
+        <a:latin typeface="+mn-lt"/>
+        <a:ea typeface="+mn-ea"/>
+        <a:cs typeface="+mn-cs"/>
+      </a:defRPr>
+    </a:lvl1pPr>
+    <a:lvl2pPr marL="457200" algn="l" defTabSz="914400" rtl="0" eaLnBrk="1" latinLnBrk="0" hangingPunct="1">
+      <a:defRPr sz="1200" kern="1200">
+        <a:solidFill>
+          <a:schemeClr val="tx1"/>
+        </a:solidFill>
+        <a:latin typeface="+mn-lt"/>
+        <a:ea typeface="+mn-ea"/>
+        <a:cs typeface="+mn-cs"/>
+      </a:defRPr>
+    </a:lvl2pPr>
+    <a:lvl3pPr marL="914400" algn="l" defTabSz="914400" rtl="0" eaLnBrk="1" latinLnBrk="0" hangingPunct="1">
+      <a:defRPr sz="1200" kern="1200">
+        <a:solidFill>
+          <a:schemeClr val="tx1"/>
+        </a:solidFill>
+        <a:latin typeface="+mn-lt"/>
+        <a:ea typeface="+mn-ea"/>
+        <a:cs typeface="+mn-cs"/>
+      </a:defRPr>
+    </a:lvl3pPr>
+    <a:lvl4pPr marL="1371600" algn="l" defTabSz="914400" rtl="0" eaLnBrk="1" latinLnBrk="0" hangingPunct="1">
+      <a:defRPr sz="1200" kern="1200">
+        <a:solidFill>
+          <a:schemeClr val="tx1"/>
+        </a:solidFill>
+        <a:latin typeface="+mn-lt"/>
+        <a:ea typeface="+mn-ea"/>
+        <a:cs typeface="+mn-cs"/>
+      </a:defRPr>
+    </a:lvl4pPr>
+    <a:lvl5pPr marL="1828800" algn="l" defTabSz="914400" rtl="0" eaLnBrk="1" latinLnBrk="0" hangingPunct="1">
+      <a:defRPr sz="1200" kern="1200">
+        <a:solidFill>
+          <a:schemeClr val="tx1"/>
+        </a:solidFill>
+        <a:latin typeface="+mn-lt"/>
+        <a:ea typeface="+mn-ea"/>
+        <a:cs typeface="+mn-cs"/>
+      </a:defRPr>
+    </a:lvl5pPr>
+    <a:lvl6pPr marL="2286000" algn="l" defTabSz="914400" rtl="0" eaLnBrk="1" latinLnBrk="0" hangingPunct="1">
+      <a:defRPr sz="1200" kern="1200">
+        <a:solidFill>
+          <a:schemeClr val="tx1"/>
+        </a:solidFill>
+        <a:latin typeface="+mn-lt"/>
+        <a:ea typeface="+mn-ea"/>
+        <a:cs typeface="+mn-cs"/>
+      </a:defRPr>
+    </a:lvl6pPr>
+    <a:lvl7pPr marL="2743200" algn="l" defTabSz="914400" rtl="0" eaLnBrk="1" latinLnBrk="0" hangingPunct="1">
+      <a:defRPr sz="1200" kern="1200">
+        <a:solidFill>
+          <a:schemeClr val="tx1"/>
+        </a:solidFill>
+        <a:latin typeface="+mn-lt"/>
+        <a:ea typeface="+mn-ea"/>
+        <a:cs typeface="+mn-cs"/>
+      </a:defRPr>
+    </a:lvl7pPr>
+    <a:lvl8pPr marL="3200400" algn="l" defTabSz="914400" rtl="0" eaLnBrk="1" latinLnBrk="0" hangingPunct="1">
+      <a:defRPr sz="1200" kern="1200">
+        <a:solidFill>
+          <a:schemeClr val="tx1"/>
+        </a:solidFill>
+        <a:latin typeface="+mn-lt"/>
+        <a:ea typeface="+mn-ea"/>
+        <a:cs typeface="+mn-cs"/>
+      </a:defRPr>
+    </a:lvl8pPr>
+    <a:lvl9pPr marL="3657600" algn="l" defTabSz="914400" rtl="0" eaLnBrk="1" latinLnBrk="0" hangingPunct="1">
+      <a:defRPr sz="1200" kern="1200">
+        <a:solidFill>
+          <a:schemeClr val="tx1"/>
+        </a:solidFill>
+        <a:latin typeface="+mn-lt"/>
+        <a:ea typeface="+mn-ea"/>
+        <a:cs typeface="+mn-cs"/>
+      </a:defRPr>
+    </a:lvl9pPr>
+  </p:notesStyle>
+</p:notesMaster>
+</file>
+
 <file path=ppt/slideLayouts/slideLayout1.xml><?xml version="1.0" encoding="utf-8"?>
 <p:sldLayout xmlns:a="http://schemas.openxmlformats.org/drawingml/2006/main" xmlns:r="http://schemas.openxmlformats.org/officeDocument/2006/relationships" xmlns:p="http://schemas.openxmlformats.org/presentationml/2006/main" type="title" preserve="1">
   <p:cSld name="Diapositive de titre">
@@ -262,9 +617,9 @@
           <a:bodyPr/>
           <a:lstStyle/>
           <a:p>
-            <a:fld id="{AA92B0C3-5411-4C12-BD91-D4B590CCAF40}" type="datetimeFigureOut">
+            <a:fld id="{E4F7B456-D95B-47DD-85D8-980B608A87F5}" type="datetime1">
               <a:rPr lang="fr-FR" smtClean="0"/>
-              <a:t>29/01/2020</a:t>
+              <a:t>31/01/2020</a:t>
             </a:fld>
             <a:endParaRPr lang="fr-FR"/>
           </a:p>
@@ -291,7 +646,10 @@
           <a:bodyPr/>
           <a:lstStyle/>
           <a:p>
-            <a:endParaRPr lang="fr-FR"/>
+            <a:r>
+              <a:rPr lang="fr-FR"/>
+              <a:t>Corentin BRENY - ST Félix La Salle - 2020</a:t>
+            </a:r>
           </a:p>
         </p:txBody>
       </p:sp>
@@ -460,9 +818,9 @@
           <a:bodyPr/>
           <a:lstStyle/>
           <a:p>
-            <a:fld id="{AA92B0C3-5411-4C12-BD91-D4B590CCAF40}" type="datetimeFigureOut">
+            <a:fld id="{3BE383A3-58C1-4E4C-8271-2D33C1B85A11}" type="datetime1">
               <a:rPr lang="fr-FR" smtClean="0"/>
-              <a:t>29/01/2020</a:t>
+              <a:t>31/01/2020</a:t>
             </a:fld>
             <a:endParaRPr lang="fr-FR"/>
           </a:p>
@@ -489,7 +847,10 @@
           <a:bodyPr/>
           <a:lstStyle/>
           <a:p>
-            <a:endParaRPr lang="fr-FR"/>
+            <a:r>
+              <a:rPr lang="fr-FR"/>
+              <a:t>Corentin BRENY - ST Félix La Salle - 2020</a:t>
+            </a:r>
           </a:p>
         </p:txBody>
       </p:sp>
@@ -668,9 +1029,9 @@
           <a:bodyPr/>
           <a:lstStyle/>
           <a:p>
-            <a:fld id="{AA92B0C3-5411-4C12-BD91-D4B590CCAF40}" type="datetimeFigureOut">
+            <a:fld id="{9657C936-4966-4098-AADB-3A79286A072F}" type="datetime1">
               <a:rPr lang="fr-FR" smtClean="0"/>
-              <a:t>29/01/2020</a:t>
+              <a:t>31/01/2020</a:t>
             </a:fld>
             <a:endParaRPr lang="fr-FR"/>
           </a:p>
@@ -697,7 +1058,10 @@
           <a:bodyPr/>
           <a:lstStyle/>
           <a:p>
-            <a:endParaRPr lang="fr-FR"/>
+            <a:r>
+              <a:rPr lang="fr-FR"/>
+              <a:t>Corentin BRENY - ST Félix La Salle - 2020</a:t>
+            </a:r>
           </a:p>
         </p:txBody>
       </p:sp>
@@ -866,9 +1230,9 @@
           <a:bodyPr/>
           <a:lstStyle/>
           <a:p>
-            <a:fld id="{AA92B0C3-5411-4C12-BD91-D4B590CCAF40}" type="datetimeFigureOut">
+            <a:fld id="{B616544E-D29A-4146-93F9-36B1ECF943E3}" type="datetime1">
               <a:rPr lang="fr-FR" smtClean="0"/>
-              <a:t>29/01/2020</a:t>
+              <a:t>31/01/2020</a:t>
             </a:fld>
             <a:endParaRPr lang="fr-FR"/>
           </a:p>
@@ -895,7 +1259,10 @@
           <a:bodyPr/>
           <a:lstStyle/>
           <a:p>
-            <a:endParaRPr lang="fr-FR"/>
+            <a:r>
+              <a:rPr lang="fr-FR"/>
+              <a:t>Corentin BRENY - ST Félix La Salle - 2020</a:t>
+            </a:r>
           </a:p>
         </p:txBody>
       </p:sp>
@@ -1141,9 +1508,9 @@
           <a:bodyPr/>
           <a:lstStyle/>
           <a:p>
-            <a:fld id="{AA92B0C3-5411-4C12-BD91-D4B590CCAF40}" type="datetimeFigureOut">
+            <a:fld id="{8AB5A178-5A70-4A66-9698-90C7FE000B13}" type="datetime1">
               <a:rPr lang="fr-FR" smtClean="0"/>
-              <a:t>29/01/2020</a:t>
+              <a:t>31/01/2020</a:t>
             </a:fld>
             <a:endParaRPr lang="fr-FR"/>
           </a:p>
@@ -1170,7 +1537,10 @@
           <a:bodyPr/>
           <a:lstStyle/>
           <a:p>
-            <a:endParaRPr lang="fr-FR"/>
+            <a:r>
+              <a:rPr lang="fr-FR"/>
+              <a:t>Corentin BRENY - ST Félix La Salle - 2020</a:t>
+            </a:r>
           </a:p>
         </p:txBody>
       </p:sp>
@@ -1406,9 +1776,9 @@
           <a:bodyPr/>
           <a:lstStyle/>
           <a:p>
-            <a:fld id="{AA92B0C3-5411-4C12-BD91-D4B590CCAF40}" type="datetimeFigureOut">
+            <a:fld id="{7454423C-F285-489D-AA4A-BBB78B91CB62}" type="datetime1">
               <a:rPr lang="fr-FR" smtClean="0"/>
-              <a:t>29/01/2020</a:t>
+              <a:t>31/01/2020</a:t>
             </a:fld>
             <a:endParaRPr lang="fr-FR"/>
           </a:p>
@@ -1435,7 +1805,10 @@
           <a:bodyPr/>
           <a:lstStyle/>
           <a:p>
-            <a:endParaRPr lang="fr-FR"/>
+            <a:r>
+              <a:rPr lang="fr-FR"/>
+              <a:t>Corentin BRENY - ST Félix La Salle - 2020</a:t>
+            </a:r>
           </a:p>
         </p:txBody>
       </p:sp>
@@ -1818,9 +2191,9 @@
           <a:bodyPr/>
           <a:lstStyle/>
           <a:p>
-            <a:fld id="{AA92B0C3-5411-4C12-BD91-D4B590CCAF40}" type="datetimeFigureOut">
+            <a:fld id="{58EAFDD7-E246-48D2-A0CF-903CE0A359FC}" type="datetime1">
               <a:rPr lang="fr-FR" smtClean="0"/>
-              <a:t>29/01/2020</a:t>
+              <a:t>31/01/2020</a:t>
             </a:fld>
             <a:endParaRPr lang="fr-FR"/>
           </a:p>
@@ -1847,7 +2220,10 @@
           <a:bodyPr/>
           <a:lstStyle/>
           <a:p>
-            <a:endParaRPr lang="fr-FR"/>
+            <a:r>
+              <a:rPr lang="fr-FR"/>
+              <a:t>Corentin BRENY - ST Félix La Salle - 2020</a:t>
+            </a:r>
           </a:p>
         </p:txBody>
       </p:sp>
@@ -1959,9 +2335,9 @@
           <a:bodyPr/>
           <a:lstStyle/>
           <a:p>
-            <a:fld id="{AA92B0C3-5411-4C12-BD91-D4B590CCAF40}" type="datetimeFigureOut">
+            <a:fld id="{0455F871-879D-4630-9202-9DCE8AE53DBB}" type="datetime1">
               <a:rPr lang="fr-FR" smtClean="0"/>
-              <a:t>29/01/2020</a:t>
+              <a:t>31/01/2020</a:t>
             </a:fld>
             <a:endParaRPr lang="fr-FR"/>
           </a:p>
@@ -1988,7 +2364,10 @@
           <a:bodyPr/>
           <a:lstStyle/>
           <a:p>
-            <a:endParaRPr lang="fr-FR"/>
+            <a:r>
+              <a:rPr lang="fr-FR"/>
+              <a:t>Corentin BRENY - ST Félix La Salle - 2020</a:t>
+            </a:r>
           </a:p>
         </p:txBody>
       </p:sp>
@@ -2072,9 +2451,9 @@
           <a:bodyPr/>
           <a:lstStyle/>
           <a:p>
-            <a:fld id="{AA92B0C3-5411-4C12-BD91-D4B590CCAF40}" type="datetimeFigureOut">
+            <a:fld id="{26BC4146-FEA9-4865-84B3-9EC3A08F8027}" type="datetime1">
               <a:rPr lang="fr-FR" smtClean="0"/>
-              <a:t>29/01/2020</a:t>
+              <a:t>31/01/2020</a:t>
             </a:fld>
             <a:endParaRPr lang="fr-FR"/>
           </a:p>
@@ -2101,7 +2480,10 @@
           <a:bodyPr/>
           <a:lstStyle/>
           <a:p>
-            <a:endParaRPr lang="fr-FR"/>
+            <a:r>
+              <a:rPr lang="fr-FR"/>
+              <a:t>Corentin BRENY - ST Félix La Salle - 2020</a:t>
+            </a:r>
           </a:p>
         </p:txBody>
       </p:sp>
@@ -2383,9 +2765,9 @@
           <a:bodyPr/>
           <a:lstStyle/>
           <a:p>
-            <a:fld id="{AA92B0C3-5411-4C12-BD91-D4B590CCAF40}" type="datetimeFigureOut">
+            <a:fld id="{D763E1B4-BA40-4993-B94F-4B66614E6697}" type="datetime1">
               <a:rPr lang="fr-FR" smtClean="0"/>
-              <a:t>29/01/2020</a:t>
+              <a:t>31/01/2020</a:t>
             </a:fld>
             <a:endParaRPr lang="fr-FR"/>
           </a:p>
@@ -2412,7 +2794,10 @@
           <a:bodyPr/>
           <a:lstStyle/>
           <a:p>
-            <a:endParaRPr lang="fr-FR"/>
+            <a:r>
+              <a:rPr lang="fr-FR"/>
+              <a:t>Corentin BRENY - ST Félix La Salle - 2020</a:t>
+            </a:r>
           </a:p>
         </p:txBody>
       </p:sp>
@@ -2671,9 +3056,9 @@
           <a:bodyPr/>
           <a:lstStyle/>
           <a:p>
-            <a:fld id="{AA92B0C3-5411-4C12-BD91-D4B590CCAF40}" type="datetimeFigureOut">
+            <a:fld id="{E0D0BC75-8619-4FAB-8157-12FA9E2A5761}" type="datetime1">
               <a:rPr lang="fr-FR" smtClean="0"/>
-              <a:t>29/01/2020</a:t>
+              <a:t>31/01/2020</a:t>
             </a:fld>
             <a:endParaRPr lang="fr-FR"/>
           </a:p>
@@ -2700,7 +3085,10 @@
           <a:bodyPr/>
           <a:lstStyle/>
           <a:p>
-            <a:endParaRPr lang="fr-FR"/>
+            <a:r>
+              <a:rPr lang="fr-FR"/>
+              <a:t>Corentin BRENY - ST Félix La Salle - 2020</a:t>
+            </a:r>
           </a:p>
         </p:txBody>
       </p:sp>
@@ -2912,9 +3300,9 @@
             </a:lvl1pPr>
           </a:lstStyle>
           <a:p>
-            <a:fld id="{AA92B0C3-5411-4C12-BD91-D4B590CCAF40}" type="datetimeFigureOut">
+            <a:fld id="{EAFCDA6A-9493-444A-A143-F0388B2A6646}" type="datetime1">
               <a:rPr lang="fr-FR" smtClean="0"/>
-              <a:t>29/01/2020</a:t>
+              <a:t>31/01/2020</a:t>
             </a:fld>
             <a:endParaRPr lang="fr-FR"/>
           </a:p>
@@ -2959,7 +3347,10 @@
             </a:lvl1pPr>
           </a:lstStyle>
           <a:p>
-            <a:endParaRPr lang="fr-FR"/>
+            <a:r>
+              <a:rPr lang="fr-FR"/>
+              <a:t>Corentin BRENY - ST Félix La Salle - 2020</a:t>
+            </a:r>
           </a:p>
         </p:txBody>
       </p:sp>
@@ -3031,6 +3422,7 @@
     <p:sldLayoutId id="2147483658" r:id="rId10"/>
     <p:sldLayoutId id="2147483659" r:id="rId11"/>
   </p:sldLayoutIdLst>
+  <p:hf hdr="0" dt="0"/>
   <p:txStyles>
     <p:titleStyle>
       <a:lvl1pPr algn="l" defTabSz="914400" rtl="0" eaLnBrk="1" latinLnBrk="0" hangingPunct="1">
@@ -3361,6 +3753,63 @@
           </a:prstGeom>
         </p:spPr>
       </p:pic>
+      <p:sp>
+        <p:nvSpPr>
+          <p:cNvPr id="2" name="Espace réservé du pied de page 1">
+            <a:extLst>
+              <a:ext uri="{FF2B5EF4-FFF2-40B4-BE49-F238E27FC236}">
+                <a16:creationId xmlns:a16="http://schemas.microsoft.com/office/drawing/2014/main" id="{42F49637-D6D4-4166-AB7C-4A13F7ABE529}"/>
+              </a:ext>
+            </a:extLst>
+          </p:cNvPr>
+          <p:cNvSpPr>
+            <a:spLocks noGrp="1"/>
+          </p:cNvSpPr>
+          <p:nvPr>
+            <p:ph type="ftr" sz="quarter" idx="11"/>
+          </p:nvPr>
+        </p:nvSpPr>
+        <p:spPr/>
+        <p:txBody>
+          <a:bodyPr/>
+          <a:lstStyle/>
+          <a:p>
+            <a:r>
+              <a:rPr lang="fr-FR"/>
+              <a:t>Corentin BRENY - ST Félix La Salle - 2020</a:t>
+            </a:r>
+          </a:p>
+        </p:txBody>
+      </p:sp>
+      <p:sp>
+        <p:nvSpPr>
+          <p:cNvPr id="3" name="Espace réservé du numéro de diapositive 2">
+            <a:extLst>
+              <a:ext uri="{FF2B5EF4-FFF2-40B4-BE49-F238E27FC236}">
+                <a16:creationId xmlns:a16="http://schemas.microsoft.com/office/drawing/2014/main" id="{3ADE6CB5-B996-4808-9346-EB2FD42AF2FA}"/>
+              </a:ext>
+            </a:extLst>
+          </p:cNvPr>
+          <p:cNvSpPr>
+            <a:spLocks noGrp="1"/>
+          </p:cNvSpPr>
+          <p:nvPr>
+            <p:ph type="sldNum" sz="quarter" idx="12"/>
+          </p:nvPr>
+        </p:nvSpPr>
+        <p:spPr/>
+        <p:txBody>
+          <a:bodyPr/>
+          <a:lstStyle/>
+          <a:p>
+            <a:fld id="{B8E0B961-A637-4848-B0A2-B04876406418}" type="slidenum">
+              <a:rPr lang="fr-FR" smtClean="0"/>
+              <a:t>1</a:t>
+            </a:fld>
+            <a:endParaRPr lang="fr-FR"/>
+          </a:p>
+        </p:txBody>
+      </p:sp>
     </p:spTree>
     <p:extLst>
       <p:ext uri="{BB962C8B-B14F-4D97-AF65-F5344CB8AC3E}">
@@ -3743,7 +4192,7 @@
             </a:pPr>
             <a:r>
               <a:rPr lang="en-US" sz="1200" b="1" dirty="0"/>
-              <a:t>Revue 1 (R1) : semaine 6 (3 février 2020)  </a:t>
+              <a:t>Revue 1 (R1) : semaine 6 (4 février 2020)  </a:t>
             </a:r>
           </a:p>
           <a:p>
@@ -3893,6 +4342,506 @@
           </a:p>
           <a:p>
             <a:endParaRPr lang="fr-FR" dirty="0"/>
+          </a:p>
+        </p:txBody>
+      </p:sp>
+      <p:sp>
+        <p:nvSpPr>
+          <p:cNvPr id="3" name="Espace réservé du pied de page 2">
+            <a:extLst>
+              <a:ext uri="{FF2B5EF4-FFF2-40B4-BE49-F238E27FC236}">
+                <a16:creationId xmlns:a16="http://schemas.microsoft.com/office/drawing/2014/main" id="{C6F308F2-276A-463E-811A-F51C7796797C}"/>
+              </a:ext>
+            </a:extLst>
+          </p:cNvPr>
+          <p:cNvSpPr>
+            <a:spLocks noGrp="1"/>
+          </p:cNvSpPr>
+          <p:nvPr>
+            <p:ph type="ftr" sz="quarter" idx="11"/>
+          </p:nvPr>
+        </p:nvSpPr>
+        <p:spPr>
+          <a:xfrm>
+            <a:off x="4038600" y="6356349"/>
+            <a:ext cx="4114800" cy="365125"/>
+          </a:xfrm>
+        </p:spPr>
+        <p:txBody>
+          <a:bodyPr/>
+          <a:lstStyle/>
+          <a:p>
+            <a:r>
+              <a:rPr lang="fr-FR" dirty="0">
+                <a:solidFill>
+                  <a:schemeClr val="bg1">
+                    <a:lumMod val="50000"/>
+                  </a:schemeClr>
+                </a:solidFill>
+              </a:rPr>
+              <a:t>Corentin BRENY - ST Félix La Salle - 2020</a:t>
+            </a:r>
+          </a:p>
+        </p:txBody>
+      </p:sp>
+      <p:sp>
+        <p:nvSpPr>
+          <p:cNvPr id="5" name="Espace réservé du numéro de diapositive 4">
+            <a:extLst>
+              <a:ext uri="{FF2B5EF4-FFF2-40B4-BE49-F238E27FC236}">
+                <a16:creationId xmlns:a16="http://schemas.microsoft.com/office/drawing/2014/main" id="{20ED0064-1301-4BFD-A492-618B51B620B1}"/>
+              </a:ext>
+            </a:extLst>
+          </p:cNvPr>
+          <p:cNvSpPr>
+            <a:spLocks noGrp="1"/>
+          </p:cNvSpPr>
+          <p:nvPr>
+            <p:ph type="sldNum" sz="quarter" idx="12"/>
+          </p:nvPr>
+        </p:nvSpPr>
+        <p:spPr/>
+        <p:txBody>
+          <a:bodyPr/>
+          <a:lstStyle/>
+          <a:p>
+            <a:fld id="{B8E0B961-A637-4848-B0A2-B04876406418}" type="slidenum">
+              <a:rPr lang="fr-FR" smtClean="0"/>
+              <a:t>2</a:t>
+            </a:fld>
+            <a:endParaRPr lang="fr-FR"/>
+          </a:p>
+        </p:txBody>
+      </p:sp>
+      <p:sp>
+        <p:nvSpPr>
+          <p:cNvPr id="7" name="Rectangle 6">
+            <a:extLst>
+              <a:ext uri="{FF2B5EF4-FFF2-40B4-BE49-F238E27FC236}">
+                <a16:creationId xmlns:a16="http://schemas.microsoft.com/office/drawing/2014/main" id="{6EDA0B43-52F3-4BF2-B7D6-8DB4998F485C}"/>
+              </a:ext>
+            </a:extLst>
+          </p:cNvPr>
+          <p:cNvSpPr/>
+          <p:nvPr/>
+        </p:nvSpPr>
+        <p:spPr>
+          <a:xfrm>
+            <a:off x="11352276" y="339806"/>
+            <a:ext cx="649222" cy="5859825"/>
+          </a:xfrm>
+          <a:prstGeom prst="rect">
+            <a:avLst/>
+          </a:prstGeom>
+          <a:solidFill>
+            <a:schemeClr val="tx1"/>
+          </a:solidFill>
+          <a:ln>
+            <a:solidFill>
+              <a:srgbClr val="C00000"/>
+            </a:solidFill>
+          </a:ln>
+        </p:spPr>
+        <p:style>
+          <a:lnRef idx="2">
+            <a:schemeClr val="accent1">
+              <a:shade val="50000"/>
+            </a:schemeClr>
+          </a:lnRef>
+          <a:fillRef idx="1">
+            <a:schemeClr val="accent1"/>
+          </a:fillRef>
+          <a:effectRef idx="0">
+            <a:schemeClr val="accent1"/>
+          </a:effectRef>
+          <a:fontRef idx="minor">
+            <a:schemeClr val="lt1"/>
+          </a:fontRef>
+        </p:style>
+        <p:txBody>
+          <a:bodyPr rtlCol="0" anchor="ctr"/>
+          <a:lstStyle/>
+          <a:p>
+            <a:pPr algn="ctr"/>
+            <a:endParaRPr lang="fr-FR"/>
+          </a:p>
+        </p:txBody>
+      </p:sp>
+      <p:sp>
+        <p:nvSpPr>
+          <p:cNvPr id="8" name="Ellipse 7">
+            <a:extLst>
+              <a:ext uri="{FF2B5EF4-FFF2-40B4-BE49-F238E27FC236}">
+                <a16:creationId xmlns:a16="http://schemas.microsoft.com/office/drawing/2014/main" id="{F8AD6DE1-77EF-4238-BB80-2B6895662343}"/>
+              </a:ext>
+            </a:extLst>
+          </p:cNvPr>
+          <p:cNvSpPr/>
+          <p:nvPr/>
+        </p:nvSpPr>
+        <p:spPr>
+          <a:xfrm>
+            <a:off x="11352274" y="-36612"/>
+            <a:ext cx="649224" cy="694981"/>
+          </a:xfrm>
+          <a:prstGeom prst="ellipse">
+            <a:avLst/>
+          </a:prstGeom>
+          <a:solidFill>
+            <a:srgbClr val="C00000"/>
+          </a:solidFill>
+          <a:ln>
+            <a:solidFill>
+              <a:srgbClr val="C00000"/>
+            </a:solidFill>
+          </a:ln>
+        </p:spPr>
+        <p:style>
+          <a:lnRef idx="2">
+            <a:schemeClr val="accent1">
+              <a:shade val="50000"/>
+            </a:schemeClr>
+          </a:lnRef>
+          <a:fillRef idx="1">
+            <a:schemeClr val="accent1"/>
+          </a:fillRef>
+          <a:effectRef idx="0">
+            <a:schemeClr val="accent1"/>
+          </a:effectRef>
+          <a:fontRef idx="minor">
+            <a:schemeClr val="lt1"/>
+          </a:fontRef>
+        </p:style>
+        <p:txBody>
+          <a:bodyPr rtlCol="0" anchor="ctr"/>
+          <a:lstStyle/>
+          <a:p>
+            <a:pPr algn="ctr"/>
+            <a:endParaRPr lang="fr-FR"/>
+          </a:p>
+        </p:txBody>
+      </p:sp>
+      <p:sp>
+        <p:nvSpPr>
+          <p:cNvPr id="11" name="Ellipse 10">
+            <a:extLst>
+              <a:ext uri="{FF2B5EF4-FFF2-40B4-BE49-F238E27FC236}">
+                <a16:creationId xmlns:a16="http://schemas.microsoft.com/office/drawing/2014/main" id="{6B05A488-072D-4C14-9D26-6CA8F88F43E4}"/>
+              </a:ext>
+            </a:extLst>
+          </p:cNvPr>
+          <p:cNvSpPr/>
+          <p:nvPr/>
+        </p:nvSpPr>
+        <p:spPr>
+          <a:xfrm>
+            <a:off x="11352273" y="954310"/>
+            <a:ext cx="649224" cy="694981"/>
+          </a:xfrm>
+          <a:prstGeom prst="ellipse">
+            <a:avLst/>
+          </a:prstGeom>
+          <a:solidFill>
+            <a:schemeClr val="tx1"/>
+          </a:solidFill>
+          <a:ln>
+            <a:solidFill>
+              <a:srgbClr val="C00000"/>
+            </a:solidFill>
+          </a:ln>
+        </p:spPr>
+        <p:style>
+          <a:lnRef idx="2">
+            <a:schemeClr val="accent1">
+              <a:shade val="50000"/>
+            </a:schemeClr>
+          </a:lnRef>
+          <a:fillRef idx="1">
+            <a:schemeClr val="accent1"/>
+          </a:fillRef>
+          <a:effectRef idx="0">
+            <a:schemeClr val="accent1"/>
+          </a:effectRef>
+          <a:fontRef idx="minor">
+            <a:schemeClr val="lt1"/>
+          </a:fontRef>
+        </p:style>
+        <p:txBody>
+          <a:bodyPr rtlCol="0" anchor="ctr"/>
+          <a:lstStyle/>
+          <a:p>
+            <a:pPr algn="ctr"/>
+            <a:endParaRPr lang="fr-FR"/>
+          </a:p>
+        </p:txBody>
+      </p:sp>
+      <p:sp>
+        <p:nvSpPr>
+          <p:cNvPr id="12" name="Ellipse 11">
+            <a:extLst>
+              <a:ext uri="{FF2B5EF4-FFF2-40B4-BE49-F238E27FC236}">
+                <a16:creationId xmlns:a16="http://schemas.microsoft.com/office/drawing/2014/main" id="{EEA8304F-752E-4359-B5AA-30C4B32C8994}"/>
+              </a:ext>
+            </a:extLst>
+          </p:cNvPr>
+          <p:cNvSpPr/>
+          <p:nvPr/>
+        </p:nvSpPr>
+        <p:spPr>
+          <a:xfrm>
+            <a:off x="11352273" y="1922124"/>
+            <a:ext cx="649225" cy="694981"/>
+          </a:xfrm>
+          <a:prstGeom prst="ellipse">
+            <a:avLst/>
+          </a:prstGeom>
+          <a:solidFill>
+            <a:schemeClr val="tx1"/>
+          </a:solidFill>
+          <a:ln>
+            <a:solidFill>
+              <a:srgbClr val="C00000"/>
+            </a:solidFill>
+          </a:ln>
+        </p:spPr>
+        <p:style>
+          <a:lnRef idx="2">
+            <a:schemeClr val="accent1">
+              <a:shade val="50000"/>
+            </a:schemeClr>
+          </a:lnRef>
+          <a:fillRef idx="1">
+            <a:schemeClr val="accent1"/>
+          </a:fillRef>
+          <a:effectRef idx="0">
+            <a:schemeClr val="accent1"/>
+          </a:effectRef>
+          <a:fontRef idx="minor">
+            <a:schemeClr val="lt1"/>
+          </a:fontRef>
+        </p:style>
+        <p:txBody>
+          <a:bodyPr rtlCol="0" anchor="ctr"/>
+          <a:lstStyle/>
+          <a:p>
+            <a:pPr algn="ctr"/>
+            <a:endParaRPr lang="fr-FR"/>
+          </a:p>
+        </p:txBody>
+      </p:sp>
+      <p:sp>
+        <p:nvSpPr>
+          <p:cNvPr id="13" name="Ellipse 12">
+            <a:extLst>
+              <a:ext uri="{FF2B5EF4-FFF2-40B4-BE49-F238E27FC236}">
+                <a16:creationId xmlns:a16="http://schemas.microsoft.com/office/drawing/2014/main" id="{4273C0B2-217E-44FF-B0C2-2734CBE3E405}"/>
+              </a:ext>
+            </a:extLst>
+          </p:cNvPr>
+          <p:cNvSpPr/>
+          <p:nvPr/>
+        </p:nvSpPr>
+        <p:spPr>
+          <a:xfrm>
+            <a:off x="11352273" y="2913046"/>
+            <a:ext cx="649225" cy="694981"/>
+          </a:xfrm>
+          <a:prstGeom prst="ellipse">
+            <a:avLst/>
+          </a:prstGeom>
+          <a:solidFill>
+            <a:schemeClr val="tx1"/>
+          </a:solidFill>
+          <a:ln>
+            <a:solidFill>
+              <a:srgbClr val="C00000"/>
+            </a:solidFill>
+          </a:ln>
+        </p:spPr>
+        <p:style>
+          <a:lnRef idx="2">
+            <a:schemeClr val="accent1">
+              <a:shade val="50000"/>
+            </a:schemeClr>
+          </a:lnRef>
+          <a:fillRef idx="1">
+            <a:schemeClr val="accent1"/>
+          </a:fillRef>
+          <a:effectRef idx="0">
+            <a:schemeClr val="accent1"/>
+          </a:effectRef>
+          <a:fontRef idx="minor">
+            <a:schemeClr val="lt1"/>
+          </a:fontRef>
+        </p:style>
+        <p:txBody>
+          <a:bodyPr rtlCol="0" anchor="ctr"/>
+          <a:lstStyle/>
+          <a:p>
+            <a:pPr algn="ctr"/>
+            <a:endParaRPr lang="fr-FR"/>
+          </a:p>
+        </p:txBody>
+      </p:sp>
+      <p:sp>
+        <p:nvSpPr>
+          <p:cNvPr id="14" name="Ellipse 13">
+            <a:extLst>
+              <a:ext uri="{FF2B5EF4-FFF2-40B4-BE49-F238E27FC236}">
+                <a16:creationId xmlns:a16="http://schemas.microsoft.com/office/drawing/2014/main" id="{665741B3-026A-4D72-B443-02E03947E1ED}"/>
+              </a:ext>
+            </a:extLst>
+          </p:cNvPr>
+          <p:cNvSpPr/>
+          <p:nvPr/>
+        </p:nvSpPr>
+        <p:spPr>
+          <a:xfrm>
+            <a:off x="11352273" y="3903968"/>
+            <a:ext cx="649224" cy="694981"/>
+          </a:xfrm>
+          <a:prstGeom prst="ellipse">
+            <a:avLst/>
+          </a:prstGeom>
+          <a:solidFill>
+            <a:schemeClr val="tx1"/>
+          </a:solidFill>
+          <a:ln>
+            <a:solidFill>
+              <a:srgbClr val="C00000"/>
+            </a:solidFill>
+          </a:ln>
+        </p:spPr>
+        <p:style>
+          <a:lnRef idx="2">
+            <a:schemeClr val="accent1">
+              <a:shade val="50000"/>
+            </a:schemeClr>
+          </a:lnRef>
+          <a:fillRef idx="1">
+            <a:schemeClr val="accent1"/>
+          </a:fillRef>
+          <a:effectRef idx="0">
+            <a:schemeClr val="accent1"/>
+          </a:effectRef>
+          <a:fontRef idx="minor">
+            <a:schemeClr val="lt1"/>
+          </a:fontRef>
+        </p:style>
+        <p:txBody>
+          <a:bodyPr rtlCol="0" anchor="ctr"/>
+          <a:lstStyle/>
+          <a:p>
+            <a:pPr algn="ctr"/>
+            <a:endParaRPr lang="fr-FR"/>
+          </a:p>
+        </p:txBody>
+      </p:sp>
+      <p:sp>
+        <p:nvSpPr>
+          <p:cNvPr id="15" name="Ellipse 14">
+            <a:extLst>
+              <a:ext uri="{FF2B5EF4-FFF2-40B4-BE49-F238E27FC236}">
+                <a16:creationId xmlns:a16="http://schemas.microsoft.com/office/drawing/2014/main" id="{A72AB978-F4DE-4BD2-A9C1-DDCACD1447B9}"/>
+              </a:ext>
+            </a:extLst>
+          </p:cNvPr>
+          <p:cNvSpPr/>
+          <p:nvPr/>
+        </p:nvSpPr>
+        <p:spPr>
+          <a:xfrm>
+            <a:off x="11352273" y="4894193"/>
+            <a:ext cx="649224" cy="694982"/>
+          </a:xfrm>
+          <a:prstGeom prst="ellipse">
+            <a:avLst/>
+          </a:prstGeom>
+          <a:solidFill>
+            <a:schemeClr val="tx1"/>
+          </a:solidFill>
+          <a:ln>
+            <a:solidFill>
+              <a:srgbClr val="C00000"/>
+            </a:solidFill>
+          </a:ln>
+        </p:spPr>
+        <p:style>
+          <a:lnRef idx="2">
+            <a:schemeClr val="accent1">
+              <a:shade val="50000"/>
+            </a:schemeClr>
+          </a:lnRef>
+          <a:fillRef idx="1">
+            <a:schemeClr val="accent1"/>
+          </a:fillRef>
+          <a:effectRef idx="0">
+            <a:schemeClr val="accent1"/>
+          </a:effectRef>
+          <a:fontRef idx="minor">
+            <a:schemeClr val="lt1"/>
+          </a:fontRef>
+        </p:style>
+        <p:txBody>
+          <a:bodyPr rtlCol="0" anchor="ctr"/>
+          <a:lstStyle/>
+          <a:p>
+            <a:pPr algn="ctr"/>
+            <a:endParaRPr lang="fr-FR"/>
+          </a:p>
+        </p:txBody>
+      </p:sp>
+      <p:sp>
+        <p:nvSpPr>
+          <p:cNvPr id="16" name="Ellipse 15">
+            <a:extLst>
+              <a:ext uri="{FF2B5EF4-FFF2-40B4-BE49-F238E27FC236}">
+                <a16:creationId xmlns:a16="http://schemas.microsoft.com/office/drawing/2014/main" id="{2ED169C0-3B08-4A8E-AC1C-ED2E1E2CE371}"/>
+              </a:ext>
+            </a:extLst>
+          </p:cNvPr>
+          <p:cNvSpPr/>
+          <p:nvPr/>
+        </p:nvSpPr>
+        <p:spPr>
+          <a:xfrm>
+            <a:off x="11352273" y="5888237"/>
+            <a:ext cx="649224" cy="694981"/>
+          </a:xfrm>
+          <a:prstGeom prst="ellipse">
+            <a:avLst/>
+          </a:prstGeom>
+          <a:solidFill>
+            <a:schemeClr val="tx1"/>
+          </a:solidFill>
+          <a:ln>
+            <a:solidFill>
+              <a:srgbClr val="C00000"/>
+            </a:solidFill>
+          </a:ln>
+        </p:spPr>
+        <p:style>
+          <a:lnRef idx="2">
+            <a:schemeClr val="accent1">
+              <a:shade val="50000"/>
+            </a:schemeClr>
+          </a:lnRef>
+          <a:fillRef idx="1">
+            <a:schemeClr val="accent1"/>
+          </a:fillRef>
+          <a:effectRef idx="0">
+            <a:schemeClr val="accent1"/>
+          </a:effectRef>
+          <a:fontRef idx="minor">
+            <a:schemeClr val="lt1"/>
+          </a:fontRef>
+        </p:style>
+        <p:txBody>
+          <a:bodyPr rtlCol="0" anchor="ctr"/>
+          <a:lstStyle/>
+          <a:p>
+            <a:pPr algn="ctr"/>
+            <a:endParaRPr lang="fr-FR"/>
           </a:p>
         </p:txBody>
       </p:sp>
@@ -4069,7 +5018,7 @@
                   <a:srgbClr val="FF0000"/>
                 </a:solidFill>
               </a:rPr>
-              <a:t>Diagramme de Gantt</a:t>
+              <a:t>Matériels utilisés</a:t>
             </a:r>
           </a:p>
         </p:txBody>
@@ -4182,6 +5131,495 @@
           </a:fontRef>
         </p:style>
       </p:cxnSp>
+      <p:sp>
+        <p:nvSpPr>
+          <p:cNvPr id="4" name="Espace réservé du pied de page 3">
+            <a:extLst>
+              <a:ext uri="{FF2B5EF4-FFF2-40B4-BE49-F238E27FC236}">
+                <a16:creationId xmlns:a16="http://schemas.microsoft.com/office/drawing/2014/main" id="{1AC0ECF2-6373-4734-8D29-A6C706E03042}"/>
+              </a:ext>
+            </a:extLst>
+          </p:cNvPr>
+          <p:cNvSpPr>
+            <a:spLocks noGrp="1"/>
+          </p:cNvSpPr>
+          <p:nvPr>
+            <p:ph type="ftr" sz="quarter" idx="11"/>
+          </p:nvPr>
+        </p:nvSpPr>
+        <p:spPr/>
+        <p:txBody>
+          <a:bodyPr/>
+          <a:lstStyle/>
+          <a:p>
+            <a:r>
+              <a:rPr lang="fr-FR"/>
+              <a:t>Corentin BRENY - ST Félix La Salle - 2020</a:t>
+            </a:r>
+          </a:p>
+        </p:txBody>
+      </p:sp>
+      <p:sp>
+        <p:nvSpPr>
+          <p:cNvPr id="5" name="Espace réservé du numéro de diapositive 4">
+            <a:extLst>
+              <a:ext uri="{FF2B5EF4-FFF2-40B4-BE49-F238E27FC236}">
+                <a16:creationId xmlns:a16="http://schemas.microsoft.com/office/drawing/2014/main" id="{01EEBF47-F1A4-40EB-81F7-47B587802D19}"/>
+              </a:ext>
+            </a:extLst>
+          </p:cNvPr>
+          <p:cNvSpPr>
+            <a:spLocks noGrp="1"/>
+          </p:cNvSpPr>
+          <p:nvPr>
+            <p:ph type="sldNum" sz="quarter" idx="12"/>
+          </p:nvPr>
+        </p:nvSpPr>
+        <p:spPr/>
+        <p:txBody>
+          <a:bodyPr/>
+          <a:lstStyle/>
+          <a:p>
+            <a:fld id="{B8E0B961-A637-4848-B0A2-B04876406418}" type="slidenum">
+              <a:rPr lang="fr-FR" smtClean="0"/>
+              <a:t>3</a:t>
+            </a:fld>
+            <a:endParaRPr lang="fr-FR"/>
+          </a:p>
+        </p:txBody>
+      </p:sp>
+      <p:sp>
+        <p:nvSpPr>
+          <p:cNvPr id="9" name="Rectangle 8">
+            <a:extLst>
+              <a:ext uri="{FF2B5EF4-FFF2-40B4-BE49-F238E27FC236}">
+                <a16:creationId xmlns:a16="http://schemas.microsoft.com/office/drawing/2014/main" id="{8389554A-3B79-490C-8AC8-414BD3843895}"/>
+              </a:ext>
+            </a:extLst>
+          </p:cNvPr>
+          <p:cNvSpPr/>
+          <p:nvPr/>
+        </p:nvSpPr>
+        <p:spPr>
+          <a:xfrm>
+            <a:off x="11352276" y="339806"/>
+            <a:ext cx="649222" cy="5859825"/>
+          </a:xfrm>
+          <a:prstGeom prst="rect">
+            <a:avLst/>
+          </a:prstGeom>
+          <a:solidFill>
+            <a:schemeClr val="tx1"/>
+          </a:solidFill>
+          <a:ln>
+            <a:solidFill>
+              <a:srgbClr val="C00000"/>
+            </a:solidFill>
+          </a:ln>
+        </p:spPr>
+        <p:style>
+          <a:lnRef idx="2">
+            <a:schemeClr val="accent1">
+              <a:shade val="50000"/>
+            </a:schemeClr>
+          </a:lnRef>
+          <a:fillRef idx="1">
+            <a:schemeClr val="accent1"/>
+          </a:fillRef>
+          <a:effectRef idx="0">
+            <a:schemeClr val="accent1"/>
+          </a:effectRef>
+          <a:fontRef idx="minor">
+            <a:schemeClr val="lt1"/>
+          </a:fontRef>
+        </p:style>
+        <p:txBody>
+          <a:bodyPr rtlCol="0" anchor="ctr"/>
+          <a:lstStyle/>
+          <a:p>
+            <a:pPr algn="ctr"/>
+            <a:endParaRPr lang="fr-FR"/>
+          </a:p>
+        </p:txBody>
+      </p:sp>
+      <p:sp>
+        <p:nvSpPr>
+          <p:cNvPr id="11" name="Ellipse 10">
+            <a:extLst>
+              <a:ext uri="{FF2B5EF4-FFF2-40B4-BE49-F238E27FC236}">
+                <a16:creationId xmlns:a16="http://schemas.microsoft.com/office/drawing/2014/main" id="{EDF7EF51-9236-4D09-BC68-1478E58C6CAB}"/>
+              </a:ext>
+            </a:extLst>
+          </p:cNvPr>
+          <p:cNvSpPr/>
+          <p:nvPr/>
+        </p:nvSpPr>
+        <p:spPr>
+          <a:xfrm>
+            <a:off x="11352274" y="-36612"/>
+            <a:ext cx="649224" cy="694981"/>
+          </a:xfrm>
+          <a:prstGeom prst="ellipse">
+            <a:avLst/>
+          </a:prstGeom>
+          <a:solidFill>
+            <a:srgbClr val="C00000"/>
+          </a:solidFill>
+          <a:ln>
+            <a:solidFill>
+              <a:srgbClr val="C00000"/>
+            </a:solidFill>
+          </a:ln>
+        </p:spPr>
+        <p:style>
+          <a:lnRef idx="2">
+            <a:schemeClr val="accent1">
+              <a:shade val="50000"/>
+            </a:schemeClr>
+          </a:lnRef>
+          <a:fillRef idx="1">
+            <a:schemeClr val="accent1"/>
+          </a:fillRef>
+          <a:effectRef idx="0">
+            <a:schemeClr val="accent1"/>
+          </a:effectRef>
+          <a:fontRef idx="minor">
+            <a:schemeClr val="lt1"/>
+          </a:fontRef>
+        </p:style>
+        <p:txBody>
+          <a:bodyPr rtlCol="0" anchor="ctr"/>
+          <a:lstStyle/>
+          <a:p>
+            <a:pPr algn="ctr"/>
+            <a:endParaRPr lang="fr-FR"/>
+          </a:p>
+        </p:txBody>
+      </p:sp>
+      <p:sp>
+        <p:nvSpPr>
+          <p:cNvPr id="13" name="Ellipse 12">
+            <a:extLst>
+              <a:ext uri="{FF2B5EF4-FFF2-40B4-BE49-F238E27FC236}">
+                <a16:creationId xmlns:a16="http://schemas.microsoft.com/office/drawing/2014/main" id="{5AD9C6EF-175E-45F2-A6D9-041A6237F7E5}"/>
+              </a:ext>
+            </a:extLst>
+          </p:cNvPr>
+          <p:cNvSpPr/>
+          <p:nvPr/>
+        </p:nvSpPr>
+        <p:spPr>
+          <a:xfrm>
+            <a:off x="11352273" y="954310"/>
+            <a:ext cx="649224" cy="694981"/>
+          </a:xfrm>
+          <a:prstGeom prst="ellipse">
+            <a:avLst/>
+          </a:prstGeom>
+          <a:solidFill>
+            <a:srgbClr val="C00000"/>
+          </a:solidFill>
+          <a:ln>
+            <a:solidFill>
+              <a:srgbClr val="C00000"/>
+            </a:solidFill>
+          </a:ln>
+        </p:spPr>
+        <p:style>
+          <a:lnRef idx="2">
+            <a:schemeClr val="accent1">
+              <a:shade val="50000"/>
+            </a:schemeClr>
+          </a:lnRef>
+          <a:fillRef idx="1">
+            <a:schemeClr val="accent1"/>
+          </a:fillRef>
+          <a:effectRef idx="0">
+            <a:schemeClr val="accent1"/>
+          </a:effectRef>
+          <a:fontRef idx="minor">
+            <a:schemeClr val="lt1"/>
+          </a:fontRef>
+        </p:style>
+        <p:txBody>
+          <a:bodyPr rtlCol="0" anchor="ctr"/>
+          <a:lstStyle/>
+          <a:p>
+            <a:pPr algn="ctr"/>
+            <a:endParaRPr lang="fr-FR"/>
+          </a:p>
+        </p:txBody>
+      </p:sp>
+      <p:sp>
+        <p:nvSpPr>
+          <p:cNvPr id="14" name="Ellipse 13">
+            <a:extLst>
+              <a:ext uri="{FF2B5EF4-FFF2-40B4-BE49-F238E27FC236}">
+                <a16:creationId xmlns:a16="http://schemas.microsoft.com/office/drawing/2014/main" id="{67691030-F2DB-46FA-9A2F-50560E3E960F}"/>
+              </a:ext>
+            </a:extLst>
+          </p:cNvPr>
+          <p:cNvSpPr/>
+          <p:nvPr/>
+        </p:nvSpPr>
+        <p:spPr>
+          <a:xfrm>
+            <a:off x="11352273" y="1922124"/>
+            <a:ext cx="649225" cy="694981"/>
+          </a:xfrm>
+          <a:prstGeom prst="ellipse">
+            <a:avLst/>
+          </a:prstGeom>
+          <a:solidFill>
+            <a:schemeClr val="tx1"/>
+          </a:solidFill>
+          <a:ln>
+            <a:solidFill>
+              <a:srgbClr val="C00000"/>
+            </a:solidFill>
+          </a:ln>
+        </p:spPr>
+        <p:style>
+          <a:lnRef idx="2">
+            <a:schemeClr val="accent1">
+              <a:shade val="50000"/>
+            </a:schemeClr>
+          </a:lnRef>
+          <a:fillRef idx="1">
+            <a:schemeClr val="accent1"/>
+          </a:fillRef>
+          <a:effectRef idx="0">
+            <a:schemeClr val="accent1"/>
+          </a:effectRef>
+          <a:fontRef idx="minor">
+            <a:schemeClr val="lt1"/>
+          </a:fontRef>
+        </p:style>
+        <p:txBody>
+          <a:bodyPr rtlCol="0" anchor="ctr"/>
+          <a:lstStyle/>
+          <a:p>
+            <a:pPr algn="ctr"/>
+            <a:endParaRPr lang="fr-FR"/>
+          </a:p>
+        </p:txBody>
+      </p:sp>
+      <p:sp>
+        <p:nvSpPr>
+          <p:cNvPr id="15" name="Ellipse 14">
+            <a:extLst>
+              <a:ext uri="{FF2B5EF4-FFF2-40B4-BE49-F238E27FC236}">
+                <a16:creationId xmlns:a16="http://schemas.microsoft.com/office/drawing/2014/main" id="{83558371-B75E-4FC0-8F8A-1D7ADA585C90}"/>
+              </a:ext>
+            </a:extLst>
+          </p:cNvPr>
+          <p:cNvSpPr/>
+          <p:nvPr/>
+        </p:nvSpPr>
+        <p:spPr>
+          <a:xfrm>
+            <a:off x="11352273" y="2913046"/>
+            <a:ext cx="649225" cy="694981"/>
+          </a:xfrm>
+          <a:prstGeom prst="ellipse">
+            <a:avLst/>
+          </a:prstGeom>
+          <a:solidFill>
+            <a:schemeClr val="tx1"/>
+          </a:solidFill>
+          <a:ln>
+            <a:solidFill>
+              <a:srgbClr val="C00000"/>
+            </a:solidFill>
+          </a:ln>
+        </p:spPr>
+        <p:style>
+          <a:lnRef idx="2">
+            <a:schemeClr val="accent1">
+              <a:shade val="50000"/>
+            </a:schemeClr>
+          </a:lnRef>
+          <a:fillRef idx="1">
+            <a:schemeClr val="accent1"/>
+          </a:fillRef>
+          <a:effectRef idx="0">
+            <a:schemeClr val="accent1"/>
+          </a:effectRef>
+          <a:fontRef idx="minor">
+            <a:schemeClr val="lt1"/>
+          </a:fontRef>
+        </p:style>
+        <p:txBody>
+          <a:bodyPr rtlCol="0" anchor="ctr"/>
+          <a:lstStyle/>
+          <a:p>
+            <a:pPr algn="ctr"/>
+            <a:endParaRPr lang="fr-FR"/>
+          </a:p>
+        </p:txBody>
+      </p:sp>
+      <p:sp>
+        <p:nvSpPr>
+          <p:cNvPr id="16" name="Ellipse 15">
+            <a:extLst>
+              <a:ext uri="{FF2B5EF4-FFF2-40B4-BE49-F238E27FC236}">
+                <a16:creationId xmlns:a16="http://schemas.microsoft.com/office/drawing/2014/main" id="{DB237F81-E94C-478D-BD14-8EB9DA41F451}"/>
+              </a:ext>
+            </a:extLst>
+          </p:cNvPr>
+          <p:cNvSpPr/>
+          <p:nvPr/>
+        </p:nvSpPr>
+        <p:spPr>
+          <a:xfrm>
+            <a:off x="11352273" y="3903968"/>
+            <a:ext cx="649224" cy="694981"/>
+          </a:xfrm>
+          <a:prstGeom prst="ellipse">
+            <a:avLst/>
+          </a:prstGeom>
+          <a:solidFill>
+            <a:schemeClr val="tx1"/>
+          </a:solidFill>
+          <a:ln>
+            <a:solidFill>
+              <a:srgbClr val="C00000"/>
+            </a:solidFill>
+          </a:ln>
+        </p:spPr>
+        <p:style>
+          <a:lnRef idx="2">
+            <a:schemeClr val="accent1">
+              <a:shade val="50000"/>
+            </a:schemeClr>
+          </a:lnRef>
+          <a:fillRef idx="1">
+            <a:schemeClr val="accent1"/>
+          </a:fillRef>
+          <a:effectRef idx="0">
+            <a:schemeClr val="accent1"/>
+          </a:effectRef>
+          <a:fontRef idx="minor">
+            <a:schemeClr val="lt1"/>
+          </a:fontRef>
+        </p:style>
+        <p:txBody>
+          <a:bodyPr rtlCol="0" anchor="ctr"/>
+          <a:lstStyle/>
+          <a:p>
+            <a:pPr algn="ctr"/>
+            <a:endParaRPr lang="fr-FR"/>
+          </a:p>
+        </p:txBody>
+      </p:sp>
+      <p:sp>
+        <p:nvSpPr>
+          <p:cNvPr id="17" name="Ellipse 16">
+            <a:extLst>
+              <a:ext uri="{FF2B5EF4-FFF2-40B4-BE49-F238E27FC236}">
+                <a16:creationId xmlns:a16="http://schemas.microsoft.com/office/drawing/2014/main" id="{1AA66AF7-BA79-4EBE-9187-ABB5EF2A866E}"/>
+              </a:ext>
+            </a:extLst>
+          </p:cNvPr>
+          <p:cNvSpPr/>
+          <p:nvPr/>
+        </p:nvSpPr>
+        <p:spPr>
+          <a:xfrm>
+            <a:off x="11352273" y="4894193"/>
+            <a:ext cx="649224" cy="694982"/>
+          </a:xfrm>
+          <a:prstGeom prst="ellipse">
+            <a:avLst/>
+          </a:prstGeom>
+          <a:solidFill>
+            <a:schemeClr val="tx1"/>
+          </a:solidFill>
+          <a:ln>
+            <a:solidFill>
+              <a:srgbClr val="C00000"/>
+            </a:solidFill>
+          </a:ln>
+        </p:spPr>
+        <p:style>
+          <a:lnRef idx="2">
+            <a:schemeClr val="accent1">
+              <a:shade val="50000"/>
+            </a:schemeClr>
+          </a:lnRef>
+          <a:fillRef idx="1">
+            <a:schemeClr val="accent1"/>
+          </a:fillRef>
+          <a:effectRef idx="0">
+            <a:schemeClr val="accent1"/>
+          </a:effectRef>
+          <a:fontRef idx="minor">
+            <a:schemeClr val="lt1"/>
+          </a:fontRef>
+        </p:style>
+        <p:txBody>
+          <a:bodyPr rtlCol="0" anchor="ctr"/>
+          <a:lstStyle/>
+          <a:p>
+            <a:pPr algn="ctr"/>
+            <a:endParaRPr lang="fr-FR"/>
+          </a:p>
+        </p:txBody>
+      </p:sp>
+      <p:sp>
+        <p:nvSpPr>
+          <p:cNvPr id="18" name="Ellipse 17">
+            <a:extLst>
+              <a:ext uri="{FF2B5EF4-FFF2-40B4-BE49-F238E27FC236}">
+                <a16:creationId xmlns:a16="http://schemas.microsoft.com/office/drawing/2014/main" id="{CBBFA044-34D7-4402-8FF6-013F9B65A878}"/>
+              </a:ext>
+            </a:extLst>
+          </p:cNvPr>
+          <p:cNvSpPr/>
+          <p:nvPr/>
+        </p:nvSpPr>
+        <p:spPr>
+          <a:xfrm>
+            <a:off x="11352273" y="5888237"/>
+            <a:ext cx="649224" cy="694981"/>
+          </a:xfrm>
+          <a:prstGeom prst="ellipse">
+            <a:avLst/>
+          </a:prstGeom>
+          <a:solidFill>
+            <a:schemeClr val="tx1"/>
+          </a:solidFill>
+          <a:ln>
+            <a:solidFill>
+              <a:srgbClr val="C00000"/>
+            </a:solidFill>
+          </a:ln>
+        </p:spPr>
+        <p:style>
+          <a:lnRef idx="2">
+            <a:schemeClr val="accent1">
+              <a:shade val="50000"/>
+            </a:schemeClr>
+          </a:lnRef>
+          <a:fillRef idx="1">
+            <a:schemeClr val="accent1"/>
+          </a:fillRef>
+          <a:effectRef idx="0">
+            <a:schemeClr val="accent1"/>
+          </a:effectRef>
+          <a:fontRef idx="minor">
+            <a:schemeClr val="lt1"/>
+          </a:fontRef>
+        </p:style>
+        <p:txBody>
+          <a:bodyPr rtlCol="0" anchor="ctr"/>
+          <a:lstStyle/>
+          <a:p>
+            <a:pPr algn="ctr"/>
+            <a:endParaRPr lang="fr-FR"/>
+          </a:p>
+        </p:txBody>
+      </p:sp>
     </p:spTree>
     <p:extLst>
       <p:ext uri="{BB962C8B-B14F-4D97-AF65-F5344CB8AC3E}">
@@ -4233,7 +5671,7 @@
         </p:blipFill>
         <p:spPr>
           <a:xfrm>
-            <a:off x="700087" y="0"/>
+            <a:off x="343471" y="28576"/>
             <a:ext cx="10791825" cy="6829424"/>
           </a:xfrm>
           <a:prstGeom prst="rect">
@@ -4241,6 +5679,495 @@
           </a:prstGeom>
         </p:spPr>
       </p:pic>
+      <p:sp>
+        <p:nvSpPr>
+          <p:cNvPr id="2" name="Espace réservé du pied de page 1">
+            <a:extLst>
+              <a:ext uri="{FF2B5EF4-FFF2-40B4-BE49-F238E27FC236}">
+                <a16:creationId xmlns:a16="http://schemas.microsoft.com/office/drawing/2014/main" id="{C965E614-D7EB-4A1A-8B8A-18F6E6247301}"/>
+              </a:ext>
+            </a:extLst>
+          </p:cNvPr>
+          <p:cNvSpPr>
+            <a:spLocks noGrp="1"/>
+          </p:cNvSpPr>
+          <p:nvPr>
+            <p:ph type="ftr" sz="quarter" idx="11"/>
+          </p:nvPr>
+        </p:nvSpPr>
+        <p:spPr/>
+        <p:txBody>
+          <a:bodyPr/>
+          <a:lstStyle/>
+          <a:p>
+            <a:r>
+              <a:rPr lang="fr-FR"/>
+              <a:t>Corentin BRENY - ST Félix La Salle - 2020</a:t>
+            </a:r>
+          </a:p>
+        </p:txBody>
+      </p:sp>
+      <p:sp>
+        <p:nvSpPr>
+          <p:cNvPr id="3" name="Espace réservé du numéro de diapositive 2">
+            <a:extLst>
+              <a:ext uri="{FF2B5EF4-FFF2-40B4-BE49-F238E27FC236}">
+                <a16:creationId xmlns:a16="http://schemas.microsoft.com/office/drawing/2014/main" id="{360C9EED-CB04-4A7B-9B3D-F81D9CD289A3}"/>
+              </a:ext>
+            </a:extLst>
+          </p:cNvPr>
+          <p:cNvSpPr>
+            <a:spLocks noGrp="1"/>
+          </p:cNvSpPr>
+          <p:nvPr>
+            <p:ph type="sldNum" sz="quarter" idx="12"/>
+          </p:nvPr>
+        </p:nvSpPr>
+        <p:spPr/>
+        <p:txBody>
+          <a:bodyPr/>
+          <a:lstStyle/>
+          <a:p>
+            <a:fld id="{B8E0B961-A637-4848-B0A2-B04876406418}" type="slidenum">
+              <a:rPr lang="fr-FR" smtClean="0"/>
+              <a:t>4</a:t>
+            </a:fld>
+            <a:endParaRPr lang="fr-FR"/>
+          </a:p>
+        </p:txBody>
+      </p:sp>
+      <p:sp>
+        <p:nvSpPr>
+          <p:cNvPr id="6" name="Rectangle 5">
+            <a:extLst>
+              <a:ext uri="{FF2B5EF4-FFF2-40B4-BE49-F238E27FC236}">
+                <a16:creationId xmlns:a16="http://schemas.microsoft.com/office/drawing/2014/main" id="{D5E464E2-C3FB-49E5-B803-15FBA2C904BC}"/>
+              </a:ext>
+            </a:extLst>
+          </p:cNvPr>
+          <p:cNvSpPr/>
+          <p:nvPr/>
+        </p:nvSpPr>
+        <p:spPr>
+          <a:xfrm>
+            <a:off x="11352276" y="339806"/>
+            <a:ext cx="649222" cy="5859825"/>
+          </a:xfrm>
+          <a:prstGeom prst="rect">
+            <a:avLst/>
+          </a:prstGeom>
+          <a:solidFill>
+            <a:schemeClr val="tx1"/>
+          </a:solidFill>
+          <a:ln>
+            <a:solidFill>
+              <a:srgbClr val="C00000"/>
+            </a:solidFill>
+          </a:ln>
+        </p:spPr>
+        <p:style>
+          <a:lnRef idx="2">
+            <a:schemeClr val="accent1">
+              <a:shade val="50000"/>
+            </a:schemeClr>
+          </a:lnRef>
+          <a:fillRef idx="1">
+            <a:schemeClr val="accent1"/>
+          </a:fillRef>
+          <a:effectRef idx="0">
+            <a:schemeClr val="accent1"/>
+          </a:effectRef>
+          <a:fontRef idx="minor">
+            <a:schemeClr val="lt1"/>
+          </a:fontRef>
+        </p:style>
+        <p:txBody>
+          <a:bodyPr rtlCol="0" anchor="ctr"/>
+          <a:lstStyle/>
+          <a:p>
+            <a:pPr algn="ctr"/>
+            <a:endParaRPr lang="fr-FR"/>
+          </a:p>
+        </p:txBody>
+      </p:sp>
+      <p:sp>
+        <p:nvSpPr>
+          <p:cNvPr id="7" name="Ellipse 6">
+            <a:extLst>
+              <a:ext uri="{FF2B5EF4-FFF2-40B4-BE49-F238E27FC236}">
+                <a16:creationId xmlns:a16="http://schemas.microsoft.com/office/drawing/2014/main" id="{B4C11401-8191-4244-B284-59A23ABBD5E8}"/>
+              </a:ext>
+            </a:extLst>
+          </p:cNvPr>
+          <p:cNvSpPr/>
+          <p:nvPr/>
+        </p:nvSpPr>
+        <p:spPr>
+          <a:xfrm>
+            <a:off x="11352273" y="954310"/>
+            <a:ext cx="649224" cy="694981"/>
+          </a:xfrm>
+          <a:prstGeom prst="ellipse">
+            <a:avLst/>
+          </a:prstGeom>
+          <a:solidFill>
+            <a:srgbClr val="C00000"/>
+          </a:solidFill>
+          <a:ln>
+            <a:solidFill>
+              <a:srgbClr val="C00000"/>
+            </a:solidFill>
+          </a:ln>
+        </p:spPr>
+        <p:style>
+          <a:lnRef idx="2">
+            <a:schemeClr val="accent1">
+              <a:shade val="50000"/>
+            </a:schemeClr>
+          </a:lnRef>
+          <a:fillRef idx="1">
+            <a:schemeClr val="accent1"/>
+          </a:fillRef>
+          <a:effectRef idx="0">
+            <a:schemeClr val="accent1"/>
+          </a:effectRef>
+          <a:fontRef idx="minor">
+            <a:schemeClr val="lt1"/>
+          </a:fontRef>
+        </p:style>
+        <p:txBody>
+          <a:bodyPr rtlCol="0" anchor="ctr"/>
+          <a:lstStyle/>
+          <a:p>
+            <a:pPr algn="ctr"/>
+            <a:endParaRPr lang="fr-FR"/>
+          </a:p>
+        </p:txBody>
+      </p:sp>
+      <p:sp>
+        <p:nvSpPr>
+          <p:cNvPr id="8" name="Ellipse 7">
+            <a:extLst>
+              <a:ext uri="{FF2B5EF4-FFF2-40B4-BE49-F238E27FC236}">
+                <a16:creationId xmlns:a16="http://schemas.microsoft.com/office/drawing/2014/main" id="{6FA9DB15-90A0-4B81-A451-D25277E986FA}"/>
+              </a:ext>
+            </a:extLst>
+          </p:cNvPr>
+          <p:cNvSpPr/>
+          <p:nvPr/>
+        </p:nvSpPr>
+        <p:spPr>
+          <a:xfrm>
+            <a:off x="11352274" y="-36612"/>
+            <a:ext cx="649224" cy="694981"/>
+          </a:xfrm>
+          <a:prstGeom prst="ellipse">
+            <a:avLst/>
+          </a:prstGeom>
+          <a:solidFill>
+            <a:srgbClr val="C00000"/>
+          </a:solidFill>
+          <a:ln>
+            <a:solidFill>
+              <a:srgbClr val="C00000"/>
+            </a:solidFill>
+          </a:ln>
+        </p:spPr>
+        <p:style>
+          <a:lnRef idx="2">
+            <a:schemeClr val="accent1">
+              <a:shade val="50000"/>
+            </a:schemeClr>
+          </a:lnRef>
+          <a:fillRef idx="1">
+            <a:schemeClr val="accent1"/>
+          </a:fillRef>
+          <a:effectRef idx="0">
+            <a:schemeClr val="accent1"/>
+          </a:effectRef>
+          <a:fontRef idx="minor">
+            <a:schemeClr val="lt1"/>
+          </a:fontRef>
+        </p:style>
+        <p:txBody>
+          <a:bodyPr rtlCol="0" anchor="ctr"/>
+          <a:lstStyle/>
+          <a:p>
+            <a:pPr algn="ctr"/>
+            <a:endParaRPr lang="fr-FR"/>
+          </a:p>
+        </p:txBody>
+      </p:sp>
+      <p:sp>
+        <p:nvSpPr>
+          <p:cNvPr id="9" name="Ellipse 8">
+            <a:extLst>
+              <a:ext uri="{FF2B5EF4-FFF2-40B4-BE49-F238E27FC236}">
+                <a16:creationId xmlns:a16="http://schemas.microsoft.com/office/drawing/2014/main" id="{BB3F1355-F31F-4B8F-86A1-3DCE9DFF5E3F}"/>
+              </a:ext>
+            </a:extLst>
+          </p:cNvPr>
+          <p:cNvSpPr/>
+          <p:nvPr/>
+        </p:nvSpPr>
+        <p:spPr>
+          <a:xfrm>
+            <a:off x="11352273" y="1922124"/>
+            <a:ext cx="649225" cy="694981"/>
+          </a:xfrm>
+          <a:prstGeom prst="ellipse">
+            <a:avLst/>
+          </a:prstGeom>
+          <a:solidFill>
+            <a:srgbClr val="C00000"/>
+          </a:solidFill>
+          <a:ln>
+            <a:solidFill>
+              <a:srgbClr val="C00000"/>
+            </a:solidFill>
+          </a:ln>
+        </p:spPr>
+        <p:style>
+          <a:lnRef idx="2">
+            <a:schemeClr val="accent1">
+              <a:shade val="50000"/>
+            </a:schemeClr>
+          </a:lnRef>
+          <a:fillRef idx="1">
+            <a:schemeClr val="accent1"/>
+          </a:fillRef>
+          <a:effectRef idx="0">
+            <a:schemeClr val="accent1"/>
+          </a:effectRef>
+          <a:fontRef idx="minor">
+            <a:schemeClr val="lt1"/>
+          </a:fontRef>
+        </p:style>
+        <p:txBody>
+          <a:bodyPr rtlCol="0" anchor="ctr"/>
+          <a:lstStyle/>
+          <a:p>
+            <a:pPr algn="ctr"/>
+            <a:endParaRPr lang="fr-FR"/>
+          </a:p>
+        </p:txBody>
+      </p:sp>
+      <p:sp>
+        <p:nvSpPr>
+          <p:cNvPr id="10" name="Ellipse 9">
+            <a:extLst>
+              <a:ext uri="{FF2B5EF4-FFF2-40B4-BE49-F238E27FC236}">
+                <a16:creationId xmlns:a16="http://schemas.microsoft.com/office/drawing/2014/main" id="{0C9D887F-CB39-4244-9A2F-2065D342C0A2}"/>
+              </a:ext>
+            </a:extLst>
+          </p:cNvPr>
+          <p:cNvSpPr/>
+          <p:nvPr/>
+        </p:nvSpPr>
+        <p:spPr>
+          <a:xfrm>
+            <a:off x="11352273" y="2913046"/>
+            <a:ext cx="649225" cy="694981"/>
+          </a:xfrm>
+          <a:prstGeom prst="ellipse">
+            <a:avLst/>
+          </a:prstGeom>
+          <a:solidFill>
+            <a:schemeClr val="tx1"/>
+          </a:solidFill>
+          <a:ln>
+            <a:solidFill>
+              <a:srgbClr val="C00000"/>
+            </a:solidFill>
+          </a:ln>
+        </p:spPr>
+        <p:style>
+          <a:lnRef idx="2">
+            <a:schemeClr val="accent1">
+              <a:shade val="50000"/>
+            </a:schemeClr>
+          </a:lnRef>
+          <a:fillRef idx="1">
+            <a:schemeClr val="accent1"/>
+          </a:fillRef>
+          <a:effectRef idx="0">
+            <a:schemeClr val="accent1"/>
+          </a:effectRef>
+          <a:fontRef idx="minor">
+            <a:schemeClr val="lt1"/>
+          </a:fontRef>
+        </p:style>
+        <p:txBody>
+          <a:bodyPr rtlCol="0" anchor="ctr"/>
+          <a:lstStyle/>
+          <a:p>
+            <a:pPr algn="ctr"/>
+            <a:endParaRPr lang="fr-FR"/>
+          </a:p>
+        </p:txBody>
+      </p:sp>
+      <p:sp>
+        <p:nvSpPr>
+          <p:cNvPr id="11" name="Ellipse 10">
+            <a:extLst>
+              <a:ext uri="{FF2B5EF4-FFF2-40B4-BE49-F238E27FC236}">
+                <a16:creationId xmlns:a16="http://schemas.microsoft.com/office/drawing/2014/main" id="{EAD49069-9C70-4887-9C63-525231620CEB}"/>
+              </a:ext>
+            </a:extLst>
+          </p:cNvPr>
+          <p:cNvSpPr/>
+          <p:nvPr/>
+        </p:nvSpPr>
+        <p:spPr>
+          <a:xfrm>
+            <a:off x="11352273" y="3903968"/>
+            <a:ext cx="649224" cy="694981"/>
+          </a:xfrm>
+          <a:prstGeom prst="ellipse">
+            <a:avLst/>
+          </a:prstGeom>
+          <a:solidFill>
+            <a:schemeClr val="tx1"/>
+          </a:solidFill>
+          <a:ln>
+            <a:solidFill>
+              <a:srgbClr val="C00000"/>
+            </a:solidFill>
+          </a:ln>
+        </p:spPr>
+        <p:style>
+          <a:lnRef idx="2">
+            <a:schemeClr val="accent1">
+              <a:shade val="50000"/>
+            </a:schemeClr>
+          </a:lnRef>
+          <a:fillRef idx="1">
+            <a:schemeClr val="accent1"/>
+          </a:fillRef>
+          <a:effectRef idx="0">
+            <a:schemeClr val="accent1"/>
+          </a:effectRef>
+          <a:fontRef idx="minor">
+            <a:schemeClr val="lt1"/>
+          </a:fontRef>
+        </p:style>
+        <p:txBody>
+          <a:bodyPr rtlCol="0" anchor="ctr"/>
+          <a:lstStyle/>
+          <a:p>
+            <a:pPr algn="ctr"/>
+            <a:endParaRPr lang="fr-FR"/>
+          </a:p>
+        </p:txBody>
+      </p:sp>
+      <p:sp>
+        <p:nvSpPr>
+          <p:cNvPr id="12" name="Ellipse 11">
+            <a:extLst>
+              <a:ext uri="{FF2B5EF4-FFF2-40B4-BE49-F238E27FC236}">
+                <a16:creationId xmlns:a16="http://schemas.microsoft.com/office/drawing/2014/main" id="{7DAA8F8B-1C27-4975-B3CA-18A7AA2F4D26}"/>
+              </a:ext>
+            </a:extLst>
+          </p:cNvPr>
+          <p:cNvSpPr/>
+          <p:nvPr/>
+        </p:nvSpPr>
+        <p:spPr>
+          <a:xfrm>
+            <a:off x="11352273" y="4894193"/>
+            <a:ext cx="649224" cy="694982"/>
+          </a:xfrm>
+          <a:prstGeom prst="ellipse">
+            <a:avLst/>
+          </a:prstGeom>
+          <a:solidFill>
+            <a:schemeClr val="tx1"/>
+          </a:solidFill>
+          <a:ln>
+            <a:solidFill>
+              <a:srgbClr val="C00000"/>
+            </a:solidFill>
+          </a:ln>
+        </p:spPr>
+        <p:style>
+          <a:lnRef idx="2">
+            <a:schemeClr val="accent1">
+              <a:shade val="50000"/>
+            </a:schemeClr>
+          </a:lnRef>
+          <a:fillRef idx="1">
+            <a:schemeClr val="accent1"/>
+          </a:fillRef>
+          <a:effectRef idx="0">
+            <a:schemeClr val="accent1"/>
+          </a:effectRef>
+          <a:fontRef idx="minor">
+            <a:schemeClr val="lt1"/>
+          </a:fontRef>
+        </p:style>
+        <p:txBody>
+          <a:bodyPr rtlCol="0" anchor="ctr"/>
+          <a:lstStyle/>
+          <a:p>
+            <a:pPr algn="ctr"/>
+            <a:endParaRPr lang="fr-FR"/>
+          </a:p>
+        </p:txBody>
+      </p:sp>
+      <p:sp>
+        <p:nvSpPr>
+          <p:cNvPr id="13" name="Ellipse 12">
+            <a:extLst>
+              <a:ext uri="{FF2B5EF4-FFF2-40B4-BE49-F238E27FC236}">
+                <a16:creationId xmlns:a16="http://schemas.microsoft.com/office/drawing/2014/main" id="{8DF98B99-CC36-41C0-AE85-7B4891A9381A}"/>
+              </a:ext>
+            </a:extLst>
+          </p:cNvPr>
+          <p:cNvSpPr/>
+          <p:nvPr/>
+        </p:nvSpPr>
+        <p:spPr>
+          <a:xfrm>
+            <a:off x="11352273" y="5888237"/>
+            <a:ext cx="649224" cy="694981"/>
+          </a:xfrm>
+          <a:prstGeom prst="ellipse">
+            <a:avLst/>
+          </a:prstGeom>
+          <a:solidFill>
+            <a:schemeClr val="tx1"/>
+          </a:solidFill>
+          <a:ln>
+            <a:solidFill>
+              <a:srgbClr val="C00000"/>
+            </a:solidFill>
+          </a:ln>
+        </p:spPr>
+        <p:style>
+          <a:lnRef idx="2">
+            <a:schemeClr val="accent1">
+              <a:shade val="50000"/>
+            </a:schemeClr>
+          </a:lnRef>
+          <a:fillRef idx="1">
+            <a:schemeClr val="accent1"/>
+          </a:fillRef>
+          <a:effectRef idx="0">
+            <a:schemeClr val="accent1"/>
+          </a:effectRef>
+          <a:fontRef idx="minor">
+            <a:schemeClr val="lt1"/>
+          </a:fontRef>
+        </p:style>
+        <p:txBody>
+          <a:bodyPr rtlCol="0" anchor="ctr"/>
+          <a:lstStyle/>
+          <a:p>
+            <a:pPr algn="ctr"/>
+            <a:endParaRPr lang="fr-FR"/>
+          </a:p>
+        </p:txBody>
+      </p:sp>
     </p:spTree>
     <p:extLst>
       <p:ext uri="{BB962C8B-B14F-4D97-AF65-F5344CB8AC3E}">
@@ -4576,16 +6503,16 @@
         </p:spPr>
         <p:txBody>
           <a:bodyPr anchor="ctr">
-            <a:normAutofit/>
+            <a:noAutofit/>
           </a:bodyPr>
           <a:lstStyle/>
           <a:p>
             <a:r>
-              <a:rPr lang="en-US" sz="1200" b="1" u="sng" dirty="0"/>
+              <a:rPr lang="en-US" sz="1800" b="1" u="sng" dirty="0"/>
               <a:t>Sur Arduino</a:t>
             </a:r>
             <a:r>
-              <a:rPr lang="en-US" sz="1200" b="1" dirty="0"/>
+              <a:rPr lang="en-US" sz="1800" b="1" dirty="0"/>
               <a:t>:</a:t>
             </a:r>
           </a:p>
@@ -4594,8 +6521,12 @@
               <a:buNone/>
             </a:pPr>
             <a:r>
-              <a:rPr lang="en-US" sz="1200" b="1" dirty="0"/>
-              <a:t>	-Gérer le mécanisme n°6 (Air)</a:t>
+              <a:rPr lang="en-US" sz="1800" b="1" dirty="0"/>
+              <a:t>	</a:t>
+            </a:r>
+            <a:r>
+              <a:rPr lang="en-US" sz="1800" dirty="0"/>
+              <a:t>-Gérer le mécanisme n°6 (Air)</a:t>
             </a:r>
           </a:p>
           <a:p>
@@ -4603,17 +6534,17 @@
               <a:buNone/>
             </a:pPr>
             <a:r>
-              <a:rPr lang="en-US" sz="1200" b="1" dirty="0"/>
+              <a:rPr lang="en-US" sz="1800" dirty="0"/>
               <a:t>	-Gérer le mécanisme n°7 (Katana)</a:t>
             </a:r>
           </a:p>
           <a:p>
             <a:r>
-              <a:rPr lang="en-US" sz="1200" b="1" u="sng" dirty="0"/>
+              <a:rPr lang="en-US" sz="1800" b="1" u="sng" dirty="0"/>
               <a:t>Sur Raspberry</a:t>
             </a:r>
             <a:r>
-              <a:rPr lang="en-US" sz="1200" b="1" dirty="0"/>
+              <a:rPr lang="en-US" sz="1800" b="1" dirty="0"/>
               <a:t>:</a:t>
             </a:r>
           </a:p>
@@ -4622,17 +6553,21 @@
               <a:buNone/>
             </a:pPr>
             <a:r>
-              <a:rPr lang="en-US" sz="1200" b="1" dirty="0"/>
-              <a:t>	-Mémoriser l’état des mécanismes (actionneurs + capteurs)</a:t>
-            </a:r>
-          </a:p>
-          <a:p>
-            <a:r>
-              <a:rPr lang="en-US" sz="1200" b="1" u="sng" dirty="0"/>
+              <a:rPr lang="en-US" sz="1800" b="1" dirty="0"/>
+              <a:t>	</a:t>
+            </a:r>
+            <a:r>
+              <a:rPr lang="en-US" sz="1800" dirty="0"/>
+              <a:t>-Mémoriser l’état des mécanismes (actionneurs + capteurs)</a:t>
+            </a:r>
+          </a:p>
+          <a:p>
+            <a:r>
+              <a:rPr lang="en-US" sz="1800" b="1" u="sng" dirty="0"/>
               <a:t>Sur MySQL</a:t>
             </a:r>
             <a:r>
-              <a:rPr lang="en-US" sz="1200" b="1" dirty="0"/>
+              <a:rPr lang="en-US" sz="1800" b="1" dirty="0"/>
               <a:t>:</a:t>
             </a:r>
           </a:p>
@@ -4641,9 +6576,507 @@
               <a:buNone/>
             </a:pPr>
             <a:r>
-              <a:rPr lang="en-US" sz="1200" b="1" dirty="0"/>
-              <a:t>	- Création d’une base de données</a:t>
-            </a:r>
+              <a:rPr lang="en-US" sz="1800" b="1" dirty="0"/>
+              <a:t>	</a:t>
+            </a:r>
+            <a:r>
+              <a:rPr lang="en-US" sz="1800" dirty="0"/>
+              <a:t>- Création d’une base de </a:t>
+            </a:r>
+            <a:r>
+              <a:rPr lang="en-US" sz="1800" dirty="0" err="1"/>
+              <a:t>données</a:t>
+            </a:r>
+            <a:endParaRPr lang="en-US" sz="1800" dirty="0"/>
+          </a:p>
+        </p:txBody>
+      </p:sp>
+      <p:sp>
+        <p:nvSpPr>
+          <p:cNvPr id="3" name="Espace réservé du pied de page 2">
+            <a:extLst>
+              <a:ext uri="{FF2B5EF4-FFF2-40B4-BE49-F238E27FC236}">
+                <a16:creationId xmlns:a16="http://schemas.microsoft.com/office/drawing/2014/main" id="{373F9579-F6FD-42A1-9E33-4987B952B672}"/>
+              </a:ext>
+            </a:extLst>
+          </p:cNvPr>
+          <p:cNvSpPr>
+            <a:spLocks noGrp="1"/>
+          </p:cNvSpPr>
+          <p:nvPr>
+            <p:ph type="ftr" sz="quarter" idx="11"/>
+          </p:nvPr>
+        </p:nvSpPr>
+        <p:spPr/>
+        <p:txBody>
+          <a:bodyPr/>
+          <a:lstStyle/>
+          <a:p>
+            <a:r>
+              <a:rPr lang="fr-FR"/>
+              <a:t>Corentin BRENY - ST Félix La Salle - 2020</a:t>
+            </a:r>
+          </a:p>
+        </p:txBody>
+      </p:sp>
+      <p:sp>
+        <p:nvSpPr>
+          <p:cNvPr id="5" name="Espace réservé du numéro de diapositive 4">
+            <a:extLst>
+              <a:ext uri="{FF2B5EF4-FFF2-40B4-BE49-F238E27FC236}">
+                <a16:creationId xmlns:a16="http://schemas.microsoft.com/office/drawing/2014/main" id="{408977B8-9AC0-4D92-91CD-E2C1DBBF71A1}"/>
+              </a:ext>
+            </a:extLst>
+          </p:cNvPr>
+          <p:cNvSpPr>
+            <a:spLocks noGrp="1"/>
+          </p:cNvSpPr>
+          <p:nvPr>
+            <p:ph type="sldNum" sz="quarter" idx="12"/>
+          </p:nvPr>
+        </p:nvSpPr>
+        <p:spPr/>
+        <p:txBody>
+          <a:bodyPr/>
+          <a:lstStyle/>
+          <a:p>
+            <a:fld id="{B8E0B961-A637-4848-B0A2-B04876406418}" type="slidenum">
+              <a:rPr lang="fr-FR" smtClean="0"/>
+              <a:t>5</a:t>
+            </a:fld>
+            <a:endParaRPr lang="fr-FR"/>
+          </a:p>
+        </p:txBody>
+      </p:sp>
+      <p:sp>
+        <p:nvSpPr>
+          <p:cNvPr id="9" name="Rectangle 8">
+            <a:extLst>
+              <a:ext uri="{FF2B5EF4-FFF2-40B4-BE49-F238E27FC236}">
+                <a16:creationId xmlns:a16="http://schemas.microsoft.com/office/drawing/2014/main" id="{5D8F0667-0AE9-4590-98AC-7BC0CAAEC663}"/>
+              </a:ext>
+            </a:extLst>
+          </p:cNvPr>
+          <p:cNvSpPr/>
+          <p:nvPr/>
+        </p:nvSpPr>
+        <p:spPr>
+          <a:xfrm>
+            <a:off x="11352276" y="339806"/>
+            <a:ext cx="649222" cy="5859825"/>
+          </a:xfrm>
+          <a:prstGeom prst="rect">
+            <a:avLst/>
+          </a:prstGeom>
+          <a:solidFill>
+            <a:schemeClr val="tx1"/>
+          </a:solidFill>
+          <a:ln>
+            <a:solidFill>
+              <a:srgbClr val="C00000"/>
+            </a:solidFill>
+          </a:ln>
+        </p:spPr>
+        <p:style>
+          <a:lnRef idx="2">
+            <a:schemeClr val="accent1">
+              <a:shade val="50000"/>
+            </a:schemeClr>
+          </a:lnRef>
+          <a:fillRef idx="1">
+            <a:schemeClr val="accent1"/>
+          </a:fillRef>
+          <a:effectRef idx="0">
+            <a:schemeClr val="accent1"/>
+          </a:effectRef>
+          <a:fontRef idx="minor">
+            <a:schemeClr val="lt1"/>
+          </a:fontRef>
+        </p:style>
+        <p:txBody>
+          <a:bodyPr rtlCol="0" anchor="ctr"/>
+          <a:lstStyle/>
+          <a:p>
+            <a:pPr algn="ctr"/>
+            <a:endParaRPr lang="fr-FR"/>
+          </a:p>
+        </p:txBody>
+      </p:sp>
+      <p:sp>
+        <p:nvSpPr>
+          <p:cNvPr id="10" name="Ellipse 9">
+            <a:extLst>
+              <a:ext uri="{FF2B5EF4-FFF2-40B4-BE49-F238E27FC236}">
+                <a16:creationId xmlns:a16="http://schemas.microsoft.com/office/drawing/2014/main" id="{AC4C49B5-82AF-4DE3-9A35-901BD030DADC}"/>
+              </a:ext>
+            </a:extLst>
+          </p:cNvPr>
+          <p:cNvSpPr/>
+          <p:nvPr/>
+        </p:nvSpPr>
+        <p:spPr>
+          <a:xfrm>
+            <a:off x="11352273" y="954310"/>
+            <a:ext cx="649224" cy="694981"/>
+          </a:xfrm>
+          <a:prstGeom prst="ellipse">
+            <a:avLst/>
+          </a:prstGeom>
+          <a:solidFill>
+            <a:srgbClr val="C00000"/>
+          </a:solidFill>
+          <a:ln>
+            <a:solidFill>
+              <a:srgbClr val="C00000"/>
+            </a:solidFill>
+          </a:ln>
+        </p:spPr>
+        <p:style>
+          <a:lnRef idx="2">
+            <a:schemeClr val="accent1">
+              <a:shade val="50000"/>
+            </a:schemeClr>
+          </a:lnRef>
+          <a:fillRef idx="1">
+            <a:schemeClr val="accent1"/>
+          </a:fillRef>
+          <a:effectRef idx="0">
+            <a:schemeClr val="accent1"/>
+          </a:effectRef>
+          <a:fontRef idx="minor">
+            <a:schemeClr val="lt1"/>
+          </a:fontRef>
+        </p:style>
+        <p:txBody>
+          <a:bodyPr rtlCol="0" anchor="ctr"/>
+          <a:lstStyle/>
+          <a:p>
+            <a:pPr algn="ctr"/>
+            <a:endParaRPr lang="fr-FR"/>
+          </a:p>
+        </p:txBody>
+      </p:sp>
+      <p:sp>
+        <p:nvSpPr>
+          <p:cNvPr id="11" name="Ellipse 10">
+            <a:extLst>
+              <a:ext uri="{FF2B5EF4-FFF2-40B4-BE49-F238E27FC236}">
+                <a16:creationId xmlns:a16="http://schemas.microsoft.com/office/drawing/2014/main" id="{6EB45BF2-CD72-4104-AED5-023DFDF81EB4}"/>
+              </a:ext>
+            </a:extLst>
+          </p:cNvPr>
+          <p:cNvSpPr/>
+          <p:nvPr/>
+        </p:nvSpPr>
+        <p:spPr>
+          <a:xfrm>
+            <a:off x="11352274" y="-36612"/>
+            <a:ext cx="649224" cy="694981"/>
+          </a:xfrm>
+          <a:prstGeom prst="ellipse">
+            <a:avLst/>
+          </a:prstGeom>
+          <a:solidFill>
+            <a:srgbClr val="C00000"/>
+          </a:solidFill>
+          <a:ln>
+            <a:solidFill>
+              <a:srgbClr val="C00000"/>
+            </a:solidFill>
+          </a:ln>
+        </p:spPr>
+        <p:style>
+          <a:lnRef idx="2">
+            <a:schemeClr val="accent1">
+              <a:shade val="50000"/>
+            </a:schemeClr>
+          </a:lnRef>
+          <a:fillRef idx="1">
+            <a:schemeClr val="accent1"/>
+          </a:fillRef>
+          <a:effectRef idx="0">
+            <a:schemeClr val="accent1"/>
+          </a:effectRef>
+          <a:fontRef idx="minor">
+            <a:schemeClr val="lt1"/>
+          </a:fontRef>
+        </p:style>
+        <p:txBody>
+          <a:bodyPr rtlCol="0" anchor="ctr"/>
+          <a:lstStyle/>
+          <a:p>
+            <a:pPr algn="ctr"/>
+            <a:endParaRPr lang="fr-FR"/>
+          </a:p>
+        </p:txBody>
+      </p:sp>
+      <p:sp>
+        <p:nvSpPr>
+          <p:cNvPr id="12" name="Ellipse 11">
+            <a:extLst>
+              <a:ext uri="{FF2B5EF4-FFF2-40B4-BE49-F238E27FC236}">
+                <a16:creationId xmlns:a16="http://schemas.microsoft.com/office/drawing/2014/main" id="{40D32FC6-6F7E-4D87-BA2F-315A4743756F}"/>
+              </a:ext>
+            </a:extLst>
+          </p:cNvPr>
+          <p:cNvSpPr/>
+          <p:nvPr/>
+        </p:nvSpPr>
+        <p:spPr>
+          <a:xfrm>
+            <a:off x="11352273" y="1922124"/>
+            <a:ext cx="649225" cy="694981"/>
+          </a:xfrm>
+          <a:prstGeom prst="ellipse">
+            <a:avLst/>
+          </a:prstGeom>
+          <a:solidFill>
+            <a:srgbClr val="C00000"/>
+          </a:solidFill>
+          <a:ln>
+            <a:solidFill>
+              <a:srgbClr val="C00000"/>
+            </a:solidFill>
+          </a:ln>
+        </p:spPr>
+        <p:style>
+          <a:lnRef idx="2">
+            <a:schemeClr val="accent1">
+              <a:shade val="50000"/>
+            </a:schemeClr>
+          </a:lnRef>
+          <a:fillRef idx="1">
+            <a:schemeClr val="accent1"/>
+          </a:fillRef>
+          <a:effectRef idx="0">
+            <a:schemeClr val="accent1"/>
+          </a:effectRef>
+          <a:fontRef idx="minor">
+            <a:schemeClr val="lt1"/>
+          </a:fontRef>
+        </p:style>
+        <p:txBody>
+          <a:bodyPr rtlCol="0" anchor="ctr"/>
+          <a:lstStyle/>
+          <a:p>
+            <a:pPr algn="ctr"/>
+            <a:endParaRPr lang="fr-FR"/>
+          </a:p>
+        </p:txBody>
+      </p:sp>
+      <p:sp>
+        <p:nvSpPr>
+          <p:cNvPr id="13" name="Ellipse 12">
+            <a:extLst>
+              <a:ext uri="{FF2B5EF4-FFF2-40B4-BE49-F238E27FC236}">
+                <a16:creationId xmlns:a16="http://schemas.microsoft.com/office/drawing/2014/main" id="{FB76B2D0-E401-4CA8-987C-65BB44339959}"/>
+              </a:ext>
+            </a:extLst>
+          </p:cNvPr>
+          <p:cNvSpPr/>
+          <p:nvPr/>
+        </p:nvSpPr>
+        <p:spPr>
+          <a:xfrm>
+            <a:off x="11352273" y="2913046"/>
+            <a:ext cx="649225" cy="694981"/>
+          </a:xfrm>
+          <a:prstGeom prst="ellipse">
+            <a:avLst/>
+          </a:prstGeom>
+          <a:solidFill>
+            <a:srgbClr val="C00000"/>
+          </a:solidFill>
+          <a:ln>
+            <a:solidFill>
+              <a:srgbClr val="C00000"/>
+            </a:solidFill>
+          </a:ln>
+        </p:spPr>
+        <p:style>
+          <a:lnRef idx="2">
+            <a:schemeClr val="accent1">
+              <a:shade val="50000"/>
+            </a:schemeClr>
+          </a:lnRef>
+          <a:fillRef idx="1">
+            <a:schemeClr val="accent1"/>
+          </a:fillRef>
+          <a:effectRef idx="0">
+            <a:schemeClr val="accent1"/>
+          </a:effectRef>
+          <a:fontRef idx="minor">
+            <a:schemeClr val="lt1"/>
+          </a:fontRef>
+        </p:style>
+        <p:txBody>
+          <a:bodyPr rtlCol="0" anchor="ctr"/>
+          <a:lstStyle/>
+          <a:p>
+            <a:pPr algn="ctr"/>
+            <a:endParaRPr lang="fr-FR"/>
+          </a:p>
+        </p:txBody>
+      </p:sp>
+      <p:sp>
+        <p:nvSpPr>
+          <p:cNvPr id="14" name="Ellipse 13">
+            <a:extLst>
+              <a:ext uri="{FF2B5EF4-FFF2-40B4-BE49-F238E27FC236}">
+                <a16:creationId xmlns:a16="http://schemas.microsoft.com/office/drawing/2014/main" id="{D9841FE2-D56A-4E4B-8088-660349BB9641}"/>
+              </a:ext>
+            </a:extLst>
+          </p:cNvPr>
+          <p:cNvSpPr/>
+          <p:nvPr/>
+        </p:nvSpPr>
+        <p:spPr>
+          <a:xfrm>
+            <a:off x="11352273" y="3903968"/>
+            <a:ext cx="649224" cy="694981"/>
+          </a:xfrm>
+          <a:prstGeom prst="ellipse">
+            <a:avLst/>
+          </a:prstGeom>
+          <a:solidFill>
+            <a:schemeClr val="tx1"/>
+          </a:solidFill>
+          <a:ln>
+            <a:solidFill>
+              <a:srgbClr val="C00000"/>
+            </a:solidFill>
+          </a:ln>
+        </p:spPr>
+        <p:style>
+          <a:lnRef idx="2">
+            <a:schemeClr val="accent1">
+              <a:shade val="50000"/>
+            </a:schemeClr>
+          </a:lnRef>
+          <a:fillRef idx="1">
+            <a:schemeClr val="accent1"/>
+          </a:fillRef>
+          <a:effectRef idx="0">
+            <a:schemeClr val="accent1"/>
+          </a:effectRef>
+          <a:fontRef idx="minor">
+            <a:schemeClr val="lt1"/>
+          </a:fontRef>
+        </p:style>
+        <p:txBody>
+          <a:bodyPr rtlCol="0" anchor="ctr"/>
+          <a:lstStyle/>
+          <a:p>
+            <a:pPr algn="ctr"/>
+            <a:endParaRPr lang="fr-FR"/>
+          </a:p>
+        </p:txBody>
+      </p:sp>
+      <p:sp>
+        <p:nvSpPr>
+          <p:cNvPr id="15" name="Ellipse 14">
+            <a:extLst>
+              <a:ext uri="{FF2B5EF4-FFF2-40B4-BE49-F238E27FC236}">
+                <a16:creationId xmlns:a16="http://schemas.microsoft.com/office/drawing/2014/main" id="{91F5A3ED-3CCE-4454-8EAE-3279717B245D}"/>
+              </a:ext>
+            </a:extLst>
+          </p:cNvPr>
+          <p:cNvSpPr/>
+          <p:nvPr/>
+        </p:nvSpPr>
+        <p:spPr>
+          <a:xfrm>
+            <a:off x="11352273" y="4894193"/>
+            <a:ext cx="649224" cy="694982"/>
+          </a:xfrm>
+          <a:prstGeom prst="ellipse">
+            <a:avLst/>
+          </a:prstGeom>
+          <a:solidFill>
+            <a:schemeClr val="tx1"/>
+          </a:solidFill>
+          <a:ln>
+            <a:solidFill>
+              <a:srgbClr val="C00000"/>
+            </a:solidFill>
+          </a:ln>
+        </p:spPr>
+        <p:style>
+          <a:lnRef idx="2">
+            <a:schemeClr val="accent1">
+              <a:shade val="50000"/>
+            </a:schemeClr>
+          </a:lnRef>
+          <a:fillRef idx="1">
+            <a:schemeClr val="accent1"/>
+          </a:fillRef>
+          <a:effectRef idx="0">
+            <a:schemeClr val="accent1"/>
+          </a:effectRef>
+          <a:fontRef idx="minor">
+            <a:schemeClr val="lt1"/>
+          </a:fontRef>
+        </p:style>
+        <p:txBody>
+          <a:bodyPr rtlCol="0" anchor="ctr"/>
+          <a:lstStyle/>
+          <a:p>
+            <a:pPr algn="ctr"/>
+            <a:endParaRPr lang="fr-FR"/>
+          </a:p>
+        </p:txBody>
+      </p:sp>
+      <p:sp>
+        <p:nvSpPr>
+          <p:cNvPr id="16" name="Ellipse 15">
+            <a:extLst>
+              <a:ext uri="{FF2B5EF4-FFF2-40B4-BE49-F238E27FC236}">
+                <a16:creationId xmlns:a16="http://schemas.microsoft.com/office/drawing/2014/main" id="{21415DBA-B0B3-489B-A092-4B9E1A3BE075}"/>
+              </a:ext>
+            </a:extLst>
+          </p:cNvPr>
+          <p:cNvSpPr/>
+          <p:nvPr/>
+        </p:nvSpPr>
+        <p:spPr>
+          <a:xfrm>
+            <a:off x="11352273" y="5888237"/>
+            <a:ext cx="649224" cy="694981"/>
+          </a:xfrm>
+          <a:prstGeom prst="ellipse">
+            <a:avLst/>
+          </a:prstGeom>
+          <a:solidFill>
+            <a:schemeClr val="tx1"/>
+          </a:solidFill>
+          <a:ln>
+            <a:solidFill>
+              <a:srgbClr val="C00000"/>
+            </a:solidFill>
+          </a:ln>
+        </p:spPr>
+        <p:style>
+          <a:lnRef idx="2">
+            <a:schemeClr val="accent1">
+              <a:shade val="50000"/>
+            </a:schemeClr>
+          </a:lnRef>
+          <a:fillRef idx="1">
+            <a:schemeClr val="accent1"/>
+          </a:fillRef>
+          <a:effectRef idx="0">
+            <a:schemeClr val="accent1"/>
+          </a:effectRef>
+          <a:fontRef idx="minor">
+            <a:schemeClr val="lt1"/>
+          </a:fontRef>
+        </p:style>
+        <p:txBody>
+          <a:bodyPr rtlCol="0" anchor="ctr"/>
+          <a:lstStyle/>
+          <a:p>
+            <a:pPr algn="ctr"/>
+            <a:endParaRPr lang="fr-FR"/>
           </a:p>
         </p:txBody>
       </p:sp>
@@ -4987,7 +7420,7 @@
           <a:lstStyle/>
           <a:p>
             <a:r>
-              <a:rPr lang="fr-FR" dirty="0"/>
+              <a:rPr lang="fr-FR" b="1" dirty="0"/>
               <a:t>Les composants:</a:t>
             </a:r>
           </a:p>
@@ -5023,6 +7456,495 @@
               <a:rPr lang="fr-FR" dirty="0"/>
               <a:t>-Sept vannes</a:t>
             </a:r>
+          </a:p>
+        </p:txBody>
+      </p:sp>
+      <p:sp>
+        <p:nvSpPr>
+          <p:cNvPr id="3" name="Espace réservé du pied de page 2">
+            <a:extLst>
+              <a:ext uri="{FF2B5EF4-FFF2-40B4-BE49-F238E27FC236}">
+                <a16:creationId xmlns:a16="http://schemas.microsoft.com/office/drawing/2014/main" id="{F7704999-6CAC-4E46-9706-5EC951174235}"/>
+              </a:ext>
+            </a:extLst>
+          </p:cNvPr>
+          <p:cNvSpPr>
+            <a:spLocks noGrp="1"/>
+          </p:cNvSpPr>
+          <p:nvPr>
+            <p:ph type="ftr" sz="quarter" idx="11"/>
+          </p:nvPr>
+        </p:nvSpPr>
+        <p:spPr/>
+        <p:txBody>
+          <a:bodyPr/>
+          <a:lstStyle/>
+          <a:p>
+            <a:r>
+              <a:rPr lang="fr-FR"/>
+              <a:t>Corentin BRENY - ST Félix La Salle - 2020</a:t>
+            </a:r>
+          </a:p>
+        </p:txBody>
+      </p:sp>
+      <p:sp>
+        <p:nvSpPr>
+          <p:cNvPr id="5" name="Espace réservé du numéro de diapositive 4">
+            <a:extLst>
+              <a:ext uri="{FF2B5EF4-FFF2-40B4-BE49-F238E27FC236}">
+                <a16:creationId xmlns:a16="http://schemas.microsoft.com/office/drawing/2014/main" id="{07A84899-E0F3-4A2E-BB9D-B24E151416AB}"/>
+              </a:ext>
+            </a:extLst>
+          </p:cNvPr>
+          <p:cNvSpPr>
+            <a:spLocks noGrp="1"/>
+          </p:cNvSpPr>
+          <p:nvPr>
+            <p:ph type="sldNum" sz="quarter" idx="12"/>
+          </p:nvPr>
+        </p:nvSpPr>
+        <p:spPr/>
+        <p:txBody>
+          <a:bodyPr/>
+          <a:lstStyle/>
+          <a:p>
+            <a:fld id="{B8E0B961-A637-4848-B0A2-B04876406418}" type="slidenum">
+              <a:rPr lang="fr-FR" smtClean="0"/>
+              <a:t>6</a:t>
+            </a:fld>
+            <a:endParaRPr lang="fr-FR"/>
+          </a:p>
+        </p:txBody>
+      </p:sp>
+      <p:sp>
+        <p:nvSpPr>
+          <p:cNvPr id="10" name="Rectangle 9">
+            <a:extLst>
+              <a:ext uri="{FF2B5EF4-FFF2-40B4-BE49-F238E27FC236}">
+                <a16:creationId xmlns:a16="http://schemas.microsoft.com/office/drawing/2014/main" id="{1F92E7C5-750C-4076-96B7-F075649E31F9}"/>
+              </a:ext>
+            </a:extLst>
+          </p:cNvPr>
+          <p:cNvSpPr/>
+          <p:nvPr/>
+        </p:nvSpPr>
+        <p:spPr>
+          <a:xfrm>
+            <a:off x="11352276" y="339806"/>
+            <a:ext cx="649222" cy="5859825"/>
+          </a:xfrm>
+          <a:prstGeom prst="rect">
+            <a:avLst/>
+          </a:prstGeom>
+          <a:solidFill>
+            <a:schemeClr val="tx1"/>
+          </a:solidFill>
+          <a:ln>
+            <a:solidFill>
+              <a:srgbClr val="C00000"/>
+            </a:solidFill>
+          </a:ln>
+        </p:spPr>
+        <p:style>
+          <a:lnRef idx="2">
+            <a:schemeClr val="accent1">
+              <a:shade val="50000"/>
+            </a:schemeClr>
+          </a:lnRef>
+          <a:fillRef idx="1">
+            <a:schemeClr val="accent1"/>
+          </a:fillRef>
+          <a:effectRef idx="0">
+            <a:schemeClr val="accent1"/>
+          </a:effectRef>
+          <a:fontRef idx="minor">
+            <a:schemeClr val="lt1"/>
+          </a:fontRef>
+        </p:style>
+        <p:txBody>
+          <a:bodyPr rtlCol="0" anchor="ctr"/>
+          <a:lstStyle/>
+          <a:p>
+            <a:pPr algn="ctr"/>
+            <a:endParaRPr lang="fr-FR"/>
+          </a:p>
+        </p:txBody>
+      </p:sp>
+      <p:sp>
+        <p:nvSpPr>
+          <p:cNvPr id="11" name="Ellipse 10">
+            <a:extLst>
+              <a:ext uri="{FF2B5EF4-FFF2-40B4-BE49-F238E27FC236}">
+                <a16:creationId xmlns:a16="http://schemas.microsoft.com/office/drawing/2014/main" id="{4F3EF8EE-9C7D-4305-8395-1C67F68DF6E3}"/>
+              </a:ext>
+            </a:extLst>
+          </p:cNvPr>
+          <p:cNvSpPr/>
+          <p:nvPr/>
+        </p:nvSpPr>
+        <p:spPr>
+          <a:xfrm>
+            <a:off x="11352273" y="954310"/>
+            <a:ext cx="649224" cy="694981"/>
+          </a:xfrm>
+          <a:prstGeom prst="ellipse">
+            <a:avLst/>
+          </a:prstGeom>
+          <a:solidFill>
+            <a:srgbClr val="C00000"/>
+          </a:solidFill>
+          <a:ln>
+            <a:solidFill>
+              <a:srgbClr val="C00000"/>
+            </a:solidFill>
+          </a:ln>
+        </p:spPr>
+        <p:style>
+          <a:lnRef idx="2">
+            <a:schemeClr val="accent1">
+              <a:shade val="50000"/>
+            </a:schemeClr>
+          </a:lnRef>
+          <a:fillRef idx="1">
+            <a:schemeClr val="accent1"/>
+          </a:fillRef>
+          <a:effectRef idx="0">
+            <a:schemeClr val="accent1"/>
+          </a:effectRef>
+          <a:fontRef idx="minor">
+            <a:schemeClr val="lt1"/>
+          </a:fontRef>
+        </p:style>
+        <p:txBody>
+          <a:bodyPr rtlCol="0" anchor="ctr"/>
+          <a:lstStyle/>
+          <a:p>
+            <a:pPr algn="ctr"/>
+            <a:endParaRPr lang="fr-FR"/>
+          </a:p>
+        </p:txBody>
+      </p:sp>
+      <p:sp>
+        <p:nvSpPr>
+          <p:cNvPr id="12" name="Ellipse 11">
+            <a:extLst>
+              <a:ext uri="{FF2B5EF4-FFF2-40B4-BE49-F238E27FC236}">
+                <a16:creationId xmlns:a16="http://schemas.microsoft.com/office/drawing/2014/main" id="{9E24BFE5-4639-4E40-8960-D18B97DA9C24}"/>
+              </a:ext>
+            </a:extLst>
+          </p:cNvPr>
+          <p:cNvSpPr/>
+          <p:nvPr/>
+        </p:nvSpPr>
+        <p:spPr>
+          <a:xfrm>
+            <a:off x="11352274" y="-36612"/>
+            <a:ext cx="649224" cy="694981"/>
+          </a:xfrm>
+          <a:prstGeom prst="ellipse">
+            <a:avLst/>
+          </a:prstGeom>
+          <a:solidFill>
+            <a:srgbClr val="C00000"/>
+          </a:solidFill>
+          <a:ln>
+            <a:solidFill>
+              <a:srgbClr val="C00000"/>
+            </a:solidFill>
+          </a:ln>
+        </p:spPr>
+        <p:style>
+          <a:lnRef idx="2">
+            <a:schemeClr val="accent1">
+              <a:shade val="50000"/>
+            </a:schemeClr>
+          </a:lnRef>
+          <a:fillRef idx="1">
+            <a:schemeClr val="accent1"/>
+          </a:fillRef>
+          <a:effectRef idx="0">
+            <a:schemeClr val="accent1"/>
+          </a:effectRef>
+          <a:fontRef idx="minor">
+            <a:schemeClr val="lt1"/>
+          </a:fontRef>
+        </p:style>
+        <p:txBody>
+          <a:bodyPr rtlCol="0" anchor="ctr"/>
+          <a:lstStyle/>
+          <a:p>
+            <a:pPr algn="ctr"/>
+            <a:endParaRPr lang="fr-FR"/>
+          </a:p>
+        </p:txBody>
+      </p:sp>
+      <p:sp>
+        <p:nvSpPr>
+          <p:cNvPr id="13" name="Ellipse 12">
+            <a:extLst>
+              <a:ext uri="{FF2B5EF4-FFF2-40B4-BE49-F238E27FC236}">
+                <a16:creationId xmlns:a16="http://schemas.microsoft.com/office/drawing/2014/main" id="{8A71FA3A-51B2-45EF-96E3-8C3460B7A12D}"/>
+              </a:ext>
+            </a:extLst>
+          </p:cNvPr>
+          <p:cNvSpPr/>
+          <p:nvPr/>
+        </p:nvSpPr>
+        <p:spPr>
+          <a:xfrm>
+            <a:off x="11352273" y="1922124"/>
+            <a:ext cx="649225" cy="694981"/>
+          </a:xfrm>
+          <a:prstGeom prst="ellipse">
+            <a:avLst/>
+          </a:prstGeom>
+          <a:solidFill>
+            <a:srgbClr val="C00000"/>
+          </a:solidFill>
+          <a:ln>
+            <a:solidFill>
+              <a:srgbClr val="C00000"/>
+            </a:solidFill>
+          </a:ln>
+        </p:spPr>
+        <p:style>
+          <a:lnRef idx="2">
+            <a:schemeClr val="accent1">
+              <a:shade val="50000"/>
+            </a:schemeClr>
+          </a:lnRef>
+          <a:fillRef idx="1">
+            <a:schemeClr val="accent1"/>
+          </a:fillRef>
+          <a:effectRef idx="0">
+            <a:schemeClr val="accent1"/>
+          </a:effectRef>
+          <a:fontRef idx="minor">
+            <a:schemeClr val="lt1"/>
+          </a:fontRef>
+        </p:style>
+        <p:txBody>
+          <a:bodyPr rtlCol="0" anchor="ctr"/>
+          <a:lstStyle/>
+          <a:p>
+            <a:pPr algn="ctr"/>
+            <a:endParaRPr lang="fr-FR"/>
+          </a:p>
+        </p:txBody>
+      </p:sp>
+      <p:sp>
+        <p:nvSpPr>
+          <p:cNvPr id="14" name="Ellipse 13">
+            <a:extLst>
+              <a:ext uri="{FF2B5EF4-FFF2-40B4-BE49-F238E27FC236}">
+                <a16:creationId xmlns:a16="http://schemas.microsoft.com/office/drawing/2014/main" id="{40307E3C-E462-4BC5-8DE2-3F6241EA8274}"/>
+              </a:ext>
+            </a:extLst>
+          </p:cNvPr>
+          <p:cNvSpPr/>
+          <p:nvPr/>
+        </p:nvSpPr>
+        <p:spPr>
+          <a:xfrm>
+            <a:off x="11352273" y="2913046"/>
+            <a:ext cx="649225" cy="694981"/>
+          </a:xfrm>
+          <a:prstGeom prst="ellipse">
+            <a:avLst/>
+          </a:prstGeom>
+          <a:solidFill>
+            <a:srgbClr val="C00000"/>
+          </a:solidFill>
+          <a:ln>
+            <a:solidFill>
+              <a:srgbClr val="C00000"/>
+            </a:solidFill>
+          </a:ln>
+        </p:spPr>
+        <p:style>
+          <a:lnRef idx="2">
+            <a:schemeClr val="accent1">
+              <a:shade val="50000"/>
+            </a:schemeClr>
+          </a:lnRef>
+          <a:fillRef idx="1">
+            <a:schemeClr val="accent1"/>
+          </a:fillRef>
+          <a:effectRef idx="0">
+            <a:schemeClr val="accent1"/>
+          </a:effectRef>
+          <a:fontRef idx="minor">
+            <a:schemeClr val="lt1"/>
+          </a:fontRef>
+        </p:style>
+        <p:txBody>
+          <a:bodyPr rtlCol="0" anchor="ctr"/>
+          <a:lstStyle/>
+          <a:p>
+            <a:pPr algn="ctr"/>
+            <a:endParaRPr lang="fr-FR"/>
+          </a:p>
+        </p:txBody>
+      </p:sp>
+      <p:sp>
+        <p:nvSpPr>
+          <p:cNvPr id="15" name="Ellipse 14">
+            <a:extLst>
+              <a:ext uri="{FF2B5EF4-FFF2-40B4-BE49-F238E27FC236}">
+                <a16:creationId xmlns:a16="http://schemas.microsoft.com/office/drawing/2014/main" id="{99F2B49F-3494-4F3D-ADAE-455882623123}"/>
+              </a:ext>
+            </a:extLst>
+          </p:cNvPr>
+          <p:cNvSpPr/>
+          <p:nvPr/>
+        </p:nvSpPr>
+        <p:spPr>
+          <a:xfrm>
+            <a:off x="11352273" y="3903968"/>
+            <a:ext cx="649224" cy="694981"/>
+          </a:xfrm>
+          <a:prstGeom prst="ellipse">
+            <a:avLst/>
+          </a:prstGeom>
+          <a:solidFill>
+            <a:srgbClr val="C00000"/>
+          </a:solidFill>
+          <a:ln>
+            <a:solidFill>
+              <a:srgbClr val="C00000"/>
+            </a:solidFill>
+          </a:ln>
+        </p:spPr>
+        <p:style>
+          <a:lnRef idx="2">
+            <a:schemeClr val="accent1">
+              <a:shade val="50000"/>
+            </a:schemeClr>
+          </a:lnRef>
+          <a:fillRef idx="1">
+            <a:schemeClr val="accent1"/>
+          </a:fillRef>
+          <a:effectRef idx="0">
+            <a:schemeClr val="accent1"/>
+          </a:effectRef>
+          <a:fontRef idx="minor">
+            <a:schemeClr val="lt1"/>
+          </a:fontRef>
+        </p:style>
+        <p:txBody>
+          <a:bodyPr rtlCol="0" anchor="ctr"/>
+          <a:lstStyle/>
+          <a:p>
+            <a:pPr algn="ctr"/>
+            <a:endParaRPr lang="fr-FR"/>
+          </a:p>
+        </p:txBody>
+      </p:sp>
+      <p:sp>
+        <p:nvSpPr>
+          <p:cNvPr id="16" name="Ellipse 15">
+            <a:extLst>
+              <a:ext uri="{FF2B5EF4-FFF2-40B4-BE49-F238E27FC236}">
+                <a16:creationId xmlns:a16="http://schemas.microsoft.com/office/drawing/2014/main" id="{EFA56041-0055-47ED-8D10-3272B93FDDE0}"/>
+              </a:ext>
+            </a:extLst>
+          </p:cNvPr>
+          <p:cNvSpPr/>
+          <p:nvPr/>
+        </p:nvSpPr>
+        <p:spPr>
+          <a:xfrm>
+            <a:off x="11352273" y="4894193"/>
+            <a:ext cx="649224" cy="694982"/>
+          </a:xfrm>
+          <a:prstGeom prst="ellipse">
+            <a:avLst/>
+          </a:prstGeom>
+          <a:solidFill>
+            <a:schemeClr val="tx1"/>
+          </a:solidFill>
+          <a:ln>
+            <a:solidFill>
+              <a:srgbClr val="C00000"/>
+            </a:solidFill>
+          </a:ln>
+        </p:spPr>
+        <p:style>
+          <a:lnRef idx="2">
+            <a:schemeClr val="accent1">
+              <a:shade val="50000"/>
+            </a:schemeClr>
+          </a:lnRef>
+          <a:fillRef idx="1">
+            <a:schemeClr val="accent1"/>
+          </a:fillRef>
+          <a:effectRef idx="0">
+            <a:schemeClr val="accent1"/>
+          </a:effectRef>
+          <a:fontRef idx="minor">
+            <a:schemeClr val="lt1"/>
+          </a:fontRef>
+        </p:style>
+        <p:txBody>
+          <a:bodyPr rtlCol="0" anchor="ctr"/>
+          <a:lstStyle/>
+          <a:p>
+            <a:pPr algn="ctr"/>
+            <a:endParaRPr lang="fr-FR"/>
+          </a:p>
+        </p:txBody>
+      </p:sp>
+      <p:sp>
+        <p:nvSpPr>
+          <p:cNvPr id="17" name="Ellipse 16">
+            <a:extLst>
+              <a:ext uri="{FF2B5EF4-FFF2-40B4-BE49-F238E27FC236}">
+                <a16:creationId xmlns:a16="http://schemas.microsoft.com/office/drawing/2014/main" id="{B410CDF6-8EE3-489E-9941-D9325A6473CF}"/>
+              </a:ext>
+            </a:extLst>
+          </p:cNvPr>
+          <p:cNvSpPr/>
+          <p:nvPr/>
+        </p:nvSpPr>
+        <p:spPr>
+          <a:xfrm>
+            <a:off x="11352273" y="5888237"/>
+            <a:ext cx="649224" cy="694981"/>
+          </a:xfrm>
+          <a:prstGeom prst="ellipse">
+            <a:avLst/>
+          </a:prstGeom>
+          <a:solidFill>
+            <a:schemeClr val="tx1"/>
+          </a:solidFill>
+          <a:ln>
+            <a:solidFill>
+              <a:srgbClr val="C00000"/>
+            </a:solidFill>
+          </a:ln>
+        </p:spPr>
+        <p:style>
+          <a:lnRef idx="2">
+            <a:schemeClr val="accent1">
+              <a:shade val="50000"/>
+            </a:schemeClr>
+          </a:lnRef>
+          <a:fillRef idx="1">
+            <a:schemeClr val="accent1"/>
+          </a:fillRef>
+          <a:effectRef idx="0">
+            <a:schemeClr val="accent1"/>
+          </a:effectRef>
+          <a:fontRef idx="minor">
+            <a:schemeClr val="lt1"/>
+          </a:fontRef>
+        </p:style>
+        <p:txBody>
+          <a:bodyPr rtlCol="0" anchor="ctr"/>
+          <a:lstStyle/>
+          <a:p>
+            <a:pPr algn="ctr"/>
+            <a:endParaRPr lang="fr-FR"/>
           </a:p>
         </p:txBody>
       </p:sp>
@@ -5030,6 +7952,2225 @@
     <p:extLst>
       <p:ext uri="{BB962C8B-B14F-4D97-AF65-F5344CB8AC3E}">
         <p14:creationId xmlns:p14="http://schemas.microsoft.com/office/powerpoint/2010/main" val="2395788279"/>
+      </p:ext>
+    </p:extLst>
+  </p:cSld>
+  <p:clrMapOvr>
+    <a:masterClrMapping/>
+  </p:clrMapOvr>
+</p:sld>
+</file>
+
+<file path=ppt/slides/slide7.xml><?xml version="1.0" encoding="utf-8"?>
+<p:sld xmlns:a="http://schemas.openxmlformats.org/drawingml/2006/main" xmlns:r="http://schemas.openxmlformats.org/officeDocument/2006/relationships" xmlns:p="http://schemas.openxmlformats.org/presentationml/2006/main">
+  <p:cSld>
+    <p:bg>
+      <p:bgPr>
+        <a:solidFill>
+          <a:schemeClr val="bg1"/>
+        </a:solidFill>
+        <a:effectLst/>
+      </p:bgPr>
+    </p:bg>
+    <p:spTree>
+      <p:nvGrpSpPr>
+        <p:cNvPr id="1" name=""/>
+        <p:cNvGrpSpPr/>
+        <p:nvPr/>
+      </p:nvGrpSpPr>
+      <p:grpSpPr>
+        <a:xfrm>
+          <a:off x="0" y="0"/>
+          <a:ext cx="0" cy="0"/>
+          <a:chOff x="0" y="0"/>
+          <a:chExt cx="0" cy="0"/>
+        </a:xfrm>
+      </p:grpSpPr>
+      <p:pic>
+        <p:nvPicPr>
+          <p:cNvPr id="4" name="Espace réservé du contenu 3" descr="Une image contenant table, paire&#10;&#10;Description générée automatiquement">
+            <a:extLst>
+              <a:ext uri="{FF2B5EF4-FFF2-40B4-BE49-F238E27FC236}">
+                <a16:creationId xmlns:a16="http://schemas.microsoft.com/office/drawing/2014/main" id="{1A19FD35-A489-4DC8-937C-BF65968057C7}"/>
+              </a:ext>
+            </a:extLst>
+          </p:cNvPr>
+          <p:cNvPicPr>
+            <a:picLocks noChangeAspect="1"/>
+          </p:cNvPicPr>
+          <p:nvPr/>
+        </p:nvPicPr>
+        <p:blipFill rotWithShape="1">
+          <a:blip r:embed="rId2">
+            <a:extLst>
+              <a:ext uri="{28A0092B-C50C-407E-A947-70E740481C1C}">
+                <a14:useLocalDpi xmlns:a14="http://schemas.microsoft.com/office/drawing/2010/main" val="0"/>
+              </a:ext>
+            </a:extLst>
+          </a:blip>
+          <a:srcRect t="6250"/>
+          <a:stretch/>
+        </p:blipFill>
+        <p:spPr>
+          <a:xfrm>
+            <a:off x="-1" y="-30"/>
+            <a:ext cx="12192000" cy="6855958"/>
+          </a:xfrm>
+          <a:prstGeom prst="rect">
+            <a:avLst/>
+          </a:prstGeom>
+        </p:spPr>
+      </p:pic>
+      <p:sp>
+        <p:nvSpPr>
+          <p:cNvPr id="29" name="Freeform 5">
+            <a:extLst>
+              <a:ext uri="{FF2B5EF4-FFF2-40B4-BE49-F238E27FC236}">
+                <a16:creationId xmlns:a16="http://schemas.microsoft.com/office/drawing/2014/main" id="{3CD9DF72-87A3-404E-A828-84CBF11A8303}"/>
+              </a:ext>
+              <a:ext uri="{C183D7F6-B498-43B3-948B-1728B52AA6E4}">
+                <adec:decorative xmlns:adec="http://schemas.microsoft.com/office/drawing/2017/decorative" val="1"/>
+              </a:ext>
+            </a:extLst>
+          </p:cNvPr>
+          <p:cNvSpPr>
+            <a:spLocks noGrp="1" noRot="1" noChangeAspect="1" noMove="1" noResize="1" noEditPoints="1" noAdjustHandles="1" noChangeArrowheads="1" noChangeShapeType="1" noTextEdit="1"/>
+          </p:cNvSpPr>
+          <p:nvPr>
+            <p:extLst>
+              <p:ext uri="{386F3935-93C4-4BCD-93E2-E3B085C9AB24}">
+                <p16:designElem xmlns:p16="http://schemas.microsoft.com/office/powerpoint/2015/main" val="1"/>
+              </p:ext>
+            </p:extLst>
+          </p:nvPr>
+        </p:nvSpPr>
+        <p:spPr bwMode="grayWhite">
+          <a:xfrm flipH="1">
+            <a:off x="0" y="998175"/>
+            <a:ext cx="6017172" cy="5859825"/>
+          </a:xfrm>
+          <a:custGeom>
+            <a:avLst/>
+            <a:gdLst>
+              <a:gd name="T0" fmla="*/ 1333 w 1333"/>
+              <a:gd name="T1" fmla="*/ 1031 h 1298"/>
+              <a:gd name="T2" fmla="*/ 1333 w 1333"/>
+              <a:gd name="T3" fmla="*/ 380 h 1298"/>
+              <a:gd name="T4" fmla="*/ 706 w 1333"/>
+              <a:gd name="T5" fmla="*/ 0 h 1298"/>
+              <a:gd name="T6" fmla="*/ 0 w 1333"/>
+              <a:gd name="T7" fmla="*/ 706 h 1298"/>
+              <a:gd name="T8" fmla="*/ 323 w 1333"/>
+              <a:gd name="T9" fmla="*/ 1298 h 1298"/>
+              <a:gd name="T10" fmla="*/ 1090 w 1333"/>
+              <a:gd name="T11" fmla="*/ 1298 h 1298"/>
+              <a:gd name="T12" fmla="*/ 1333 w 1333"/>
+              <a:gd name="T13" fmla="*/ 1031 h 1298"/>
+            </a:gdLst>
+            <a:ahLst/>
+            <a:cxnLst>
+              <a:cxn ang="0">
+                <a:pos x="T0" y="T1"/>
+              </a:cxn>
+              <a:cxn ang="0">
+                <a:pos x="T2" y="T3"/>
+              </a:cxn>
+              <a:cxn ang="0">
+                <a:pos x="T4" y="T5"/>
+              </a:cxn>
+              <a:cxn ang="0">
+                <a:pos x="T6" y="T7"/>
+              </a:cxn>
+              <a:cxn ang="0">
+                <a:pos x="T8" y="T9"/>
+              </a:cxn>
+              <a:cxn ang="0">
+                <a:pos x="T10" y="T11"/>
+              </a:cxn>
+              <a:cxn ang="0">
+                <a:pos x="T12" y="T13"/>
+              </a:cxn>
+            </a:cxnLst>
+            <a:rect l="0" t="0" r="r" b="b"/>
+            <a:pathLst>
+              <a:path w="1333" h="1298">
+                <a:moveTo>
+                  <a:pt x="1333" y="1031"/>
+                </a:moveTo>
+                <a:cubicBezTo>
+                  <a:pt x="1333" y="380"/>
+                  <a:pt x="1333" y="380"/>
+                  <a:pt x="1333" y="380"/>
+                </a:cubicBezTo>
+                <a:cubicBezTo>
+                  <a:pt x="1215" y="154"/>
+                  <a:pt x="979" y="0"/>
+                  <a:pt x="706" y="0"/>
+                </a:cubicBezTo>
+                <a:cubicBezTo>
+                  <a:pt x="317" y="0"/>
+                  <a:pt x="0" y="316"/>
+                  <a:pt x="0" y="706"/>
+                </a:cubicBezTo>
+                <a:cubicBezTo>
+                  <a:pt x="0" y="954"/>
+                  <a:pt x="129" y="1172"/>
+                  <a:pt x="323" y="1298"/>
+                </a:cubicBezTo>
+                <a:cubicBezTo>
+                  <a:pt x="1090" y="1298"/>
+                  <a:pt x="1090" y="1298"/>
+                  <a:pt x="1090" y="1298"/>
+                </a:cubicBezTo>
+                <a:cubicBezTo>
+                  <a:pt x="1193" y="1232"/>
+                  <a:pt x="1276" y="1140"/>
+                  <a:pt x="1333" y="1031"/>
+                </a:cubicBezTo>
+                <a:close/>
+              </a:path>
+            </a:pathLst>
+          </a:custGeom>
+          <a:solidFill>
+            <a:schemeClr val="bg1">
+              <a:alpha val="75000"/>
+            </a:schemeClr>
+          </a:solidFill>
+          <a:ln w="50800" cap="sq" cmpd="dbl">
+            <a:noFill/>
+            <a:miter lim="800000"/>
+          </a:ln>
+          <a:effectLst/>
+        </p:spPr>
+        <p:txBody>
+          <a:bodyPr vert="horz" lIns="91440" tIns="45720" rIns="91440" bIns="45720" rtlCol="0" anchor="t">
+            <a:normAutofit/>
+          </a:bodyPr>
+          <a:lstStyle/>
+          <a:p>
+            <a:pPr algn="ctr">
+              <a:spcAft>
+                <a:spcPts val="1000"/>
+              </a:spcAft>
+              <a:buClr>
+                <a:schemeClr val="tx1"/>
+              </a:buClr>
+              <a:buSzPct val="100000"/>
+              <a:buFont typeface="Arial"/>
+              <a:buNone/>
+            </a:pPr>
+            <a:endParaRPr lang="en-US" sz="1600" cap="all"/>
+          </a:p>
+        </p:txBody>
+      </p:sp>
+      <p:sp>
+        <p:nvSpPr>
+          <p:cNvPr id="2" name="Titre 1">
+            <a:extLst>
+              <a:ext uri="{FF2B5EF4-FFF2-40B4-BE49-F238E27FC236}">
+                <a16:creationId xmlns:a16="http://schemas.microsoft.com/office/drawing/2014/main" id="{F0FFC3D5-D02E-4246-A076-5A8E3A3F3F12}"/>
+              </a:ext>
+            </a:extLst>
+          </p:cNvPr>
+          <p:cNvSpPr>
+            <a:spLocks noGrp="1"/>
+          </p:cNvSpPr>
+          <p:nvPr>
+            <p:ph type="title"/>
+          </p:nvPr>
+        </p:nvSpPr>
+        <p:spPr>
+          <a:xfrm>
+            <a:off x="709448" y="1913950"/>
+            <a:ext cx="4204137" cy="1342754"/>
+          </a:xfrm>
+        </p:spPr>
+        <p:txBody>
+          <a:bodyPr vert="horz" lIns="91440" tIns="45720" rIns="91440" bIns="45720" rtlCol="0">
+            <a:normAutofit/>
+          </a:bodyPr>
+          <a:lstStyle/>
+          <a:p>
+            <a:pPr algn="ctr"/>
+            <a:r>
+              <a:rPr lang="en-US" sz="3600" b="1" dirty="0">
+                <a:solidFill>
+                  <a:srgbClr val="FF0000"/>
+                </a:solidFill>
+              </a:rPr>
+              <a:t>Mécanisme n°7</a:t>
+            </a:r>
+          </a:p>
+        </p:txBody>
+      </p:sp>
+      <p:cxnSp>
+        <p:nvCxnSpPr>
+          <p:cNvPr id="31" name="Straight Connector 30">
+            <a:extLst>
+              <a:ext uri="{FF2B5EF4-FFF2-40B4-BE49-F238E27FC236}">
+                <a16:creationId xmlns:a16="http://schemas.microsoft.com/office/drawing/2014/main" id="{20E3A342-4D61-4E3F-AF90-1AB42AEB96CC}"/>
+              </a:ext>
+              <a:ext uri="{C183D7F6-B498-43B3-948B-1728B52AA6E4}">
+                <adec:decorative xmlns:adec="http://schemas.microsoft.com/office/drawing/2017/decorative" val="1"/>
+              </a:ext>
+            </a:extLst>
+          </p:cNvPr>
+          <p:cNvCxnSpPr>
+            <a:cxnSpLocks noGrp="1" noRot="1" noChangeAspect="1" noMove="1" noResize="1" noEditPoints="1" noAdjustHandles="1" noChangeArrowheads="1" noChangeShapeType="1"/>
+          </p:cNvCxnSpPr>
+          <p:nvPr>
+            <p:extLst>
+              <p:ext uri="{386F3935-93C4-4BCD-93E2-E3B085C9AB24}">
+                <p16:designElem xmlns:p16="http://schemas.microsoft.com/office/powerpoint/2015/main" val="1"/>
+              </p:ext>
+            </p:extLst>
+          </p:nvPr>
+        </p:nvCxnSpPr>
+        <p:spPr>
+          <a:xfrm>
+            <a:off x="2287051" y="3337139"/>
+            <a:ext cx="935420" cy="0"/>
+          </a:xfrm>
+          <a:prstGeom prst="line">
+            <a:avLst/>
+          </a:prstGeom>
+          <a:ln w="25400" cap="sq">
+            <a:solidFill>
+              <a:schemeClr val="tx1">
+                <a:lumMod val="85000"/>
+                <a:lumOff val="15000"/>
+              </a:schemeClr>
+            </a:solidFill>
+            <a:bevel/>
+          </a:ln>
+        </p:spPr>
+        <p:style>
+          <a:lnRef idx="1">
+            <a:schemeClr val="accent1"/>
+          </a:lnRef>
+          <a:fillRef idx="0">
+            <a:schemeClr val="accent1"/>
+          </a:fillRef>
+          <a:effectRef idx="0">
+            <a:schemeClr val="accent1"/>
+          </a:effectRef>
+          <a:fontRef idx="minor">
+            <a:schemeClr val="tx1"/>
+          </a:fontRef>
+        </p:style>
+      </p:cxnSp>
+      <p:sp>
+        <p:nvSpPr>
+          <p:cNvPr id="9" name="ZoneTexte 8">
+            <a:extLst>
+              <a:ext uri="{FF2B5EF4-FFF2-40B4-BE49-F238E27FC236}">
+                <a16:creationId xmlns:a16="http://schemas.microsoft.com/office/drawing/2014/main" id="{DE0931E8-D98F-49EF-A2C3-9447BB71632C}"/>
+              </a:ext>
+            </a:extLst>
+          </p:cNvPr>
+          <p:cNvSpPr txBox="1"/>
+          <p:nvPr/>
+        </p:nvSpPr>
+        <p:spPr>
+          <a:xfrm>
+            <a:off x="128016" y="3601297"/>
+            <a:ext cx="5084064" cy="2031325"/>
+          </a:xfrm>
+          <a:prstGeom prst="rect">
+            <a:avLst/>
+          </a:prstGeom>
+          <a:noFill/>
+        </p:spPr>
+        <p:txBody>
+          <a:bodyPr wrap="square" rtlCol="0">
+            <a:spAutoFit/>
+          </a:bodyPr>
+          <a:lstStyle/>
+          <a:p>
+            <a:r>
+              <a:rPr lang="fr-FR" b="1" dirty="0"/>
+              <a:t>Les composants:</a:t>
+            </a:r>
+          </a:p>
+          <a:p>
+            <a:endParaRPr lang="fr-FR" dirty="0"/>
+          </a:p>
+          <a:p>
+            <a:r>
+              <a:rPr lang="fr-FR" dirty="0"/>
+              <a:t>-Un mur avec un trou</a:t>
+            </a:r>
+          </a:p>
+          <a:p>
+            <a:r>
+              <a:rPr lang="fr-FR" dirty="0"/>
+              <a:t>-Une trappe où se trouve un doigt ( système 3)</a:t>
+            </a:r>
+          </a:p>
+          <a:p>
+            <a:r>
+              <a:rPr lang="fr-FR" dirty="0"/>
+              <a:t>-Un Katana</a:t>
+            </a:r>
+          </a:p>
+          <a:p>
+            <a:r>
+              <a:rPr lang="fr-FR" dirty="0"/>
+              <a:t>-Interrupteur de fin de course</a:t>
+            </a:r>
+          </a:p>
+          <a:p>
+            <a:r>
+              <a:rPr lang="fr-FR" dirty="0"/>
+              <a:t>-Une Led témoin</a:t>
+            </a:r>
+          </a:p>
+        </p:txBody>
+      </p:sp>
+      <p:sp>
+        <p:nvSpPr>
+          <p:cNvPr id="3" name="Espace réservé du pied de page 2">
+            <a:extLst>
+              <a:ext uri="{FF2B5EF4-FFF2-40B4-BE49-F238E27FC236}">
+                <a16:creationId xmlns:a16="http://schemas.microsoft.com/office/drawing/2014/main" id="{EE25281D-75F1-4D59-9DF6-0BD24681854F}"/>
+              </a:ext>
+            </a:extLst>
+          </p:cNvPr>
+          <p:cNvSpPr>
+            <a:spLocks noGrp="1"/>
+          </p:cNvSpPr>
+          <p:nvPr>
+            <p:ph type="ftr" sz="quarter" idx="11"/>
+          </p:nvPr>
+        </p:nvSpPr>
+        <p:spPr/>
+        <p:txBody>
+          <a:bodyPr/>
+          <a:lstStyle/>
+          <a:p>
+            <a:r>
+              <a:rPr lang="fr-FR"/>
+              <a:t>Corentin BRENY - ST Félix La Salle - 2020</a:t>
+            </a:r>
+          </a:p>
+        </p:txBody>
+      </p:sp>
+      <p:sp>
+        <p:nvSpPr>
+          <p:cNvPr id="5" name="Espace réservé du numéro de diapositive 4">
+            <a:extLst>
+              <a:ext uri="{FF2B5EF4-FFF2-40B4-BE49-F238E27FC236}">
+                <a16:creationId xmlns:a16="http://schemas.microsoft.com/office/drawing/2014/main" id="{53850AB9-760E-4F5D-86A0-716386D0A526}"/>
+              </a:ext>
+            </a:extLst>
+          </p:cNvPr>
+          <p:cNvSpPr>
+            <a:spLocks noGrp="1"/>
+          </p:cNvSpPr>
+          <p:nvPr>
+            <p:ph type="sldNum" sz="quarter" idx="12"/>
+          </p:nvPr>
+        </p:nvSpPr>
+        <p:spPr/>
+        <p:txBody>
+          <a:bodyPr/>
+          <a:lstStyle/>
+          <a:p>
+            <a:fld id="{B8E0B961-A637-4848-B0A2-B04876406418}" type="slidenum">
+              <a:rPr lang="fr-FR" smtClean="0"/>
+              <a:t>7</a:t>
+            </a:fld>
+            <a:endParaRPr lang="fr-FR"/>
+          </a:p>
+        </p:txBody>
+      </p:sp>
+      <p:sp>
+        <p:nvSpPr>
+          <p:cNvPr id="10" name="Rectangle 9">
+            <a:extLst>
+              <a:ext uri="{FF2B5EF4-FFF2-40B4-BE49-F238E27FC236}">
+                <a16:creationId xmlns:a16="http://schemas.microsoft.com/office/drawing/2014/main" id="{55DCE50F-A79D-47E1-81F5-0A487B44BBD2}"/>
+              </a:ext>
+            </a:extLst>
+          </p:cNvPr>
+          <p:cNvSpPr/>
+          <p:nvPr/>
+        </p:nvSpPr>
+        <p:spPr>
+          <a:xfrm>
+            <a:off x="11352276" y="339806"/>
+            <a:ext cx="649222" cy="5859825"/>
+          </a:xfrm>
+          <a:prstGeom prst="rect">
+            <a:avLst/>
+          </a:prstGeom>
+          <a:solidFill>
+            <a:schemeClr val="tx1"/>
+          </a:solidFill>
+          <a:ln>
+            <a:solidFill>
+              <a:srgbClr val="C00000"/>
+            </a:solidFill>
+          </a:ln>
+        </p:spPr>
+        <p:style>
+          <a:lnRef idx="2">
+            <a:schemeClr val="accent1">
+              <a:shade val="50000"/>
+            </a:schemeClr>
+          </a:lnRef>
+          <a:fillRef idx="1">
+            <a:schemeClr val="accent1"/>
+          </a:fillRef>
+          <a:effectRef idx="0">
+            <a:schemeClr val="accent1"/>
+          </a:effectRef>
+          <a:fontRef idx="minor">
+            <a:schemeClr val="lt1"/>
+          </a:fontRef>
+        </p:style>
+        <p:txBody>
+          <a:bodyPr rtlCol="0" anchor="ctr"/>
+          <a:lstStyle/>
+          <a:p>
+            <a:pPr algn="ctr"/>
+            <a:endParaRPr lang="fr-FR"/>
+          </a:p>
+        </p:txBody>
+      </p:sp>
+      <p:sp>
+        <p:nvSpPr>
+          <p:cNvPr id="11" name="Ellipse 10">
+            <a:extLst>
+              <a:ext uri="{FF2B5EF4-FFF2-40B4-BE49-F238E27FC236}">
+                <a16:creationId xmlns:a16="http://schemas.microsoft.com/office/drawing/2014/main" id="{DC5C09D3-F7A1-4ECB-A955-BA9D217EF84B}"/>
+              </a:ext>
+            </a:extLst>
+          </p:cNvPr>
+          <p:cNvSpPr/>
+          <p:nvPr/>
+        </p:nvSpPr>
+        <p:spPr>
+          <a:xfrm>
+            <a:off x="11352273" y="954310"/>
+            <a:ext cx="649224" cy="694981"/>
+          </a:xfrm>
+          <a:prstGeom prst="ellipse">
+            <a:avLst/>
+          </a:prstGeom>
+          <a:solidFill>
+            <a:srgbClr val="C00000"/>
+          </a:solidFill>
+          <a:ln>
+            <a:solidFill>
+              <a:srgbClr val="C00000"/>
+            </a:solidFill>
+          </a:ln>
+        </p:spPr>
+        <p:style>
+          <a:lnRef idx="2">
+            <a:schemeClr val="accent1">
+              <a:shade val="50000"/>
+            </a:schemeClr>
+          </a:lnRef>
+          <a:fillRef idx="1">
+            <a:schemeClr val="accent1"/>
+          </a:fillRef>
+          <a:effectRef idx="0">
+            <a:schemeClr val="accent1"/>
+          </a:effectRef>
+          <a:fontRef idx="minor">
+            <a:schemeClr val="lt1"/>
+          </a:fontRef>
+        </p:style>
+        <p:txBody>
+          <a:bodyPr rtlCol="0" anchor="ctr"/>
+          <a:lstStyle/>
+          <a:p>
+            <a:pPr algn="ctr"/>
+            <a:endParaRPr lang="fr-FR"/>
+          </a:p>
+        </p:txBody>
+      </p:sp>
+      <p:sp>
+        <p:nvSpPr>
+          <p:cNvPr id="12" name="Ellipse 11">
+            <a:extLst>
+              <a:ext uri="{FF2B5EF4-FFF2-40B4-BE49-F238E27FC236}">
+                <a16:creationId xmlns:a16="http://schemas.microsoft.com/office/drawing/2014/main" id="{563B98D1-C3AF-48A3-997B-4A4845754443}"/>
+              </a:ext>
+            </a:extLst>
+          </p:cNvPr>
+          <p:cNvSpPr/>
+          <p:nvPr/>
+        </p:nvSpPr>
+        <p:spPr>
+          <a:xfrm>
+            <a:off x="11352274" y="-36612"/>
+            <a:ext cx="649224" cy="694981"/>
+          </a:xfrm>
+          <a:prstGeom prst="ellipse">
+            <a:avLst/>
+          </a:prstGeom>
+          <a:solidFill>
+            <a:srgbClr val="C00000"/>
+          </a:solidFill>
+          <a:ln>
+            <a:solidFill>
+              <a:srgbClr val="C00000"/>
+            </a:solidFill>
+          </a:ln>
+        </p:spPr>
+        <p:style>
+          <a:lnRef idx="2">
+            <a:schemeClr val="accent1">
+              <a:shade val="50000"/>
+            </a:schemeClr>
+          </a:lnRef>
+          <a:fillRef idx="1">
+            <a:schemeClr val="accent1"/>
+          </a:fillRef>
+          <a:effectRef idx="0">
+            <a:schemeClr val="accent1"/>
+          </a:effectRef>
+          <a:fontRef idx="minor">
+            <a:schemeClr val="lt1"/>
+          </a:fontRef>
+        </p:style>
+        <p:txBody>
+          <a:bodyPr rtlCol="0" anchor="ctr"/>
+          <a:lstStyle/>
+          <a:p>
+            <a:pPr algn="ctr"/>
+            <a:endParaRPr lang="fr-FR"/>
+          </a:p>
+        </p:txBody>
+      </p:sp>
+      <p:sp>
+        <p:nvSpPr>
+          <p:cNvPr id="13" name="Ellipse 12">
+            <a:extLst>
+              <a:ext uri="{FF2B5EF4-FFF2-40B4-BE49-F238E27FC236}">
+                <a16:creationId xmlns:a16="http://schemas.microsoft.com/office/drawing/2014/main" id="{26C312D7-64FB-45B6-BC6B-1B371730F2D9}"/>
+              </a:ext>
+            </a:extLst>
+          </p:cNvPr>
+          <p:cNvSpPr/>
+          <p:nvPr/>
+        </p:nvSpPr>
+        <p:spPr>
+          <a:xfrm>
+            <a:off x="11352273" y="1922124"/>
+            <a:ext cx="649225" cy="694981"/>
+          </a:xfrm>
+          <a:prstGeom prst="ellipse">
+            <a:avLst/>
+          </a:prstGeom>
+          <a:solidFill>
+            <a:srgbClr val="C00000"/>
+          </a:solidFill>
+          <a:ln>
+            <a:solidFill>
+              <a:srgbClr val="C00000"/>
+            </a:solidFill>
+          </a:ln>
+        </p:spPr>
+        <p:style>
+          <a:lnRef idx="2">
+            <a:schemeClr val="accent1">
+              <a:shade val="50000"/>
+            </a:schemeClr>
+          </a:lnRef>
+          <a:fillRef idx="1">
+            <a:schemeClr val="accent1"/>
+          </a:fillRef>
+          <a:effectRef idx="0">
+            <a:schemeClr val="accent1"/>
+          </a:effectRef>
+          <a:fontRef idx="minor">
+            <a:schemeClr val="lt1"/>
+          </a:fontRef>
+        </p:style>
+        <p:txBody>
+          <a:bodyPr rtlCol="0" anchor="ctr"/>
+          <a:lstStyle/>
+          <a:p>
+            <a:pPr algn="ctr"/>
+            <a:endParaRPr lang="fr-FR"/>
+          </a:p>
+        </p:txBody>
+      </p:sp>
+      <p:sp>
+        <p:nvSpPr>
+          <p:cNvPr id="14" name="Ellipse 13">
+            <a:extLst>
+              <a:ext uri="{FF2B5EF4-FFF2-40B4-BE49-F238E27FC236}">
+                <a16:creationId xmlns:a16="http://schemas.microsoft.com/office/drawing/2014/main" id="{4D0F6D23-BB5D-4DE7-88B7-7FEA06968F7B}"/>
+              </a:ext>
+            </a:extLst>
+          </p:cNvPr>
+          <p:cNvSpPr/>
+          <p:nvPr/>
+        </p:nvSpPr>
+        <p:spPr>
+          <a:xfrm>
+            <a:off x="11352273" y="2913046"/>
+            <a:ext cx="649225" cy="694981"/>
+          </a:xfrm>
+          <a:prstGeom prst="ellipse">
+            <a:avLst/>
+          </a:prstGeom>
+          <a:solidFill>
+            <a:srgbClr val="C00000"/>
+          </a:solidFill>
+          <a:ln>
+            <a:solidFill>
+              <a:srgbClr val="C00000"/>
+            </a:solidFill>
+          </a:ln>
+        </p:spPr>
+        <p:style>
+          <a:lnRef idx="2">
+            <a:schemeClr val="accent1">
+              <a:shade val="50000"/>
+            </a:schemeClr>
+          </a:lnRef>
+          <a:fillRef idx="1">
+            <a:schemeClr val="accent1"/>
+          </a:fillRef>
+          <a:effectRef idx="0">
+            <a:schemeClr val="accent1"/>
+          </a:effectRef>
+          <a:fontRef idx="minor">
+            <a:schemeClr val="lt1"/>
+          </a:fontRef>
+        </p:style>
+        <p:txBody>
+          <a:bodyPr rtlCol="0" anchor="ctr"/>
+          <a:lstStyle/>
+          <a:p>
+            <a:pPr algn="ctr"/>
+            <a:endParaRPr lang="fr-FR"/>
+          </a:p>
+        </p:txBody>
+      </p:sp>
+      <p:sp>
+        <p:nvSpPr>
+          <p:cNvPr id="15" name="Ellipse 14">
+            <a:extLst>
+              <a:ext uri="{FF2B5EF4-FFF2-40B4-BE49-F238E27FC236}">
+                <a16:creationId xmlns:a16="http://schemas.microsoft.com/office/drawing/2014/main" id="{21F5915F-B2E2-4DA3-9B67-79FE76009E17}"/>
+              </a:ext>
+            </a:extLst>
+          </p:cNvPr>
+          <p:cNvSpPr/>
+          <p:nvPr/>
+        </p:nvSpPr>
+        <p:spPr>
+          <a:xfrm>
+            <a:off x="11352273" y="3903968"/>
+            <a:ext cx="649224" cy="694981"/>
+          </a:xfrm>
+          <a:prstGeom prst="ellipse">
+            <a:avLst/>
+          </a:prstGeom>
+          <a:solidFill>
+            <a:srgbClr val="C00000"/>
+          </a:solidFill>
+          <a:ln>
+            <a:solidFill>
+              <a:srgbClr val="C00000"/>
+            </a:solidFill>
+          </a:ln>
+        </p:spPr>
+        <p:style>
+          <a:lnRef idx="2">
+            <a:schemeClr val="accent1">
+              <a:shade val="50000"/>
+            </a:schemeClr>
+          </a:lnRef>
+          <a:fillRef idx="1">
+            <a:schemeClr val="accent1"/>
+          </a:fillRef>
+          <a:effectRef idx="0">
+            <a:schemeClr val="accent1"/>
+          </a:effectRef>
+          <a:fontRef idx="minor">
+            <a:schemeClr val="lt1"/>
+          </a:fontRef>
+        </p:style>
+        <p:txBody>
+          <a:bodyPr rtlCol="0" anchor="ctr"/>
+          <a:lstStyle/>
+          <a:p>
+            <a:pPr algn="ctr"/>
+            <a:endParaRPr lang="fr-FR"/>
+          </a:p>
+        </p:txBody>
+      </p:sp>
+      <p:sp>
+        <p:nvSpPr>
+          <p:cNvPr id="16" name="Ellipse 15">
+            <a:extLst>
+              <a:ext uri="{FF2B5EF4-FFF2-40B4-BE49-F238E27FC236}">
+                <a16:creationId xmlns:a16="http://schemas.microsoft.com/office/drawing/2014/main" id="{3CE8D709-685E-4E9C-BD2C-8AF11CB70392}"/>
+              </a:ext>
+            </a:extLst>
+          </p:cNvPr>
+          <p:cNvSpPr/>
+          <p:nvPr/>
+        </p:nvSpPr>
+        <p:spPr>
+          <a:xfrm>
+            <a:off x="11352273" y="4894193"/>
+            <a:ext cx="649224" cy="694982"/>
+          </a:xfrm>
+          <a:prstGeom prst="ellipse">
+            <a:avLst/>
+          </a:prstGeom>
+          <a:solidFill>
+            <a:srgbClr val="C00000"/>
+          </a:solidFill>
+          <a:ln>
+            <a:solidFill>
+              <a:srgbClr val="C00000"/>
+            </a:solidFill>
+          </a:ln>
+        </p:spPr>
+        <p:style>
+          <a:lnRef idx="2">
+            <a:schemeClr val="accent1">
+              <a:shade val="50000"/>
+            </a:schemeClr>
+          </a:lnRef>
+          <a:fillRef idx="1">
+            <a:schemeClr val="accent1"/>
+          </a:fillRef>
+          <a:effectRef idx="0">
+            <a:schemeClr val="accent1"/>
+          </a:effectRef>
+          <a:fontRef idx="minor">
+            <a:schemeClr val="lt1"/>
+          </a:fontRef>
+        </p:style>
+        <p:txBody>
+          <a:bodyPr rtlCol="0" anchor="ctr"/>
+          <a:lstStyle/>
+          <a:p>
+            <a:pPr algn="ctr"/>
+            <a:endParaRPr lang="fr-FR"/>
+          </a:p>
+        </p:txBody>
+      </p:sp>
+      <p:sp>
+        <p:nvSpPr>
+          <p:cNvPr id="17" name="Ellipse 16">
+            <a:extLst>
+              <a:ext uri="{FF2B5EF4-FFF2-40B4-BE49-F238E27FC236}">
+                <a16:creationId xmlns:a16="http://schemas.microsoft.com/office/drawing/2014/main" id="{84FE928B-D5A7-4331-B180-B6A0BCB5D183}"/>
+              </a:ext>
+            </a:extLst>
+          </p:cNvPr>
+          <p:cNvSpPr/>
+          <p:nvPr/>
+        </p:nvSpPr>
+        <p:spPr>
+          <a:xfrm>
+            <a:off x="11352273" y="5888237"/>
+            <a:ext cx="649224" cy="694981"/>
+          </a:xfrm>
+          <a:prstGeom prst="ellipse">
+            <a:avLst/>
+          </a:prstGeom>
+          <a:solidFill>
+            <a:schemeClr val="tx1"/>
+          </a:solidFill>
+          <a:ln>
+            <a:solidFill>
+              <a:srgbClr val="C00000"/>
+            </a:solidFill>
+          </a:ln>
+        </p:spPr>
+        <p:style>
+          <a:lnRef idx="2">
+            <a:schemeClr val="accent1">
+              <a:shade val="50000"/>
+            </a:schemeClr>
+          </a:lnRef>
+          <a:fillRef idx="1">
+            <a:schemeClr val="accent1"/>
+          </a:fillRef>
+          <a:effectRef idx="0">
+            <a:schemeClr val="accent1"/>
+          </a:effectRef>
+          <a:fontRef idx="minor">
+            <a:schemeClr val="lt1"/>
+          </a:fontRef>
+        </p:style>
+        <p:txBody>
+          <a:bodyPr rtlCol="0" anchor="ctr"/>
+          <a:lstStyle/>
+          <a:p>
+            <a:pPr algn="ctr"/>
+            <a:endParaRPr lang="fr-FR"/>
+          </a:p>
+        </p:txBody>
+      </p:sp>
+    </p:spTree>
+    <p:extLst>
+      <p:ext uri="{BB962C8B-B14F-4D97-AF65-F5344CB8AC3E}">
+        <p14:creationId xmlns:p14="http://schemas.microsoft.com/office/powerpoint/2010/main" val="1725238643"/>
+      </p:ext>
+    </p:extLst>
+  </p:cSld>
+  <p:clrMapOvr>
+    <a:masterClrMapping/>
+  </p:clrMapOvr>
+</p:sld>
+</file>
+
+<file path=ppt/slides/slide8.xml><?xml version="1.0" encoding="utf-8"?>
+<p:sld xmlns:a="http://schemas.openxmlformats.org/drawingml/2006/main" xmlns:r="http://schemas.openxmlformats.org/officeDocument/2006/relationships" xmlns:p="http://schemas.openxmlformats.org/presentationml/2006/main">
+  <p:cSld>
+    <p:bg>
+      <p:bgPr>
+        <a:solidFill>
+          <a:schemeClr val="bg1"/>
+        </a:solidFill>
+        <a:effectLst/>
+      </p:bgPr>
+    </p:bg>
+    <p:spTree>
+      <p:nvGrpSpPr>
+        <p:cNvPr id="1" name=""/>
+        <p:cNvGrpSpPr/>
+        <p:nvPr/>
+      </p:nvGrpSpPr>
+      <p:grpSpPr>
+        <a:xfrm>
+          <a:off x="0" y="0"/>
+          <a:ext cx="0" cy="0"/>
+          <a:chOff x="0" y="0"/>
+          <a:chExt cx="0" cy="0"/>
+        </a:xfrm>
+      </p:grpSpPr>
+      <p:pic>
+        <p:nvPicPr>
+          <p:cNvPr id="4" name="Espace réservé du contenu 3" descr="Une image contenant table, paire&#10;&#10;Description générée automatiquement">
+            <a:extLst>
+              <a:ext uri="{FF2B5EF4-FFF2-40B4-BE49-F238E27FC236}">
+                <a16:creationId xmlns:a16="http://schemas.microsoft.com/office/drawing/2014/main" id="{1A19FD35-A489-4DC8-937C-BF65968057C7}"/>
+              </a:ext>
+            </a:extLst>
+          </p:cNvPr>
+          <p:cNvPicPr>
+            <a:picLocks noChangeAspect="1"/>
+          </p:cNvPicPr>
+          <p:nvPr/>
+        </p:nvPicPr>
+        <p:blipFill rotWithShape="1">
+          <a:blip r:embed="rId2">
+            <a:extLst>
+              <a:ext uri="{28A0092B-C50C-407E-A947-70E740481C1C}">
+                <a14:useLocalDpi xmlns:a14="http://schemas.microsoft.com/office/drawing/2010/main" val="0"/>
+              </a:ext>
+            </a:extLst>
+          </a:blip>
+          <a:srcRect t="6250"/>
+          <a:stretch/>
+        </p:blipFill>
+        <p:spPr>
+          <a:xfrm>
+            <a:off x="-1" y="-118902"/>
+            <a:ext cx="12192000" cy="6855958"/>
+          </a:xfrm>
+          <a:prstGeom prst="rect">
+            <a:avLst/>
+          </a:prstGeom>
+        </p:spPr>
+      </p:pic>
+      <p:sp>
+        <p:nvSpPr>
+          <p:cNvPr id="29" name="Freeform 5">
+            <a:extLst>
+              <a:ext uri="{FF2B5EF4-FFF2-40B4-BE49-F238E27FC236}">
+                <a16:creationId xmlns:a16="http://schemas.microsoft.com/office/drawing/2014/main" id="{3CD9DF72-87A3-404E-A828-84CBF11A8303}"/>
+              </a:ext>
+              <a:ext uri="{C183D7F6-B498-43B3-948B-1728B52AA6E4}">
+                <adec:decorative xmlns:adec="http://schemas.microsoft.com/office/drawing/2017/decorative" val="1"/>
+              </a:ext>
+            </a:extLst>
+          </p:cNvPr>
+          <p:cNvSpPr>
+            <a:spLocks noGrp="1" noRot="1" noChangeAspect="1" noMove="1" noResize="1" noEditPoints="1" noAdjustHandles="1" noChangeArrowheads="1" noChangeShapeType="1" noTextEdit="1"/>
+          </p:cNvSpPr>
+          <p:nvPr>
+            <p:extLst>
+              <p:ext uri="{386F3935-93C4-4BCD-93E2-E3B085C9AB24}">
+                <p16:designElem xmlns:p16="http://schemas.microsoft.com/office/powerpoint/2015/main" val="1"/>
+              </p:ext>
+            </p:extLst>
+          </p:nvPr>
+        </p:nvSpPr>
+        <p:spPr bwMode="grayWhite">
+          <a:xfrm flipH="1">
+            <a:off x="0" y="998175"/>
+            <a:ext cx="6017172" cy="5859825"/>
+          </a:xfrm>
+          <a:custGeom>
+            <a:avLst/>
+            <a:gdLst>
+              <a:gd name="T0" fmla="*/ 1333 w 1333"/>
+              <a:gd name="T1" fmla="*/ 1031 h 1298"/>
+              <a:gd name="T2" fmla="*/ 1333 w 1333"/>
+              <a:gd name="T3" fmla="*/ 380 h 1298"/>
+              <a:gd name="T4" fmla="*/ 706 w 1333"/>
+              <a:gd name="T5" fmla="*/ 0 h 1298"/>
+              <a:gd name="T6" fmla="*/ 0 w 1333"/>
+              <a:gd name="T7" fmla="*/ 706 h 1298"/>
+              <a:gd name="T8" fmla="*/ 323 w 1333"/>
+              <a:gd name="T9" fmla="*/ 1298 h 1298"/>
+              <a:gd name="T10" fmla="*/ 1090 w 1333"/>
+              <a:gd name="T11" fmla="*/ 1298 h 1298"/>
+              <a:gd name="T12" fmla="*/ 1333 w 1333"/>
+              <a:gd name="T13" fmla="*/ 1031 h 1298"/>
+            </a:gdLst>
+            <a:ahLst/>
+            <a:cxnLst>
+              <a:cxn ang="0">
+                <a:pos x="T0" y="T1"/>
+              </a:cxn>
+              <a:cxn ang="0">
+                <a:pos x="T2" y="T3"/>
+              </a:cxn>
+              <a:cxn ang="0">
+                <a:pos x="T4" y="T5"/>
+              </a:cxn>
+              <a:cxn ang="0">
+                <a:pos x="T6" y="T7"/>
+              </a:cxn>
+              <a:cxn ang="0">
+                <a:pos x="T8" y="T9"/>
+              </a:cxn>
+              <a:cxn ang="0">
+                <a:pos x="T10" y="T11"/>
+              </a:cxn>
+              <a:cxn ang="0">
+                <a:pos x="T12" y="T13"/>
+              </a:cxn>
+            </a:cxnLst>
+            <a:rect l="0" t="0" r="r" b="b"/>
+            <a:pathLst>
+              <a:path w="1333" h="1298">
+                <a:moveTo>
+                  <a:pt x="1333" y="1031"/>
+                </a:moveTo>
+                <a:cubicBezTo>
+                  <a:pt x="1333" y="380"/>
+                  <a:pt x="1333" y="380"/>
+                  <a:pt x="1333" y="380"/>
+                </a:cubicBezTo>
+                <a:cubicBezTo>
+                  <a:pt x="1215" y="154"/>
+                  <a:pt x="979" y="0"/>
+                  <a:pt x="706" y="0"/>
+                </a:cubicBezTo>
+                <a:cubicBezTo>
+                  <a:pt x="317" y="0"/>
+                  <a:pt x="0" y="316"/>
+                  <a:pt x="0" y="706"/>
+                </a:cubicBezTo>
+                <a:cubicBezTo>
+                  <a:pt x="0" y="954"/>
+                  <a:pt x="129" y="1172"/>
+                  <a:pt x="323" y="1298"/>
+                </a:cubicBezTo>
+                <a:cubicBezTo>
+                  <a:pt x="1090" y="1298"/>
+                  <a:pt x="1090" y="1298"/>
+                  <a:pt x="1090" y="1298"/>
+                </a:cubicBezTo>
+                <a:cubicBezTo>
+                  <a:pt x="1193" y="1232"/>
+                  <a:pt x="1276" y="1140"/>
+                  <a:pt x="1333" y="1031"/>
+                </a:cubicBezTo>
+                <a:close/>
+              </a:path>
+            </a:pathLst>
+          </a:custGeom>
+          <a:solidFill>
+            <a:schemeClr val="bg1">
+              <a:alpha val="75000"/>
+            </a:schemeClr>
+          </a:solidFill>
+          <a:ln w="50800" cap="sq" cmpd="dbl">
+            <a:noFill/>
+            <a:miter lim="800000"/>
+          </a:ln>
+          <a:effectLst/>
+        </p:spPr>
+        <p:txBody>
+          <a:bodyPr vert="horz" lIns="91440" tIns="45720" rIns="91440" bIns="45720" rtlCol="0" anchor="t">
+            <a:normAutofit/>
+          </a:bodyPr>
+          <a:lstStyle/>
+          <a:p>
+            <a:pPr algn="ctr">
+              <a:spcAft>
+                <a:spcPts val="1000"/>
+              </a:spcAft>
+              <a:buClr>
+                <a:schemeClr val="tx1"/>
+              </a:buClr>
+              <a:buSzPct val="100000"/>
+              <a:buFont typeface="Arial"/>
+              <a:buNone/>
+            </a:pPr>
+            <a:endParaRPr lang="en-US" sz="1600" cap="all"/>
+          </a:p>
+        </p:txBody>
+      </p:sp>
+      <p:sp>
+        <p:nvSpPr>
+          <p:cNvPr id="2" name="Titre 1">
+            <a:extLst>
+              <a:ext uri="{FF2B5EF4-FFF2-40B4-BE49-F238E27FC236}">
+                <a16:creationId xmlns:a16="http://schemas.microsoft.com/office/drawing/2014/main" id="{F0FFC3D5-D02E-4246-A076-5A8E3A3F3F12}"/>
+              </a:ext>
+            </a:extLst>
+          </p:cNvPr>
+          <p:cNvSpPr>
+            <a:spLocks noGrp="1"/>
+          </p:cNvSpPr>
+          <p:nvPr>
+            <p:ph type="title"/>
+          </p:nvPr>
+        </p:nvSpPr>
+        <p:spPr>
+          <a:xfrm>
+            <a:off x="709448" y="1913950"/>
+            <a:ext cx="4204137" cy="1342754"/>
+          </a:xfrm>
+        </p:spPr>
+        <p:txBody>
+          <a:bodyPr vert="horz" lIns="91440" tIns="45720" rIns="91440" bIns="45720" rtlCol="0">
+            <a:normAutofit/>
+          </a:bodyPr>
+          <a:lstStyle/>
+          <a:p>
+            <a:pPr algn="ctr"/>
+            <a:r>
+              <a:rPr lang="en-US" sz="3600" b="1" dirty="0">
+                <a:solidFill>
+                  <a:srgbClr val="FF0000"/>
+                </a:solidFill>
+              </a:rPr>
+              <a:t>La Base de Données</a:t>
+            </a:r>
+          </a:p>
+        </p:txBody>
+      </p:sp>
+      <p:cxnSp>
+        <p:nvCxnSpPr>
+          <p:cNvPr id="31" name="Straight Connector 30">
+            <a:extLst>
+              <a:ext uri="{FF2B5EF4-FFF2-40B4-BE49-F238E27FC236}">
+                <a16:creationId xmlns:a16="http://schemas.microsoft.com/office/drawing/2014/main" id="{20E3A342-4D61-4E3F-AF90-1AB42AEB96CC}"/>
+              </a:ext>
+              <a:ext uri="{C183D7F6-B498-43B3-948B-1728B52AA6E4}">
+                <adec:decorative xmlns:adec="http://schemas.microsoft.com/office/drawing/2017/decorative" val="1"/>
+              </a:ext>
+            </a:extLst>
+          </p:cNvPr>
+          <p:cNvCxnSpPr>
+            <a:cxnSpLocks noGrp="1" noRot="1" noChangeAspect="1" noMove="1" noResize="1" noEditPoints="1" noAdjustHandles="1" noChangeArrowheads="1" noChangeShapeType="1"/>
+          </p:cNvCxnSpPr>
+          <p:nvPr>
+            <p:extLst>
+              <p:ext uri="{386F3935-93C4-4BCD-93E2-E3B085C9AB24}">
+                <p16:designElem xmlns:p16="http://schemas.microsoft.com/office/powerpoint/2015/main" val="1"/>
+              </p:ext>
+            </p:extLst>
+          </p:nvPr>
+        </p:nvCxnSpPr>
+        <p:spPr>
+          <a:xfrm>
+            <a:off x="2287051" y="3337139"/>
+            <a:ext cx="935420" cy="0"/>
+          </a:xfrm>
+          <a:prstGeom prst="line">
+            <a:avLst/>
+          </a:prstGeom>
+          <a:ln w="25400" cap="sq">
+            <a:solidFill>
+              <a:schemeClr val="tx1">
+                <a:lumMod val="85000"/>
+                <a:lumOff val="15000"/>
+              </a:schemeClr>
+            </a:solidFill>
+            <a:bevel/>
+          </a:ln>
+        </p:spPr>
+        <p:style>
+          <a:lnRef idx="1">
+            <a:schemeClr val="accent1"/>
+          </a:lnRef>
+          <a:fillRef idx="0">
+            <a:schemeClr val="accent1"/>
+          </a:fillRef>
+          <a:effectRef idx="0">
+            <a:schemeClr val="accent1"/>
+          </a:effectRef>
+          <a:fontRef idx="minor">
+            <a:schemeClr val="tx1"/>
+          </a:fontRef>
+        </p:style>
+      </p:cxnSp>
+      <p:sp>
+        <p:nvSpPr>
+          <p:cNvPr id="9" name="ZoneTexte 8">
+            <a:extLst>
+              <a:ext uri="{FF2B5EF4-FFF2-40B4-BE49-F238E27FC236}">
+                <a16:creationId xmlns:a16="http://schemas.microsoft.com/office/drawing/2014/main" id="{DE0931E8-D98F-49EF-A2C3-9447BB71632C}"/>
+              </a:ext>
+            </a:extLst>
+          </p:cNvPr>
+          <p:cNvSpPr txBox="1"/>
+          <p:nvPr/>
+        </p:nvSpPr>
+        <p:spPr>
+          <a:xfrm>
+            <a:off x="128016" y="3601297"/>
+            <a:ext cx="5084064" cy="1200329"/>
+          </a:xfrm>
+          <a:prstGeom prst="rect">
+            <a:avLst/>
+          </a:prstGeom>
+          <a:noFill/>
+        </p:spPr>
+        <p:txBody>
+          <a:bodyPr wrap="square" rtlCol="0">
+            <a:spAutoFit/>
+          </a:bodyPr>
+          <a:lstStyle/>
+          <a:p>
+            <a:r>
+              <a:rPr lang="fr-FR" dirty="0"/>
+              <a:t>Elle comportera :</a:t>
+            </a:r>
+          </a:p>
+          <a:p>
+            <a:pPr marL="285750" indent="-285750">
+              <a:buFont typeface="Arial" panose="020B0604020202020204" pitchFamily="34" charset="0"/>
+              <a:buChar char="•"/>
+            </a:pPr>
+            <a:r>
+              <a:rPr lang="fr-FR" dirty="0"/>
+              <a:t>Le nom des différents mécanismes ainsi que </a:t>
+            </a:r>
+          </a:p>
+          <a:p>
+            <a:pPr marL="742950" lvl="1" indent="-285750">
+              <a:buFont typeface="Arial" panose="020B0604020202020204" pitchFamily="34" charset="0"/>
+              <a:buChar char="•"/>
+            </a:pPr>
+            <a:r>
+              <a:rPr lang="fr-FR" dirty="0"/>
+              <a:t>Ses actionneurs</a:t>
+            </a:r>
+          </a:p>
+          <a:p>
+            <a:pPr marL="742950" lvl="1" indent="-285750">
+              <a:buFont typeface="Arial" panose="020B0604020202020204" pitchFamily="34" charset="0"/>
+              <a:buChar char="•"/>
+            </a:pPr>
+            <a:r>
+              <a:rPr lang="fr-FR" dirty="0"/>
+              <a:t>Ses capteurs</a:t>
+            </a:r>
+          </a:p>
+        </p:txBody>
+      </p:sp>
+      <p:sp>
+        <p:nvSpPr>
+          <p:cNvPr id="3" name="Espace réservé du pied de page 2">
+            <a:extLst>
+              <a:ext uri="{FF2B5EF4-FFF2-40B4-BE49-F238E27FC236}">
+                <a16:creationId xmlns:a16="http://schemas.microsoft.com/office/drawing/2014/main" id="{EE25281D-75F1-4D59-9DF6-0BD24681854F}"/>
+              </a:ext>
+            </a:extLst>
+          </p:cNvPr>
+          <p:cNvSpPr>
+            <a:spLocks noGrp="1"/>
+          </p:cNvSpPr>
+          <p:nvPr>
+            <p:ph type="ftr" sz="quarter" idx="11"/>
+          </p:nvPr>
+        </p:nvSpPr>
+        <p:spPr/>
+        <p:txBody>
+          <a:bodyPr/>
+          <a:lstStyle/>
+          <a:p>
+            <a:r>
+              <a:rPr lang="fr-FR"/>
+              <a:t>Corentin BRENY - ST Félix La Salle - 2020</a:t>
+            </a:r>
+          </a:p>
+        </p:txBody>
+      </p:sp>
+      <p:sp>
+        <p:nvSpPr>
+          <p:cNvPr id="5" name="Espace réservé du numéro de diapositive 4">
+            <a:extLst>
+              <a:ext uri="{FF2B5EF4-FFF2-40B4-BE49-F238E27FC236}">
+                <a16:creationId xmlns:a16="http://schemas.microsoft.com/office/drawing/2014/main" id="{53850AB9-760E-4F5D-86A0-716386D0A526}"/>
+              </a:ext>
+            </a:extLst>
+          </p:cNvPr>
+          <p:cNvSpPr>
+            <a:spLocks noGrp="1"/>
+          </p:cNvSpPr>
+          <p:nvPr>
+            <p:ph type="sldNum" sz="quarter" idx="12"/>
+          </p:nvPr>
+        </p:nvSpPr>
+        <p:spPr/>
+        <p:txBody>
+          <a:bodyPr/>
+          <a:lstStyle/>
+          <a:p>
+            <a:fld id="{B8E0B961-A637-4848-B0A2-B04876406418}" type="slidenum">
+              <a:rPr lang="fr-FR" smtClean="0"/>
+              <a:t>8</a:t>
+            </a:fld>
+            <a:endParaRPr lang="fr-FR"/>
+          </a:p>
+        </p:txBody>
+      </p:sp>
+      <p:sp>
+        <p:nvSpPr>
+          <p:cNvPr id="10" name="Rectangle 9">
+            <a:extLst>
+              <a:ext uri="{FF2B5EF4-FFF2-40B4-BE49-F238E27FC236}">
+                <a16:creationId xmlns:a16="http://schemas.microsoft.com/office/drawing/2014/main" id="{55DCE50F-A79D-47E1-81F5-0A487B44BBD2}"/>
+              </a:ext>
+            </a:extLst>
+          </p:cNvPr>
+          <p:cNvSpPr/>
+          <p:nvPr/>
+        </p:nvSpPr>
+        <p:spPr>
+          <a:xfrm>
+            <a:off x="11352276" y="339806"/>
+            <a:ext cx="649222" cy="5859825"/>
+          </a:xfrm>
+          <a:prstGeom prst="rect">
+            <a:avLst/>
+          </a:prstGeom>
+          <a:solidFill>
+            <a:schemeClr val="tx1"/>
+          </a:solidFill>
+          <a:ln>
+            <a:solidFill>
+              <a:srgbClr val="C00000"/>
+            </a:solidFill>
+          </a:ln>
+        </p:spPr>
+        <p:style>
+          <a:lnRef idx="2">
+            <a:schemeClr val="accent1">
+              <a:shade val="50000"/>
+            </a:schemeClr>
+          </a:lnRef>
+          <a:fillRef idx="1">
+            <a:schemeClr val="accent1"/>
+          </a:fillRef>
+          <a:effectRef idx="0">
+            <a:schemeClr val="accent1"/>
+          </a:effectRef>
+          <a:fontRef idx="minor">
+            <a:schemeClr val="lt1"/>
+          </a:fontRef>
+        </p:style>
+        <p:txBody>
+          <a:bodyPr rtlCol="0" anchor="ctr"/>
+          <a:lstStyle/>
+          <a:p>
+            <a:pPr algn="ctr"/>
+            <a:endParaRPr lang="fr-FR"/>
+          </a:p>
+        </p:txBody>
+      </p:sp>
+      <p:sp>
+        <p:nvSpPr>
+          <p:cNvPr id="11" name="Ellipse 10">
+            <a:extLst>
+              <a:ext uri="{FF2B5EF4-FFF2-40B4-BE49-F238E27FC236}">
+                <a16:creationId xmlns:a16="http://schemas.microsoft.com/office/drawing/2014/main" id="{DC5C09D3-F7A1-4ECB-A955-BA9D217EF84B}"/>
+              </a:ext>
+            </a:extLst>
+          </p:cNvPr>
+          <p:cNvSpPr/>
+          <p:nvPr/>
+        </p:nvSpPr>
+        <p:spPr>
+          <a:xfrm>
+            <a:off x="11352273" y="954310"/>
+            <a:ext cx="649224" cy="694981"/>
+          </a:xfrm>
+          <a:prstGeom prst="ellipse">
+            <a:avLst/>
+          </a:prstGeom>
+          <a:solidFill>
+            <a:srgbClr val="C00000"/>
+          </a:solidFill>
+          <a:ln>
+            <a:solidFill>
+              <a:srgbClr val="C00000"/>
+            </a:solidFill>
+          </a:ln>
+        </p:spPr>
+        <p:style>
+          <a:lnRef idx="2">
+            <a:schemeClr val="accent1">
+              <a:shade val="50000"/>
+            </a:schemeClr>
+          </a:lnRef>
+          <a:fillRef idx="1">
+            <a:schemeClr val="accent1"/>
+          </a:fillRef>
+          <a:effectRef idx="0">
+            <a:schemeClr val="accent1"/>
+          </a:effectRef>
+          <a:fontRef idx="minor">
+            <a:schemeClr val="lt1"/>
+          </a:fontRef>
+        </p:style>
+        <p:txBody>
+          <a:bodyPr rtlCol="0" anchor="ctr"/>
+          <a:lstStyle/>
+          <a:p>
+            <a:pPr algn="ctr"/>
+            <a:endParaRPr lang="fr-FR"/>
+          </a:p>
+        </p:txBody>
+      </p:sp>
+      <p:sp>
+        <p:nvSpPr>
+          <p:cNvPr id="12" name="Ellipse 11">
+            <a:extLst>
+              <a:ext uri="{FF2B5EF4-FFF2-40B4-BE49-F238E27FC236}">
+                <a16:creationId xmlns:a16="http://schemas.microsoft.com/office/drawing/2014/main" id="{563B98D1-C3AF-48A3-997B-4A4845754443}"/>
+              </a:ext>
+            </a:extLst>
+          </p:cNvPr>
+          <p:cNvSpPr/>
+          <p:nvPr/>
+        </p:nvSpPr>
+        <p:spPr>
+          <a:xfrm>
+            <a:off x="11352274" y="-36612"/>
+            <a:ext cx="649224" cy="694981"/>
+          </a:xfrm>
+          <a:prstGeom prst="ellipse">
+            <a:avLst/>
+          </a:prstGeom>
+          <a:solidFill>
+            <a:srgbClr val="C00000"/>
+          </a:solidFill>
+          <a:ln>
+            <a:solidFill>
+              <a:srgbClr val="C00000"/>
+            </a:solidFill>
+          </a:ln>
+        </p:spPr>
+        <p:style>
+          <a:lnRef idx="2">
+            <a:schemeClr val="accent1">
+              <a:shade val="50000"/>
+            </a:schemeClr>
+          </a:lnRef>
+          <a:fillRef idx="1">
+            <a:schemeClr val="accent1"/>
+          </a:fillRef>
+          <a:effectRef idx="0">
+            <a:schemeClr val="accent1"/>
+          </a:effectRef>
+          <a:fontRef idx="minor">
+            <a:schemeClr val="lt1"/>
+          </a:fontRef>
+        </p:style>
+        <p:txBody>
+          <a:bodyPr rtlCol="0" anchor="ctr"/>
+          <a:lstStyle/>
+          <a:p>
+            <a:pPr algn="ctr"/>
+            <a:endParaRPr lang="fr-FR"/>
+          </a:p>
+        </p:txBody>
+      </p:sp>
+      <p:sp>
+        <p:nvSpPr>
+          <p:cNvPr id="13" name="Ellipse 12">
+            <a:extLst>
+              <a:ext uri="{FF2B5EF4-FFF2-40B4-BE49-F238E27FC236}">
+                <a16:creationId xmlns:a16="http://schemas.microsoft.com/office/drawing/2014/main" id="{26C312D7-64FB-45B6-BC6B-1B371730F2D9}"/>
+              </a:ext>
+            </a:extLst>
+          </p:cNvPr>
+          <p:cNvSpPr/>
+          <p:nvPr/>
+        </p:nvSpPr>
+        <p:spPr>
+          <a:xfrm>
+            <a:off x="11352273" y="1922124"/>
+            <a:ext cx="649225" cy="694981"/>
+          </a:xfrm>
+          <a:prstGeom prst="ellipse">
+            <a:avLst/>
+          </a:prstGeom>
+          <a:solidFill>
+            <a:srgbClr val="C00000"/>
+          </a:solidFill>
+          <a:ln>
+            <a:solidFill>
+              <a:srgbClr val="C00000"/>
+            </a:solidFill>
+          </a:ln>
+        </p:spPr>
+        <p:style>
+          <a:lnRef idx="2">
+            <a:schemeClr val="accent1">
+              <a:shade val="50000"/>
+            </a:schemeClr>
+          </a:lnRef>
+          <a:fillRef idx="1">
+            <a:schemeClr val="accent1"/>
+          </a:fillRef>
+          <a:effectRef idx="0">
+            <a:schemeClr val="accent1"/>
+          </a:effectRef>
+          <a:fontRef idx="minor">
+            <a:schemeClr val="lt1"/>
+          </a:fontRef>
+        </p:style>
+        <p:txBody>
+          <a:bodyPr rtlCol="0" anchor="ctr"/>
+          <a:lstStyle/>
+          <a:p>
+            <a:pPr algn="ctr"/>
+            <a:endParaRPr lang="fr-FR"/>
+          </a:p>
+        </p:txBody>
+      </p:sp>
+      <p:sp>
+        <p:nvSpPr>
+          <p:cNvPr id="14" name="Ellipse 13">
+            <a:extLst>
+              <a:ext uri="{FF2B5EF4-FFF2-40B4-BE49-F238E27FC236}">
+                <a16:creationId xmlns:a16="http://schemas.microsoft.com/office/drawing/2014/main" id="{4D0F6D23-BB5D-4DE7-88B7-7FEA06968F7B}"/>
+              </a:ext>
+            </a:extLst>
+          </p:cNvPr>
+          <p:cNvSpPr/>
+          <p:nvPr/>
+        </p:nvSpPr>
+        <p:spPr>
+          <a:xfrm>
+            <a:off x="11352273" y="2913046"/>
+            <a:ext cx="649225" cy="694981"/>
+          </a:xfrm>
+          <a:prstGeom prst="ellipse">
+            <a:avLst/>
+          </a:prstGeom>
+          <a:solidFill>
+            <a:srgbClr val="C00000"/>
+          </a:solidFill>
+          <a:ln>
+            <a:solidFill>
+              <a:srgbClr val="C00000"/>
+            </a:solidFill>
+          </a:ln>
+        </p:spPr>
+        <p:style>
+          <a:lnRef idx="2">
+            <a:schemeClr val="accent1">
+              <a:shade val="50000"/>
+            </a:schemeClr>
+          </a:lnRef>
+          <a:fillRef idx="1">
+            <a:schemeClr val="accent1"/>
+          </a:fillRef>
+          <a:effectRef idx="0">
+            <a:schemeClr val="accent1"/>
+          </a:effectRef>
+          <a:fontRef idx="minor">
+            <a:schemeClr val="lt1"/>
+          </a:fontRef>
+        </p:style>
+        <p:txBody>
+          <a:bodyPr rtlCol="0" anchor="ctr"/>
+          <a:lstStyle/>
+          <a:p>
+            <a:pPr algn="ctr"/>
+            <a:endParaRPr lang="fr-FR"/>
+          </a:p>
+        </p:txBody>
+      </p:sp>
+      <p:sp>
+        <p:nvSpPr>
+          <p:cNvPr id="15" name="Ellipse 14">
+            <a:extLst>
+              <a:ext uri="{FF2B5EF4-FFF2-40B4-BE49-F238E27FC236}">
+                <a16:creationId xmlns:a16="http://schemas.microsoft.com/office/drawing/2014/main" id="{21F5915F-B2E2-4DA3-9B67-79FE76009E17}"/>
+              </a:ext>
+            </a:extLst>
+          </p:cNvPr>
+          <p:cNvSpPr/>
+          <p:nvPr/>
+        </p:nvSpPr>
+        <p:spPr>
+          <a:xfrm>
+            <a:off x="11352273" y="3903968"/>
+            <a:ext cx="649224" cy="694981"/>
+          </a:xfrm>
+          <a:prstGeom prst="ellipse">
+            <a:avLst/>
+          </a:prstGeom>
+          <a:solidFill>
+            <a:srgbClr val="C00000"/>
+          </a:solidFill>
+          <a:ln>
+            <a:solidFill>
+              <a:srgbClr val="C00000"/>
+            </a:solidFill>
+          </a:ln>
+        </p:spPr>
+        <p:style>
+          <a:lnRef idx="2">
+            <a:schemeClr val="accent1">
+              <a:shade val="50000"/>
+            </a:schemeClr>
+          </a:lnRef>
+          <a:fillRef idx="1">
+            <a:schemeClr val="accent1"/>
+          </a:fillRef>
+          <a:effectRef idx="0">
+            <a:schemeClr val="accent1"/>
+          </a:effectRef>
+          <a:fontRef idx="minor">
+            <a:schemeClr val="lt1"/>
+          </a:fontRef>
+        </p:style>
+        <p:txBody>
+          <a:bodyPr rtlCol="0" anchor="ctr"/>
+          <a:lstStyle/>
+          <a:p>
+            <a:pPr algn="ctr"/>
+            <a:endParaRPr lang="fr-FR"/>
+          </a:p>
+        </p:txBody>
+      </p:sp>
+      <p:sp>
+        <p:nvSpPr>
+          <p:cNvPr id="16" name="Ellipse 15">
+            <a:extLst>
+              <a:ext uri="{FF2B5EF4-FFF2-40B4-BE49-F238E27FC236}">
+                <a16:creationId xmlns:a16="http://schemas.microsoft.com/office/drawing/2014/main" id="{3CE8D709-685E-4E9C-BD2C-8AF11CB70392}"/>
+              </a:ext>
+            </a:extLst>
+          </p:cNvPr>
+          <p:cNvSpPr/>
+          <p:nvPr/>
+        </p:nvSpPr>
+        <p:spPr>
+          <a:xfrm>
+            <a:off x="11352273" y="4894193"/>
+            <a:ext cx="649224" cy="694982"/>
+          </a:xfrm>
+          <a:prstGeom prst="ellipse">
+            <a:avLst/>
+          </a:prstGeom>
+          <a:solidFill>
+            <a:srgbClr val="C00000"/>
+          </a:solidFill>
+          <a:ln>
+            <a:solidFill>
+              <a:srgbClr val="C00000"/>
+            </a:solidFill>
+          </a:ln>
+        </p:spPr>
+        <p:style>
+          <a:lnRef idx="2">
+            <a:schemeClr val="accent1">
+              <a:shade val="50000"/>
+            </a:schemeClr>
+          </a:lnRef>
+          <a:fillRef idx="1">
+            <a:schemeClr val="accent1"/>
+          </a:fillRef>
+          <a:effectRef idx="0">
+            <a:schemeClr val="accent1"/>
+          </a:effectRef>
+          <a:fontRef idx="minor">
+            <a:schemeClr val="lt1"/>
+          </a:fontRef>
+        </p:style>
+        <p:txBody>
+          <a:bodyPr rtlCol="0" anchor="ctr"/>
+          <a:lstStyle/>
+          <a:p>
+            <a:pPr algn="ctr"/>
+            <a:endParaRPr lang="fr-FR"/>
+          </a:p>
+        </p:txBody>
+      </p:sp>
+      <p:sp>
+        <p:nvSpPr>
+          <p:cNvPr id="17" name="Ellipse 16">
+            <a:extLst>
+              <a:ext uri="{FF2B5EF4-FFF2-40B4-BE49-F238E27FC236}">
+                <a16:creationId xmlns:a16="http://schemas.microsoft.com/office/drawing/2014/main" id="{84FE928B-D5A7-4331-B180-B6A0BCB5D183}"/>
+              </a:ext>
+            </a:extLst>
+          </p:cNvPr>
+          <p:cNvSpPr/>
+          <p:nvPr/>
+        </p:nvSpPr>
+        <p:spPr>
+          <a:xfrm>
+            <a:off x="11352273" y="5888237"/>
+            <a:ext cx="649224" cy="694981"/>
+          </a:xfrm>
+          <a:prstGeom prst="ellipse">
+            <a:avLst/>
+          </a:prstGeom>
+          <a:solidFill>
+            <a:srgbClr val="C00000"/>
+          </a:solidFill>
+          <a:ln>
+            <a:solidFill>
+              <a:srgbClr val="C00000"/>
+            </a:solidFill>
+          </a:ln>
+        </p:spPr>
+        <p:style>
+          <a:lnRef idx="2">
+            <a:schemeClr val="accent1">
+              <a:shade val="50000"/>
+            </a:schemeClr>
+          </a:lnRef>
+          <a:fillRef idx="1">
+            <a:schemeClr val="accent1"/>
+          </a:fillRef>
+          <a:effectRef idx="0">
+            <a:schemeClr val="accent1"/>
+          </a:effectRef>
+          <a:fontRef idx="minor">
+            <a:schemeClr val="lt1"/>
+          </a:fontRef>
+        </p:style>
+        <p:txBody>
+          <a:bodyPr rtlCol="0" anchor="ctr"/>
+          <a:lstStyle/>
+          <a:p>
+            <a:pPr algn="ctr"/>
+            <a:endParaRPr lang="fr-FR"/>
+          </a:p>
+        </p:txBody>
+      </p:sp>
+      <p:sp>
+        <p:nvSpPr>
+          <p:cNvPr id="6" name="ZoneTexte 5">
+            <a:extLst>
+              <a:ext uri="{FF2B5EF4-FFF2-40B4-BE49-F238E27FC236}">
+                <a16:creationId xmlns:a16="http://schemas.microsoft.com/office/drawing/2014/main" id="{BBD05841-8EFD-4048-9B51-EB634CE8051B}"/>
+              </a:ext>
+            </a:extLst>
+          </p:cNvPr>
+          <p:cNvSpPr txBox="1"/>
+          <p:nvPr/>
+        </p:nvSpPr>
+        <p:spPr>
+          <a:xfrm>
+            <a:off x="585216" y="5241684"/>
+            <a:ext cx="4562856" cy="369332"/>
+          </a:xfrm>
+          <a:prstGeom prst="rect">
+            <a:avLst/>
+          </a:prstGeom>
+          <a:noFill/>
+        </p:spPr>
+        <p:txBody>
+          <a:bodyPr wrap="square" rtlCol="0">
+            <a:spAutoFit/>
+          </a:bodyPr>
+          <a:lstStyle/>
+          <a:p>
+            <a:r>
+              <a:rPr lang="fr-FR" b="1" u="sng" dirty="0"/>
+              <a:t>Objectif: </a:t>
+            </a:r>
+            <a:r>
+              <a:rPr lang="fr-FR" b="1" dirty="0"/>
+              <a:t>Mémoriser l’Etat des mécanismes !</a:t>
+            </a:r>
+          </a:p>
+        </p:txBody>
+      </p:sp>
+    </p:spTree>
+    <p:extLst>
+      <p:ext uri="{BB962C8B-B14F-4D97-AF65-F5344CB8AC3E}">
+        <p14:creationId xmlns:p14="http://schemas.microsoft.com/office/powerpoint/2010/main" val="1480085338"/>
+      </p:ext>
+    </p:extLst>
+  </p:cSld>
+  <p:clrMapOvr>
+    <a:masterClrMapping/>
+  </p:clrMapOvr>
+  <p:timing>
+    <p:tnLst>
+      <p:par>
+        <p:cTn id="1" dur="indefinite" restart="never" nodeType="tmRoot">
+          <p:childTnLst>
+            <p:seq concurrent="1" nextAc="seek">
+              <p:cTn id="2" dur="indefinite" nodeType="mainSeq">
+                <p:childTnLst>
+                  <p:par>
+                    <p:cTn id="3" fill="hold">
+                      <p:stCondLst>
+                        <p:cond delay="indefinite"/>
+                      </p:stCondLst>
+                      <p:childTnLst>
+                        <p:par>
+                          <p:cTn id="4" fill="hold">
+                            <p:stCondLst>
+                              <p:cond delay="0"/>
+                            </p:stCondLst>
+                            <p:childTnLst>
+                              <p:par>
+                                <p:cTn id="5" presetID="1" presetClass="entr" presetSubtype="0" fill="hold" nodeType="clickEffect">
+                                  <p:stCondLst>
+                                    <p:cond delay="0"/>
+                                  </p:stCondLst>
+                                  <p:childTnLst>
+                                    <p:set>
+                                      <p:cBhvr>
+                                        <p:cTn id="6" dur="1" fill="hold">
+                                          <p:stCondLst>
+                                            <p:cond delay="0"/>
+                                          </p:stCondLst>
+                                        </p:cTn>
+                                        <p:tgtEl>
+                                          <p:spTgt spid="6">
+                                            <p:txEl>
+                                              <p:pRg st="0" end="0"/>
+                                            </p:txEl>
+                                          </p:spTgt>
+                                        </p:tgtEl>
+                                        <p:attrNameLst>
+                                          <p:attrName>style.visibility</p:attrName>
+                                        </p:attrNameLst>
+                                      </p:cBhvr>
+                                      <p:to>
+                                        <p:strVal val="visible"/>
+                                      </p:to>
+                                    </p:set>
+                                  </p:childTnLst>
+                                </p:cTn>
+                              </p:par>
+                            </p:childTnLst>
+                          </p:cTn>
+                        </p:par>
+                      </p:childTnLst>
+                    </p:cTn>
+                  </p:par>
+                </p:childTnLst>
+              </p:cTn>
+              <p:prevCondLst>
+                <p:cond evt="onPrev" delay="0">
+                  <p:tgtEl>
+                    <p:sldTgt/>
+                  </p:tgtEl>
+                </p:cond>
+              </p:prevCondLst>
+              <p:nextCondLst>
+                <p:cond evt="onNext" delay="0">
+                  <p:tgtEl>
+                    <p:sldTgt/>
+                  </p:tgtEl>
+                </p:cond>
+              </p:nextCondLst>
+            </p:seq>
+          </p:childTnLst>
+        </p:cTn>
+      </p:par>
+    </p:tnLst>
+  </p:timing>
+</p:sld>
+</file>
+
+<file path=ppt/slides/slide9.xml><?xml version="1.0" encoding="utf-8"?>
+<p:sld xmlns:a="http://schemas.openxmlformats.org/drawingml/2006/main" xmlns:r="http://schemas.openxmlformats.org/officeDocument/2006/relationships" xmlns:p="http://schemas.openxmlformats.org/presentationml/2006/main">
+  <p:cSld>
+    <p:bg>
+      <p:bgPr>
+        <a:solidFill>
+          <a:schemeClr val="bg1"/>
+        </a:solidFill>
+        <a:effectLst/>
+      </p:bgPr>
+    </p:bg>
+    <p:spTree>
+      <p:nvGrpSpPr>
+        <p:cNvPr id="1" name=""/>
+        <p:cNvGrpSpPr/>
+        <p:nvPr/>
+      </p:nvGrpSpPr>
+      <p:grpSpPr>
+        <a:xfrm>
+          <a:off x="0" y="0"/>
+          <a:ext cx="0" cy="0"/>
+          <a:chOff x="0" y="0"/>
+          <a:chExt cx="0" cy="0"/>
+        </a:xfrm>
+      </p:grpSpPr>
+      <p:pic>
+        <p:nvPicPr>
+          <p:cNvPr id="4" name="Espace réservé du contenu 3" descr="Une image contenant table, paire&#10;&#10;Description générée automatiquement">
+            <a:extLst>
+              <a:ext uri="{FF2B5EF4-FFF2-40B4-BE49-F238E27FC236}">
+                <a16:creationId xmlns:a16="http://schemas.microsoft.com/office/drawing/2014/main" id="{1A19FD35-A489-4DC8-937C-BF65968057C7}"/>
+              </a:ext>
+            </a:extLst>
+          </p:cNvPr>
+          <p:cNvPicPr>
+            <a:picLocks noChangeAspect="1"/>
+          </p:cNvPicPr>
+          <p:nvPr/>
+        </p:nvPicPr>
+        <p:blipFill rotWithShape="1">
+          <a:blip r:embed="rId2">
+            <a:extLst>
+              <a:ext uri="{28A0092B-C50C-407E-A947-70E740481C1C}">
+                <a14:useLocalDpi xmlns:a14="http://schemas.microsoft.com/office/drawing/2010/main" val="0"/>
+              </a:ext>
+            </a:extLst>
+          </a:blip>
+          <a:srcRect t="6250"/>
+          <a:stretch/>
+        </p:blipFill>
+        <p:spPr>
+          <a:xfrm>
+            <a:off x="-1" y="-30"/>
+            <a:ext cx="12192000" cy="6855958"/>
+          </a:xfrm>
+          <a:prstGeom prst="rect">
+            <a:avLst/>
+          </a:prstGeom>
+        </p:spPr>
+      </p:pic>
+      <p:sp>
+        <p:nvSpPr>
+          <p:cNvPr id="29" name="Freeform 5">
+            <a:extLst>
+              <a:ext uri="{FF2B5EF4-FFF2-40B4-BE49-F238E27FC236}">
+                <a16:creationId xmlns:a16="http://schemas.microsoft.com/office/drawing/2014/main" id="{3CD9DF72-87A3-404E-A828-84CBF11A8303}"/>
+              </a:ext>
+              <a:ext uri="{C183D7F6-B498-43B3-948B-1728B52AA6E4}">
+                <adec:decorative xmlns:adec="http://schemas.microsoft.com/office/drawing/2017/decorative" val="1"/>
+              </a:ext>
+            </a:extLst>
+          </p:cNvPr>
+          <p:cNvSpPr>
+            <a:spLocks noGrp="1" noRot="1" noChangeAspect="1" noMove="1" noResize="1" noEditPoints="1" noAdjustHandles="1" noChangeArrowheads="1" noChangeShapeType="1" noTextEdit="1"/>
+          </p:cNvSpPr>
+          <p:nvPr>
+            <p:extLst>
+              <p:ext uri="{386F3935-93C4-4BCD-93E2-E3B085C9AB24}">
+                <p16:designElem xmlns:p16="http://schemas.microsoft.com/office/powerpoint/2015/main" val="1"/>
+              </p:ext>
+            </p:extLst>
+          </p:nvPr>
+        </p:nvSpPr>
+        <p:spPr bwMode="grayWhite">
+          <a:xfrm flipH="1">
+            <a:off x="0" y="998175"/>
+            <a:ext cx="6017172" cy="5859825"/>
+          </a:xfrm>
+          <a:custGeom>
+            <a:avLst/>
+            <a:gdLst>
+              <a:gd name="T0" fmla="*/ 1333 w 1333"/>
+              <a:gd name="T1" fmla="*/ 1031 h 1298"/>
+              <a:gd name="T2" fmla="*/ 1333 w 1333"/>
+              <a:gd name="T3" fmla="*/ 380 h 1298"/>
+              <a:gd name="T4" fmla="*/ 706 w 1333"/>
+              <a:gd name="T5" fmla="*/ 0 h 1298"/>
+              <a:gd name="T6" fmla="*/ 0 w 1333"/>
+              <a:gd name="T7" fmla="*/ 706 h 1298"/>
+              <a:gd name="T8" fmla="*/ 323 w 1333"/>
+              <a:gd name="T9" fmla="*/ 1298 h 1298"/>
+              <a:gd name="T10" fmla="*/ 1090 w 1333"/>
+              <a:gd name="T11" fmla="*/ 1298 h 1298"/>
+              <a:gd name="T12" fmla="*/ 1333 w 1333"/>
+              <a:gd name="T13" fmla="*/ 1031 h 1298"/>
+            </a:gdLst>
+            <a:ahLst/>
+            <a:cxnLst>
+              <a:cxn ang="0">
+                <a:pos x="T0" y="T1"/>
+              </a:cxn>
+              <a:cxn ang="0">
+                <a:pos x="T2" y="T3"/>
+              </a:cxn>
+              <a:cxn ang="0">
+                <a:pos x="T4" y="T5"/>
+              </a:cxn>
+              <a:cxn ang="0">
+                <a:pos x="T6" y="T7"/>
+              </a:cxn>
+              <a:cxn ang="0">
+                <a:pos x="T8" y="T9"/>
+              </a:cxn>
+              <a:cxn ang="0">
+                <a:pos x="T10" y="T11"/>
+              </a:cxn>
+              <a:cxn ang="0">
+                <a:pos x="T12" y="T13"/>
+              </a:cxn>
+            </a:cxnLst>
+            <a:rect l="0" t="0" r="r" b="b"/>
+            <a:pathLst>
+              <a:path w="1333" h="1298">
+                <a:moveTo>
+                  <a:pt x="1333" y="1031"/>
+                </a:moveTo>
+                <a:cubicBezTo>
+                  <a:pt x="1333" y="380"/>
+                  <a:pt x="1333" y="380"/>
+                  <a:pt x="1333" y="380"/>
+                </a:cubicBezTo>
+                <a:cubicBezTo>
+                  <a:pt x="1215" y="154"/>
+                  <a:pt x="979" y="0"/>
+                  <a:pt x="706" y="0"/>
+                </a:cubicBezTo>
+                <a:cubicBezTo>
+                  <a:pt x="317" y="0"/>
+                  <a:pt x="0" y="316"/>
+                  <a:pt x="0" y="706"/>
+                </a:cubicBezTo>
+                <a:cubicBezTo>
+                  <a:pt x="0" y="954"/>
+                  <a:pt x="129" y="1172"/>
+                  <a:pt x="323" y="1298"/>
+                </a:cubicBezTo>
+                <a:cubicBezTo>
+                  <a:pt x="1090" y="1298"/>
+                  <a:pt x="1090" y="1298"/>
+                  <a:pt x="1090" y="1298"/>
+                </a:cubicBezTo>
+                <a:cubicBezTo>
+                  <a:pt x="1193" y="1232"/>
+                  <a:pt x="1276" y="1140"/>
+                  <a:pt x="1333" y="1031"/>
+                </a:cubicBezTo>
+                <a:close/>
+              </a:path>
+            </a:pathLst>
+          </a:custGeom>
+          <a:solidFill>
+            <a:schemeClr val="bg1">
+              <a:alpha val="75000"/>
+            </a:schemeClr>
+          </a:solidFill>
+          <a:ln w="50800" cap="sq" cmpd="dbl">
+            <a:noFill/>
+            <a:miter lim="800000"/>
+          </a:ln>
+          <a:effectLst/>
+        </p:spPr>
+        <p:txBody>
+          <a:bodyPr vert="horz" lIns="91440" tIns="45720" rIns="91440" bIns="45720" rtlCol="0" anchor="t">
+            <a:normAutofit/>
+          </a:bodyPr>
+          <a:lstStyle/>
+          <a:p>
+            <a:pPr algn="ctr">
+              <a:spcAft>
+                <a:spcPts val="1000"/>
+              </a:spcAft>
+              <a:buClr>
+                <a:schemeClr val="tx1"/>
+              </a:buClr>
+              <a:buSzPct val="100000"/>
+              <a:buFont typeface="Arial"/>
+              <a:buNone/>
+            </a:pPr>
+            <a:endParaRPr lang="en-US" sz="1600" cap="all"/>
+          </a:p>
+        </p:txBody>
+      </p:sp>
+      <p:sp>
+        <p:nvSpPr>
+          <p:cNvPr id="2" name="Titre 1">
+            <a:extLst>
+              <a:ext uri="{FF2B5EF4-FFF2-40B4-BE49-F238E27FC236}">
+                <a16:creationId xmlns:a16="http://schemas.microsoft.com/office/drawing/2014/main" id="{F0FFC3D5-D02E-4246-A076-5A8E3A3F3F12}"/>
+              </a:ext>
+            </a:extLst>
+          </p:cNvPr>
+          <p:cNvSpPr>
+            <a:spLocks noGrp="1"/>
+          </p:cNvSpPr>
+          <p:nvPr>
+            <p:ph type="title"/>
+          </p:nvPr>
+        </p:nvSpPr>
+        <p:spPr>
+          <a:xfrm>
+            <a:off x="652692" y="1835406"/>
+            <a:ext cx="4204137" cy="1342754"/>
+          </a:xfrm>
+        </p:spPr>
+        <p:txBody>
+          <a:bodyPr vert="horz" lIns="91440" tIns="45720" rIns="91440" bIns="45720" rtlCol="0">
+            <a:normAutofit/>
+          </a:bodyPr>
+          <a:lstStyle/>
+          <a:p>
+            <a:pPr algn="ctr"/>
+            <a:r>
+              <a:rPr lang="en-US" sz="3600" b="1" dirty="0">
+                <a:solidFill>
+                  <a:srgbClr val="FF0000"/>
+                </a:solidFill>
+              </a:rPr>
+              <a:t>Merci pour votre écoute !</a:t>
+            </a:r>
+          </a:p>
+        </p:txBody>
+      </p:sp>
+      <p:cxnSp>
+        <p:nvCxnSpPr>
+          <p:cNvPr id="31" name="Straight Connector 30">
+            <a:extLst>
+              <a:ext uri="{FF2B5EF4-FFF2-40B4-BE49-F238E27FC236}">
+                <a16:creationId xmlns:a16="http://schemas.microsoft.com/office/drawing/2014/main" id="{20E3A342-4D61-4E3F-AF90-1AB42AEB96CC}"/>
+              </a:ext>
+              <a:ext uri="{C183D7F6-B498-43B3-948B-1728B52AA6E4}">
+                <adec:decorative xmlns:adec="http://schemas.microsoft.com/office/drawing/2017/decorative" val="1"/>
+              </a:ext>
+            </a:extLst>
+          </p:cNvPr>
+          <p:cNvCxnSpPr>
+            <a:cxnSpLocks noGrp="1" noRot="1" noChangeAspect="1" noMove="1" noResize="1" noEditPoints="1" noAdjustHandles="1" noChangeArrowheads="1" noChangeShapeType="1"/>
+          </p:cNvCxnSpPr>
+          <p:nvPr>
+            <p:extLst>
+              <p:ext uri="{386F3935-93C4-4BCD-93E2-E3B085C9AB24}">
+                <p16:designElem xmlns:p16="http://schemas.microsoft.com/office/powerpoint/2015/main" val="1"/>
+              </p:ext>
+            </p:extLst>
+          </p:nvPr>
+        </p:nvCxnSpPr>
+        <p:spPr>
+          <a:xfrm>
+            <a:off x="2287051" y="3337139"/>
+            <a:ext cx="935420" cy="0"/>
+          </a:xfrm>
+          <a:prstGeom prst="line">
+            <a:avLst/>
+          </a:prstGeom>
+          <a:ln w="25400" cap="sq">
+            <a:solidFill>
+              <a:schemeClr val="tx1">
+                <a:lumMod val="85000"/>
+                <a:lumOff val="15000"/>
+              </a:schemeClr>
+            </a:solidFill>
+            <a:bevel/>
+          </a:ln>
+        </p:spPr>
+        <p:style>
+          <a:lnRef idx="1">
+            <a:schemeClr val="accent1"/>
+          </a:lnRef>
+          <a:fillRef idx="0">
+            <a:schemeClr val="accent1"/>
+          </a:fillRef>
+          <a:effectRef idx="0">
+            <a:schemeClr val="accent1"/>
+          </a:effectRef>
+          <a:fontRef idx="minor">
+            <a:schemeClr val="tx1"/>
+          </a:fontRef>
+        </p:style>
+      </p:cxnSp>
+      <p:sp>
+        <p:nvSpPr>
+          <p:cNvPr id="3" name="Espace réservé du pied de page 2">
+            <a:extLst>
+              <a:ext uri="{FF2B5EF4-FFF2-40B4-BE49-F238E27FC236}">
+                <a16:creationId xmlns:a16="http://schemas.microsoft.com/office/drawing/2014/main" id="{AA1A4E11-D773-44B1-A1C6-740D8020EA13}"/>
+              </a:ext>
+            </a:extLst>
+          </p:cNvPr>
+          <p:cNvSpPr>
+            <a:spLocks noGrp="1"/>
+          </p:cNvSpPr>
+          <p:nvPr>
+            <p:ph type="ftr" sz="quarter" idx="11"/>
+          </p:nvPr>
+        </p:nvSpPr>
+        <p:spPr/>
+        <p:txBody>
+          <a:bodyPr/>
+          <a:lstStyle/>
+          <a:p>
+            <a:r>
+              <a:rPr lang="fr-FR"/>
+              <a:t>Corentin BRENY - ST Félix La Salle - 2020</a:t>
+            </a:r>
+          </a:p>
+        </p:txBody>
+      </p:sp>
+      <p:sp>
+        <p:nvSpPr>
+          <p:cNvPr id="5" name="Espace réservé du numéro de diapositive 4">
+            <a:extLst>
+              <a:ext uri="{FF2B5EF4-FFF2-40B4-BE49-F238E27FC236}">
+                <a16:creationId xmlns:a16="http://schemas.microsoft.com/office/drawing/2014/main" id="{84072FE2-11F7-4671-AB2E-B69D478FD588}"/>
+              </a:ext>
+            </a:extLst>
+          </p:cNvPr>
+          <p:cNvSpPr>
+            <a:spLocks noGrp="1"/>
+          </p:cNvSpPr>
+          <p:nvPr>
+            <p:ph type="sldNum" sz="quarter" idx="12"/>
+          </p:nvPr>
+        </p:nvSpPr>
+        <p:spPr/>
+        <p:txBody>
+          <a:bodyPr/>
+          <a:lstStyle/>
+          <a:p>
+            <a:fld id="{B8E0B961-A637-4848-B0A2-B04876406418}" type="slidenum">
+              <a:rPr lang="fr-FR" smtClean="0"/>
+              <a:t>9</a:t>
+            </a:fld>
+            <a:endParaRPr lang="fr-FR"/>
+          </a:p>
+        </p:txBody>
+      </p:sp>
+    </p:spTree>
+    <p:extLst>
+      <p:ext uri="{BB962C8B-B14F-4D97-AF65-F5344CB8AC3E}">
+        <p14:creationId xmlns:p14="http://schemas.microsoft.com/office/powerpoint/2010/main" val="190080998"/>
       </p:ext>
     </p:extLst>
   </p:cSld>
@@ -5332,4 +10473,299 @@
     </a:ext>
   </a:extLst>
 </a:theme>
+</file>
+
+<file path=ppt/theme/theme2.xml><?xml version="1.0" encoding="utf-8"?>
+<a:theme xmlns:a="http://schemas.openxmlformats.org/drawingml/2006/main" name="Thème Office">
+  <a:themeElements>
+    <a:clrScheme name="Office">
+      <a:dk1>
+        <a:sysClr val="windowText" lastClr="000000"/>
+      </a:dk1>
+      <a:lt1>
+        <a:sysClr val="window" lastClr="FFFFFF"/>
+      </a:lt1>
+      <a:dk2>
+        <a:srgbClr val="44546A"/>
+      </a:dk2>
+      <a:lt2>
+        <a:srgbClr val="E7E6E6"/>
+      </a:lt2>
+      <a:accent1>
+        <a:srgbClr val="4472C4"/>
+      </a:accent1>
+      <a:accent2>
+        <a:srgbClr val="ED7D31"/>
+      </a:accent2>
+      <a:accent3>
+        <a:srgbClr val="A5A5A5"/>
+      </a:accent3>
+      <a:accent4>
+        <a:srgbClr val="FFC000"/>
+      </a:accent4>
+      <a:accent5>
+        <a:srgbClr val="5B9BD5"/>
+      </a:accent5>
+      <a:accent6>
+        <a:srgbClr val="70AD47"/>
+      </a:accent6>
+      <a:hlink>
+        <a:srgbClr val="0563C1"/>
+      </a:hlink>
+      <a:folHlink>
+        <a:srgbClr val="954F72"/>
+      </a:folHlink>
+    </a:clrScheme>
+    <a:fontScheme name="Office">
+      <a:majorFont>
+        <a:latin typeface="Calibri Light" panose="020F0302020204030204"/>
+        <a:ea typeface=""/>
+        <a:cs typeface=""/>
+        <a:font script="Jpan" typeface="游ゴシック Light"/>
+        <a:font script="Hang" typeface="맑은 고딕"/>
+        <a:font script="Hans" typeface="等线 Light"/>
+        <a:font script="Hant" typeface="新細明體"/>
+        <a:font script="Arab" typeface="Times New Roman"/>
+        <a:font script="Hebr" typeface="Times New Roman"/>
+        <a:font script="Thai" typeface="Angsana New"/>
+        <a:font script="Ethi" typeface="Nyala"/>
+        <a:font script="Beng" typeface="Vrinda"/>
+        <a:font script="Gujr" typeface="Shruti"/>
+        <a:font script="Khmr" typeface="MoolBoran"/>
+        <a:font script="Knda" typeface="Tunga"/>
+        <a:font script="Guru" typeface="Raavi"/>
+        <a:font script="Cans" typeface="Euphemia"/>
+        <a:font script="Cher" typeface="Plantagenet Cherokee"/>
+        <a:font script="Yiii" typeface="Microsoft Yi Baiti"/>
+        <a:font script="Tibt" typeface="Microsoft Himalaya"/>
+        <a:font script="Thaa" typeface="MV Boli"/>
+        <a:font script="Deva" typeface="Mangal"/>
+        <a:font script="Telu" typeface="Gautami"/>
+        <a:font script="Taml" typeface="Latha"/>
+        <a:font script="Syrc" typeface="Estrangelo Edessa"/>
+        <a:font script="Orya" typeface="Kalinga"/>
+        <a:font script="Mlym" typeface="Kartika"/>
+        <a:font script="Laoo" typeface="DokChampa"/>
+        <a:font script="Sinh" typeface="Iskoola Pota"/>
+        <a:font script="Mong" typeface="Mongolian Baiti"/>
+        <a:font script="Viet" typeface="Times New Roman"/>
+        <a:font script="Uigh" typeface="Microsoft Uighur"/>
+        <a:font script="Geor" typeface="Sylfaen"/>
+        <a:font script="Armn" typeface="Arial"/>
+        <a:font script="Bugi" typeface="Leelawadee UI"/>
+        <a:font script="Bopo" typeface="Microsoft JhengHei"/>
+        <a:font script="Java" typeface="Javanese Text"/>
+        <a:font script="Lisu" typeface="Segoe UI"/>
+        <a:font script="Mymr" typeface="Myanmar Text"/>
+        <a:font script="Nkoo" typeface="Ebrima"/>
+        <a:font script="Olck" typeface="Nirmala UI"/>
+        <a:font script="Osma" typeface="Ebrima"/>
+        <a:font script="Phag" typeface="Phagspa"/>
+        <a:font script="Syrn" typeface="Estrangelo Edessa"/>
+        <a:font script="Syrj" typeface="Estrangelo Edessa"/>
+        <a:font script="Syre" typeface="Estrangelo Edessa"/>
+        <a:font script="Sora" typeface="Nirmala UI"/>
+        <a:font script="Tale" typeface="Microsoft Tai Le"/>
+        <a:font script="Talu" typeface="Microsoft New Tai Lue"/>
+        <a:font script="Tfng" typeface="Ebrima"/>
+      </a:majorFont>
+      <a:minorFont>
+        <a:latin typeface="Calibri" panose="020F0502020204030204"/>
+        <a:ea typeface=""/>
+        <a:cs typeface=""/>
+        <a:font script="Jpan" typeface="游ゴシック"/>
+        <a:font script="Hang" typeface="맑은 고딕"/>
+        <a:font script="Hans" typeface="等线"/>
+        <a:font script="Hant" typeface="新細明體"/>
+        <a:font script="Arab" typeface="Arial"/>
+        <a:font script="Hebr" typeface="Arial"/>
+        <a:font script="Thai" typeface="Cordia New"/>
+        <a:font script="Ethi" typeface="Nyala"/>
+        <a:font script="Beng" typeface="Vrinda"/>
+        <a:font script="Gujr" typeface="Shruti"/>
+        <a:font script="Khmr" typeface="DaunPenh"/>
+        <a:font script="Knda" typeface="Tunga"/>
+        <a:font script="Guru" typeface="Raavi"/>
+        <a:font script="Cans" typeface="Euphemia"/>
+        <a:font script="Cher" typeface="Plantagenet Cherokee"/>
+        <a:font script="Yiii" typeface="Microsoft Yi Baiti"/>
+        <a:font script="Tibt" typeface="Microsoft Himalaya"/>
+        <a:font script="Thaa" typeface="MV Boli"/>
+        <a:font script="Deva" typeface="Mangal"/>
+        <a:font script="Telu" typeface="Gautami"/>
+        <a:font script="Taml" typeface="Latha"/>
+        <a:font script="Syrc" typeface="Estrangelo Edessa"/>
+        <a:font script="Orya" typeface="Kalinga"/>
+        <a:font script="Mlym" typeface="Kartika"/>
+        <a:font script="Laoo" typeface="DokChampa"/>
+        <a:font script="Sinh" typeface="Iskoola Pota"/>
+        <a:font script="Mong" typeface="Mongolian Baiti"/>
+        <a:font script="Viet" typeface="Arial"/>
+        <a:font script="Uigh" typeface="Microsoft Uighur"/>
+        <a:font script="Geor" typeface="Sylfaen"/>
+        <a:font script="Armn" typeface="Arial"/>
+        <a:font script="Bugi" typeface="Leelawadee UI"/>
+        <a:font script="Bopo" typeface="Microsoft JhengHei"/>
+        <a:font script="Java" typeface="Javanese Text"/>
+        <a:font script="Lisu" typeface="Segoe UI"/>
+        <a:font script="Mymr" typeface="Myanmar Text"/>
+        <a:font script="Nkoo" typeface="Ebrima"/>
+        <a:font script="Olck" typeface="Nirmala UI"/>
+        <a:font script="Osma" typeface="Ebrima"/>
+        <a:font script="Phag" typeface="Phagspa"/>
+        <a:font script="Syrn" typeface="Estrangelo Edessa"/>
+        <a:font script="Syrj" typeface="Estrangelo Edessa"/>
+        <a:font script="Syre" typeface="Estrangelo Edessa"/>
+        <a:font script="Sora" typeface="Nirmala UI"/>
+        <a:font script="Tale" typeface="Microsoft Tai Le"/>
+        <a:font script="Talu" typeface="Microsoft New Tai Lue"/>
+        <a:font script="Tfng" typeface="Ebrima"/>
+      </a:minorFont>
+    </a:fontScheme>
+    <a:fmtScheme name="Office">
+      <a:fillStyleLst>
+        <a:solidFill>
+          <a:schemeClr val="phClr"/>
+        </a:solidFill>
+        <a:gradFill rotWithShape="1">
+          <a:gsLst>
+            <a:gs pos="0">
+              <a:schemeClr val="phClr">
+                <a:lumMod val="110000"/>
+                <a:satMod val="105000"/>
+                <a:tint val="67000"/>
+              </a:schemeClr>
+            </a:gs>
+            <a:gs pos="50000">
+              <a:schemeClr val="phClr">
+                <a:lumMod val="105000"/>
+                <a:satMod val="103000"/>
+                <a:tint val="73000"/>
+              </a:schemeClr>
+            </a:gs>
+            <a:gs pos="100000">
+              <a:schemeClr val="phClr">
+                <a:lumMod val="105000"/>
+                <a:satMod val="109000"/>
+                <a:tint val="81000"/>
+              </a:schemeClr>
+            </a:gs>
+          </a:gsLst>
+          <a:lin ang="5400000" scaled="0"/>
+        </a:gradFill>
+        <a:gradFill rotWithShape="1">
+          <a:gsLst>
+            <a:gs pos="0">
+              <a:schemeClr val="phClr">
+                <a:satMod val="103000"/>
+                <a:lumMod val="102000"/>
+                <a:tint val="94000"/>
+              </a:schemeClr>
+            </a:gs>
+            <a:gs pos="50000">
+              <a:schemeClr val="phClr">
+                <a:satMod val="110000"/>
+                <a:lumMod val="100000"/>
+                <a:shade val="100000"/>
+              </a:schemeClr>
+            </a:gs>
+            <a:gs pos="100000">
+              <a:schemeClr val="phClr">
+                <a:lumMod val="99000"/>
+                <a:satMod val="120000"/>
+                <a:shade val="78000"/>
+              </a:schemeClr>
+            </a:gs>
+          </a:gsLst>
+          <a:lin ang="5400000" scaled="0"/>
+        </a:gradFill>
+      </a:fillStyleLst>
+      <a:lnStyleLst>
+        <a:ln w="6350" cap="flat" cmpd="sng" algn="ctr">
+          <a:solidFill>
+            <a:schemeClr val="phClr"/>
+          </a:solidFill>
+          <a:prstDash val="solid"/>
+          <a:miter lim="800000"/>
+        </a:ln>
+        <a:ln w="12700" cap="flat" cmpd="sng" algn="ctr">
+          <a:solidFill>
+            <a:schemeClr val="phClr"/>
+          </a:solidFill>
+          <a:prstDash val="solid"/>
+          <a:miter lim="800000"/>
+        </a:ln>
+        <a:ln w="19050" cap="flat" cmpd="sng" algn="ctr">
+          <a:solidFill>
+            <a:schemeClr val="phClr"/>
+          </a:solidFill>
+          <a:prstDash val="solid"/>
+          <a:miter lim="800000"/>
+        </a:ln>
+      </a:lnStyleLst>
+      <a:effectStyleLst>
+        <a:effectStyle>
+          <a:effectLst/>
+        </a:effectStyle>
+        <a:effectStyle>
+          <a:effectLst/>
+        </a:effectStyle>
+        <a:effectStyle>
+          <a:effectLst>
+            <a:outerShdw blurRad="57150" dist="19050" dir="5400000" algn="ctr" rotWithShape="0">
+              <a:srgbClr val="000000">
+                <a:alpha val="63000"/>
+              </a:srgbClr>
+            </a:outerShdw>
+          </a:effectLst>
+        </a:effectStyle>
+      </a:effectStyleLst>
+      <a:bgFillStyleLst>
+        <a:solidFill>
+          <a:schemeClr val="phClr"/>
+        </a:solidFill>
+        <a:solidFill>
+          <a:schemeClr val="phClr">
+            <a:tint val="95000"/>
+            <a:satMod val="170000"/>
+          </a:schemeClr>
+        </a:solidFill>
+        <a:gradFill rotWithShape="1">
+          <a:gsLst>
+            <a:gs pos="0">
+              <a:schemeClr val="phClr">
+                <a:tint val="93000"/>
+                <a:satMod val="150000"/>
+                <a:shade val="98000"/>
+                <a:lumMod val="102000"/>
+              </a:schemeClr>
+            </a:gs>
+            <a:gs pos="50000">
+              <a:schemeClr val="phClr">
+                <a:tint val="98000"/>
+                <a:satMod val="130000"/>
+                <a:shade val="90000"/>
+                <a:lumMod val="103000"/>
+              </a:schemeClr>
+            </a:gs>
+            <a:gs pos="100000">
+              <a:schemeClr val="phClr">
+                <a:shade val="63000"/>
+                <a:satMod val="120000"/>
+              </a:schemeClr>
+            </a:gs>
+          </a:gsLst>
+          <a:lin ang="5400000" scaled="0"/>
+        </a:gradFill>
+      </a:bgFillStyleLst>
+    </a:fmtScheme>
+  </a:themeElements>
+  <a:objectDefaults/>
+  <a:extraClrSchemeLst/>
+  <a:extLst>
+    <a:ext uri="{05A4C25C-085E-4340-85A3-A5531E510DB2}">
+      <thm15:themeFamily xmlns:thm15="http://schemas.microsoft.com/office/thememl/2012/main" name="Office Theme" id="{62F939B6-93AF-4DB8-9C6B-D6C7DFDC589F}" vid="{4A3C46E8-61CC-4603-A589-7422A47A8E4A}"/>
+    </a:ext>
+  </a:extLst>
+</a:theme>
 </file>
--- a/Etudiants/Corentin/RDP n°1.pptx
+++ b/Etudiants/Corentin/RDP n°1.pptx
@@ -4910,7 +4910,7 @@
         </p:blipFill>
         <p:spPr>
           <a:xfrm>
-            <a:off x="-2" y="-31"/>
+            <a:off x="0" y="9143"/>
             <a:ext cx="12192001" cy="6855959"/>
           </a:xfrm>
           <a:prstGeom prst="rect">
@@ -5617,6 +5617,351 @@
           <a:p>
             <a:pPr algn="ctr"/>
             <a:endParaRPr lang="fr-FR"/>
+          </a:p>
+        </p:txBody>
+      </p:sp>
+      <p:pic>
+        <p:nvPicPr>
+          <p:cNvPr id="19" name="Image 18" descr="Une image contenant équipement électronique, circuit&#10;&#10;Description générée automatiquement">
+            <a:extLst>
+              <a:ext uri="{FF2B5EF4-FFF2-40B4-BE49-F238E27FC236}">
+                <a16:creationId xmlns:a16="http://schemas.microsoft.com/office/drawing/2014/main" id="{4D938B3F-72C6-466A-80FB-73E980AFCB1F}"/>
+              </a:ext>
+            </a:extLst>
+          </p:cNvPr>
+          <p:cNvPicPr>
+            <a:picLocks noChangeAspect="1"/>
+          </p:cNvPicPr>
+          <p:nvPr/>
+        </p:nvPicPr>
+        <p:blipFill>
+          <a:blip r:embed="rId3">
+            <a:extLst>
+              <a:ext uri="{28A0092B-C50C-407E-A947-70E740481C1C}">
+                <a14:useLocalDpi xmlns:a14="http://schemas.microsoft.com/office/drawing/2010/main" val="0"/>
+              </a:ext>
+            </a:extLst>
+          </a:blip>
+          <a:stretch>
+            <a:fillRect/>
+          </a:stretch>
+        </p:blipFill>
+        <p:spPr>
+          <a:xfrm>
+            <a:off x="870809" y="2037156"/>
+            <a:ext cx="2441575" cy="1739863"/>
+          </a:xfrm>
+          <a:prstGeom prst="rect">
+            <a:avLst/>
+          </a:prstGeom>
+        </p:spPr>
+      </p:pic>
+      <p:pic>
+        <p:nvPicPr>
+          <p:cNvPr id="20" name="Image 19" descr="Une image contenant équipement électronique, circuit&#10;&#10;Description générée automatiquement">
+            <a:extLst>
+              <a:ext uri="{FF2B5EF4-FFF2-40B4-BE49-F238E27FC236}">
+                <a16:creationId xmlns:a16="http://schemas.microsoft.com/office/drawing/2014/main" id="{6CFD7794-87B7-4326-9245-150606F5AFEA}"/>
+              </a:ext>
+            </a:extLst>
+          </p:cNvPr>
+          <p:cNvPicPr>
+            <a:picLocks noChangeAspect="1"/>
+          </p:cNvPicPr>
+          <p:nvPr/>
+        </p:nvPicPr>
+        <p:blipFill>
+          <a:blip r:embed="rId4">
+            <a:extLst>
+              <a:ext uri="{28A0092B-C50C-407E-A947-70E740481C1C}">
+                <a14:useLocalDpi xmlns:a14="http://schemas.microsoft.com/office/drawing/2010/main" val="0"/>
+              </a:ext>
+            </a:extLst>
+          </a:blip>
+          <a:stretch>
+            <a:fillRect/>
+          </a:stretch>
+        </p:blipFill>
+        <p:spPr>
+          <a:xfrm>
+            <a:off x="190502" y="4748850"/>
+            <a:ext cx="2370134" cy="1580090"/>
+          </a:xfrm>
+          <a:prstGeom prst="rect">
+            <a:avLst/>
+          </a:prstGeom>
+        </p:spPr>
+      </p:pic>
+      <p:pic>
+        <p:nvPicPr>
+          <p:cNvPr id="21" name="Image 20" descr="Une image contenant moniteur, équipement électronique, afficher, ordinateur&#10;&#10;Description générée automatiquement">
+            <a:extLst>
+              <a:ext uri="{FF2B5EF4-FFF2-40B4-BE49-F238E27FC236}">
+                <a16:creationId xmlns:a16="http://schemas.microsoft.com/office/drawing/2014/main" id="{8299F8C2-7233-4834-A66F-C733DEC06540}"/>
+              </a:ext>
+            </a:extLst>
+          </p:cNvPr>
+          <p:cNvPicPr>
+            <a:picLocks noChangeAspect="1"/>
+          </p:cNvPicPr>
+          <p:nvPr/>
+        </p:nvPicPr>
+        <p:blipFill>
+          <a:blip r:embed="rId5">
+            <a:extLst>
+              <a:ext uri="{28A0092B-C50C-407E-A947-70E740481C1C}">
+                <a14:useLocalDpi xmlns:a14="http://schemas.microsoft.com/office/drawing/2010/main" val="0"/>
+              </a:ext>
+            </a:extLst>
+          </a:blip>
+          <a:stretch>
+            <a:fillRect/>
+          </a:stretch>
+        </p:blipFill>
+        <p:spPr>
+          <a:xfrm>
+            <a:off x="6948692" y="2049540"/>
+            <a:ext cx="2098953" cy="2098953"/>
+          </a:xfrm>
+          <a:prstGeom prst="rect">
+            <a:avLst/>
+          </a:prstGeom>
+        </p:spPr>
+      </p:pic>
+      <p:pic>
+        <p:nvPicPr>
+          <p:cNvPr id="22" name="Image 21" descr="Une image contenant objet, signe, horloge&#10;&#10;Description générée automatiquement">
+            <a:extLst>
+              <a:ext uri="{FF2B5EF4-FFF2-40B4-BE49-F238E27FC236}">
+                <a16:creationId xmlns:a16="http://schemas.microsoft.com/office/drawing/2014/main" id="{038DCB00-6811-4EF1-A7AE-A4794F9B605F}"/>
+              </a:ext>
+            </a:extLst>
+          </p:cNvPr>
+          <p:cNvPicPr>
+            <a:picLocks noChangeAspect="1"/>
+          </p:cNvPicPr>
+          <p:nvPr/>
+        </p:nvPicPr>
+        <p:blipFill>
+          <a:blip r:embed="rId6">
+            <a:extLst>
+              <a:ext uri="{28A0092B-C50C-407E-A947-70E740481C1C}">
+                <a14:useLocalDpi xmlns:a14="http://schemas.microsoft.com/office/drawing/2010/main" val="0"/>
+              </a:ext>
+            </a:extLst>
+          </a:blip>
+          <a:stretch>
+            <a:fillRect/>
+          </a:stretch>
+        </p:blipFill>
+        <p:spPr>
+          <a:xfrm>
+            <a:off x="3548874" y="2514910"/>
+            <a:ext cx="1268641" cy="863733"/>
+          </a:xfrm>
+          <a:prstGeom prst="rect">
+            <a:avLst/>
+          </a:prstGeom>
+        </p:spPr>
+      </p:pic>
+      <p:pic>
+        <p:nvPicPr>
+          <p:cNvPr id="23" name="Image 22" descr="Une image contenant dessin, signe&#10;&#10;Description générée automatiquement">
+            <a:extLst>
+              <a:ext uri="{FF2B5EF4-FFF2-40B4-BE49-F238E27FC236}">
+                <a16:creationId xmlns:a16="http://schemas.microsoft.com/office/drawing/2014/main" id="{7F0D79A7-4BCC-4A06-9101-0CDBAA1E1E99}"/>
+              </a:ext>
+            </a:extLst>
+          </p:cNvPr>
+          <p:cNvPicPr>
+            <a:picLocks noChangeAspect="1"/>
+          </p:cNvPicPr>
+          <p:nvPr/>
+        </p:nvPicPr>
+        <p:blipFill>
+          <a:blip r:embed="rId7">
+            <a:extLst>
+              <a:ext uri="{28A0092B-C50C-407E-A947-70E740481C1C}">
+                <a14:useLocalDpi xmlns:a14="http://schemas.microsoft.com/office/drawing/2010/main" val="0"/>
+              </a:ext>
+            </a:extLst>
+          </a:blip>
+          <a:stretch>
+            <a:fillRect/>
+          </a:stretch>
+        </p:blipFill>
+        <p:spPr>
+          <a:xfrm>
+            <a:off x="2792119" y="5282598"/>
+            <a:ext cx="2241450" cy="663679"/>
+          </a:xfrm>
+          <a:prstGeom prst="rect">
+            <a:avLst/>
+          </a:prstGeom>
+        </p:spPr>
+      </p:pic>
+      <p:sp>
+        <p:nvSpPr>
+          <p:cNvPr id="24" name="ZoneTexte 23">
+            <a:extLst>
+              <a:ext uri="{FF2B5EF4-FFF2-40B4-BE49-F238E27FC236}">
+                <a16:creationId xmlns:a16="http://schemas.microsoft.com/office/drawing/2014/main" id="{CA94EB48-716C-44FE-A835-568955EA6F70}"/>
+              </a:ext>
+            </a:extLst>
+          </p:cNvPr>
+          <p:cNvSpPr txBox="1"/>
+          <p:nvPr/>
+        </p:nvSpPr>
+        <p:spPr>
+          <a:xfrm>
+            <a:off x="6511991" y="3814800"/>
+            <a:ext cx="3226854" cy="369332"/>
+          </a:xfrm>
+          <a:prstGeom prst="rect">
+            <a:avLst/>
+          </a:prstGeom>
+          <a:noFill/>
+        </p:spPr>
+        <p:txBody>
+          <a:bodyPr wrap="square" rtlCol="0">
+            <a:spAutoFit/>
+          </a:bodyPr>
+          <a:lstStyle/>
+          <a:p>
+            <a:r>
+              <a:rPr lang="fr-FR" b="1" dirty="0"/>
+              <a:t>PC de supervision - Serveur</a:t>
+            </a:r>
+          </a:p>
+        </p:txBody>
+      </p:sp>
+      <p:sp>
+        <p:nvSpPr>
+          <p:cNvPr id="25" name="ZoneTexte 24">
+            <a:extLst>
+              <a:ext uri="{FF2B5EF4-FFF2-40B4-BE49-F238E27FC236}">
+                <a16:creationId xmlns:a16="http://schemas.microsoft.com/office/drawing/2014/main" id="{D1A664D0-B4F4-4D30-8160-3BCC5141D72A}"/>
+              </a:ext>
+            </a:extLst>
+          </p:cNvPr>
+          <p:cNvSpPr txBox="1"/>
+          <p:nvPr/>
+        </p:nvSpPr>
+        <p:spPr>
+          <a:xfrm>
+            <a:off x="676157" y="6352143"/>
+            <a:ext cx="1387111" cy="369332"/>
+          </a:xfrm>
+          <a:prstGeom prst="rect">
+            <a:avLst/>
+          </a:prstGeom>
+          <a:noFill/>
+        </p:spPr>
+        <p:txBody>
+          <a:bodyPr wrap="square" rtlCol="0">
+            <a:spAutoFit/>
+          </a:bodyPr>
+          <a:lstStyle/>
+          <a:p>
+            <a:r>
+              <a:rPr lang="fr-FR" b="1" dirty="0"/>
+              <a:t>Raspberry</a:t>
+            </a:r>
+          </a:p>
+        </p:txBody>
+      </p:sp>
+      <p:pic>
+        <p:nvPicPr>
+          <p:cNvPr id="6" name="Image 5">
+            <a:extLst>
+              <a:ext uri="{FF2B5EF4-FFF2-40B4-BE49-F238E27FC236}">
+                <a16:creationId xmlns:a16="http://schemas.microsoft.com/office/drawing/2014/main" id="{EBFC074C-E3F4-4D31-A05B-93EA5A2570FE}"/>
+              </a:ext>
+            </a:extLst>
+          </p:cNvPr>
+          <p:cNvPicPr>
+            <a:picLocks noChangeAspect="1"/>
+          </p:cNvPicPr>
+          <p:nvPr/>
+        </p:nvPicPr>
+        <p:blipFill>
+          <a:blip r:embed="rId8"/>
+          <a:stretch>
+            <a:fillRect/>
+          </a:stretch>
+        </p:blipFill>
+        <p:spPr>
+          <a:xfrm>
+            <a:off x="6490813" y="4836752"/>
+            <a:ext cx="1914792" cy="1253458"/>
+          </a:xfrm>
+          <a:prstGeom prst="rect">
+            <a:avLst/>
+          </a:prstGeom>
+        </p:spPr>
+      </p:pic>
+      <p:pic>
+        <p:nvPicPr>
+          <p:cNvPr id="7" name="Image 6">
+            <a:extLst>
+              <a:ext uri="{FF2B5EF4-FFF2-40B4-BE49-F238E27FC236}">
+                <a16:creationId xmlns:a16="http://schemas.microsoft.com/office/drawing/2014/main" id="{EB230DBB-FD74-497A-888D-78A8B95E566C}"/>
+              </a:ext>
+            </a:extLst>
+          </p:cNvPr>
+          <p:cNvPicPr>
+            <a:picLocks noChangeAspect="1"/>
+          </p:cNvPicPr>
+          <p:nvPr/>
+        </p:nvPicPr>
+        <p:blipFill>
+          <a:blip r:embed="rId9"/>
+          <a:stretch>
+            <a:fillRect/>
+          </a:stretch>
+        </p:blipFill>
+        <p:spPr>
+          <a:xfrm>
+            <a:off x="8795444" y="4184132"/>
+            <a:ext cx="1914792" cy="1943371"/>
+          </a:xfrm>
+          <a:prstGeom prst="rect">
+            <a:avLst/>
+          </a:prstGeom>
+        </p:spPr>
+      </p:pic>
+      <p:sp>
+        <p:nvSpPr>
+          <p:cNvPr id="26" name="ZoneTexte 25">
+            <a:extLst>
+              <a:ext uri="{FF2B5EF4-FFF2-40B4-BE49-F238E27FC236}">
+                <a16:creationId xmlns:a16="http://schemas.microsoft.com/office/drawing/2014/main" id="{6C899C42-BD1F-4B79-BC8C-485C18FBD416}"/>
+              </a:ext>
+            </a:extLst>
+          </p:cNvPr>
+          <p:cNvSpPr txBox="1"/>
+          <p:nvPr/>
+        </p:nvSpPr>
+        <p:spPr>
+          <a:xfrm>
+            <a:off x="8125418" y="6108324"/>
+            <a:ext cx="3226854" cy="369332"/>
+          </a:xfrm>
+          <a:prstGeom prst="rect">
+            <a:avLst/>
+          </a:prstGeom>
+          <a:noFill/>
+        </p:spPr>
+        <p:txBody>
+          <a:bodyPr wrap="square" rtlCol="0">
+            <a:spAutoFit/>
+          </a:bodyPr>
+          <a:lstStyle/>
+          <a:p>
+            <a:r>
+              <a:rPr lang="fr-FR" b="1" dirty="0"/>
+              <a:t>Base de Données</a:t>
+            </a:r>
           </a:p>
         </p:txBody>
       </p:sp>

--- a/Etudiants/Corentin/RDP n°1.pptx
+++ b/Etudiants/Corentin/RDP n°1.pptx
@@ -4438,7 +4438,7 @@
           </a:solidFill>
           <a:ln>
             <a:solidFill>
-              <a:srgbClr val="C00000"/>
+              <a:srgbClr val="00C020"/>
             </a:solidFill>
           </a:ln>
         </p:spPr>
@@ -4488,11 +4488,11 @@
             <a:avLst/>
           </a:prstGeom>
           <a:solidFill>
-            <a:srgbClr val="C00000"/>
+            <a:srgbClr val="00C020"/>
           </a:solidFill>
           <a:ln>
             <a:solidFill>
-              <a:srgbClr val="C00000"/>
+              <a:srgbClr val="00C020"/>
             </a:solidFill>
           </a:ln>
         </p:spPr>
@@ -4546,7 +4546,7 @@
           </a:solidFill>
           <a:ln>
             <a:solidFill>
-              <a:srgbClr val="C00000"/>
+              <a:srgbClr val="00C020"/>
             </a:solidFill>
           </a:ln>
         </p:spPr>
@@ -4600,7 +4600,7 @@
           </a:solidFill>
           <a:ln>
             <a:solidFill>
-              <a:srgbClr val="C00000"/>
+              <a:srgbClr val="00C020"/>
             </a:solidFill>
           </a:ln>
         </p:spPr>
@@ -4654,7 +4654,7 @@
           </a:solidFill>
           <a:ln>
             <a:solidFill>
-              <a:srgbClr val="C00000"/>
+              <a:srgbClr val="00C020"/>
             </a:solidFill>
           </a:ln>
         </p:spPr>
@@ -4708,7 +4708,7 @@
           </a:solidFill>
           <a:ln>
             <a:solidFill>
-              <a:srgbClr val="C00000"/>
+              <a:srgbClr val="00C020"/>
             </a:solidFill>
           </a:ln>
         </p:spPr>
@@ -4762,7 +4762,7 @@
           </a:solidFill>
           <a:ln>
             <a:solidFill>
-              <a:srgbClr val="C00000"/>
+              <a:srgbClr val="00C020"/>
             </a:solidFill>
           </a:ln>
         </p:spPr>
@@ -4816,7 +4816,7 @@
           </a:solidFill>
           <a:ln>
             <a:solidFill>
-              <a:srgbClr val="C00000"/>
+              <a:srgbClr val="00C020"/>
             </a:solidFill>
           </a:ln>
         </p:spPr>
@@ -5213,7 +5213,7 @@
           </a:solidFill>
           <a:ln>
             <a:solidFill>
-              <a:srgbClr val="C00000"/>
+              <a:srgbClr val="00C020"/>
             </a:solidFill>
           </a:ln>
         </p:spPr>
@@ -5263,11 +5263,11 @@
             <a:avLst/>
           </a:prstGeom>
           <a:solidFill>
-            <a:srgbClr val="C00000"/>
+            <a:srgbClr val="00C020"/>
           </a:solidFill>
           <a:ln>
             <a:solidFill>
-              <a:srgbClr val="C00000"/>
+              <a:srgbClr val="00C020"/>
             </a:solidFill>
           </a:ln>
         </p:spPr>
@@ -5317,11 +5317,11 @@
             <a:avLst/>
           </a:prstGeom>
           <a:solidFill>
-            <a:srgbClr val="C00000"/>
+            <a:srgbClr val="00C020"/>
           </a:solidFill>
           <a:ln>
             <a:solidFill>
-              <a:srgbClr val="C00000"/>
+              <a:srgbClr val="00C020"/>
             </a:solidFill>
           </a:ln>
         </p:spPr>
@@ -5375,7 +5375,7 @@
           </a:solidFill>
           <a:ln>
             <a:solidFill>
-              <a:srgbClr val="C00000"/>
+              <a:srgbClr val="00C020"/>
             </a:solidFill>
           </a:ln>
         </p:spPr>
@@ -5429,7 +5429,7 @@
           </a:solidFill>
           <a:ln>
             <a:solidFill>
-              <a:srgbClr val="C00000"/>
+              <a:srgbClr val="00C020"/>
             </a:solidFill>
           </a:ln>
         </p:spPr>
@@ -5483,7 +5483,7 @@
           </a:solidFill>
           <a:ln>
             <a:solidFill>
-              <a:srgbClr val="C00000"/>
+              <a:srgbClr val="00C020"/>
             </a:solidFill>
           </a:ln>
         </p:spPr>
@@ -5537,7 +5537,7 @@
           </a:solidFill>
           <a:ln>
             <a:solidFill>
-              <a:srgbClr val="C00000"/>
+              <a:srgbClr val="00C020"/>
             </a:solidFill>
           </a:ln>
         </p:spPr>
@@ -5591,7 +5591,7 @@
           </a:solidFill>
           <a:ln>
             <a:solidFill>
-              <a:srgbClr val="C00000"/>
+              <a:srgbClr val="00C020"/>
             </a:solidFill>
           </a:ln>
         </p:spPr>
@@ -5981,6 +5981,14 @@
 <file path=ppt/slides/slide4.xml><?xml version="1.0" encoding="utf-8"?>
 <p:sld xmlns:a="http://schemas.openxmlformats.org/drawingml/2006/main" xmlns:r="http://schemas.openxmlformats.org/officeDocument/2006/relationships" xmlns:p="http://schemas.openxmlformats.org/presentationml/2006/main">
   <p:cSld>
+    <p:bg>
+      <p:bgPr>
+        <a:solidFill>
+          <a:schemeClr val="bg1"/>
+        </a:solidFill>
+        <a:effectLst/>
+      </p:bgPr>
+    </p:bg>
     <p:spTree>
       <p:nvGrpSpPr>
         <p:cNvPr id="1" name=""/>
@@ -5995,35 +6003,6 @@
           <a:chExt cx="0" cy="0"/>
         </a:xfrm>
       </p:grpSpPr>
-      <p:pic>
-        <p:nvPicPr>
-          <p:cNvPr id="5" name="Image 4">
-            <a:extLst>
-              <a:ext uri="{FF2B5EF4-FFF2-40B4-BE49-F238E27FC236}">
-                <a16:creationId xmlns:a16="http://schemas.microsoft.com/office/drawing/2014/main" id="{1EF0A767-8FAF-48D0-82D0-1D790E107570}"/>
-              </a:ext>
-            </a:extLst>
-          </p:cNvPr>
-          <p:cNvPicPr>
-            <a:picLocks noChangeAspect="1"/>
-          </p:cNvPicPr>
-          <p:nvPr/>
-        </p:nvPicPr>
-        <p:blipFill rotWithShape="1">
-          <a:blip r:embed="rId2"/>
-          <a:srcRect t="-419" b="-1"/>
-          <a:stretch/>
-        </p:blipFill>
-        <p:spPr>
-          <a:xfrm>
-            <a:off x="343471" y="28576"/>
-            <a:ext cx="10791825" cy="6829424"/>
-          </a:xfrm>
-          <a:prstGeom prst="rect">
-            <a:avLst/>
-          </a:prstGeom>
-        </p:spPr>
-      </p:pic>
       <p:sp>
         <p:nvSpPr>
           <p:cNvPr id="2" name="Espace réservé du pied de page 1">
@@ -6106,7 +6085,7 @@
           </a:solidFill>
           <a:ln>
             <a:solidFill>
-              <a:srgbClr val="C00000"/>
+              <a:srgbClr val="00C020"/>
             </a:solidFill>
           </a:ln>
         </p:spPr>
@@ -6153,6 +6132,934 @@
             <a:ext cx="649224" cy="694981"/>
           </a:xfrm>
           <a:prstGeom prst="ellipse">
+            <a:avLst/>
+          </a:prstGeom>
+          <a:solidFill>
+            <a:srgbClr val="00C020"/>
+          </a:solidFill>
+          <a:ln>
+            <a:solidFill>
+              <a:srgbClr val="00C020"/>
+            </a:solidFill>
+          </a:ln>
+        </p:spPr>
+        <p:style>
+          <a:lnRef idx="2">
+            <a:schemeClr val="accent1">
+              <a:shade val="50000"/>
+            </a:schemeClr>
+          </a:lnRef>
+          <a:fillRef idx="1">
+            <a:schemeClr val="accent1"/>
+          </a:fillRef>
+          <a:effectRef idx="0">
+            <a:schemeClr val="accent1"/>
+          </a:effectRef>
+          <a:fontRef idx="minor">
+            <a:schemeClr val="lt1"/>
+          </a:fontRef>
+        </p:style>
+        <p:txBody>
+          <a:bodyPr rtlCol="0" anchor="ctr"/>
+          <a:lstStyle/>
+          <a:p>
+            <a:pPr algn="ctr"/>
+            <a:endParaRPr lang="fr-FR"/>
+          </a:p>
+        </p:txBody>
+      </p:sp>
+      <p:sp>
+        <p:nvSpPr>
+          <p:cNvPr id="8" name="Ellipse 7">
+            <a:extLst>
+              <a:ext uri="{FF2B5EF4-FFF2-40B4-BE49-F238E27FC236}">
+                <a16:creationId xmlns:a16="http://schemas.microsoft.com/office/drawing/2014/main" id="{6FA9DB15-90A0-4B81-A451-D25277E986FA}"/>
+              </a:ext>
+            </a:extLst>
+          </p:cNvPr>
+          <p:cNvSpPr/>
+          <p:nvPr/>
+        </p:nvSpPr>
+        <p:spPr>
+          <a:xfrm>
+            <a:off x="11352273" y="102610"/>
+            <a:ext cx="649225" cy="694981"/>
+          </a:xfrm>
+          <a:prstGeom prst="ellipse">
+            <a:avLst/>
+          </a:prstGeom>
+          <a:solidFill>
+            <a:srgbClr val="00C020"/>
+          </a:solidFill>
+          <a:ln>
+            <a:solidFill>
+              <a:srgbClr val="00C020"/>
+            </a:solidFill>
+          </a:ln>
+        </p:spPr>
+        <p:style>
+          <a:lnRef idx="2">
+            <a:schemeClr val="accent1">
+              <a:shade val="50000"/>
+            </a:schemeClr>
+          </a:lnRef>
+          <a:fillRef idx="1">
+            <a:schemeClr val="accent1"/>
+          </a:fillRef>
+          <a:effectRef idx="0">
+            <a:schemeClr val="accent1"/>
+          </a:effectRef>
+          <a:fontRef idx="minor">
+            <a:schemeClr val="lt1"/>
+          </a:fontRef>
+        </p:style>
+        <p:txBody>
+          <a:bodyPr rtlCol="0" anchor="ctr"/>
+          <a:lstStyle/>
+          <a:p>
+            <a:pPr algn="ctr"/>
+            <a:endParaRPr lang="fr-FR"/>
+          </a:p>
+        </p:txBody>
+      </p:sp>
+      <p:sp>
+        <p:nvSpPr>
+          <p:cNvPr id="9" name="Ellipse 8">
+            <a:extLst>
+              <a:ext uri="{FF2B5EF4-FFF2-40B4-BE49-F238E27FC236}">
+                <a16:creationId xmlns:a16="http://schemas.microsoft.com/office/drawing/2014/main" id="{BB3F1355-F31F-4B8F-86A1-3DCE9DFF5E3F}"/>
+              </a:ext>
+            </a:extLst>
+          </p:cNvPr>
+          <p:cNvSpPr/>
+          <p:nvPr/>
+        </p:nvSpPr>
+        <p:spPr>
+          <a:xfrm>
+            <a:off x="11352273" y="1922124"/>
+            <a:ext cx="649225" cy="694981"/>
+          </a:xfrm>
+          <a:prstGeom prst="ellipse">
+            <a:avLst/>
+          </a:prstGeom>
+          <a:solidFill>
+            <a:srgbClr val="00C020"/>
+          </a:solidFill>
+          <a:ln>
+            <a:solidFill>
+              <a:srgbClr val="00C020"/>
+            </a:solidFill>
+          </a:ln>
+        </p:spPr>
+        <p:style>
+          <a:lnRef idx="2">
+            <a:schemeClr val="accent1">
+              <a:shade val="50000"/>
+            </a:schemeClr>
+          </a:lnRef>
+          <a:fillRef idx="1">
+            <a:schemeClr val="accent1"/>
+          </a:fillRef>
+          <a:effectRef idx="0">
+            <a:schemeClr val="accent1"/>
+          </a:effectRef>
+          <a:fontRef idx="minor">
+            <a:schemeClr val="lt1"/>
+          </a:fontRef>
+        </p:style>
+        <p:txBody>
+          <a:bodyPr rtlCol="0" anchor="ctr"/>
+          <a:lstStyle/>
+          <a:p>
+            <a:pPr algn="ctr"/>
+            <a:endParaRPr lang="fr-FR"/>
+          </a:p>
+        </p:txBody>
+      </p:sp>
+      <p:sp>
+        <p:nvSpPr>
+          <p:cNvPr id="10" name="Ellipse 9">
+            <a:extLst>
+              <a:ext uri="{FF2B5EF4-FFF2-40B4-BE49-F238E27FC236}">
+                <a16:creationId xmlns:a16="http://schemas.microsoft.com/office/drawing/2014/main" id="{0C9D887F-CB39-4244-9A2F-2065D342C0A2}"/>
+              </a:ext>
+            </a:extLst>
+          </p:cNvPr>
+          <p:cNvSpPr/>
+          <p:nvPr/>
+        </p:nvSpPr>
+        <p:spPr>
+          <a:xfrm>
+            <a:off x="11352273" y="2913046"/>
+            <a:ext cx="649225" cy="694981"/>
+          </a:xfrm>
+          <a:prstGeom prst="ellipse">
+            <a:avLst/>
+          </a:prstGeom>
+          <a:solidFill>
+            <a:schemeClr val="tx1"/>
+          </a:solidFill>
+          <a:ln>
+            <a:solidFill>
+              <a:srgbClr val="00C020"/>
+            </a:solidFill>
+          </a:ln>
+        </p:spPr>
+        <p:style>
+          <a:lnRef idx="2">
+            <a:schemeClr val="accent1">
+              <a:shade val="50000"/>
+            </a:schemeClr>
+          </a:lnRef>
+          <a:fillRef idx="1">
+            <a:schemeClr val="accent1"/>
+          </a:fillRef>
+          <a:effectRef idx="0">
+            <a:schemeClr val="accent1"/>
+          </a:effectRef>
+          <a:fontRef idx="minor">
+            <a:schemeClr val="lt1"/>
+          </a:fontRef>
+        </p:style>
+        <p:txBody>
+          <a:bodyPr rtlCol="0" anchor="ctr"/>
+          <a:lstStyle/>
+          <a:p>
+            <a:pPr algn="ctr"/>
+            <a:endParaRPr lang="fr-FR"/>
+          </a:p>
+        </p:txBody>
+      </p:sp>
+      <p:sp>
+        <p:nvSpPr>
+          <p:cNvPr id="11" name="Ellipse 10">
+            <a:extLst>
+              <a:ext uri="{FF2B5EF4-FFF2-40B4-BE49-F238E27FC236}">
+                <a16:creationId xmlns:a16="http://schemas.microsoft.com/office/drawing/2014/main" id="{EAD49069-9C70-4887-9C63-525231620CEB}"/>
+              </a:ext>
+            </a:extLst>
+          </p:cNvPr>
+          <p:cNvSpPr/>
+          <p:nvPr/>
+        </p:nvSpPr>
+        <p:spPr>
+          <a:xfrm>
+            <a:off x="11352273" y="3903968"/>
+            <a:ext cx="649224" cy="694981"/>
+          </a:xfrm>
+          <a:prstGeom prst="ellipse">
+            <a:avLst/>
+          </a:prstGeom>
+          <a:solidFill>
+            <a:schemeClr val="tx1"/>
+          </a:solidFill>
+          <a:ln>
+            <a:solidFill>
+              <a:srgbClr val="00C020"/>
+            </a:solidFill>
+          </a:ln>
+        </p:spPr>
+        <p:style>
+          <a:lnRef idx="2">
+            <a:schemeClr val="accent1">
+              <a:shade val="50000"/>
+            </a:schemeClr>
+          </a:lnRef>
+          <a:fillRef idx="1">
+            <a:schemeClr val="accent1"/>
+          </a:fillRef>
+          <a:effectRef idx="0">
+            <a:schemeClr val="accent1"/>
+          </a:effectRef>
+          <a:fontRef idx="minor">
+            <a:schemeClr val="lt1"/>
+          </a:fontRef>
+        </p:style>
+        <p:txBody>
+          <a:bodyPr rtlCol="0" anchor="ctr"/>
+          <a:lstStyle/>
+          <a:p>
+            <a:pPr algn="ctr"/>
+            <a:endParaRPr lang="fr-FR"/>
+          </a:p>
+        </p:txBody>
+      </p:sp>
+      <p:sp>
+        <p:nvSpPr>
+          <p:cNvPr id="12" name="Ellipse 11">
+            <a:extLst>
+              <a:ext uri="{FF2B5EF4-FFF2-40B4-BE49-F238E27FC236}">
+                <a16:creationId xmlns:a16="http://schemas.microsoft.com/office/drawing/2014/main" id="{7DAA8F8B-1C27-4975-B3CA-18A7AA2F4D26}"/>
+              </a:ext>
+            </a:extLst>
+          </p:cNvPr>
+          <p:cNvSpPr/>
+          <p:nvPr/>
+        </p:nvSpPr>
+        <p:spPr>
+          <a:xfrm>
+            <a:off x="11352273" y="4894193"/>
+            <a:ext cx="649224" cy="694982"/>
+          </a:xfrm>
+          <a:prstGeom prst="ellipse">
+            <a:avLst/>
+          </a:prstGeom>
+          <a:solidFill>
+            <a:schemeClr val="tx1"/>
+          </a:solidFill>
+          <a:ln>
+            <a:solidFill>
+              <a:srgbClr val="00C020"/>
+            </a:solidFill>
+          </a:ln>
+        </p:spPr>
+        <p:style>
+          <a:lnRef idx="2">
+            <a:schemeClr val="accent1">
+              <a:shade val="50000"/>
+            </a:schemeClr>
+          </a:lnRef>
+          <a:fillRef idx="1">
+            <a:schemeClr val="accent1"/>
+          </a:fillRef>
+          <a:effectRef idx="0">
+            <a:schemeClr val="accent1"/>
+          </a:effectRef>
+          <a:fontRef idx="minor">
+            <a:schemeClr val="lt1"/>
+          </a:fontRef>
+        </p:style>
+        <p:txBody>
+          <a:bodyPr rtlCol="0" anchor="ctr"/>
+          <a:lstStyle/>
+          <a:p>
+            <a:pPr algn="ctr"/>
+            <a:endParaRPr lang="fr-FR"/>
+          </a:p>
+        </p:txBody>
+      </p:sp>
+      <p:sp>
+        <p:nvSpPr>
+          <p:cNvPr id="13" name="Ellipse 12">
+            <a:extLst>
+              <a:ext uri="{FF2B5EF4-FFF2-40B4-BE49-F238E27FC236}">
+                <a16:creationId xmlns:a16="http://schemas.microsoft.com/office/drawing/2014/main" id="{8DF98B99-CC36-41C0-AE85-7B4891A9381A}"/>
+              </a:ext>
+            </a:extLst>
+          </p:cNvPr>
+          <p:cNvSpPr/>
+          <p:nvPr/>
+        </p:nvSpPr>
+        <p:spPr>
+          <a:xfrm>
+            <a:off x="11352273" y="5888237"/>
+            <a:ext cx="649224" cy="694981"/>
+          </a:xfrm>
+          <a:prstGeom prst="ellipse">
+            <a:avLst/>
+          </a:prstGeom>
+          <a:solidFill>
+            <a:schemeClr val="tx1"/>
+          </a:solidFill>
+          <a:ln>
+            <a:solidFill>
+              <a:srgbClr val="00C020"/>
+            </a:solidFill>
+          </a:ln>
+        </p:spPr>
+        <p:style>
+          <a:lnRef idx="2">
+            <a:schemeClr val="accent1">
+              <a:shade val="50000"/>
+            </a:schemeClr>
+          </a:lnRef>
+          <a:fillRef idx="1">
+            <a:schemeClr val="accent1"/>
+          </a:fillRef>
+          <a:effectRef idx="0">
+            <a:schemeClr val="accent1"/>
+          </a:effectRef>
+          <a:fontRef idx="minor">
+            <a:schemeClr val="lt1"/>
+          </a:fontRef>
+        </p:style>
+        <p:txBody>
+          <a:bodyPr rtlCol="0" anchor="ctr"/>
+          <a:lstStyle/>
+          <a:p>
+            <a:pPr algn="ctr"/>
+            <a:endParaRPr lang="fr-FR"/>
+          </a:p>
+        </p:txBody>
+      </p:sp>
+      <p:pic>
+        <p:nvPicPr>
+          <p:cNvPr id="4" name="Image 3">
+            <a:extLst>
+              <a:ext uri="{FF2B5EF4-FFF2-40B4-BE49-F238E27FC236}">
+                <a16:creationId xmlns:a16="http://schemas.microsoft.com/office/drawing/2014/main" id="{9FBD58BF-E732-4DE0-B648-CF5B80638619}"/>
+              </a:ext>
+            </a:extLst>
+          </p:cNvPr>
+          <p:cNvPicPr>
+            <a:picLocks noChangeAspect="1"/>
+          </p:cNvPicPr>
+          <p:nvPr/>
+        </p:nvPicPr>
+        <p:blipFill>
+          <a:blip r:embed="rId2"/>
+          <a:stretch>
+            <a:fillRect/>
+          </a:stretch>
+        </p:blipFill>
+        <p:spPr>
+          <a:xfrm>
+            <a:off x="27768" y="0"/>
+            <a:ext cx="10344839" cy="6828613"/>
+          </a:xfrm>
+          <a:prstGeom prst="rect">
+            <a:avLst/>
+          </a:prstGeom>
+        </p:spPr>
+      </p:pic>
+      <p:sp>
+        <p:nvSpPr>
+          <p:cNvPr id="16" name="Rectangle : coins arrondis 15">
+            <a:extLst>
+              <a:ext uri="{FF2B5EF4-FFF2-40B4-BE49-F238E27FC236}">
+                <a16:creationId xmlns:a16="http://schemas.microsoft.com/office/drawing/2014/main" id="{372AC98C-FC82-4921-9EEC-C45DBA31F866}"/>
+              </a:ext>
+            </a:extLst>
+          </p:cNvPr>
+          <p:cNvSpPr/>
+          <p:nvPr/>
+        </p:nvSpPr>
+        <p:spPr>
+          <a:xfrm>
+            <a:off x="604784" y="395255"/>
+            <a:ext cx="2166357" cy="882702"/>
+          </a:xfrm>
+          <a:prstGeom prst="roundRect">
+            <a:avLst/>
+          </a:prstGeom>
+          <a:noFill/>
+          <a:ln w="57150">
+            <a:solidFill>
+              <a:srgbClr val="FFC000"/>
+            </a:solidFill>
+          </a:ln>
+        </p:spPr>
+        <p:style>
+          <a:lnRef idx="2">
+            <a:schemeClr val="accent1">
+              <a:shade val="50000"/>
+            </a:schemeClr>
+          </a:lnRef>
+          <a:fillRef idx="1">
+            <a:schemeClr val="accent1"/>
+          </a:fillRef>
+          <a:effectRef idx="0">
+            <a:schemeClr val="accent1"/>
+          </a:effectRef>
+          <a:fontRef idx="minor">
+            <a:schemeClr val="lt1"/>
+          </a:fontRef>
+        </p:style>
+        <p:txBody>
+          <a:bodyPr rtlCol="0" anchor="ctr"/>
+          <a:lstStyle/>
+          <a:p>
+            <a:pPr algn="ctr"/>
+            <a:endParaRPr lang="fr-FR"/>
+          </a:p>
+        </p:txBody>
+      </p:sp>
+      <p:sp>
+        <p:nvSpPr>
+          <p:cNvPr id="17" name="Rectangle : coins arrondis 16">
+            <a:extLst>
+              <a:ext uri="{FF2B5EF4-FFF2-40B4-BE49-F238E27FC236}">
+                <a16:creationId xmlns:a16="http://schemas.microsoft.com/office/drawing/2014/main" id="{5F32B56E-B1DC-4AF6-9BBC-B48C7BDC6540}"/>
+              </a:ext>
+            </a:extLst>
+          </p:cNvPr>
+          <p:cNvSpPr/>
+          <p:nvPr/>
+        </p:nvSpPr>
+        <p:spPr>
+          <a:xfrm>
+            <a:off x="3131547" y="395255"/>
+            <a:ext cx="2166357" cy="882702"/>
+          </a:xfrm>
+          <a:prstGeom prst="roundRect">
+            <a:avLst/>
+          </a:prstGeom>
+          <a:noFill/>
+          <a:ln w="57150">
+            <a:solidFill>
+              <a:srgbClr val="FFC000"/>
+            </a:solidFill>
+          </a:ln>
+        </p:spPr>
+        <p:style>
+          <a:lnRef idx="2">
+            <a:schemeClr val="accent1">
+              <a:shade val="50000"/>
+            </a:schemeClr>
+          </a:lnRef>
+          <a:fillRef idx="1">
+            <a:schemeClr val="accent1"/>
+          </a:fillRef>
+          <a:effectRef idx="0">
+            <a:schemeClr val="accent1"/>
+          </a:effectRef>
+          <a:fontRef idx="minor">
+            <a:schemeClr val="lt1"/>
+          </a:fontRef>
+        </p:style>
+        <p:txBody>
+          <a:bodyPr rtlCol="0" anchor="ctr"/>
+          <a:lstStyle/>
+          <a:p>
+            <a:pPr algn="ctr"/>
+            <a:endParaRPr lang="fr-FR"/>
+          </a:p>
+        </p:txBody>
+      </p:sp>
+      <p:sp>
+        <p:nvSpPr>
+          <p:cNvPr id="18" name="Rectangle : coins arrondis 17">
+            <a:extLst>
+              <a:ext uri="{FF2B5EF4-FFF2-40B4-BE49-F238E27FC236}">
+                <a16:creationId xmlns:a16="http://schemas.microsoft.com/office/drawing/2014/main" id="{A13C1241-5A98-4107-841B-D727C8FE63AF}"/>
+              </a:ext>
+            </a:extLst>
+          </p:cNvPr>
+          <p:cNvSpPr/>
+          <p:nvPr/>
+        </p:nvSpPr>
+        <p:spPr>
+          <a:xfrm>
+            <a:off x="5613839" y="382942"/>
+            <a:ext cx="2166357" cy="882702"/>
+          </a:xfrm>
+          <a:prstGeom prst="roundRect">
+            <a:avLst/>
+          </a:prstGeom>
+          <a:noFill/>
+          <a:ln w="57150">
+            <a:solidFill>
+              <a:srgbClr val="FFC000"/>
+            </a:solidFill>
+          </a:ln>
+        </p:spPr>
+        <p:style>
+          <a:lnRef idx="2">
+            <a:schemeClr val="accent1">
+              <a:shade val="50000"/>
+            </a:schemeClr>
+          </a:lnRef>
+          <a:fillRef idx="1">
+            <a:schemeClr val="accent1"/>
+          </a:fillRef>
+          <a:effectRef idx="0">
+            <a:schemeClr val="accent1"/>
+          </a:effectRef>
+          <a:fontRef idx="minor">
+            <a:schemeClr val="lt1"/>
+          </a:fontRef>
+        </p:style>
+        <p:txBody>
+          <a:bodyPr rtlCol="0" anchor="ctr"/>
+          <a:lstStyle/>
+          <a:p>
+            <a:pPr algn="ctr"/>
+            <a:endParaRPr lang="fr-FR"/>
+          </a:p>
+        </p:txBody>
+      </p:sp>
+      <p:sp>
+        <p:nvSpPr>
+          <p:cNvPr id="19" name="Rectangle : coins arrondis 18">
+            <a:extLst>
+              <a:ext uri="{FF2B5EF4-FFF2-40B4-BE49-F238E27FC236}">
+                <a16:creationId xmlns:a16="http://schemas.microsoft.com/office/drawing/2014/main" id="{F2AB9E74-FA81-45E1-8359-D1D2A6B3A99B}"/>
+              </a:ext>
+            </a:extLst>
+          </p:cNvPr>
+          <p:cNvSpPr/>
+          <p:nvPr/>
+        </p:nvSpPr>
+        <p:spPr>
+          <a:xfrm>
+            <a:off x="551850" y="1691389"/>
+            <a:ext cx="2238370" cy="882702"/>
+          </a:xfrm>
+          <a:prstGeom prst="roundRect">
+            <a:avLst/>
+          </a:prstGeom>
+          <a:noFill/>
+          <a:ln w="57150">
+            <a:solidFill>
+              <a:srgbClr val="C00000"/>
+            </a:solidFill>
+          </a:ln>
+        </p:spPr>
+        <p:style>
+          <a:lnRef idx="2">
+            <a:schemeClr val="accent1">
+              <a:shade val="50000"/>
+            </a:schemeClr>
+          </a:lnRef>
+          <a:fillRef idx="1">
+            <a:schemeClr val="accent1"/>
+          </a:fillRef>
+          <a:effectRef idx="0">
+            <a:schemeClr val="accent1"/>
+          </a:effectRef>
+          <a:fontRef idx="minor">
+            <a:schemeClr val="lt1"/>
+          </a:fontRef>
+        </p:style>
+        <p:txBody>
+          <a:bodyPr rtlCol="0" anchor="ctr"/>
+          <a:lstStyle/>
+          <a:p>
+            <a:pPr algn="ctr"/>
+            <a:endParaRPr lang="fr-FR"/>
+          </a:p>
+        </p:txBody>
+      </p:sp>
+      <p:sp>
+        <p:nvSpPr>
+          <p:cNvPr id="20" name="Rectangle : coins arrondis 19">
+            <a:extLst>
+              <a:ext uri="{FF2B5EF4-FFF2-40B4-BE49-F238E27FC236}">
+                <a16:creationId xmlns:a16="http://schemas.microsoft.com/office/drawing/2014/main" id="{B7A37CA5-5A71-4C9E-BC7B-3DBE565F7132}"/>
+              </a:ext>
+            </a:extLst>
+          </p:cNvPr>
+          <p:cNvSpPr/>
+          <p:nvPr/>
+        </p:nvSpPr>
+        <p:spPr>
+          <a:xfrm>
+            <a:off x="3028206" y="1673211"/>
+            <a:ext cx="2256957" cy="882702"/>
+          </a:xfrm>
+          <a:prstGeom prst="roundRect">
+            <a:avLst/>
+          </a:prstGeom>
+          <a:noFill/>
+          <a:ln w="57150">
+            <a:solidFill>
+              <a:srgbClr val="00B0F0"/>
+            </a:solidFill>
+          </a:ln>
+        </p:spPr>
+        <p:style>
+          <a:lnRef idx="2">
+            <a:schemeClr val="accent1">
+              <a:shade val="50000"/>
+            </a:schemeClr>
+          </a:lnRef>
+          <a:fillRef idx="1">
+            <a:schemeClr val="accent1"/>
+          </a:fillRef>
+          <a:effectRef idx="0">
+            <a:schemeClr val="accent1"/>
+          </a:effectRef>
+          <a:fontRef idx="minor">
+            <a:schemeClr val="lt1"/>
+          </a:fontRef>
+        </p:style>
+        <p:txBody>
+          <a:bodyPr rtlCol="0" anchor="ctr"/>
+          <a:lstStyle/>
+          <a:p>
+            <a:pPr algn="ctr"/>
+            <a:endParaRPr lang="fr-FR"/>
+          </a:p>
+        </p:txBody>
+      </p:sp>
+      <p:sp>
+        <p:nvSpPr>
+          <p:cNvPr id="21" name="Rectangle : coins arrondis 20">
+            <a:extLst>
+              <a:ext uri="{FF2B5EF4-FFF2-40B4-BE49-F238E27FC236}">
+                <a16:creationId xmlns:a16="http://schemas.microsoft.com/office/drawing/2014/main" id="{21DEEE32-3D0D-4E4B-B5F5-187C9E691899}"/>
+              </a:ext>
+            </a:extLst>
+          </p:cNvPr>
+          <p:cNvSpPr/>
+          <p:nvPr/>
+        </p:nvSpPr>
+        <p:spPr>
+          <a:xfrm>
+            <a:off x="5567935" y="1673211"/>
+            <a:ext cx="2212261" cy="882702"/>
+          </a:xfrm>
+          <a:prstGeom prst="roundRect">
+            <a:avLst/>
+          </a:prstGeom>
+          <a:noFill/>
+          <a:ln w="57150">
+            <a:solidFill>
+              <a:srgbClr val="00C020"/>
+            </a:solidFill>
+          </a:ln>
+        </p:spPr>
+        <p:style>
+          <a:lnRef idx="2">
+            <a:schemeClr val="accent1">
+              <a:shade val="50000"/>
+            </a:schemeClr>
+          </a:lnRef>
+          <a:fillRef idx="1">
+            <a:schemeClr val="accent1"/>
+          </a:fillRef>
+          <a:effectRef idx="0">
+            <a:schemeClr val="accent1"/>
+          </a:effectRef>
+          <a:fontRef idx="minor">
+            <a:schemeClr val="lt1"/>
+          </a:fontRef>
+        </p:style>
+        <p:txBody>
+          <a:bodyPr rtlCol="0" anchor="ctr"/>
+          <a:lstStyle/>
+          <a:p>
+            <a:pPr algn="ctr"/>
+            <a:endParaRPr lang="fr-FR"/>
+          </a:p>
+        </p:txBody>
+      </p:sp>
+      <p:sp>
+        <p:nvSpPr>
+          <p:cNvPr id="22" name="Rectangle : coins arrondis 21">
+            <a:extLst>
+              <a:ext uri="{FF2B5EF4-FFF2-40B4-BE49-F238E27FC236}">
+                <a16:creationId xmlns:a16="http://schemas.microsoft.com/office/drawing/2014/main" id="{8E195BE3-14DF-4CB9-9839-6B5421FCC980}"/>
+              </a:ext>
+            </a:extLst>
+          </p:cNvPr>
+          <p:cNvSpPr/>
+          <p:nvPr/>
+        </p:nvSpPr>
+        <p:spPr>
+          <a:xfrm>
+            <a:off x="587857" y="2963480"/>
+            <a:ext cx="2166357" cy="882702"/>
+          </a:xfrm>
+          <a:prstGeom prst="roundRect">
+            <a:avLst/>
+          </a:prstGeom>
+          <a:noFill/>
+          <a:ln w="57150">
+            <a:solidFill>
+              <a:srgbClr val="00C020"/>
+            </a:solidFill>
+          </a:ln>
+        </p:spPr>
+        <p:style>
+          <a:lnRef idx="2">
+            <a:schemeClr val="accent1">
+              <a:shade val="50000"/>
+            </a:schemeClr>
+          </a:lnRef>
+          <a:fillRef idx="1">
+            <a:schemeClr val="accent1"/>
+          </a:fillRef>
+          <a:effectRef idx="0">
+            <a:schemeClr val="accent1"/>
+          </a:effectRef>
+          <a:fontRef idx="minor">
+            <a:schemeClr val="lt1"/>
+          </a:fontRef>
+        </p:style>
+        <p:txBody>
+          <a:bodyPr rtlCol="0" anchor="ctr"/>
+          <a:lstStyle/>
+          <a:p>
+            <a:pPr algn="ctr"/>
+            <a:endParaRPr lang="fr-FR"/>
+          </a:p>
+        </p:txBody>
+      </p:sp>
+      <p:sp>
+        <p:nvSpPr>
+          <p:cNvPr id="23" name="Rectangle : coins arrondis 22">
+            <a:extLst>
+              <a:ext uri="{FF2B5EF4-FFF2-40B4-BE49-F238E27FC236}">
+                <a16:creationId xmlns:a16="http://schemas.microsoft.com/office/drawing/2014/main" id="{53106CC3-1DB0-4D87-99E1-2046ACBC0126}"/>
+              </a:ext>
+            </a:extLst>
+          </p:cNvPr>
+          <p:cNvSpPr/>
+          <p:nvPr/>
+        </p:nvSpPr>
+        <p:spPr>
+          <a:xfrm>
+            <a:off x="3144286" y="2951167"/>
+            <a:ext cx="2140877" cy="882702"/>
+          </a:xfrm>
+          <a:prstGeom prst="roundRect">
+            <a:avLst/>
+          </a:prstGeom>
+          <a:noFill/>
+          <a:ln w="57150">
+            <a:solidFill>
+              <a:srgbClr val="C00000"/>
+            </a:solidFill>
+          </a:ln>
+        </p:spPr>
+        <p:style>
+          <a:lnRef idx="2">
+            <a:schemeClr val="accent1">
+              <a:shade val="50000"/>
+            </a:schemeClr>
+          </a:lnRef>
+          <a:fillRef idx="1">
+            <a:schemeClr val="accent1"/>
+          </a:fillRef>
+          <a:effectRef idx="0">
+            <a:schemeClr val="accent1"/>
+          </a:effectRef>
+          <a:fontRef idx="minor">
+            <a:schemeClr val="lt1"/>
+          </a:fontRef>
+        </p:style>
+        <p:txBody>
+          <a:bodyPr rtlCol="0" anchor="ctr"/>
+          <a:lstStyle/>
+          <a:p>
+            <a:pPr algn="ctr"/>
+            <a:endParaRPr lang="fr-FR"/>
+          </a:p>
+        </p:txBody>
+      </p:sp>
+      <p:sp>
+        <p:nvSpPr>
+          <p:cNvPr id="24" name="Rectangle : coins arrondis 23">
+            <a:extLst>
+              <a:ext uri="{FF2B5EF4-FFF2-40B4-BE49-F238E27FC236}">
+                <a16:creationId xmlns:a16="http://schemas.microsoft.com/office/drawing/2014/main" id="{A3B46F8C-DC6C-402F-A4F7-1712D912E0CB}"/>
+              </a:ext>
+            </a:extLst>
+          </p:cNvPr>
+          <p:cNvSpPr/>
+          <p:nvPr/>
+        </p:nvSpPr>
+        <p:spPr>
+          <a:xfrm>
+            <a:off x="5603626" y="2963480"/>
+            <a:ext cx="2140877" cy="882702"/>
+          </a:xfrm>
+          <a:prstGeom prst="roundRect">
+            <a:avLst/>
+          </a:prstGeom>
+          <a:noFill/>
+          <a:ln w="57150">
+            <a:solidFill>
+              <a:srgbClr val="00B0F0"/>
+            </a:solidFill>
+          </a:ln>
+        </p:spPr>
+        <p:style>
+          <a:lnRef idx="2">
+            <a:schemeClr val="accent1">
+              <a:shade val="50000"/>
+            </a:schemeClr>
+          </a:lnRef>
+          <a:fillRef idx="1">
+            <a:schemeClr val="accent1"/>
+          </a:fillRef>
+          <a:effectRef idx="0">
+            <a:schemeClr val="accent1"/>
+          </a:effectRef>
+          <a:fontRef idx="minor">
+            <a:schemeClr val="lt1"/>
+          </a:fontRef>
+        </p:style>
+        <p:txBody>
+          <a:bodyPr rtlCol="0" anchor="ctr"/>
+          <a:lstStyle/>
+          <a:p>
+            <a:pPr algn="ctr"/>
+            <a:endParaRPr lang="fr-FR"/>
+          </a:p>
+        </p:txBody>
+      </p:sp>
+      <p:sp>
+        <p:nvSpPr>
+          <p:cNvPr id="25" name="Ellipse 24">
+            <a:extLst>
+              <a:ext uri="{FF2B5EF4-FFF2-40B4-BE49-F238E27FC236}">
+                <a16:creationId xmlns:a16="http://schemas.microsoft.com/office/drawing/2014/main" id="{AB1986CB-775B-4A91-823E-4E0B284343C6}"/>
+              </a:ext>
+            </a:extLst>
+          </p:cNvPr>
+          <p:cNvSpPr/>
+          <p:nvPr/>
+        </p:nvSpPr>
+        <p:spPr>
+          <a:xfrm>
+            <a:off x="8134575" y="3660439"/>
+            <a:ext cx="710363" cy="591019"/>
+          </a:xfrm>
+          <a:prstGeom prst="ellipse">
+            <a:avLst/>
+          </a:prstGeom>
+          <a:noFill/>
+          <a:ln w="57150">
+            <a:solidFill>
+              <a:srgbClr val="C00000"/>
+            </a:solidFill>
+          </a:ln>
+        </p:spPr>
+        <p:style>
+          <a:lnRef idx="2">
+            <a:schemeClr val="accent1">
+              <a:shade val="50000"/>
+            </a:schemeClr>
+          </a:lnRef>
+          <a:fillRef idx="1">
+            <a:schemeClr val="accent1"/>
+          </a:fillRef>
+          <a:effectRef idx="0">
+            <a:schemeClr val="accent1"/>
+          </a:effectRef>
+          <a:fontRef idx="minor">
+            <a:schemeClr val="lt1"/>
+          </a:fontRef>
+        </p:style>
+        <p:txBody>
+          <a:bodyPr rtlCol="0" anchor="ctr"/>
+          <a:lstStyle/>
+          <a:p>
+            <a:pPr algn="ctr"/>
+            <a:endParaRPr lang="fr-FR"/>
+          </a:p>
+        </p:txBody>
+      </p:sp>
+      <p:sp>
+        <p:nvSpPr>
+          <p:cNvPr id="26" name="Flèche : double flèche verticale 25">
+            <a:extLst>
+              <a:ext uri="{FF2B5EF4-FFF2-40B4-BE49-F238E27FC236}">
+                <a16:creationId xmlns:a16="http://schemas.microsoft.com/office/drawing/2014/main" id="{CB0C667A-A3F6-4270-B047-42F99DD81E40}"/>
+              </a:ext>
+            </a:extLst>
+          </p:cNvPr>
+          <p:cNvSpPr/>
+          <p:nvPr/>
+        </p:nvSpPr>
+        <p:spPr>
+          <a:xfrm>
+            <a:off x="8949986" y="3035642"/>
+            <a:ext cx="381297" cy="1943982"/>
+          </a:xfrm>
+          <a:prstGeom prst="upDownArrow">
             <a:avLst/>
           </a:prstGeom>
           <a:solidFill>
@@ -6191,10 +7098,10 @@
       </p:sp>
       <p:sp>
         <p:nvSpPr>
-          <p:cNvPr id="8" name="Ellipse 7">
-            <a:extLst>
-              <a:ext uri="{FF2B5EF4-FFF2-40B4-BE49-F238E27FC236}">
-                <a16:creationId xmlns:a16="http://schemas.microsoft.com/office/drawing/2014/main" id="{6FA9DB15-90A0-4B81-A451-D25277E986FA}"/>
+          <p:cNvPr id="29" name="Flèche : virage 28">
+            <a:extLst>
+              <a:ext uri="{FF2B5EF4-FFF2-40B4-BE49-F238E27FC236}">
+                <a16:creationId xmlns:a16="http://schemas.microsoft.com/office/drawing/2014/main" id="{ED0186E8-D260-4CF8-A871-84D9E94F7CB4}"/>
               </a:ext>
             </a:extLst>
           </p:cNvPr>
@@ -6203,20 +7110,20 @@
         </p:nvSpPr>
         <p:spPr>
           <a:xfrm>
-            <a:off x="11352274" y="-36612"/>
-            <a:ext cx="649224" cy="694981"/>
-          </a:xfrm>
-          <a:prstGeom prst="ellipse">
-            <a:avLst/>
+            <a:off x="1699417" y="4359711"/>
+            <a:ext cx="5494596" cy="882702"/>
+          </a:xfrm>
+          <a:prstGeom prst="bentArrow">
+            <a:avLst>
+              <a:gd name="adj1" fmla="val 25000"/>
+              <a:gd name="adj2" fmla="val 22504"/>
+              <a:gd name="adj3" fmla="val 25000"/>
+              <a:gd name="adj4" fmla="val 43750"/>
+            </a:avLst>
           </a:prstGeom>
           <a:solidFill>
-            <a:srgbClr val="C00000"/>
+            <a:srgbClr val="00C020"/>
           </a:solidFill>
-          <a:ln>
-            <a:solidFill>
-              <a:srgbClr val="C00000"/>
-            </a:solidFill>
-          </a:ln>
         </p:spPr>
         <p:style>
           <a:lnRef idx="2">
@@ -6239,16 +7146,20 @@
           <a:lstStyle/>
           <a:p>
             <a:pPr algn="ctr"/>
-            <a:endParaRPr lang="fr-FR"/>
-          </a:p>
-        </p:txBody>
-      </p:sp>
-      <p:sp>
-        <p:nvSpPr>
-          <p:cNvPr id="9" name="Ellipse 8">
-            <a:extLst>
-              <a:ext uri="{FF2B5EF4-FFF2-40B4-BE49-F238E27FC236}">
-                <a16:creationId xmlns:a16="http://schemas.microsoft.com/office/drawing/2014/main" id="{BB3F1355-F31F-4B8F-86A1-3DCE9DFF5E3F}"/>
+            <a:endParaRPr lang="fr-FR">
+              <a:solidFill>
+                <a:schemeClr val="tx1"/>
+              </a:solidFill>
+            </a:endParaRPr>
+          </a:p>
+        </p:txBody>
+      </p:sp>
+      <p:sp>
+        <p:nvSpPr>
+          <p:cNvPr id="30" name="Flèche : angle droit 29">
+            <a:extLst>
+              <a:ext uri="{FF2B5EF4-FFF2-40B4-BE49-F238E27FC236}">
+                <a16:creationId xmlns:a16="http://schemas.microsoft.com/office/drawing/2014/main" id="{7C38EBBF-5B78-4110-8B3E-BD57E04C78A0}"/>
               </a:ext>
             </a:extLst>
           </p:cNvPr>
@@ -6256,21 +7167,20 @@
           <p:nvPr/>
         </p:nvSpPr>
         <p:spPr>
-          <a:xfrm>
-            <a:off x="11352273" y="1922124"/>
-            <a:ext cx="649225" cy="694981"/>
-          </a:xfrm>
-          <a:prstGeom prst="ellipse">
-            <a:avLst/>
+          <a:xfrm flipH="1">
+            <a:off x="1019459" y="6213528"/>
+            <a:ext cx="8142837" cy="610031"/>
+          </a:xfrm>
+          <a:prstGeom prst="bentUpArrow">
+            <a:avLst>
+              <a:gd name="adj1" fmla="val 22758"/>
+              <a:gd name="adj2" fmla="val 38791"/>
+              <a:gd name="adj3" fmla="val 38450"/>
+            </a:avLst>
           </a:prstGeom>
           <a:solidFill>
-            <a:srgbClr val="C00000"/>
+            <a:srgbClr val="00B0F0"/>
           </a:solidFill>
-          <a:ln>
-            <a:solidFill>
-              <a:srgbClr val="C00000"/>
-            </a:solidFill>
-          </a:ln>
         </p:spPr>
         <p:style>
           <a:lnRef idx="2">
@@ -6299,10 +7209,10 @@
       </p:sp>
       <p:sp>
         <p:nvSpPr>
-          <p:cNvPr id="10" name="Ellipse 9">
-            <a:extLst>
-              <a:ext uri="{FF2B5EF4-FFF2-40B4-BE49-F238E27FC236}">
-                <a16:creationId xmlns:a16="http://schemas.microsoft.com/office/drawing/2014/main" id="{0C9D887F-CB39-4244-9A2F-2065D342C0A2}"/>
+          <p:cNvPr id="31" name="Rectangle 30">
+            <a:extLst>
+              <a:ext uri="{FF2B5EF4-FFF2-40B4-BE49-F238E27FC236}">
+                <a16:creationId xmlns:a16="http://schemas.microsoft.com/office/drawing/2014/main" id="{6217E354-BE8A-4EB4-AB3C-2130F97A4560}"/>
               </a:ext>
             </a:extLst>
           </p:cNvPr>
@@ -6310,21 +7220,16 @@
           <p:nvPr/>
         </p:nvSpPr>
         <p:spPr>
-          <a:xfrm>
-            <a:off x="11352273" y="2913046"/>
-            <a:ext cx="649225" cy="694981"/>
-          </a:xfrm>
-          <a:prstGeom prst="ellipse">
+          <a:xfrm flipH="1">
+            <a:off x="9162297" y="6084153"/>
+            <a:ext cx="168987" cy="734353"/>
+          </a:xfrm>
+          <a:prstGeom prst="rect">
             <a:avLst/>
           </a:prstGeom>
           <a:solidFill>
-            <a:schemeClr val="tx1"/>
+            <a:srgbClr val="00B0F0"/>
           </a:solidFill>
-          <a:ln>
-            <a:solidFill>
-              <a:srgbClr val="C00000"/>
-            </a:solidFill>
-          </a:ln>
         </p:spPr>
         <p:style>
           <a:lnRef idx="2">
@@ -6351,12 +7256,42 @@
           </a:p>
         </p:txBody>
       </p:sp>
-      <p:sp>
-        <p:nvSpPr>
-          <p:cNvPr id="11" name="Ellipse 10">
-            <a:extLst>
-              <a:ext uri="{FF2B5EF4-FFF2-40B4-BE49-F238E27FC236}">
-                <a16:creationId xmlns:a16="http://schemas.microsoft.com/office/drawing/2014/main" id="{EAD49069-9C70-4887-9C63-525231620CEB}"/>
+      <p:pic>
+        <p:nvPicPr>
+          <p:cNvPr id="32" name="Image 31">
+            <a:extLst>
+              <a:ext uri="{FF2B5EF4-FFF2-40B4-BE49-F238E27FC236}">
+                <a16:creationId xmlns:a16="http://schemas.microsoft.com/office/drawing/2014/main" id="{4343445E-6AEB-46C2-8F97-80CED441E1A1}"/>
+              </a:ext>
+            </a:extLst>
+          </p:cNvPr>
+          <p:cNvPicPr>
+            <a:picLocks noChangeAspect="1"/>
+          </p:cNvPicPr>
+          <p:nvPr/>
+        </p:nvPicPr>
+        <p:blipFill>
+          <a:blip r:embed="rId3"/>
+          <a:stretch>
+            <a:fillRect/>
+          </a:stretch>
+        </p:blipFill>
+        <p:spPr>
+          <a:xfrm>
+            <a:off x="9562174" y="2832923"/>
+            <a:ext cx="1738081" cy="2298752"/>
+          </a:xfrm>
+          <a:prstGeom prst="rect">
+            <a:avLst/>
+          </a:prstGeom>
+        </p:spPr>
+      </p:pic>
+      <p:sp>
+        <p:nvSpPr>
+          <p:cNvPr id="33" name="Ellipse 32">
+            <a:extLst>
+              <a:ext uri="{FF2B5EF4-FFF2-40B4-BE49-F238E27FC236}">
+                <a16:creationId xmlns:a16="http://schemas.microsoft.com/office/drawing/2014/main" id="{7A795FFD-BDFE-4FF9-B16A-0EADBFB52CF3}"/>
               </a:ext>
             </a:extLst>
           </p:cNvPr>
@@ -6365,18 +7300,16 @@
         </p:nvSpPr>
         <p:spPr>
           <a:xfrm>
-            <a:off x="11352273" y="3903968"/>
-            <a:ext cx="649224" cy="694981"/>
+            <a:off x="2478716" y="5691659"/>
+            <a:ext cx="632236" cy="664692"/>
           </a:xfrm>
           <a:prstGeom prst="ellipse">
             <a:avLst/>
           </a:prstGeom>
-          <a:solidFill>
-            <a:schemeClr val="tx1"/>
-          </a:solidFill>
-          <a:ln>
+          <a:noFill/>
+          <a:ln w="57150">
             <a:solidFill>
-              <a:srgbClr val="C00000"/>
+              <a:srgbClr val="FFC000"/>
             </a:solidFill>
           </a:ln>
         </p:spPr>
@@ -6407,10 +7340,10 @@
       </p:sp>
       <p:sp>
         <p:nvSpPr>
-          <p:cNvPr id="12" name="Ellipse 11">
-            <a:extLst>
-              <a:ext uri="{FF2B5EF4-FFF2-40B4-BE49-F238E27FC236}">
-                <a16:creationId xmlns:a16="http://schemas.microsoft.com/office/drawing/2014/main" id="{7DAA8F8B-1C27-4975-B3CA-18A7AA2F4D26}"/>
+          <p:cNvPr id="34" name="Ellipse 33">
+            <a:extLst>
+              <a:ext uri="{FF2B5EF4-FFF2-40B4-BE49-F238E27FC236}">
+                <a16:creationId xmlns:a16="http://schemas.microsoft.com/office/drawing/2014/main" id="{556644D9-C8A1-49F8-A8F2-5417E4F72184}"/>
               </a:ext>
             </a:extLst>
           </p:cNvPr>
@@ -6419,18 +7352,16 @@
         </p:nvSpPr>
         <p:spPr>
           <a:xfrm>
-            <a:off x="11352273" y="4894193"/>
-            <a:ext cx="649224" cy="694982"/>
+            <a:off x="5504388" y="5486721"/>
+            <a:ext cx="632236" cy="664692"/>
           </a:xfrm>
           <a:prstGeom prst="ellipse">
             <a:avLst/>
           </a:prstGeom>
-          <a:solidFill>
-            <a:schemeClr val="tx1"/>
-          </a:solidFill>
-          <a:ln>
+          <a:noFill/>
+          <a:ln w="57150">
             <a:solidFill>
-              <a:srgbClr val="C00000"/>
+              <a:srgbClr val="FFC000"/>
             </a:solidFill>
           </a:ln>
         </p:spPr>
@@ -6461,10 +7392,10 @@
       </p:sp>
       <p:sp>
         <p:nvSpPr>
-          <p:cNvPr id="13" name="Ellipse 12">
-            <a:extLst>
-              <a:ext uri="{FF2B5EF4-FFF2-40B4-BE49-F238E27FC236}">
-                <a16:creationId xmlns:a16="http://schemas.microsoft.com/office/drawing/2014/main" id="{8DF98B99-CC36-41C0-AE85-7B4891A9381A}"/>
+          <p:cNvPr id="35" name="Ellipse 34">
+            <a:extLst>
+              <a:ext uri="{FF2B5EF4-FFF2-40B4-BE49-F238E27FC236}">
+                <a16:creationId xmlns:a16="http://schemas.microsoft.com/office/drawing/2014/main" id="{82934742-22B1-4E7F-89B5-B0788BE68AC4}"/>
               </a:ext>
             </a:extLst>
           </p:cNvPr>
@@ -6473,18 +7404,16 @@
         </p:nvSpPr>
         <p:spPr>
           <a:xfrm>
-            <a:off x="11352273" y="5888237"/>
-            <a:ext cx="649224" cy="694981"/>
+            <a:off x="7350435" y="5287902"/>
+            <a:ext cx="632236" cy="664692"/>
           </a:xfrm>
           <a:prstGeom prst="ellipse">
             <a:avLst/>
           </a:prstGeom>
-          <a:solidFill>
-            <a:schemeClr val="tx1"/>
-          </a:solidFill>
-          <a:ln>
+          <a:noFill/>
+          <a:ln w="57150">
             <a:solidFill>
-              <a:srgbClr val="C00000"/>
+              <a:srgbClr val="FFC000"/>
             </a:solidFill>
           </a:ln>
         </p:spPr>
@@ -7018,7 +7947,7 @@
           </a:solidFill>
           <a:ln>
             <a:solidFill>
-              <a:srgbClr val="C00000"/>
+              <a:srgbClr val="00C020"/>
             </a:solidFill>
           </a:ln>
         </p:spPr>
@@ -7068,11 +7997,11 @@
             <a:avLst/>
           </a:prstGeom>
           <a:solidFill>
-            <a:srgbClr val="C00000"/>
+            <a:srgbClr val="00C020"/>
           </a:solidFill>
           <a:ln>
             <a:solidFill>
-              <a:srgbClr val="C00000"/>
+              <a:srgbClr val="00C020"/>
             </a:solidFill>
           </a:ln>
         </p:spPr>
@@ -7122,11 +8051,11 @@
             <a:avLst/>
           </a:prstGeom>
           <a:solidFill>
-            <a:srgbClr val="C00000"/>
+            <a:srgbClr val="00C020"/>
           </a:solidFill>
           <a:ln>
             <a:solidFill>
-              <a:srgbClr val="C00000"/>
+              <a:srgbClr val="00C020"/>
             </a:solidFill>
           </a:ln>
         </p:spPr>
@@ -7176,11 +8105,11 @@
             <a:avLst/>
           </a:prstGeom>
           <a:solidFill>
-            <a:srgbClr val="C00000"/>
+            <a:srgbClr val="00C020"/>
           </a:solidFill>
           <a:ln>
             <a:solidFill>
-              <a:srgbClr val="C00000"/>
+              <a:srgbClr val="00C020"/>
             </a:solidFill>
           </a:ln>
         </p:spPr>
@@ -7230,11 +8159,11 @@
             <a:avLst/>
           </a:prstGeom>
           <a:solidFill>
-            <a:srgbClr val="C00000"/>
+            <a:srgbClr val="00C020"/>
           </a:solidFill>
           <a:ln>
             <a:solidFill>
-              <a:srgbClr val="C00000"/>
+              <a:srgbClr val="00C020"/>
             </a:solidFill>
           </a:ln>
         </p:spPr>
@@ -7288,7 +8217,7 @@
           </a:solidFill>
           <a:ln>
             <a:solidFill>
-              <a:srgbClr val="C00000"/>
+              <a:srgbClr val="00C020"/>
             </a:solidFill>
           </a:ln>
         </p:spPr>
@@ -7342,7 +8271,7 @@
           </a:solidFill>
           <a:ln>
             <a:solidFill>
-              <a:srgbClr val="C00000"/>
+              <a:srgbClr val="00C020"/>
             </a:solidFill>
           </a:ln>
         </p:spPr>
@@ -7396,7 +8325,7 @@
           </a:solidFill>
           <a:ln>
             <a:solidFill>
-              <a:srgbClr val="C00000"/>
+              <a:srgbClr val="00C020"/>
             </a:solidFill>
           </a:ln>
         </p:spPr>
@@ -7886,7 +8815,7 @@
           </a:solidFill>
           <a:ln>
             <a:solidFill>
-              <a:srgbClr val="C00000"/>
+              <a:srgbClr val="00C020"/>
             </a:solidFill>
           </a:ln>
         </p:spPr>
@@ -7936,11 +8865,11 @@
             <a:avLst/>
           </a:prstGeom>
           <a:solidFill>
-            <a:srgbClr val="C00000"/>
+            <a:srgbClr val="00C020"/>
           </a:solidFill>
           <a:ln>
             <a:solidFill>
-              <a:srgbClr val="C00000"/>
+              <a:srgbClr val="00C020"/>
             </a:solidFill>
           </a:ln>
         </p:spPr>
@@ -7990,11 +8919,11 @@
             <a:avLst/>
           </a:prstGeom>
           <a:solidFill>
-            <a:srgbClr val="C00000"/>
+            <a:srgbClr val="00C020"/>
           </a:solidFill>
           <a:ln>
             <a:solidFill>
-              <a:srgbClr val="C00000"/>
+              <a:srgbClr val="00C020"/>
             </a:solidFill>
           </a:ln>
         </p:spPr>
@@ -8044,11 +8973,11 @@
             <a:avLst/>
           </a:prstGeom>
           <a:solidFill>
-            <a:srgbClr val="C00000"/>
+            <a:srgbClr val="00C020"/>
           </a:solidFill>
           <a:ln>
             <a:solidFill>
-              <a:srgbClr val="C00000"/>
+              <a:srgbClr val="00C020"/>
             </a:solidFill>
           </a:ln>
         </p:spPr>
@@ -8098,11 +9027,11 @@
             <a:avLst/>
           </a:prstGeom>
           <a:solidFill>
-            <a:srgbClr val="C00000"/>
+            <a:srgbClr val="00C020"/>
           </a:solidFill>
           <a:ln>
             <a:solidFill>
-              <a:srgbClr val="C00000"/>
+              <a:srgbClr val="00C020"/>
             </a:solidFill>
           </a:ln>
         </p:spPr>
@@ -8152,11 +9081,11 @@
             <a:avLst/>
           </a:prstGeom>
           <a:solidFill>
-            <a:srgbClr val="C00000"/>
+            <a:srgbClr val="00C020"/>
           </a:solidFill>
           <a:ln>
             <a:solidFill>
-              <a:srgbClr val="C00000"/>
+              <a:srgbClr val="00C020"/>
             </a:solidFill>
           </a:ln>
         </p:spPr>
@@ -8210,7 +9139,7 @@
           </a:solidFill>
           <a:ln>
             <a:solidFill>
-              <a:srgbClr val="C00000"/>
+              <a:srgbClr val="00C020"/>
             </a:solidFill>
           </a:ln>
         </p:spPr>
@@ -8264,7 +9193,7 @@
           </a:solidFill>
           <a:ln>
             <a:solidFill>
-              <a:srgbClr val="C00000"/>
+              <a:srgbClr val="00C020"/>
             </a:solidFill>
           </a:ln>
         </p:spPr>
@@ -8754,7 +9683,7 @@
           </a:solidFill>
           <a:ln>
             <a:solidFill>
-              <a:srgbClr val="C00000"/>
+              <a:srgbClr val="00C020"/>
             </a:solidFill>
           </a:ln>
         </p:spPr>
@@ -8804,11 +9733,11 @@
             <a:avLst/>
           </a:prstGeom>
           <a:solidFill>
-            <a:srgbClr val="C00000"/>
+            <a:srgbClr val="00C020"/>
           </a:solidFill>
           <a:ln>
             <a:solidFill>
-              <a:srgbClr val="C00000"/>
+              <a:srgbClr val="00C020"/>
             </a:solidFill>
           </a:ln>
         </p:spPr>
@@ -8858,11 +9787,11 @@
             <a:avLst/>
           </a:prstGeom>
           <a:solidFill>
-            <a:srgbClr val="C00000"/>
+            <a:srgbClr val="00C020"/>
           </a:solidFill>
           <a:ln>
             <a:solidFill>
-              <a:srgbClr val="C00000"/>
+              <a:srgbClr val="00C020"/>
             </a:solidFill>
           </a:ln>
         </p:spPr>
@@ -8912,11 +9841,11 @@
             <a:avLst/>
           </a:prstGeom>
           <a:solidFill>
-            <a:srgbClr val="C00000"/>
+            <a:srgbClr val="00C020"/>
           </a:solidFill>
           <a:ln>
             <a:solidFill>
-              <a:srgbClr val="C00000"/>
+              <a:srgbClr val="00C020"/>
             </a:solidFill>
           </a:ln>
         </p:spPr>
@@ -8966,11 +9895,11 @@
             <a:avLst/>
           </a:prstGeom>
           <a:solidFill>
-            <a:srgbClr val="C00000"/>
+            <a:srgbClr val="00C020"/>
           </a:solidFill>
           <a:ln>
             <a:solidFill>
-              <a:srgbClr val="C00000"/>
+              <a:srgbClr val="00C020"/>
             </a:solidFill>
           </a:ln>
         </p:spPr>
@@ -9020,11 +9949,11 @@
             <a:avLst/>
           </a:prstGeom>
           <a:solidFill>
-            <a:srgbClr val="C00000"/>
+            <a:srgbClr val="00C020"/>
           </a:solidFill>
           <a:ln>
             <a:solidFill>
-              <a:srgbClr val="C00000"/>
+              <a:srgbClr val="00C020"/>
             </a:solidFill>
           </a:ln>
         </p:spPr>
@@ -9074,11 +10003,11 @@
             <a:avLst/>
           </a:prstGeom>
           <a:solidFill>
-            <a:srgbClr val="C00000"/>
+            <a:srgbClr val="00C020"/>
           </a:solidFill>
           <a:ln>
             <a:solidFill>
-              <a:srgbClr val="C00000"/>
+              <a:srgbClr val="00C020"/>
             </a:solidFill>
           </a:ln>
         </p:spPr>
@@ -9132,7 +10061,7 @@
           </a:solidFill>
           <a:ln>
             <a:solidFill>
-              <a:srgbClr val="C00000"/>
+              <a:srgbClr val="00C020"/>
             </a:solidFill>
           </a:ln>
         </p:spPr>
@@ -9619,7 +10548,7 @@
           </a:solidFill>
           <a:ln>
             <a:solidFill>
-              <a:srgbClr val="C00000"/>
+              <a:srgbClr val="00C020"/>
             </a:solidFill>
           </a:ln>
         </p:spPr>
@@ -9669,11 +10598,11 @@
             <a:avLst/>
           </a:prstGeom>
           <a:solidFill>
-            <a:srgbClr val="C00000"/>
+            <a:srgbClr val="00C020"/>
           </a:solidFill>
           <a:ln>
             <a:solidFill>
-              <a:srgbClr val="C00000"/>
+              <a:srgbClr val="00C020"/>
             </a:solidFill>
           </a:ln>
         </p:spPr>
@@ -9723,11 +10652,11 @@
             <a:avLst/>
           </a:prstGeom>
           <a:solidFill>
-            <a:srgbClr val="C00000"/>
+            <a:srgbClr val="00C020"/>
           </a:solidFill>
           <a:ln>
             <a:solidFill>
-              <a:srgbClr val="C00000"/>
+              <a:srgbClr val="00C020"/>
             </a:solidFill>
           </a:ln>
         </p:spPr>
@@ -9777,11 +10706,11 @@
             <a:avLst/>
           </a:prstGeom>
           <a:solidFill>
-            <a:srgbClr val="C00000"/>
+            <a:srgbClr val="00C020"/>
           </a:solidFill>
           <a:ln>
             <a:solidFill>
-              <a:srgbClr val="C00000"/>
+              <a:srgbClr val="00C020"/>
             </a:solidFill>
           </a:ln>
         </p:spPr>
@@ -9831,11 +10760,11 @@
             <a:avLst/>
           </a:prstGeom>
           <a:solidFill>
-            <a:srgbClr val="C00000"/>
+            <a:srgbClr val="00C020"/>
           </a:solidFill>
           <a:ln>
             <a:solidFill>
-              <a:srgbClr val="C00000"/>
+              <a:srgbClr val="00C020"/>
             </a:solidFill>
           </a:ln>
         </p:spPr>
@@ -9885,11 +10814,11 @@
             <a:avLst/>
           </a:prstGeom>
           <a:solidFill>
-            <a:srgbClr val="C00000"/>
+            <a:srgbClr val="00C020"/>
           </a:solidFill>
           <a:ln>
             <a:solidFill>
-              <a:srgbClr val="C00000"/>
+              <a:srgbClr val="00C020"/>
             </a:solidFill>
           </a:ln>
         </p:spPr>
@@ -9939,11 +10868,11 @@
             <a:avLst/>
           </a:prstGeom>
           <a:solidFill>
-            <a:srgbClr val="C00000"/>
+            <a:srgbClr val="00C020"/>
           </a:solidFill>
           <a:ln>
             <a:solidFill>
-              <a:srgbClr val="C00000"/>
+              <a:srgbClr val="00C020"/>
             </a:solidFill>
           </a:ln>
         </p:spPr>
@@ -9993,11 +10922,11 @@
             <a:avLst/>
           </a:prstGeom>
           <a:solidFill>
-            <a:srgbClr val="C00000"/>
+            <a:srgbClr val="00C020"/>
           </a:solidFill>
           <a:ln>
             <a:solidFill>
-              <a:srgbClr val="C00000"/>
+              <a:srgbClr val="00C020"/>
             </a:solidFill>
           </a:ln>
         </p:spPr>

--- a/Etudiants/Corentin/RDP n°1.pptx
+++ b/Etudiants/Corentin/RDP n°1.pptx
@@ -205,7 +205,7 @@
           <a:p>
             <a:fld id="{DF58694C-23AD-4650-B8D6-B1F91D7D05B1}" type="datetimeFigureOut">
               <a:rPr lang="fr-FR" smtClean="0"/>
-              <a:t>31/01/2020</a:t>
+              <a:t>04/02/2020</a:t>
             </a:fld>
             <a:endParaRPr lang="fr-FR"/>
           </a:p>
@@ -619,7 +619,7 @@
           <a:p>
             <a:fld id="{E4F7B456-D95B-47DD-85D8-980B608A87F5}" type="datetime1">
               <a:rPr lang="fr-FR" smtClean="0"/>
-              <a:t>31/01/2020</a:t>
+              <a:t>04/02/2020</a:t>
             </a:fld>
             <a:endParaRPr lang="fr-FR"/>
           </a:p>
@@ -820,7 +820,7 @@
           <a:p>
             <a:fld id="{3BE383A3-58C1-4E4C-8271-2D33C1B85A11}" type="datetime1">
               <a:rPr lang="fr-FR" smtClean="0"/>
-              <a:t>31/01/2020</a:t>
+              <a:t>04/02/2020</a:t>
             </a:fld>
             <a:endParaRPr lang="fr-FR"/>
           </a:p>
@@ -1031,7 +1031,7 @@
           <a:p>
             <a:fld id="{9657C936-4966-4098-AADB-3A79286A072F}" type="datetime1">
               <a:rPr lang="fr-FR" smtClean="0"/>
-              <a:t>31/01/2020</a:t>
+              <a:t>04/02/2020</a:t>
             </a:fld>
             <a:endParaRPr lang="fr-FR"/>
           </a:p>
@@ -1232,7 +1232,7 @@
           <a:p>
             <a:fld id="{B616544E-D29A-4146-93F9-36B1ECF943E3}" type="datetime1">
               <a:rPr lang="fr-FR" smtClean="0"/>
-              <a:t>31/01/2020</a:t>
+              <a:t>04/02/2020</a:t>
             </a:fld>
             <a:endParaRPr lang="fr-FR"/>
           </a:p>
@@ -1510,7 +1510,7 @@
           <a:p>
             <a:fld id="{8AB5A178-5A70-4A66-9698-90C7FE000B13}" type="datetime1">
               <a:rPr lang="fr-FR" smtClean="0"/>
-              <a:t>31/01/2020</a:t>
+              <a:t>04/02/2020</a:t>
             </a:fld>
             <a:endParaRPr lang="fr-FR"/>
           </a:p>
@@ -1778,7 +1778,7 @@
           <a:p>
             <a:fld id="{7454423C-F285-489D-AA4A-BBB78B91CB62}" type="datetime1">
               <a:rPr lang="fr-FR" smtClean="0"/>
-              <a:t>31/01/2020</a:t>
+              <a:t>04/02/2020</a:t>
             </a:fld>
             <a:endParaRPr lang="fr-FR"/>
           </a:p>
@@ -2193,7 +2193,7 @@
           <a:p>
             <a:fld id="{58EAFDD7-E246-48D2-A0CF-903CE0A359FC}" type="datetime1">
               <a:rPr lang="fr-FR" smtClean="0"/>
-              <a:t>31/01/2020</a:t>
+              <a:t>04/02/2020</a:t>
             </a:fld>
             <a:endParaRPr lang="fr-FR"/>
           </a:p>
@@ -2337,7 +2337,7 @@
           <a:p>
             <a:fld id="{0455F871-879D-4630-9202-9DCE8AE53DBB}" type="datetime1">
               <a:rPr lang="fr-FR" smtClean="0"/>
-              <a:t>31/01/2020</a:t>
+              <a:t>04/02/2020</a:t>
             </a:fld>
             <a:endParaRPr lang="fr-FR"/>
           </a:p>
@@ -2453,7 +2453,7 @@
           <a:p>
             <a:fld id="{26BC4146-FEA9-4865-84B3-9EC3A08F8027}" type="datetime1">
               <a:rPr lang="fr-FR" smtClean="0"/>
-              <a:t>31/01/2020</a:t>
+              <a:t>04/02/2020</a:t>
             </a:fld>
             <a:endParaRPr lang="fr-FR"/>
           </a:p>
@@ -2767,7 +2767,7 @@
           <a:p>
             <a:fld id="{D763E1B4-BA40-4993-B94F-4B66614E6697}" type="datetime1">
               <a:rPr lang="fr-FR" smtClean="0"/>
-              <a:t>31/01/2020</a:t>
+              <a:t>04/02/2020</a:t>
             </a:fld>
             <a:endParaRPr lang="fr-FR"/>
           </a:p>
@@ -3058,7 +3058,7 @@
           <a:p>
             <a:fld id="{E0D0BC75-8619-4FAB-8157-12FA9E2A5761}" type="datetime1">
               <a:rPr lang="fr-FR" smtClean="0"/>
-              <a:t>31/01/2020</a:t>
+              <a:t>04/02/2020</a:t>
             </a:fld>
             <a:endParaRPr lang="fr-FR"/>
           </a:p>
@@ -3302,7 +3302,7 @@
           <a:p>
             <a:fld id="{EAFCDA6A-9493-444A-A143-F0388B2A6646}" type="datetime1">
               <a:rPr lang="fr-FR" smtClean="0"/>
-              <a:t>31/01/2020</a:t>
+              <a:t>04/02/2020</a:t>
             </a:fld>
             <a:endParaRPr lang="fr-FR"/>
           </a:p>
@@ -5684,7 +5684,7 @@
         </p:blipFill>
         <p:spPr>
           <a:xfrm>
-            <a:off x="190502" y="4748850"/>
+            <a:off x="1481764" y="4451639"/>
             <a:ext cx="2370134" cy="1580090"/>
           </a:xfrm>
           <a:prstGeom prst="rect">
@@ -5764,12 +5764,82 @@
           </a:prstGeom>
         </p:spPr>
       </p:pic>
+      <p:sp>
+        <p:nvSpPr>
+          <p:cNvPr id="24" name="ZoneTexte 23">
+            <a:extLst>
+              <a:ext uri="{FF2B5EF4-FFF2-40B4-BE49-F238E27FC236}">
+                <a16:creationId xmlns:a16="http://schemas.microsoft.com/office/drawing/2014/main" id="{CA94EB48-716C-44FE-A835-568955EA6F70}"/>
+              </a:ext>
+            </a:extLst>
+          </p:cNvPr>
+          <p:cNvSpPr txBox="1"/>
+          <p:nvPr/>
+        </p:nvSpPr>
+        <p:spPr>
+          <a:xfrm>
+            <a:off x="6511991" y="3814800"/>
+            <a:ext cx="3226854" cy="369332"/>
+          </a:xfrm>
+          <a:prstGeom prst="rect">
+            <a:avLst/>
+          </a:prstGeom>
+          <a:noFill/>
+        </p:spPr>
+        <p:txBody>
+          <a:bodyPr wrap="square" rtlCol="0">
+            <a:spAutoFit/>
+          </a:bodyPr>
+          <a:lstStyle/>
+          <a:p>
+            <a:r>
+              <a:rPr lang="fr-FR" b="1" dirty="0"/>
+              <a:t>PC de supervision - Serveur</a:t>
+            </a:r>
+          </a:p>
+        </p:txBody>
+      </p:sp>
+      <p:sp>
+        <p:nvSpPr>
+          <p:cNvPr id="25" name="ZoneTexte 24">
+            <a:extLst>
+              <a:ext uri="{FF2B5EF4-FFF2-40B4-BE49-F238E27FC236}">
+                <a16:creationId xmlns:a16="http://schemas.microsoft.com/office/drawing/2014/main" id="{D1A664D0-B4F4-4D30-8160-3BCC5141D72A}"/>
+              </a:ext>
+            </a:extLst>
+          </p:cNvPr>
+          <p:cNvSpPr txBox="1"/>
+          <p:nvPr/>
+        </p:nvSpPr>
+        <p:spPr>
+          <a:xfrm>
+            <a:off x="1957932" y="6152562"/>
+            <a:ext cx="1387111" cy="369332"/>
+          </a:xfrm>
+          <a:prstGeom prst="rect">
+            <a:avLst/>
+          </a:prstGeom>
+          <a:noFill/>
+        </p:spPr>
+        <p:txBody>
+          <a:bodyPr wrap="square" rtlCol="0">
+            <a:spAutoFit/>
+          </a:bodyPr>
+          <a:lstStyle/>
+          <a:p>
+            <a:r>
+              <a:rPr lang="fr-FR" b="1" dirty="0"/>
+              <a:t>Raspberry</a:t>
+            </a:r>
+          </a:p>
+        </p:txBody>
+      </p:sp>
       <p:pic>
         <p:nvPicPr>
-          <p:cNvPr id="23" name="Image 22" descr="Une image contenant dessin, signe&#10;&#10;Description générée automatiquement">
-            <a:extLst>
-              <a:ext uri="{FF2B5EF4-FFF2-40B4-BE49-F238E27FC236}">
-                <a16:creationId xmlns:a16="http://schemas.microsoft.com/office/drawing/2014/main" id="{7F0D79A7-4BCC-4A06-9101-0CDBAA1E1E99}"/>
+          <p:cNvPr id="6" name="Image 5">
+            <a:extLst>
+              <a:ext uri="{FF2B5EF4-FFF2-40B4-BE49-F238E27FC236}">
+                <a16:creationId xmlns:a16="http://schemas.microsoft.com/office/drawing/2014/main" id="{EBFC074C-E3F4-4D31-A05B-93EA5A2570FE}"/>
               </a:ext>
             </a:extLst>
           </p:cNvPr>
@@ -5779,103 +5849,27 @@
           <p:nvPr/>
         </p:nvPicPr>
         <p:blipFill>
-          <a:blip r:embed="rId7">
-            <a:extLst>
-              <a:ext uri="{28A0092B-C50C-407E-A947-70E740481C1C}">
-                <a14:useLocalDpi xmlns:a14="http://schemas.microsoft.com/office/drawing/2010/main" val="0"/>
-              </a:ext>
-            </a:extLst>
-          </a:blip>
+          <a:blip r:embed="rId7"/>
           <a:stretch>
             <a:fillRect/>
           </a:stretch>
         </p:blipFill>
         <p:spPr>
           <a:xfrm>
-            <a:off x="2792119" y="5282598"/>
-            <a:ext cx="2241450" cy="663679"/>
+            <a:off x="6490813" y="4836752"/>
+            <a:ext cx="1914792" cy="1253458"/>
           </a:xfrm>
           <a:prstGeom prst="rect">
             <a:avLst/>
           </a:prstGeom>
         </p:spPr>
       </p:pic>
-      <p:sp>
-        <p:nvSpPr>
-          <p:cNvPr id="24" name="ZoneTexte 23">
-            <a:extLst>
-              <a:ext uri="{FF2B5EF4-FFF2-40B4-BE49-F238E27FC236}">
-                <a16:creationId xmlns:a16="http://schemas.microsoft.com/office/drawing/2014/main" id="{CA94EB48-716C-44FE-A835-568955EA6F70}"/>
-              </a:ext>
-            </a:extLst>
-          </p:cNvPr>
-          <p:cNvSpPr txBox="1"/>
-          <p:nvPr/>
-        </p:nvSpPr>
-        <p:spPr>
-          <a:xfrm>
-            <a:off x="6511991" y="3814800"/>
-            <a:ext cx="3226854" cy="369332"/>
-          </a:xfrm>
-          <a:prstGeom prst="rect">
-            <a:avLst/>
-          </a:prstGeom>
-          <a:noFill/>
-        </p:spPr>
-        <p:txBody>
-          <a:bodyPr wrap="square" rtlCol="0">
-            <a:spAutoFit/>
-          </a:bodyPr>
-          <a:lstStyle/>
-          <a:p>
-            <a:r>
-              <a:rPr lang="fr-FR" b="1" dirty="0"/>
-              <a:t>PC de supervision - Serveur</a:t>
-            </a:r>
-          </a:p>
-        </p:txBody>
-      </p:sp>
-      <p:sp>
-        <p:nvSpPr>
-          <p:cNvPr id="25" name="ZoneTexte 24">
-            <a:extLst>
-              <a:ext uri="{FF2B5EF4-FFF2-40B4-BE49-F238E27FC236}">
-                <a16:creationId xmlns:a16="http://schemas.microsoft.com/office/drawing/2014/main" id="{D1A664D0-B4F4-4D30-8160-3BCC5141D72A}"/>
-              </a:ext>
-            </a:extLst>
-          </p:cNvPr>
-          <p:cNvSpPr txBox="1"/>
-          <p:nvPr/>
-        </p:nvSpPr>
-        <p:spPr>
-          <a:xfrm>
-            <a:off x="676157" y="6352143"/>
-            <a:ext cx="1387111" cy="369332"/>
-          </a:xfrm>
-          <a:prstGeom prst="rect">
-            <a:avLst/>
-          </a:prstGeom>
-          <a:noFill/>
-        </p:spPr>
-        <p:txBody>
-          <a:bodyPr wrap="square" rtlCol="0">
-            <a:spAutoFit/>
-          </a:bodyPr>
-          <a:lstStyle/>
-          <a:p>
-            <a:r>
-              <a:rPr lang="fr-FR" b="1" dirty="0"/>
-              <a:t>Raspberry</a:t>
-            </a:r>
-          </a:p>
-        </p:txBody>
-      </p:sp>
       <p:pic>
         <p:nvPicPr>
-          <p:cNvPr id="6" name="Image 5">
-            <a:extLst>
-              <a:ext uri="{FF2B5EF4-FFF2-40B4-BE49-F238E27FC236}">
-                <a16:creationId xmlns:a16="http://schemas.microsoft.com/office/drawing/2014/main" id="{EBFC074C-E3F4-4D31-A05B-93EA5A2570FE}"/>
+          <p:cNvPr id="7" name="Image 6">
+            <a:extLst>
+              <a:ext uri="{FF2B5EF4-FFF2-40B4-BE49-F238E27FC236}">
+                <a16:creationId xmlns:a16="http://schemas.microsoft.com/office/drawing/2014/main" id="{EB230DBB-FD74-497A-888D-78A8B95E566C}"/>
               </a:ext>
             </a:extLst>
           </p:cNvPr>
@@ -5886,36 +5880,6 @@
         </p:nvPicPr>
         <p:blipFill>
           <a:blip r:embed="rId8"/>
-          <a:stretch>
-            <a:fillRect/>
-          </a:stretch>
-        </p:blipFill>
-        <p:spPr>
-          <a:xfrm>
-            <a:off x="6490813" y="4836752"/>
-            <a:ext cx="1914792" cy="1253458"/>
-          </a:xfrm>
-          <a:prstGeom prst="rect">
-            <a:avLst/>
-          </a:prstGeom>
-        </p:spPr>
-      </p:pic>
-      <p:pic>
-        <p:nvPicPr>
-          <p:cNvPr id="7" name="Image 6">
-            <a:extLst>
-              <a:ext uri="{FF2B5EF4-FFF2-40B4-BE49-F238E27FC236}">
-                <a16:creationId xmlns:a16="http://schemas.microsoft.com/office/drawing/2014/main" id="{EB230DBB-FD74-497A-888D-78A8B95E566C}"/>
-              </a:ext>
-            </a:extLst>
-          </p:cNvPr>
-          <p:cNvPicPr>
-            <a:picLocks noChangeAspect="1"/>
-          </p:cNvPicPr>
-          <p:nvPr/>
-        </p:nvPicPr>
-        <p:blipFill>
-          <a:blip r:embed="rId9"/>
           <a:stretch>
             <a:fillRect/>
           </a:stretch>
@@ -11323,7 +11287,7 @@
                   <a:srgbClr val="FF0000"/>
                 </a:solidFill>
               </a:rPr>
-              <a:t>Merci pour votre écoute !</a:t>
+              <a:t>Merci de votre écoute !</a:t>
             </a:r>
           </a:p>
         </p:txBody>

--- a/Etudiants/Corentin/RDP n°1.pptx
+++ b/Etudiants/Corentin/RDP n°1.pptx
@@ -7145,6 +7145,9 @@
           <a:solidFill>
             <a:srgbClr val="00B0F0"/>
           </a:solidFill>
+          <a:ln>
+            <a:noFill/>
+          </a:ln>
         </p:spPr>
         <p:style>
           <a:lnRef idx="2">
@@ -7194,6 +7197,9 @@
           <a:solidFill>
             <a:srgbClr val="00B0F0"/>
           </a:solidFill>
+          <a:ln>
+            <a:noFill/>
+          </a:ln>
         </p:spPr>
         <p:style>
           <a:lnRef idx="2">

--- a/Etudiants/Corentin/RDP n°1.pptx
+++ b/Etudiants/Corentin/RDP n°1.pptx
@@ -5648,7 +5648,7 @@
         </p:blipFill>
         <p:spPr>
           <a:xfrm>
-            <a:off x="870809" y="2037156"/>
+            <a:off x="311659" y="1504635"/>
             <a:ext cx="2441575" cy="1739863"/>
           </a:xfrm>
           <a:prstGeom prst="rect">
@@ -5684,7 +5684,7 @@
         </p:blipFill>
         <p:spPr>
           <a:xfrm>
-            <a:off x="1481764" y="4451639"/>
+            <a:off x="-11106" y="4497659"/>
             <a:ext cx="2370134" cy="1580090"/>
           </a:xfrm>
           <a:prstGeom prst="rect">
@@ -5756,7 +5756,7 @@
         </p:blipFill>
         <p:spPr>
           <a:xfrm>
-            <a:off x="3548874" y="2514910"/>
+            <a:off x="1090387" y="3278439"/>
             <a:ext cx="1268641" cy="863733"/>
           </a:xfrm>
           <a:prstGeom prst="rect">
@@ -5813,7 +5813,7 @@
         </p:nvSpPr>
         <p:spPr>
           <a:xfrm>
-            <a:off x="1957932" y="6152562"/>
+            <a:off x="-11106" y="6127503"/>
             <a:ext cx="1387111" cy="369332"/>
           </a:xfrm>
           <a:prstGeom prst="rect">
@@ -5929,6 +5929,78 @@
           </a:p>
         </p:txBody>
       </p:sp>
+      <p:pic>
+        <p:nvPicPr>
+          <p:cNvPr id="27" name="Image 26" descr="Une image contenant objet, horloge, dessin&#10;&#10;Description générée automatiquement">
+            <a:extLst>
+              <a:ext uri="{FF2B5EF4-FFF2-40B4-BE49-F238E27FC236}">
+                <a16:creationId xmlns:a16="http://schemas.microsoft.com/office/drawing/2014/main" id="{CCB14B20-7A19-436A-BF48-1BAB04FFD00A}"/>
+              </a:ext>
+            </a:extLst>
+          </p:cNvPr>
+          <p:cNvPicPr>
+            <a:picLocks noChangeAspect="1"/>
+          </p:cNvPicPr>
+          <p:nvPr/>
+        </p:nvPicPr>
+        <p:blipFill>
+          <a:blip r:embed="rId9">
+            <a:extLst>
+              <a:ext uri="{28A0092B-C50C-407E-A947-70E740481C1C}">
+                <a14:useLocalDpi xmlns:a14="http://schemas.microsoft.com/office/drawing/2010/main" val="0"/>
+              </a:ext>
+            </a:extLst>
+          </a:blip>
+          <a:stretch>
+            <a:fillRect/>
+          </a:stretch>
+        </p:blipFill>
+        <p:spPr>
+          <a:xfrm>
+            <a:off x="3015935" y="2560887"/>
+            <a:ext cx="3150566" cy="1201153"/>
+          </a:xfrm>
+          <a:prstGeom prst="rect">
+            <a:avLst/>
+          </a:prstGeom>
+        </p:spPr>
+      </p:pic>
+      <p:pic>
+        <p:nvPicPr>
+          <p:cNvPr id="28" name="Image 27" descr="Une image contenant lumière, dessin&#10;&#10;Description générée automatiquement">
+            <a:extLst>
+              <a:ext uri="{FF2B5EF4-FFF2-40B4-BE49-F238E27FC236}">
+                <a16:creationId xmlns:a16="http://schemas.microsoft.com/office/drawing/2014/main" id="{C7EEE2A4-5EC3-40B1-AED3-365E4BAD96CF}"/>
+              </a:ext>
+            </a:extLst>
+          </p:cNvPr>
+          <p:cNvPicPr>
+            <a:picLocks noChangeAspect="1"/>
+          </p:cNvPicPr>
+          <p:nvPr/>
+        </p:nvPicPr>
+        <p:blipFill>
+          <a:blip r:embed="rId10">
+            <a:extLst>
+              <a:ext uri="{28A0092B-C50C-407E-A947-70E740481C1C}">
+                <a14:useLocalDpi xmlns:a14="http://schemas.microsoft.com/office/drawing/2010/main" val="0"/>
+              </a:ext>
+            </a:extLst>
+          </a:blip>
+          <a:stretch>
+            <a:fillRect/>
+          </a:stretch>
+        </p:blipFill>
+        <p:spPr>
+          <a:xfrm>
+            <a:off x="3029054" y="4486390"/>
+            <a:ext cx="2731824" cy="1412865"/>
+          </a:xfrm>
+          <a:prstGeom prst="rect">
+            <a:avLst/>
+          </a:prstGeom>
+        </p:spPr>
+      </p:pic>
     </p:spTree>
     <p:extLst>
       <p:ext uri="{BB962C8B-B14F-4D97-AF65-F5344CB8AC3E}">
@@ -5939,6 +6011,464 @@
   <p:clrMapOvr>
     <a:masterClrMapping/>
   </p:clrMapOvr>
+  <p:timing>
+    <p:tnLst>
+      <p:par>
+        <p:cTn id="1" dur="indefinite" restart="never" nodeType="tmRoot">
+          <p:childTnLst>
+            <p:seq concurrent="1" nextAc="seek">
+              <p:cTn id="2" dur="indefinite" nodeType="mainSeq">
+                <p:childTnLst>
+                  <p:par>
+                    <p:cTn id="3" fill="hold">
+                      <p:stCondLst>
+                        <p:cond delay="indefinite"/>
+                      </p:stCondLst>
+                      <p:childTnLst>
+                        <p:par>
+                          <p:cTn id="4" fill="hold">
+                            <p:stCondLst>
+                              <p:cond delay="0"/>
+                            </p:stCondLst>
+                            <p:childTnLst>
+                              <p:par>
+                                <p:cTn id="5" presetID="1" presetClass="entr" presetSubtype="0" fill="hold" nodeType="clickEffect">
+                                  <p:stCondLst>
+                                    <p:cond delay="0"/>
+                                  </p:stCondLst>
+                                  <p:childTnLst>
+                                    <p:set>
+                                      <p:cBhvr>
+                                        <p:cTn id="6" dur="1" fill="hold">
+                                          <p:stCondLst>
+                                            <p:cond delay="0"/>
+                                          </p:stCondLst>
+                                        </p:cTn>
+                                        <p:tgtEl>
+                                          <p:spTgt spid="21"/>
+                                        </p:tgtEl>
+                                        <p:attrNameLst>
+                                          <p:attrName>style.visibility</p:attrName>
+                                        </p:attrNameLst>
+                                      </p:cBhvr>
+                                      <p:to>
+                                        <p:strVal val="visible"/>
+                                      </p:to>
+                                    </p:set>
+                                  </p:childTnLst>
+                                </p:cTn>
+                              </p:par>
+                              <p:par>
+                                <p:cTn id="7" presetID="1" presetClass="entr" presetSubtype="0" fill="hold" grpId="0" nodeType="withEffect">
+                                  <p:stCondLst>
+                                    <p:cond delay="0"/>
+                                  </p:stCondLst>
+                                  <p:childTnLst>
+                                    <p:set>
+                                      <p:cBhvr>
+                                        <p:cTn id="8" dur="1" fill="hold">
+                                          <p:stCondLst>
+                                            <p:cond delay="0"/>
+                                          </p:stCondLst>
+                                        </p:cTn>
+                                        <p:tgtEl>
+                                          <p:spTgt spid="24"/>
+                                        </p:tgtEl>
+                                        <p:attrNameLst>
+                                          <p:attrName>style.visibility</p:attrName>
+                                        </p:attrNameLst>
+                                      </p:cBhvr>
+                                      <p:to>
+                                        <p:strVal val="visible"/>
+                                      </p:to>
+                                    </p:set>
+                                  </p:childTnLst>
+                                </p:cTn>
+                              </p:par>
+                            </p:childTnLst>
+                          </p:cTn>
+                        </p:par>
+                      </p:childTnLst>
+                    </p:cTn>
+                  </p:par>
+                  <p:par>
+                    <p:cTn id="9" fill="hold">
+                      <p:stCondLst>
+                        <p:cond delay="indefinite"/>
+                      </p:stCondLst>
+                      <p:childTnLst>
+                        <p:par>
+                          <p:cTn id="10" fill="hold">
+                            <p:stCondLst>
+                              <p:cond delay="0"/>
+                            </p:stCondLst>
+                            <p:childTnLst>
+                              <p:par>
+                                <p:cTn id="11" presetID="1" presetClass="entr" presetSubtype="0" fill="hold" nodeType="clickEffect">
+                                  <p:stCondLst>
+                                    <p:cond delay="0"/>
+                                  </p:stCondLst>
+                                  <p:childTnLst>
+                                    <p:set>
+                                      <p:cBhvr>
+                                        <p:cTn id="12" dur="1" fill="hold">
+                                          <p:stCondLst>
+                                            <p:cond delay="0"/>
+                                          </p:stCondLst>
+                                        </p:cTn>
+                                        <p:tgtEl>
+                                          <p:spTgt spid="27"/>
+                                        </p:tgtEl>
+                                        <p:attrNameLst>
+                                          <p:attrName>style.visibility</p:attrName>
+                                        </p:attrNameLst>
+                                      </p:cBhvr>
+                                      <p:to>
+                                        <p:strVal val="visible"/>
+                                      </p:to>
+                                    </p:set>
+                                  </p:childTnLst>
+                                </p:cTn>
+                              </p:par>
+                            </p:childTnLst>
+                          </p:cTn>
+                        </p:par>
+                      </p:childTnLst>
+                    </p:cTn>
+                  </p:par>
+                  <p:par>
+                    <p:cTn id="13" fill="hold">
+                      <p:stCondLst>
+                        <p:cond delay="indefinite"/>
+                      </p:stCondLst>
+                      <p:childTnLst>
+                        <p:par>
+                          <p:cTn id="14" fill="hold">
+                            <p:stCondLst>
+                              <p:cond delay="0"/>
+                            </p:stCondLst>
+                            <p:childTnLst>
+                              <p:par>
+                                <p:cTn id="15" presetID="1" presetClass="entr" presetSubtype="0" fill="hold" nodeType="clickEffect">
+                                  <p:stCondLst>
+                                    <p:cond delay="0"/>
+                                  </p:stCondLst>
+                                  <p:childTnLst>
+                                    <p:set>
+                                      <p:cBhvr>
+                                        <p:cTn id="16" dur="1" fill="hold">
+                                          <p:stCondLst>
+                                            <p:cond delay="0"/>
+                                          </p:stCondLst>
+                                        </p:cTn>
+                                        <p:tgtEl>
+                                          <p:spTgt spid="28"/>
+                                        </p:tgtEl>
+                                        <p:attrNameLst>
+                                          <p:attrName>style.visibility</p:attrName>
+                                        </p:attrNameLst>
+                                      </p:cBhvr>
+                                      <p:to>
+                                        <p:strVal val="visible"/>
+                                      </p:to>
+                                    </p:set>
+                                  </p:childTnLst>
+                                </p:cTn>
+                              </p:par>
+                            </p:childTnLst>
+                          </p:cTn>
+                        </p:par>
+                      </p:childTnLst>
+                    </p:cTn>
+                  </p:par>
+                  <p:par>
+                    <p:cTn id="17" fill="hold">
+                      <p:stCondLst>
+                        <p:cond delay="indefinite"/>
+                      </p:stCondLst>
+                      <p:childTnLst>
+                        <p:par>
+                          <p:cTn id="18" fill="hold">
+                            <p:stCondLst>
+                              <p:cond delay="0"/>
+                            </p:stCondLst>
+                            <p:childTnLst>
+                              <p:par>
+                                <p:cTn id="19" presetID="1" presetClass="entr" presetSubtype="0" fill="hold" nodeType="clickEffect">
+                                  <p:stCondLst>
+                                    <p:cond delay="0"/>
+                                  </p:stCondLst>
+                                  <p:childTnLst>
+                                    <p:set>
+                                      <p:cBhvr>
+                                        <p:cTn id="20" dur="1" fill="hold">
+                                          <p:stCondLst>
+                                            <p:cond delay="0"/>
+                                          </p:stCondLst>
+                                        </p:cTn>
+                                        <p:tgtEl>
+                                          <p:spTgt spid="19"/>
+                                        </p:tgtEl>
+                                        <p:attrNameLst>
+                                          <p:attrName>style.visibility</p:attrName>
+                                        </p:attrNameLst>
+                                      </p:cBhvr>
+                                      <p:to>
+                                        <p:strVal val="visible"/>
+                                      </p:to>
+                                    </p:set>
+                                  </p:childTnLst>
+                                </p:cTn>
+                              </p:par>
+                              <p:par>
+                                <p:cTn id="21" presetID="1" presetClass="entr" presetSubtype="0" fill="hold" nodeType="withEffect">
+                                  <p:stCondLst>
+                                    <p:cond delay="0"/>
+                                  </p:stCondLst>
+                                  <p:childTnLst>
+                                    <p:set>
+                                      <p:cBhvr>
+                                        <p:cTn id="22" dur="1" fill="hold">
+                                          <p:stCondLst>
+                                            <p:cond delay="0"/>
+                                          </p:stCondLst>
+                                        </p:cTn>
+                                        <p:tgtEl>
+                                          <p:spTgt spid="22"/>
+                                        </p:tgtEl>
+                                        <p:attrNameLst>
+                                          <p:attrName>style.visibility</p:attrName>
+                                        </p:attrNameLst>
+                                      </p:cBhvr>
+                                      <p:to>
+                                        <p:strVal val="visible"/>
+                                      </p:to>
+                                    </p:set>
+                                  </p:childTnLst>
+                                </p:cTn>
+                              </p:par>
+                            </p:childTnLst>
+                          </p:cTn>
+                        </p:par>
+                      </p:childTnLst>
+                    </p:cTn>
+                  </p:par>
+                  <p:par>
+                    <p:cTn id="23" fill="hold">
+                      <p:stCondLst>
+                        <p:cond delay="indefinite"/>
+                      </p:stCondLst>
+                      <p:childTnLst>
+                        <p:par>
+                          <p:cTn id="24" fill="hold">
+                            <p:stCondLst>
+                              <p:cond delay="0"/>
+                            </p:stCondLst>
+                            <p:childTnLst>
+                              <p:par>
+                                <p:cTn id="25" presetID="1" presetClass="entr" presetSubtype="0" fill="hold" nodeType="clickEffect">
+                                  <p:stCondLst>
+                                    <p:cond delay="0"/>
+                                  </p:stCondLst>
+                                  <p:childTnLst>
+                                    <p:set>
+                                      <p:cBhvr>
+                                        <p:cTn id="26" dur="1" fill="hold">
+                                          <p:stCondLst>
+                                            <p:cond delay="0"/>
+                                          </p:stCondLst>
+                                        </p:cTn>
+                                        <p:tgtEl>
+                                          <p:spTgt spid="7"/>
+                                        </p:tgtEl>
+                                        <p:attrNameLst>
+                                          <p:attrName>style.visibility</p:attrName>
+                                        </p:attrNameLst>
+                                      </p:cBhvr>
+                                      <p:to>
+                                        <p:strVal val="visible"/>
+                                      </p:to>
+                                    </p:set>
+                                  </p:childTnLst>
+                                </p:cTn>
+                              </p:par>
+                              <p:par>
+                                <p:cTn id="27" presetID="1" presetClass="entr" presetSubtype="0" fill="hold" grpId="0" nodeType="withEffect">
+                                  <p:stCondLst>
+                                    <p:cond delay="0"/>
+                                  </p:stCondLst>
+                                  <p:childTnLst>
+                                    <p:set>
+                                      <p:cBhvr>
+                                        <p:cTn id="28" dur="1" fill="hold">
+                                          <p:stCondLst>
+                                            <p:cond delay="0"/>
+                                          </p:stCondLst>
+                                        </p:cTn>
+                                        <p:tgtEl>
+                                          <p:spTgt spid="26"/>
+                                        </p:tgtEl>
+                                        <p:attrNameLst>
+                                          <p:attrName>style.visibility</p:attrName>
+                                        </p:attrNameLst>
+                                      </p:cBhvr>
+                                      <p:to>
+                                        <p:strVal val="visible"/>
+                                      </p:to>
+                                    </p:set>
+                                  </p:childTnLst>
+                                </p:cTn>
+                              </p:par>
+                            </p:childTnLst>
+                          </p:cTn>
+                        </p:par>
+                      </p:childTnLst>
+                    </p:cTn>
+                  </p:par>
+                  <p:par>
+                    <p:cTn id="29" fill="hold">
+                      <p:stCondLst>
+                        <p:cond delay="indefinite"/>
+                      </p:stCondLst>
+                      <p:childTnLst>
+                        <p:par>
+                          <p:cTn id="30" fill="hold">
+                            <p:stCondLst>
+                              <p:cond delay="0"/>
+                            </p:stCondLst>
+                            <p:childTnLst>
+                              <p:par>
+                                <p:cTn id="31" presetID="1" presetClass="entr" presetSubtype="0" fill="hold" nodeType="clickEffect">
+                                  <p:stCondLst>
+                                    <p:cond delay="0"/>
+                                  </p:stCondLst>
+                                  <p:childTnLst>
+                                    <p:set>
+                                      <p:cBhvr>
+                                        <p:cTn id="32" dur="1" fill="hold">
+                                          <p:stCondLst>
+                                            <p:cond delay="0"/>
+                                          </p:stCondLst>
+                                        </p:cTn>
+                                        <p:tgtEl>
+                                          <p:spTgt spid="6"/>
+                                        </p:tgtEl>
+                                        <p:attrNameLst>
+                                          <p:attrName>style.visibility</p:attrName>
+                                        </p:attrNameLst>
+                                      </p:cBhvr>
+                                      <p:to>
+                                        <p:strVal val="visible"/>
+                                      </p:to>
+                                    </p:set>
+                                  </p:childTnLst>
+                                </p:cTn>
+                              </p:par>
+                            </p:childTnLst>
+                          </p:cTn>
+                        </p:par>
+                      </p:childTnLst>
+                    </p:cTn>
+                  </p:par>
+                  <p:par>
+                    <p:cTn id="33" fill="hold">
+                      <p:stCondLst>
+                        <p:cond delay="indefinite"/>
+                      </p:stCondLst>
+                      <p:childTnLst>
+                        <p:par>
+                          <p:cTn id="34" fill="hold">
+                            <p:stCondLst>
+                              <p:cond delay="0"/>
+                            </p:stCondLst>
+                            <p:childTnLst>
+                              <p:par>
+                                <p:cTn id="35" presetID="1" presetClass="entr" presetSubtype="0" fill="hold" nodeType="clickEffect">
+                                  <p:stCondLst>
+                                    <p:cond delay="0"/>
+                                  </p:stCondLst>
+                                  <p:childTnLst>
+                                    <p:set>
+                                      <p:cBhvr>
+                                        <p:cTn id="36" dur="1" fill="hold">
+                                          <p:stCondLst>
+                                            <p:cond delay="0"/>
+                                          </p:stCondLst>
+                                        </p:cTn>
+                                        <p:tgtEl>
+                                          <p:spTgt spid="20"/>
+                                        </p:tgtEl>
+                                        <p:attrNameLst>
+                                          <p:attrName>style.visibility</p:attrName>
+                                        </p:attrNameLst>
+                                      </p:cBhvr>
+                                      <p:to>
+                                        <p:strVal val="visible"/>
+                                      </p:to>
+                                    </p:set>
+                                  </p:childTnLst>
+                                </p:cTn>
+                              </p:par>
+                              <p:par>
+                                <p:cTn id="37" presetID="1" presetClass="entr" presetSubtype="0" fill="hold" grpId="0" nodeType="withEffect">
+                                  <p:stCondLst>
+                                    <p:cond delay="0"/>
+                                  </p:stCondLst>
+                                  <p:childTnLst>
+                                    <p:set>
+                                      <p:cBhvr>
+                                        <p:cTn id="38" dur="1" fill="hold">
+                                          <p:stCondLst>
+                                            <p:cond delay="0"/>
+                                          </p:stCondLst>
+                                        </p:cTn>
+                                        <p:tgtEl>
+                                          <p:spTgt spid="25"/>
+                                        </p:tgtEl>
+                                        <p:attrNameLst>
+                                          <p:attrName>style.visibility</p:attrName>
+                                        </p:attrNameLst>
+                                      </p:cBhvr>
+                                      <p:to>
+                                        <p:strVal val="visible"/>
+                                      </p:to>
+                                    </p:set>
+                                  </p:childTnLst>
+                                </p:cTn>
+                              </p:par>
+                            </p:childTnLst>
+                          </p:cTn>
+                        </p:par>
+                      </p:childTnLst>
+                    </p:cTn>
+                  </p:par>
+                </p:childTnLst>
+              </p:cTn>
+              <p:prevCondLst>
+                <p:cond evt="onPrev" delay="0">
+                  <p:tgtEl>
+                    <p:sldTgt/>
+                  </p:tgtEl>
+                </p:cond>
+              </p:prevCondLst>
+              <p:nextCondLst>
+                <p:cond evt="onNext" delay="0">
+                  <p:tgtEl>
+                    <p:sldTgt/>
+                  </p:tgtEl>
+                </p:cond>
+              </p:nextCondLst>
+            </p:seq>
+          </p:childTnLst>
+        </p:cTn>
+      </p:par>
+    </p:tnLst>
+    <p:bldLst>
+      <p:bldP spid="24" grpId="0"/>
+      <p:bldP spid="25" grpId="0"/>
+      <p:bldP spid="26" grpId="0"/>
+    </p:bldLst>
+  </p:timing>
 </p:sld>
 </file>
 
@@ -7086,7 +7616,7 @@
             </a:avLst>
           </a:prstGeom>
           <a:solidFill>
-            <a:srgbClr val="00C020"/>
+            <a:srgbClr val="00B0F0"/>
           </a:solidFill>
         </p:spPr>
         <p:style>
@@ -7143,7 +7673,7 @@
             </a:avLst>
           </a:prstGeom>
           <a:solidFill>
-            <a:srgbClr val="00B0F0"/>
+            <a:srgbClr val="00C020"/>
           </a:solidFill>
           <a:ln>
             <a:noFill/>
@@ -7195,7 +7725,7 @@
             <a:avLst/>
           </a:prstGeom>
           <a:solidFill>
-            <a:srgbClr val="00B0F0"/>
+            <a:srgbClr val="00C020"/>
           </a:solidFill>
           <a:ln>
             <a:noFill/>
@@ -7422,6 +7952,278 @@
   <p:clrMapOvr>
     <a:masterClrMapping/>
   </p:clrMapOvr>
+  <p:timing>
+    <p:tnLst>
+      <p:par>
+        <p:cTn id="1" dur="indefinite" restart="never" nodeType="tmRoot">
+          <p:childTnLst>
+            <p:seq concurrent="1" nextAc="seek">
+              <p:cTn id="2" dur="indefinite" nodeType="mainSeq">
+                <p:childTnLst>
+                  <p:par>
+                    <p:cTn id="3" fill="hold">
+                      <p:stCondLst>
+                        <p:cond delay="indefinite"/>
+                      </p:stCondLst>
+                      <p:childTnLst>
+                        <p:par>
+                          <p:cTn id="4" fill="hold">
+                            <p:stCondLst>
+                              <p:cond delay="0"/>
+                            </p:stCondLst>
+                            <p:childTnLst>
+                              <p:par>
+                                <p:cTn id="5" presetID="1" presetClass="entr" presetSubtype="0" fill="hold" grpId="0" nodeType="clickEffect">
+                                  <p:stCondLst>
+                                    <p:cond delay="0"/>
+                                  </p:stCondLst>
+                                  <p:childTnLst>
+                                    <p:set>
+                                      <p:cBhvr>
+                                        <p:cTn id="6" dur="1" fill="hold">
+                                          <p:stCondLst>
+                                            <p:cond delay="0"/>
+                                          </p:stCondLst>
+                                        </p:cTn>
+                                        <p:tgtEl>
+                                          <p:spTgt spid="33"/>
+                                        </p:tgtEl>
+                                        <p:attrNameLst>
+                                          <p:attrName>style.visibility</p:attrName>
+                                        </p:attrNameLst>
+                                      </p:cBhvr>
+                                      <p:to>
+                                        <p:strVal val="visible"/>
+                                      </p:to>
+                                    </p:set>
+                                  </p:childTnLst>
+                                </p:cTn>
+                              </p:par>
+                              <p:par>
+                                <p:cTn id="7" presetID="1" presetClass="entr" presetSubtype="0" fill="hold" grpId="0" nodeType="withEffect">
+                                  <p:stCondLst>
+                                    <p:cond delay="0"/>
+                                  </p:stCondLst>
+                                  <p:childTnLst>
+                                    <p:set>
+                                      <p:cBhvr>
+                                        <p:cTn id="8" dur="1" fill="hold">
+                                          <p:stCondLst>
+                                            <p:cond delay="0"/>
+                                          </p:stCondLst>
+                                        </p:cTn>
+                                        <p:tgtEl>
+                                          <p:spTgt spid="34"/>
+                                        </p:tgtEl>
+                                        <p:attrNameLst>
+                                          <p:attrName>style.visibility</p:attrName>
+                                        </p:attrNameLst>
+                                      </p:cBhvr>
+                                      <p:to>
+                                        <p:strVal val="visible"/>
+                                      </p:to>
+                                    </p:set>
+                                  </p:childTnLst>
+                                </p:cTn>
+                              </p:par>
+                              <p:par>
+                                <p:cTn id="9" presetID="1" presetClass="entr" presetSubtype="0" fill="hold" grpId="0" nodeType="withEffect">
+                                  <p:stCondLst>
+                                    <p:cond delay="0"/>
+                                  </p:stCondLst>
+                                  <p:childTnLst>
+                                    <p:set>
+                                      <p:cBhvr>
+                                        <p:cTn id="10" dur="1" fill="hold">
+                                          <p:stCondLst>
+                                            <p:cond delay="0"/>
+                                          </p:stCondLst>
+                                        </p:cTn>
+                                        <p:tgtEl>
+                                          <p:spTgt spid="35"/>
+                                        </p:tgtEl>
+                                        <p:attrNameLst>
+                                          <p:attrName>style.visibility</p:attrName>
+                                        </p:attrNameLst>
+                                      </p:cBhvr>
+                                      <p:to>
+                                        <p:strVal val="visible"/>
+                                      </p:to>
+                                    </p:set>
+                                  </p:childTnLst>
+                                </p:cTn>
+                              </p:par>
+                            </p:childTnLst>
+                          </p:cTn>
+                        </p:par>
+                      </p:childTnLst>
+                    </p:cTn>
+                  </p:par>
+                  <p:par>
+                    <p:cTn id="11" fill="hold">
+                      <p:stCondLst>
+                        <p:cond delay="indefinite"/>
+                      </p:stCondLst>
+                      <p:childTnLst>
+                        <p:par>
+                          <p:cTn id="12" fill="hold">
+                            <p:stCondLst>
+                              <p:cond delay="0"/>
+                            </p:stCondLst>
+                            <p:childTnLst>
+                              <p:par>
+                                <p:cTn id="13" presetID="1" presetClass="entr" presetSubtype="0" fill="hold" grpId="0" nodeType="clickEffect">
+                                  <p:stCondLst>
+                                    <p:cond delay="0"/>
+                                  </p:stCondLst>
+                                  <p:childTnLst>
+                                    <p:set>
+                                      <p:cBhvr>
+                                        <p:cTn id="14" dur="1" fill="hold">
+                                          <p:stCondLst>
+                                            <p:cond delay="0"/>
+                                          </p:stCondLst>
+                                        </p:cTn>
+                                        <p:tgtEl>
+                                          <p:spTgt spid="26"/>
+                                        </p:tgtEl>
+                                        <p:attrNameLst>
+                                          <p:attrName>style.visibility</p:attrName>
+                                        </p:attrNameLst>
+                                      </p:cBhvr>
+                                      <p:to>
+                                        <p:strVal val="visible"/>
+                                      </p:to>
+                                    </p:set>
+                                  </p:childTnLst>
+                                </p:cTn>
+                              </p:par>
+                            </p:childTnLst>
+                          </p:cTn>
+                        </p:par>
+                      </p:childTnLst>
+                    </p:cTn>
+                  </p:par>
+                  <p:par>
+                    <p:cTn id="15" fill="hold">
+                      <p:stCondLst>
+                        <p:cond delay="indefinite"/>
+                      </p:stCondLst>
+                      <p:childTnLst>
+                        <p:par>
+                          <p:cTn id="16" fill="hold">
+                            <p:stCondLst>
+                              <p:cond delay="0"/>
+                            </p:stCondLst>
+                            <p:childTnLst>
+                              <p:par>
+                                <p:cTn id="17" presetID="1" presetClass="entr" presetSubtype="0" fill="hold" grpId="0" nodeType="clickEffect">
+                                  <p:stCondLst>
+                                    <p:cond delay="0"/>
+                                  </p:stCondLst>
+                                  <p:childTnLst>
+                                    <p:set>
+                                      <p:cBhvr>
+                                        <p:cTn id="18" dur="1" fill="hold">
+                                          <p:stCondLst>
+                                            <p:cond delay="0"/>
+                                          </p:stCondLst>
+                                        </p:cTn>
+                                        <p:tgtEl>
+                                          <p:spTgt spid="29"/>
+                                        </p:tgtEl>
+                                        <p:attrNameLst>
+                                          <p:attrName>style.visibility</p:attrName>
+                                        </p:attrNameLst>
+                                      </p:cBhvr>
+                                      <p:to>
+                                        <p:strVal val="visible"/>
+                                      </p:to>
+                                    </p:set>
+                                  </p:childTnLst>
+                                </p:cTn>
+                              </p:par>
+                            </p:childTnLst>
+                          </p:cTn>
+                        </p:par>
+                      </p:childTnLst>
+                    </p:cTn>
+                  </p:par>
+                  <p:par>
+                    <p:cTn id="19" fill="hold">
+                      <p:stCondLst>
+                        <p:cond delay="indefinite"/>
+                      </p:stCondLst>
+                      <p:childTnLst>
+                        <p:par>
+                          <p:cTn id="20" fill="hold">
+                            <p:stCondLst>
+                              <p:cond delay="0"/>
+                            </p:stCondLst>
+                            <p:childTnLst>
+                              <p:par>
+                                <p:cTn id="21" presetID="1" presetClass="entr" presetSubtype="0" fill="hold" grpId="0" nodeType="clickEffect">
+                                  <p:stCondLst>
+                                    <p:cond delay="0"/>
+                                  </p:stCondLst>
+                                  <p:childTnLst>
+                                    <p:set>
+                                      <p:cBhvr>
+                                        <p:cTn id="22" dur="1" fill="hold">
+                                          <p:stCondLst>
+                                            <p:cond delay="0"/>
+                                          </p:stCondLst>
+                                        </p:cTn>
+                                        <p:tgtEl>
+                                          <p:spTgt spid="30"/>
+                                        </p:tgtEl>
+                                        <p:attrNameLst>
+                                          <p:attrName>style.visibility</p:attrName>
+                                        </p:attrNameLst>
+                                      </p:cBhvr>
+                                      <p:to>
+                                        <p:strVal val="visible"/>
+                                      </p:to>
+                                    </p:set>
+                                  </p:childTnLst>
+                                </p:cTn>
+                              </p:par>
+                            </p:childTnLst>
+                          </p:cTn>
+                        </p:par>
+                      </p:childTnLst>
+                    </p:cTn>
+                  </p:par>
+                </p:childTnLst>
+              </p:cTn>
+              <p:prevCondLst>
+                <p:cond evt="onPrev" delay="0">
+                  <p:tgtEl>
+                    <p:sldTgt/>
+                  </p:tgtEl>
+                </p:cond>
+              </p:prevCondLst>
+              <p:nextCondLst>
+                <p:cond evt="onNext" delay="0">
+                  <p:tgtEl>
+                    <p:sldTgt/>
+                  </p:tgtEl>
+                </p:cond>
+              </p:nextCondLst>
+            </p:seq>
+          </p:childTnLst>
+        </p:cTn>
+      </p:par>
+    </p:tnLst>
+    <p:bldLst>
+      <p:bldP spid="26" grpId="0" animBg="1"/>
+      <p:bldP spid="29" grpId="0" animBg="1"/>
+      <p:bldP spid="30" grpId="0" animBg="1"/>
+      <p:bldP spid="33" grpId="0" animBg="1"/>
+      <p:bldP spid="34" grpId="0" animBg="1"/>
+      <p:bldP spid="35" grpId="0" animBg="1"/>
+    </p:bldLst>
+  </p:timing>
 </p:sld>
 </file>
 
